--- a/Projet_Windows_serveur.pptx
+++ b/Projet_Windows_serveur.pptx
@@ -11,7 +11,7 @@
   <p:sldIdLst>
     <p:sldId id="256" r:id="rId6"/>
     <p:sldId id="257" r:id="rId7"/>
-    <p:sldId id="258" r:id="rId8"/>
+    <p:sldId id="259" r:id="rId8"/>
   </p:sldIdLst>
   <p:sldSz cx="12192000" cy="6858000"/>
   <p:notesSz cx="6858000" cy="9144000"/>
@@ -110,6 +110,11 @@
       </a:defRPr>
     </a:lvl9pPr>
   </p:defaultTextStyle>
+  <p:extLst>
+    <p:ext uri="{EFAFB233-063F-42B5-8137-9DF3F51BA10A}">
+      <p15:sldGuideLst xmlns:p15="http://schemas.microsoft.com/office/powerpoint/2012/main"/>
+    </p:ext>
+  </p:extLst>
 </p:presentation>
 </file>
 
@@ -355,7 +360,7 @@
           <p:cNvPr id="8" name="Image 7">
             <a:extLst>
               <a:ext uri="{FF2B5EF4-FFF2-40B4-BE49-F238E27FC236}">
-                <a16:creationId xmlns:a16="http://schemas.microsoft.com/office/drawing/2014/main" id="{6D18AF03-6118-44B0-8E0D-55D88E2D7FA8}"/>
+                <a16:creationId xmlns:a16="http://schemas.microsoft.com/office/drawing/2014/main" xmlns="" id="{6D18AF03-6118-44B0-8E0D-55D88E2D7FA8}"/>
               </a:ext>
             </a:extLst>
           </p:cNvPr>
@@ -655,7 +660,7 @@
           <a:p>
             <a:fld id="{10489E0E-CC19-4746-AE3F-A20083D175C2}" type="slidenum">
               <a:rPr lang="fr-FR" smtClean="0"/>
-              <a:t>‹N°›</a:t>
+              <a:t>‹#›</a:t>
             </a:fld>
             <a:endParaRPr lang="fr-FR"/>
           </a:p>
@@ -849,7 +854,7 @@
           <a:p>
             <a:fld id="{10489E0E-CC19-4746-AE3F-A20083D175C2}" type="slidenum">
               <a:rPr lang="fr-FR" smtClean="0"/>
-              <a:t>‹N°›</a:t>
+              <a:t>‹#›</a:t>
             </a:fld>
             <a:endParaRPr lang="fr-FR"/>
           </a:p>
@@ -1122,7 +1127,7 @@
           <a:p>
             <a:fld id="{10489E0E-CC19-4746-AE3F-A20083D175C2}" type="slidenum">
               <a:rPr lang="fr-FR" smtClean="0"/>
-              <a:t>‹N°›</a:t>
+              <a:t>‹#›</a:t>
             </a:fld>
             <a:endParaRPr lang="fr-FR"/>
           </a:p>
@@ -1463,7 +1468,7 @@
           <a:p>
             <a:fld id="{10489E0E-CC19-4746-AE3F-A20083D175C2}" type="slidenum">
               <a:rPr lang="fr-FR" smtClean="0"/>
-              <a:t>‹N°›</a:t>
+              <a:t>‹#›</a:t>
             </a:fld>
             <a:endParaRPr lang="fr-FR"/>
           </a:p>
@@ -2086,7 +2091,7 @@
           <a:p>
             <a:fld id="{10489E0E-CC19-4746-AE3F-A20083D175C2}" type="slidenum">
               <a:rPr lang="fr-FR" smtClean="0"/>
-              <a:t>‹N°›</a:t>
+              <a:t>‹#›</a:t>
             </a:fld>
             <a:endParaRPr lang="fr-FR"/>
           </a:p>
@@ -2946,7 +2951,7 @@
           <a:p>
             <a:fld id="{10489E0E-CC19-4746-AE3F-A20083D175C2}" type="slidenum">
               <a:rPr lang="fr-FR" smtClean="0"/>
-              <a:t>‹N°›</a:t>
+              <a:t>‹#›</a:t>
             </a:fld>
             <a:endParaRPr lang="fr-FR"/>
           </a:p>
@@ -3116,7 +3121,7 @@
           <a:p>
             <a:fld id="{10489E0E-CC19-4746-AE3F-A20083D175C2}" type="slidenum">
               <a:rPr lang="fr-FR" smtClean="0"/>
-              <a:t>‹N°›</a:t>
+              <a:t>‹#›</a:t>
             </a:fld>
             <a:endParaRPr lang="fr-FR"/>
           </a:p>
@@ -3296,7 +3301,7 @@
           <a:p>
             <a:fld id="{10489E0E-CC19-4746-AE3F-A20083D175C2}" type="slidenum">
               <a:rPr lang="fr-FR" smtClean="0"/>
-              <a:t>‹N°›</a:t>
+              <a:t>‹#›</a:t>
             </a:fld>
             <a:endParaRPr lang="fr-FR"/>
           </a:p>
@@ -3337,7 +3342,7 @@
           <p:cNvPr id="2" name="Titre 1">
             <a:extLst>
               <a:ext uri="{FF2B5EF4-FFF2-40B4-BE49-F238E27FC236}">
-                <a16:creationId xmlns:a16="http://schemas.microsoft.com/office/drawing/2014/main" id="{6CED0669-4668-429A-BAF1-7681A647EE44}"/>
+                <a16:creationId xmlns:a16="http://schemas.microsoft.com/office/drawing/2014/main" xmlns="" id="{6CED0669-4668-429A-BAF1-7681A647EE44}"/>
               </a:ext>
             </a:extLst>
           </p:cNvPr>
@@ -3374,7 +3379,7 @@
           <p:cNvPr id="3" name="Sous-titre 2">
             <a:extLst>
               <a:ext uri="{FF2B5EF4-FFF2-40B4-BE49-F238E27FC236}">
-                <a16:creationId xmlns:a16="http://schemas.microsoft.com/office/drawing/2014/main" id="{293CF840-E65E-4118-BAB3-2AF83943EE21}"/>
+                <a16:creationId xmlns:a16="http://schemas.microsoft.com/office/drawing/2014/main" xmlns="" id="{293CF840-E65E-4118-BAB3-2AF83943EE21}"/>
               </a:ext>
             </a:extLst>
           </p:cNvPr>
@@ -3444,7 +3449,7 @@
           <p:cNvPr id="4" name="Espace réservé de la date 3">
             <a:extLst>
               <a:ext uri="{FF2B5EF4-FFF2-40B4-BE49-F238E27FC236}">
-                <a16:creationId xmlns:a16="http://schemas.microsoft.com/office/drawing/2014/main" id="{4F54988C-F25C-4DFB-8235-1C9EED854D35}"/>
+                <a16:creationId xmlns:a16="http://schemas.microsoft.com/office/drawing/2014/main" xmlns="" id="{4F54988C-F25C-4DFB-8235-1C9EED854D35}"/>
               </a:ext>
             </a:extLst>
           </p:cNvPr>
@@ -3473,7 +3478,7 @@
           <p:cNvPr id="5" name="Espace réservé du pied de page 4">
             <a:extLst>
               <a:ext uri="{FF2B5EF4-FFF2-40B4-BE49-F238E27FC236}">
-                <a16:creationId xmlns:a16="http://schemas.microsoft.com/office/drawing/2014/main" id="{AC64B866-032B-4A93-837B-3069EFF0F248}"/>
+                <a16:creationId xmlns:a16="http://schemas.microsoft.com/office/drawing/2014/main" xmlns="" id="{AC64B866-032B-4A93-837B-3069EFF0F248}"/>
               </a:ext>
             </a:extLst>
           </p:cNvPr>
@@ -3498,7 +3503,7 @@
           <p:cNvPr id="6" name="Espace réservé du numéro de diapositive 5">
             <a:extLst>
               <a:ext uri="{FF2B5EF4-FFF2-40B4-BE49-F238E27FC236}">
-                <a16:creationId xmlns:a16="http://schemas.microsoft.com/office/drawing/2014/main" id="{352E7062-8B47-4FCC-8520-9BD04DB4BB81}"/>
+                <a16:creationId xmlns:a16="http://schemas.microsoft.com/office/drawing/2014/main" xmlns="" id="{352E7062-8B47-4FCC-8520-9BD04DB4BB81}"/>
               </a:ext>
             </a:extLst>
           </p:cNvPr>
@@ -3516,7 +3521,7 @@
           <a:p>
             <a:fld id="{4E75FA5F-F235-4F54-B859-BB483DCF6E4D}" type="slidenum">
               <a:rPr lang="fr-FR" smtClean="0"/>
-              <a:t>‹N°›</a:t>
+              <a:t>‹#›</a:t>
             </a:fld>
             <a:endParaRPr lang="fr-FR"/>
           </a:p>
@@ -3557,7 +3562,7 @@
           <p:cNvPr id="2" name="Titre 1">
             <a:extLst>
               <a:ext uri="{FF2B5EF4-FFF2-40B4-BE49-F238E27FC236}">
-                <a16:creationId xmlns:a16="http://schemas.microsoft.com/office/drawing/2014/main" id="{82A1226D-CDDA-4848-B962-E22815DD7B2B}"/>
+                <a16:creationId xmlns:a16="http://schemas.microsoft.com/office/drawing/2014/main" xmlns="" id="{82A1226D-CDDA-4848-B962-E22815DD7B2B}"/>
               </a:ext>
             </a:extLst>
           </p:cNvPr>
@@ -3585,7 +3590,7 @@
           <p:cNvPr id="3" name="Espace réservé du contenu 2">
             <a:extLst>
               <a:ext uri="{FF2B5EF4-FFF2-40B4-BE49-F238E27FC236}">
-                <a16:creationId xmlns:a16="http://schemas.microsoft.com/office/drawing/2014/main" id="{630F11E0-5BAD-444A-AB55-9EA5801A1A57}"/>
+                <a16:creationId xmlns:a16="http://schemas.microsoft.com/office/drawing/2014/main" xmlns="" id="{630F11E0-5BAD-444A-AB55-9EA5801A1A57}"/>
               </a:ext>
             </a:extLst>
           </p:cNvPr>
@@ -3642,7 +3647,7 @@
           <p:cNvPr id="4" name="Espace réservé de la date 3">
             <a:extLst>
               <a:ext uri="{FF2B5EF4-FFF2-40B4-BE49-F238E27FC236}">
-                <a16:creationId xmlns:a16="http://schemas.microsoft.com/office/drawing/2014/main" id="{E4E8774A-9F5E-4C6C-99A9-72695E12373F}"/>
+                <a16:creationId xmlns:a16="http://schemas.microsoft.com/office/drawing/2014/main" xmlns="" id="{E4E8774A-9F5E-4C6C-99A9-72695E12373F}"/>
               </a:ext>
             </a:extLst>
           </p:cNvPr>
@@ -3671,7 +3676,7 @@
           <p:cNvPr id="5" name="Espace réservé du pied de page 4">
             <a:extLst>
               <a:ext uri="{FF2B5EF4-FFF2-40B4-BE49-F238E27FC236}">
-                <a16:creationId xmlns:a16="http://schemas.microsoft.com/office/drawing/2014/main" id="{87473ABA-0B9A-44F5-9CCF-9807EDAEF8DD}"/>
+                <a16:creationId xmlns:a16="http://schemas.microsoft.com/office/drawing/2014/main" xmlns="" id="{87473ABA-0B9A-44F5-9CCF-9807EDAEF8DD}"/>
               </a:ext>
             </a:extLst>
           </p:cNvPr>
@@ -3696,7 +3701,7 @@
           <p:cNvPr id="6" name="Espace réservé du numéro de diapositive 5">
             <a:extLst>
               <a:ext uri="{FF2B5EF4-FFF2-40B4-BE49-F238E27FC236}">
-                <a16:creationId xmlns:a16="http://schemas.microsoft.com/office/drawing/2014/main" id="{39C76E0C-0BA5-4FD8-9B18-EB9C9C21B8F3}"/>
+                <a16:creationId xmlns:a16="http://schemas.microsoft.com/office/drawing/2014/main" xmlns="" id="{39C76E0C-0BA5-4FD8-9B18-EB9C9C21B8F3}"/>
               </a:ext>
             </a:extLst>
           </p:cNvPr>
@@ -3714,7 +3719,7 @@
           <a:p>
             <a:fld id="{4E75FA5F-F235-4F54-B859-BB483DCF6E4D}" type="slidenum">
               <a:rPr lang="fr-FR" smtClean="0"/>
-              <a:t>‹N°›</a:t>
+              <a:t>‹#›</a:t>
             </a:fld>
             <a:endParaRPr lang="fr-FR"/>
           </a:p>
@@ -3898,7 +3903,7 @@
           <p:cNvPr id="11" name="Image 10">
             <a:extLst>
               <a:ext uri="{FF2B5EF4-FFF2-40B4-BE49-F238E27FC236}">
-                <a16:creationId xmlns:a16="http://schemas.microsoft.com/office/drawing/2014/main" id="{205F166C-9DC6-4692-A4A8-8414633DDC70}"/>
+                <a16:creationId xmlns:a16="http://schemas.microsoft.com/office/drawing/2014/main" xmlns="" id="{205F166C-9DC6-4692-A4A8-8414633DDC70}"/>
               </a:ext>
             </a:extLst>
           </p:cNvPr>
@@ -3964,7 +3969,7 @@
           <p:cNvPr id="2" name="Titre 1">
             <a:extLst>
               <a:ext uri="{FF2B5EF4-FFF2-40B4-BE49-F238E27FC236}">
-                <a16:creationId xmlns:a16="http://schemas.microsoft.com/office/drawing/2014/main" id="{D7518787-3021-480C-B729-DB8A6DF3DC4D}"/>
+                <a16:creationId xmlns:a16="http://schemas.microsoft.com/office/drawing/2014/main" xmlns="" id="{D7518787-3021-480C-B729-DB8A6DF3DC4D}"/>
               </a:ext>
             </a:extLst>
           </p:cNvPr>
@@ -4001,7 +4006,7 @@
           <p:cNvPr id="3" name="Espace réservé du texte 2">
             <a:extLst>
               <a:ext uri="{FF2B5EF4-FFF2-40B4-BE49-F238E27FC236}">
-                <a16:creationId xmlns:a16="http://schemas.microsoft.com/office/drawing/2014/main" id="{193CE050-6654-4A39-AE68-83943C24F50D}"/>
+                <a16:creationId xmlns:a16="http://schemas.microsoft.com/office/drawing/2014/main" xmlns="" id="{193CE050-6654-4A39-AE68-83943C24F50D}"/>
               </a:ext>
             </a:extLst>
           </p:cNvPr>
@@ -4126,7 +4131,7 @@
           <p:cNvPr id="4" name="Espace réservé de la date 3">
             <a:extLst>
               <a:ext uri="{FF2B5EF4-FFF2-40B4-BE49-F238E27FC236}">
-                <a16:creationId xmlns:a16="http://schemas.microsoft.com/office/drawing/2014/main" id="{ED481E7C-63D8-4EAC-B37E-23453D9A8B0E}"/>
+                <a16:creationId xmlns:a16="http://schemas.microsoft.com/office/drawing/2014/main" xmlns="" id="{ED481E7C-63D8-4EAC-B37E-23453D9A8B0E}"/>
               </a:ext>
             </a:extLst>
           </p:cNvPr>
@@ -4155,7 +4160,7 @@
           <p:cNvPr id="5" name="Espace réservé du pied de page 4">
             <a:extLst>
               <a:ext uri="{FF2B5EF4-FFF2-40B4-BE49-F238E27FC236}">
-                <a16:creationId xmlns:a16="http://schemas.microsoft.com/office/drawing/2014/main" id="{8740F03D-85C3-4479-90AB-E65C1332D4D7}"/>
+                <a16:creationId xmlns:a16="http://schemas.microsoft.com/office/drawing/2014/main" xmlns="" id="{8740F03D-85C3-4479-90AB-E65C1332D4D7}"/>
               </a:ext>
             </a:extLst>
           </p:cNvPr>
@@ -4180,7 +4185,7 @@
           <p:cNvPr id="6" name="Espace réservé du numéro de diapositive 5">
             <a:extLst>
               <a:ext uri="{FF2B5EF4-FFF2-40B4-BE49-F238E27FC236}">
-                <a16:creationId xmlns:a16="http://schemas.microsoft.com/office/drawing/2014/main" id="{4537B3A2-E1AB-48C9-B19C-3695A288FDBF}"/>
+                <a16:creationId xmlns:a16="http://schemas.microsoft.com/office/drawing/2014/main" xmlns="" id="{4537B3A2-E1AB-48C9-B19C-3695A288FDBF}"/>
               </a:ext>
             </a:extLst>
           </p:cNvPr>
@@ -4198,7 +4203,7 @@
           <a:p>
             <a:fld id="{4E75FA5F-F235-4F54-B859-BB483DCF6E4D}" type="slidenum">
               <a:rPr lang="fr-FR" smtClean="0"/>
-              <a:t>‹N°›</a:t>
+              <a:t>‹#›</a:t>
             </a:fld>
             <a:endParaRPr lang="fr-FR"/>
           </a:p>
@@ -4239,7 +4244,7 @@
           <p:cNvPr id="2" name="Titre 1">
             <a:extLst>
               <a:ext uri="{FF2B5EF4-FFF2-40B4-BE49-F238E27FC236}">
-                <a16:creationId xmlns:a16="http://schemas.microsoft.com/office/drawing/2014/main" id="{064A67E0-169E-4052-BE1C-BAAB06C91B22}"/>
+                <a16:creationId xmlns:a16="http://schemas.microsoft.com/office/drawing/2014/main" xmlns="" id="{064A67E0-169E-4052-BE1C-BAAB06C91B22}"/>
               </a:ext>
             </a:extLst>
           </p:cNvPr>
@@ -4267,7 +4272,7 @@
           <p:cNvPr id="3" name="Espace réservé du contenu 2">
             <a:extLst>
               <a:ext uri="{FF2B5EF4-FFF2-40B4-BE49-F238E27FC236}">
-                <a16:creationId xmlns:a16="http://schemas.microsoft.com/office/drawing/2014/main" id="{E0C71EAC-1C66-45CA-B305-A828BD661D2B}"/>
+                <a16:creationId xmlns:a16="http://schemas.microsoft.com/office/drawing/2014/main" xmlns="" id="{E0C71EAC-1C66-45CA-B305-A828BD661D2B}"/>
               </a:ext>
             </a:extLst>
           </p:cNvPr>
@@ -4329,7 +4334,7 @@
           <p:cNvPr id="4" name="Espace réservé du contenu 3">
             <a:extLst>
               <a:ext uri="{FF2B5EF4-FFF2-40B4-BE49-F238E27FC236}">
-                <a16:creationId xmlns:a16="http://schemas.microsoft.com/office/drawing/2014/main" id="{D81EEF5B-F0CF-4549-A521-75516BCED551}"/>
+                <a16:creationId xmlns:a16="http://schemas.microsoft.com/office/drawing/2014/main" xmlns="" id="{D81EEF5B-F0CF-4549-A521-75516BCED551}"/>
               </a:ext>
             </a:extLst>
           </p:cNvPr>
@@ -4391,7 +4396,7 @@
           <p:cNvPr id="5" name="Espace réservé de la date 4">
             <a:extLst>
               <a:ext uri="{FF2B5EF4-FFF2-40B4-BE49-F238E27FC236}">
-                <a16:creationId xmlns:a16="http://schemas.microsoft.com/office/drawing/2014/main" id="{3DDB679B-EA9E-4346-9B0A-F6DC61D7D90C}"/>
+                <a16:creationId xmlns:a16="http://schemas.microsoft.com/office/drawing/2014/main" xmlns="" id="{3DDB679B-EA9E-4346-9B0A-F6DC61D7D90C}"/>
               </a:ext>
             </a:extLst>
           </p:cNvPr>
@@ -4420,7 +4425,7 @@
           <p:cNvPr id="6" name="Espace réservé du pied de page 5">
             <a:extLst>
               <a:ext uri="{FF2B5EF4-FFF2-40B4-BE49-F238E27FC236}">
-                <a16:creationId xmlns:a16="http://schemas.microsoft.com/office/drawing/2014/main" id="{BE04A616-0A36-4A7A-8A1C-1A9FD51C36C6}"/>
+                <a16:creationId xmlns:a16="http://schemas.microsoft.com/office/drawing/2014/main" xmlns="" id="{BE04A616-0A36-4A7A-8A1C-1A9FD51C36C6}"/>
               </a:ext>
             </a:extLst>
           </p:cNvPr>
@@ -4445,7 +4450,7 @@
           <p:cNvPr id="7" name="Espace réservé du numéro de diapositive 6">
             <a:extLst>
               <a:ext uri="{FF2B5EF4-FFF2-40B4-BE49-F238E27FC236}">
-                <a16:creationId xmlns:a16="http://schemas.microsoft.com/office/drawing/2014/main" id="{8DCF36D8-90A7-4798-8C4C-B4A7765BDB55}"/>
+                <a16:creationId xmlns:a16="http://schemas.microsoft.com/office/drawing/2014/main" xmlns="" id="{8DCF36D8-90A7-4798-8C4C-B4A7765BDB55}"/>
               </a:ext>
             </a:extLst>
           </p:cNvPr>
@@ -4463,7 +4468,7 @@
           <a:p>
             <a:fld id="{4E75FA5F-F235-4F54-B859-BB483DCF6E4D}" type="slidenum">
               <a:rPr lang="fr-FR" smtClean="0"/>
-              <a:t>‹N°›</a:t>
+              <a:t>‹#›</a:t>
             </a:fld>
             <a:endParaRPr lang="fr-FR"/>
           </a:p>
@@ -4504,7 +4509,7 @@
           <p:cNvPr id="2" name="Titre 1">
             <a:extLst>
               <a:ext uri="{FF2B5EF4-FFF2-40B4-BE49-F238E27FC236}">
-                <a16:creationId xmlns:a16="http://schemas.microsoft.com/office/drawing/2014/main" id="{849D0A46-ECCE-47F9-B6F9-FE9CF7A3E2DD}"/>
+                <a16:creationId xmlns:a16="http://schemas.microsoft.com/office/drawing/2014/main" xmlns="" id="{849D0A46-ECCE-47F9-B6F9-FE9CF7A3E2DD}"/>
               </a:ext>
             </a:extLst>
           </p:cNvPr>
@@ -4537,7 +4542,7 @@
           <p:cNvPr id="3" name="Espace réservé du texte 2">
             <a:extLst>
               <a:ext uri="{FF2B5EF4-FFF2-40B4-BE49-F238E27FC236}">
-                <a16:creationId xmlns:a16="http://schemas.microsoft.com/office/drawing/2014/main" id="{F30287AA-9192-4635-AD85-C6948999467E}"/>
+                <a16:creationId xmlns:a16="http://schemas.microsoft.com/office/drawing/2014/main" xmlns="" id="{F30287AA-9192-4635-AD85-C6948999467E}"/>
               </a:ext>
             </a:extLst>
           </p:cNvPr>
@@ -4608,7 +4613,7 @@
           <p:cNvPr id="4" name="Espace réservé du contenu 3">
             <a:extLst>
               <a:ext uri="{FF2B5EF4-FFF2-40B4-BE49-F238E27FC236}">
-                <a16:creationId xmlns:a16="http://schemas.microsoft.com/office/drawing/2014/main" id="{2A7F0F19-2350-49C3-9E32-4E80925160CA}"/>
+                <a16:creationId xmlns:a16="http://schemas.microsoft.com/office/drawing/2014/main" xmlns="" id="{2A7F0F19-2350-49C3-9E32-4E80925160CA}"/>
               </a:ext>
             </a:extLst>
           </p:cNvPr>
@@ -4670,7 +4675,7 @@
           <p:cNvPr id="5" name="Espace réservé du texte 4">
             <a:extLst>
               <a:ext uri="{FF2B5EF4-FFF2-40B4-BE49-F238E27FC236}">
-                <a16:creationId xmlns:a16="http://schemas.microsoft.com/office/drawing/2014/main" id="{BB9CAAB9-2980-47B2-B481-38F6146B3410}"/>
+                <a16:creationId xmlns:a16="http://schemas.microsoft.com/office/drawing/2014/main" xmlns="" id="{BB9CAAB9-2980-47B2-B481-38F6146B3410}"/>
               </a:ext>
             </a:extLst>
           </p:cNvPr>
@@ -4741,7 +4746,7 @@
           <p:cNvPr id="6" name="Espace réservé du contenu 5">
             <a:extLst>
               <a:ext uri="{FF2B5EF4-FFF2-40B4-BE49-F238E27FC236}">
-                <a16:creationId xmlns:a16="http://schemas.microsoft.com/office/drawing/2014/main" id="{E583033B-2B1B-4D2A-9EB8-7F177FED30BF}"/>
+                <a16:creationId xmlns:a16="http://schemas.microsoft.com/office/drawing/2014/main" xmlns="" id="{E583033B-2B1B-4D2A-9EB8-7F177FED30BF}"/>
               </a:ext>
             </a:extLst>
           </p:cNvPr>
@@ -4803,7 +4808,7 @@
           <p:cNvPr id="7" name="Espace réservé de la date 6">
             <a:extLst>
               <a:ext uri="{FF2B5EF4-FFF2-40B4-BE49-F238E27FC236}">
-                <a16:creationId xmlns:a16="http://schemas.microsoft.com/office/drawing/2014/main" id="{81D108A8-29D9-49F8-BD0D-0D6419625DA7}"/>
+                <a16:creationId xmlns:a16="http://schemas.microsoft.com/office/drawing/2014/main" xmlns="" id="{81D108A8-29D9-49F8-BD0D-0D6419625DA7}"/>
               </a:ext>
             </a:extLst>
           </p:cNvPr>
@@ -4832,7 +4837,7 @@
           <p:cNvPr id="8" name="Espace réservé du pied de page 7">
             <a:extLst>
               <a:ext uri="{FF2B5EF4-FFF2-40B4-BE49-F238E27FC236}">
-                <a16:creationId xmlns:a16="http://schemas.microsoft.com/office/drawing/2014/main" id="{20F308DA-582A-4CFA-BE8C-2FFFF70C9C1B}"/>
+                <a16:creationId xmlns:a16="http://schemas.microsoft.com/office/drawing/2014/main" xmlns="" id="{20F308DA-582A-4CFA-BE8C-2FFFF70C9C1B}"/>
               </a:ext>
             </a:extLst>
           </p:cNvPr>
@@ -4857,7 +4862,7 @@
           <p:cNvPr id="9" name="Espace réservé du numéro de diapositive 8">
             <a:extLst>
               <a:ext uri="{FF2B5EF4-FFF2-40B4-BE49-F238E27FC236}">
-                <a16:creationId xmlns:a16="http://schemas.microsoft.com/office/drawing/2014/main" id="{3E446E83-C3C6-4B82-A7CA-0260E2FC6EA6}"/>
+                <a16:creationId xmlns:a16="http://schemas.microsoft.com/office/drawing/2014/main" xmlns="" id="{3E446E83-C3C6-4B82-A7CA-0260E2FC6EA6}"/>
               </a:ext>
             </a:extLst>
           </p:cNvPr>
@@ -4875,7 +4880,7 @@
           <a:p>
             <a:fld id="{4E75FA5F-F235-4F54-B859-BB483DCF6E4D}" type="slidenum">
               <a:rPr lang="fr-FR" smtClean="0"/>
-              <a:t>‹N°›</a:t>
+              <a:t>‹#›</a:t>
             </a:fld>
             <a:endParaRPr lang="fr-FR"/>
           </a:p>
@@ -4916,7 +4921,7 @@
           <p:cNvPr id="2" name="Titre 1">
             <a:extLst>
               <a:ext uri="{FF2B5EF4-FFF2-40B4-BE49-F238E27FC236}">
-                <a16:creationId xmlns:a16="http://schemas.microsoft.com/office/drawing/2014/main" id="{19EA1DA1-9A94-46A0-8980-0D3FCE363E71}"/>
+                <a16:creationId xmlns:a16="http://schemas.microsoft.com/office/drawing/2014/main" xmlns="" id="{19EA1DA1-9A94-46A0-8980-0D3FCE363E71}"/>
               </a:ext>
             </a:extLst>
           </p:cNvPr>
@@ -4944,7 +4949,7 @@
           <p:cNvPr id="3" name="Espace réservé de la date 2">
             <a:extLst>
               <a:ext uri="{FF2B5EF4-FFF2-40B4-BE49-F238E27FC236}">
-                <a16:creationId xmlns:a16="http://schemas.microsoft.com/office/drawing/2014/main" id="{8F34E9ED-5FCC-4F4F-8AD3-40A34676A834}"/>
+                <a16:creationId xmlns:a16="http://schemas.microsoft.com/office/drawing/2014/main" xmlns="" id="{8F34E9ED-5FCC-4F4F-8AD3-40A34676A834}"/>
               </a:ext>
             </a:extLst>
           </p:cNvPr>
@@ -4973,7 +4978,7 @@
           <p:cNvPr id="4" name="Espace réservé du pied de page 3">
             <a:extLst>
               <a:ext uri="{FF2B5EF4-FFF2-40B4-BE49-F238E27FC236}">
-                <a16:creationId xmlns:a16="http://schemas.microsoft.com/office/drawing/2014/main" id="{B8404B89-E482-41FC-9E48-197E05C1A807}"/>
+                <a16:creationId xmlns:a16="http://schemas.microsoft.com/office/drawing/2014/main" xmlns="" id="{B8404B89-E482-41FC-9E48-197E05C1A807}"/>
               </a:ext>
             </a:extLst>
           </p:cNvPr>
@@ -4998,7 +5003,7 @@
           <p:cNvPr id="5" name="Espace réservé du numéro de diapositive 4">
             <a:extLst>
               <a:ext uri="{FF2B5EF4-FFF2-40B4-BE49-F238E27FC236}">
-                <a16:creationId xmlns:a16="http://schemas.microsoft.com/office/drawing/2014/main" id="{A09D6C7B-E678-447D-A54F-A8894FB51326}"/>
+                <a16:creationId xmlns:a16="http://schemas.microsoft.com/office/drawing/2014/main" xmlns="" id="{A09D6C7B-E678-447D-A54F-A8894FB51326}"/>
               </a:ext>
             </a:extLst>
           </p:cNvPr>
@@ -5016,7 +5021,7 @@
           <a:p>
             <a:fld id="{4E75FA5F-F235-4F54-B859-BB483DCF6E4D}" type="slidenum">
               <a:rPr lang="fr-FR" smtClean="0"/>
-              <a:t>‹N°›</a:t>
+              <a:t>‹#›</a:t>
             </a:fld>
             <a:endParaRPr lang="fr-FR"/>
           </a:p>
@@ -5057,7 +5062,7 @@
           <p:cNvPr id="2" name="Espace réservé de la date 1">
             <a:extLst>
               <a:ext uri="{FF2B5EF4-FFF2-40B4-BE49-F238E27FC236}">
-                <a16:creationId xmlns:a16="http://schemas.microsoft.com/office/drawing/2014/main" id="{32C16B2B-F6D0-4B74-B47D-FE65D16CBA67}"/>
+                <a16:creationId xmlns:a16="http://schemas.microsoft.com/office/drawing/2014/main" xmlns="" id="{32C16B2B-F6D0-4B74-B47D-FE65D16CBA67}"/>
               </a:ext>
             </a:extLst>
           </p:cNvPr>
@@ -5086,7 +5091,7 @@
           <p:cNvPr id="3" name="Espace réservé du pied de page 2">
             <a:extLst>
               <a:ext uri="{FF2B5EF4-FFF2-40B4-BE49-F238E27FC236}">
-                <a16:creationId xmlns:a16="http://schemas.microsoft.com/office/drawing/2014/main" id="{94C0F7A6-3642-441D-942F-86DCFACFE0CB}"/>
+                <a16:creationId xmlns:a16="http://schemas.microsoft.com/office/drawing/2014/main" xmlns="" id="{94C0F7A6-3642-441D-942F-86DCFACFE0CB}"/>
               </a:ext>
             </a:extLst>
           </p:cNvPr>
@@ -5111,7 +5116,7 @@
           <p:cNvPr id="4" name="Espace réservé du numéro de diapositive 3">
             <a:extLst>
               <a:ext uri="{FF2B5EF4-FFF2-40B4-BE49-F238E27FC236}">
-                <a16:creationId xmlns:a16="http://schemas.microsoft.com/office/drawing/2014/main" id="{9B469905-BA6C-48BB-A460-979227E9D984}"/>
+                <a16:creationId xmlns:a16="http://schemas.microsoft.com/office/drawing/2014/main" xmlns="" id="{9B469905-BA6C-48BB-A460-979227E9D984}"/>
               </a:ext>
             </a:extLst>
           </p:cNvPr>
@@ -5129,7 +5134,7 @@
           <a:p>
             <a:fld id="{4E75FA5F-F235-4F54-B859-BB483DCF6E4D}" type="slidenum">
               <a:rPr lang="fr-FR" smtClean="0"/>
-              <a:t>‹N°›</a:t>
+              <a:t>‹#›</a:t>
             </a:fld>
             <a:endParaRPr lang="fr-FR"/>
           </a:p>
@@ -5170,7 +5175,7 @@
           <p:cNvPr id="2" name="Titre 1">
             <a:extLst>
               <a:ext uri="{FF2B5EF4-FFF2-40B4-BE49-F238E27FC236}">
-                <a16:creationId xmlns:a16="http://schemas.microsoft.com/office/drawing/2014/main" id="{5C40A3F6-EEE5-4504-931F-63D6ABDA023B}"/>
+                <a16:creationId xmlns:a16="http://schemas.microsoft.com/office/drawing/2014/main" xmlns="" id="{5C40A3F6-EEE5-4504-931F-63D6ABDA023B}"/>
               </a:ext>
             </a:extLst>
           </p:cNvPr>
@@ -5207,7 +5212,7 @@
           <p:cNvPr id="3" name="Espace réservé du contenu 2">
             <a:extLst>
               <a:ext uri="{FF2B5EF4-FFF2-40B4-BE49-F238E27FC236}">
-                <a16:creationId xmlns:a16="http://schemas.microsoft.com/office/drawing/2014/main" id="{CEDDDA31-4174-4CED-98FB-7744D06E82B2}"/>
+                <a16:creationId xmlns:a16="http://schemas.microsoft.com/office/drawing/2014/main" xmlns="" id="{CEDDDA31-4174-4CED-98FB-7744D06E82B2}"/>
               </a:ext>
             </a:extLst>
           </p:cNvPr>
@@ -5297,7 +5302,7 @@
           <p:cNvPr id="4" name="Espace réservé du texte 3">
             <a:extLst>
               <a:ext uri="{FF2B5EF4-FFF2-40B4-BE49-F238E27FC236}">
-                <a16:creationId xmlns:a16="http://schemas.microsoft.com/office/drawing/2014/main" id="{73C9B382-502A-4FD4-8970-CC80A61065B8}"/>
+                <a16:creationId xmlns:a16="http://schemas.microsoft.com/office/drawing/2014/main" xmlns="" id="{73C9B382-502A-4FD4-8970-CC80A61065B8}"/>
               </a:ext>
             </a:extLst>
           </p:cNvPr>
@@ -5368,7 +5373,7 @@
           <p:cNvPr id="5" name="Espace réservé de la date 4">
             <a:extLst>
               <a:ext uri="{FF2B5EF4-FFF2-40B4-BE49-F238E27FC236}">
-                <a16:creationId xmlns:a16="http://schemas.microsoft.com/office/drawing/2014/main" id="{D046EC40-7BE4-4C90-B2BA-66BEE23B2094}"/>
+                <a16:creationId xmlns:a16="http://schemas.microsoft.com/office/drawing/2014/main" xmlns="" id="{D046EC40-7BE4-4C90-B2BA-66BEE23B2094}"/>
               </a:ext>
             </a:extLst>
           </p:cNvPr>
@@ -5397,7 +5402,7 @@
           <p:cNvPr id="6" name="Espace réservé du pied de page 5">
             <a:extLst>
               <a:ext uri="{FF2B5EF4-FFF2-40B4-BE49-F238E27FC236}">
-                <a16:creationId xmlns:a16="http://schemas.microsoft.com/office/drawing/2014/main" id="{A73B5EA9-E8E8-47DF-A6A3-EFC25AD75350}"/>
+                <a16:creationId xmlns:a16="http://schemas.microsoft.com/office/drawing/2014/main" xmlns="" id="{A73B5EA9-E8E8-47DF-A6A3-EFC25AD75350}"/>
               </a:ext>
             </a:extLst>
           </p:cNvPr>
@@ -5422,7 +5427,7 @@
           <p:cNvPr id="7" name="Espace réservé du numéro de diapositive 6">
             <a:extLst>
               <a:ext uri="{FF2B5EF4-FFF2-40B4-BE49-F238E27FC236}">
-                <a16:creationId xmlns:a16="http://schemas.microsoft.com/office/drawing/2014/main" id="{0F3D8897-F9E1-4EDF-BAC3-0C4687F09E2B}"/>
+                <a16:creationId xmlns:a16="http://schemas.microsoft.com/office/drawing/2014/main" xmlns="" id="{0F3D8897-F9E1-4EDF-BAC3-0C4687F09E2B}"/>
               </a:ext>
             </a:extLst>
           </p:cNvPr>
@@ -5440,7 +5445,7 @@
           <a:p>
             <a:fld id="{4E75FA5F-F235-4F54-B859-BB483DCF6E4D}" type="slidenum">
               <a:rPr lang="fr-FR" smtClean="0"/>
-              <a:t>‹N°›</a:t>
+              <a:t>‹#›</a:t>
             </a:fld>
             <a:endParaRPr lang="fr-FR"/>
           </a:p>
@@ -5481,7 +5486,7 @@
           <p:cNvPr id="2" name="Titre 1">
             <a:extLst>
               <a:ext uri="{FF2B5EF4-FFF2-40B4-BE49-F238E27FC236}">
-                <a16:creationId xmlns:a16="http://schemas.microsoft.com/office/drawing/2014/main" id="{DFA90833-583D-4618-B437-C5DE4F036191}"/>
+                <a16:creationId xmlns:a16="http://schemas.microsoft.com/office/drawing/2014/main" xmlns="" id="{DFA90833-583D-4618-B437-C5DE4F036191}"/>
               </a:ext>
             </a:extLst>
           </p:cNvPr>
@@ -5518,7 +5523,7 @@
           <p:cNvPr id="3" name="Espace réservé pour une image  2">
             <a:extLst>
               <a:ext uri="{FF2B5EF4-FFF2-40B4-BE49-F238E27FC236}">
-                <a16:creationId xmlns:a16="http://schemas.microsoft.com/office/drawing/2014/main" id="{061B660D-B515-49D1-9DF2-7A9CE5849E02}"/>
+                <a16:creationId xmlns:a16="http://schemas.microsoft.com/office/drawing/2014/main" xmlns="" id="{061B660D-B515-49D1-9DF2-7A9CE5849E02}"/>
               </a:ext>
             </a:extLst>
           </p:cNvPr>
@@ -5585,7 +5590,7 @@
           <p:cNvPr id="4" name="Espace réservé du texte 3">
             <a:extLst>
               <a:ext uri="{FF2B5EF4-FFF2-40B4-BE49-F238E27FC236}">
-                <a16:creationId xmlns:a16="http://schemas.microsoft.com/office/drawing/2014/main" id="{26DA247A-0C8D-4026-8781-69025BCAAA47}"/>
+                <a16:creationId xmlns:a16="http://schemas.microsoft.com/office/drawing/2014/main" xmlns="" id="{26DA247A-0C8D-4026-8781-69025BCAAA47}"/>
               </a:ext>
             </a:extLst>
           </p:cNvPr>
@@ -5656,7 +5661,7 @@
           <p:cNvPr id="5" name="Espace réservé de la date 4">
             <a:extLst>
               <a:ext uri="{FF2B5EF4-FFF2-40B4-BE49-F238E27FC236}">
-                <a16:creationId xmlns:a16="http://schemas.microsoft.com/office/drawing/2014/main" id="{7FBE13BB-0999-47BC-A2BF-3D094F12C8BC}"/>
+                <a16:creationId xmlns:a16="http://schemas.microsoft.com/office/drawing/2014/main" xmlns="" id="{7FBE13BB-0999-47BC-A2BF-3D094F12C8BC}"/>
               </a:ext>
             </a:extLst>
           </p:cNvPr>
@@ -5685,7 +5690,7 @@
           <p:cNvPr id="6" name="Espace réservé du pied de page 5">
             <a:extLst>
               <a:ext uri="{FF2B5EF4-FFF2-40B4-BE49-F238E27FC236}">
-                <a16:creationId xmlns:a16="http://schemas.microsoft.com/office/drawing/2014/main" id="{662F05FB-CDE7-4845-99DB-637144DF16F1}"/>
+                <a16:creationId xmlns:a16="http://schemas.microsoft.com/office/drawing/2014/main" xmlns="" id="{662F05FB-CDE7-4845-99DB-637144DF16F1}"/>
               </a:ext>
             </a:extLst>
           </p:cNvPr>
@@ -5710,7 +5715,7 @@
           <p:cNvPr id="7" name="Espace réservé du numéro de diapositive 6">
             <a:extLst>
               <a:ext uri="{FF2B5EF4-FFF2-40B4-BE49-F238E27FC236}">
-                <a16:creationId xmlns:a16="http://schemas.microsoft.com/office/drawing/2014/main" id="{FB46E566-08C0-4028-B0F4-CED6AAD0AA74}"/>
+                <a16:creationId xmlns:a16="http://schemas.microsoft.com/office/drawing/2014/main" xmlns="" id="{FB46E566-08C0-4028-B0F4-CED6AAD0AA74}"/>
               </a:ext>
             </a:extLst>
           </p:cNvPr>
@@ -5728,7 +5733,7 @@
           <a:p>
             <a:fld id="{4E75FA5F-F235-4F54-B859-BB483DCF6E4D}" type="slidenum">
               <a:rPr lang="fr-FR" smtClean="0"/>
-              <a:t>‹N°›</a:t>
+              <a:t>‹#›</a:t>
             </a:fld>
             <a:endParaRPr lang="fr-FR"/>
           </a:p>
@@ -5769,7 +5774,7 @@
           <p:cNvPr id="2" name="Titre 1">
             <a:extLst>
               <a:ext uri="{FF2B5EF4-FFF2-40B4-BE49-F238E27FC236}">
-                <a16:creationId xmlns:a16="http://schemas.microsoft.com/office/drawing/2014/main" id="{AF370611-EE45-41F5-980D-474441CC4935}"/>
+                <a16:creationId xmlns:a16="http://schemas.microsoft.com/office/drawing/2014/main" xmlns="" id="{AF370611-EE45-41F5-980D-474441CC4935}"/>
               </a:ext>
             </a:extLst>
           </p:cNvPr>
@@ -5797,7 +5802,7 @@
           <p:cNvPr id="3" name="Espace réservé du texte vertical 2">
             <a:extLst>
               <a:ext uri="{FF2B5EF4-FFF2-40B4-BE49-F238E27FC236}">
-                <a16:creationId xmlns:a16="http://schemas.microsoft.com/office/drawing/2014/main" id="{D77AE027-259A-49F7-82CC-A4E0DFB0E945}"/>
+                <a16:creationId xmlns:a16="http://schemas.microsoft.com/office/drawing/2014/main" xmlns="" id="{D77AE027-259A-49F7-82CC-A4E0DFB0E945}"/>
               </a:ext>
             </a:extLst>
           </p:cNvPr>
@@ -5854,7 +5859,7 @@
           <p:cNvPr id="4" name="Espace réservé de la date 3">
             <a:extLst>
               <a:ext uri="{FF2B5EF4-FFF2-40B4-BE49-F238E27FC236}">
-                <a16:creationId xmlns:a16="http://schemas.microsoft.com/office/drawing/2014/main" id="{62EECABD-6F64-437C-8B42-C6E456B04D0F}"/>
+                <a16:creationId xmlns:a16="http://schemas.microsoft.com/office/drawing/2014/main" xmlns="" id="{62EECABD-6F64-437C-8B42-C6E456B04D0F}"/>
               </a:ext>
             </a:extLst>
           </p:cNvPr>
@@ -5883,7 +5888,7 @@
           <p:cNvPr id="5" name="Espace réservé du pied de page 4">
             <a:extLst>
               <a:ext uri="{FF2B5EF4-FFF2-40B4-BE49-F238E27FC236}">
-                <a16:creationId xmlns:a16="http://schemas.microsoft.com/office/drawing/2014/main" id="{5BC4BB0C-6B94-4CF8-B4A8-AF30ED2A0629}"/>
+                <a16:creationId xmlns:a16="http://schemas.microsoft.com/office/drawing/2014/main" xmlns="" id="{5BC4BB0C-6B94-4CF8-B4A8-AF30ED2A0629}"/>
               </a:ext>
             </a:extLst>
           </p:cNvPr>
@@ -5908,7 +5913,7 @@
           <p:cNvPr id="6" name="Espace réservé du numéro de diapositive 5">
             <a:extLst>
               <a:ext uri="{FF2B5EF4-FFF2-40B4-BE49-F238E27FC236}">
-                <a16:creationId xmlns:a16="http://schemas.microsoft.com/office/drawing/2014/main" id="{EC468D1E-77B1-43CC-B697-BDA6011D5851}"/>
+                <a16:creationId xmlns:a16="http://schemas.microsoft.com/office/drawing/2014/main" xmlns="" id="{EC468D1E-77B1-43CC-B697-BDA6011D5851}"/>
               </a:ext>
             </a:extLst>
           </p:cNvPr>
@@ -5926,7 +5931,7 @@
           <a:p>
             <a:fld id="{4E75FA5F-F235-4F54-B859-BB483DCF6E4D}" type="slidenum">
               <a:rPr lang="fr-FR" smtClean="0"/>
-              <a:t>‹N°›</a:t>
+              <a:t>‹#›</a:t>
             </a:fld>
             <a:endParaRPr lang="fr-FR"/>
           </a:p>
@@ -5967,7 +5972,7 @@
           <p:cNvPr id="2" name="Titre vertical 1">
             <a:extLst>
               <a:ext uri="{FF2B5EF4-FFF2-40B4-BE49-F238E27FC236}">
-                <a16:creationId xmlns:a16="http://schemas.microsoft.com/office/drawing/2014/main" id="{2317E02A-D71D-42D1-8436-83F943A69346}"/>
+                <a16:creationId xmlns:a16="http://schemas.microsoft.com/office/drawing/2014/main" xmlns="" id="{2317E02A-D71D-42D1-8436-83F943A69346}"/>
               </a:ext>
             </a:extLst>
           </p:cNvPr>
@@ -6000,7 +6005,7 @@
           <p:cNvPr id="3" name="Espace réservé du texte vertical 2">
             <a:extLst>
               <a:ext uri="{FF2B5EF4-FFF2-40B4-BE49-F238E27FC236}">
-                <a16:creationId xmlns:a16="http://schemas.microsoft.com/office/drawing/2014/main" id="{9F358B81-9779-4132-A18E-E997A5CCEC0A}"/>
+                <a16:creationId xmlns:a16="http://schemas.microsoft.com/office/drawing/2014/main" xmlns="" id="{9F358B81-9779-4132-A18E-E997A5CCEC0A}"/>
               </a:ext>
             </a:extLst>
           </p:cNvPr>
@@ -6062,7 +6067,7 @@
           <p:cNvPr id="4" name="Espace réservé de la date 3">
             <a:extLst>
               <a:ext uri="{FF2B5EF4-FFF2-40B4-BE49-F238E27FC236}">
-                <a16:creationId xmlns:a16="http://schemas.microsoft.com/office/drawing/2014/main" id="{2D95D730-21B9-46C2-B10E-E20BC6367AF5}"/>
+                <a16:creationId xmlns:a16="http://schemas.microsoft.com/office/drawing/2014/main" xmlns="" id="{2D95D730-21B9-46C2-B10E-E20BC6367AF5}"/>
               </a:ext>
             </a:extLst>
           </p:cNvPr>
@@ -6091,7 +6096,7 @@
           <p:cNvPr id="5" name="Espace réservé du pied de page 4">
             <a:extLst>
               <a:ext uri="{FF2B5EF4-FFF2-40B4-BE49-F238E27FC236}">
-                <a16:creationId xmlns:a16="http://schemas.microsoft.com/office/drawing/2014/main" id="{A0101F13-0126-4FCB-ABDC-2963D1B9E7FA}"/>
+                <a16:creationId xmlns:a16="http://schemas.microsoft.com/office/drawing/2014/main" xmlns="" id="{A0101F13-0126-4FCB-ABDC-2963D1B9E7FA}"/>
               </a:ext>
             </a:extLst>
           </p:cNvPr>
@@ -6116,7 +6121,7 @@
           <p:cNvPr id="6" name="Espace réservé du numéro de diapositive 5">
             <a:extLst>
               <a:ext uri="{FF2B5EF4-FFF2-40B4-BE49-F238E27FC236}">
-                <a16:creationId xmlns:a16="http://schemas.microsoft.com/office/drawing/2014/main" id="{3B5C357F-8B6B-45AA-AED9-36D38EE49614}"/>
+                <a16:creationId xmlns:a16="http://schemas.microsoft.com/office/drawing/2014/main" xmlns="" id="{3B5C357F-8B6B-45AA-AED9-36D38EE49614}"/>
               </a:ext>
             </a:extLst>
           </p:cNvPr>
@@ -6134,7 +6139,7 @@
           <a:p>
             <a:fld id="{4E75FA5F-F235-4F54-B859-BB483DCF6E4D}" type="slidenum">
               <a:rPr lang="fr-FR" smtClean="0"/>
-              <a:t>‹N°›</a:t>
+              <a:t>‹#›</a:t>
             </a:fld>
             <a:endParaRPr lang="fr-FR"/>
           </a:p>
@@ -6175,7 +6180,7 @@
           <p:cNvPr id="2" name="Titre 1">
             <a:extLst>
               <a:ext uri="{FF2B5EF4-FFF2-40B4-BE49-F238E27FC236}">
-                <a16:creationId xmlns:a16="http://schemas.microsoft.com/office/drawing/2014/main" id="{2062B1B1-3164-439B-A604-D0611815857A}"/>
+                <a16:creationId xmlns:a16="http://schemas.microsoft.com/office/drawing/2014/main" xmlns="" id="{2062B1B1-3164-439B-A604-D0611815857A}"/>
               </a:ext>
             </a:extLst>
           </p:cNvPr>
@@ -6212,7 +6217,7 @@
           <p:cNvPr id="3" name="Sous-titre 2">
             <a:extLst>
               <a:ext uri="{FF2B5EF4-FFF2-40B4-BE49-F238E27FC236}">
-                <a16:creationId xmlns:a16="http://schemas.microsoft.com/office/drawing/2014/main" id="{5CBBAFE7-5C5E-4994-ACCC-9EE95277F4C3}"/>
+                <a16:creationId xmlns:a16="http://schemas.microsoft.com/office/drawing/2014/main" xmlns="" id="{5CBBAFE7-5C5E-4994-ACCC-9EE95277F4C3}"/>
               </a:ext>
             </a:extLst>
           </p:cNvPr>
@@ -6282,7 +6287,7 @@
           <p:cNvPr id="4" name="Espace réservé de la date 3">
             <a:extLst>
               <a:ext uri="{FF2B5EF4-FFF2-40B4-BE49-F238E27FC236}">
-                <a16:creationId xmlns:a16="http://schemas.microsoft.com/office/drawing/2014/main" id="{14CB39AD-AE42-4569-ABF6-78E6BC58FEC8}"/>
+                <a16:creationId xmlns:a16="http://schemas.microsoft.com/office/drawing/2014/main" xmlns="" id="{14CB39AD-AE42-4569-ABF6-78E6BC58FEC8}"/>
               </a:ext>
             </a:extLst>
           </p:cNvPr>
@@ -6311,7 +6316,7 @@
           <p:cNvPr id="5" name="Espace réservé du pied de page 4">
             <a:extLst>
               <a:ext uri="{FF2B5EF4-FFF2-40B4-BE49-F238E27FC236}">
-                <a16:creationId xmlns:a16="http://schemas.microsoft.com/office/drawing/2014/main" id="{6BA4F82C-22C0-4581-AC1E-3678F84111DD}"/>
+                <a16:creationId xmlns:a16="http://schemas.microsoft.com/office/drawing/2014/main" xmlns="" id="{6BA4F82C-22C0-4581-AC1E-3678F84111DD}"/>
               </a:ext>
             </a:extLst>
           </p:cNvPr>
@@ -6336,7 +6341,7 @@
           <p:cNvPr id="6" name="Espace réservé du numéro de diapositive 5">
             <a:extLst>
               <a:ext uri="{FF2B5EF4-FFF2-40B4-BE49-F238E27FC236}">
-                <a16:creationId xmlns:a16="http://schemas.microsoft.com/office/drawing/2014/main" id="{097DFD3D-4FC4-4DC4-A904-D0E37F12DEF9}"/>
+                <a16:creationId xmlns:a16="http://schemas.microsoft.com/office/drawing/2014/main" xmlns="" id="{097DFD3D-4FC4-4DC4-A904-D0E37F12DEF9}"/>
               </a:ext>
             </a:extLst>
           </p:cNvPr>
@@ -6354,7 +6359,7 @@
           <a:p>
             <a:fld id="{8E22735B-F056-4F69-A81A-854B4B999240}" type="slidenum">
               <a:rPr lang="fr-FR" smtClean="0"/>
-              <a:t>‹N°›</a:t>
+              <a:t>‹#›</a:t>
             </a:fld>
             <a:endParaRPr lang="fr-FR"/>
           </a:p>
@@ -6601,7 +6606,7 @@
           <a:p>
             <a:fld id="{10489E0E-CC19-4746-AE3F-A20083D175C2}" type="slidenum">
               <a:rPr lang="fr-FR" smtClean="0"/>
-              <a:t>‹N°›</a:t>
+              <a:t>‹#›</a:t>
             </a:fld>
             <a:endParaRPr lang="fr-FR"/>
           </a:p>
@@ -6642,7 +6647,7 @@
           <p:cNvPr id="2" name="Titre 1">
             <a:extLst>
               <a:ext uri="{FF2B5EF4-FFF2-40B4-BE49-F238E27FC236}">
-                <a16:creationId xmlns:a16="http://schemas.microsoft.com/office/drawing/2014/main" id="{3A7A66B6-2A48-4540-9E7F-12BC10080DB7}"/>
+                <a16:creationId xmlns:a16="http://schemas.microsoft.com/office/drawing/2014/main" xmlns="" id="{3A7A66B6-2A48-4540-9E7F-12BC10080DB7}"/>
               </a:ext>
             </a:extLst>
           </p:cNvPr>
@@ -6670,7 +6675,7 @@
           <p:cNvPr id="3" name="Espace réservé du contenu 2">
             <a:extLst>
               <a:ext uri="{FF2B5EF4-FFF2-40B4-BE49-F238E27FC236}">
-                <a16:creationId xmlns:a16="http://schemas.microsoft.com/office/drawing/2014/main" id="{86E572D1-8A89-4C59-AFEB-9C3B865DD493}"/>
+                <a16:creationId xmlns:a16="http://schemas.microsoft.com/office/drawing/2014/main" xmlns="" id="{86E572D1-8A89-4C59-AFEB-9C3B865DD493}"/>
               </a:ext>
             </a:extLst>
           </p:cNvPr>
@@ -6727,7 +6732,7 @@
           <p:cNvPr id="4" name="Espace réservé de la date 3">
             <a:extLst>
               <a:ext uri="{FF2B5EF4-FFF2-40B4-BE49-F238E27FC236}">
-                <a16:creationId xmlns:a16="http://schemas.microsoft.com/office/drawing/2014/main" id="{25983DE9-4B37-4745-A7ED-941AF2BFC578}"/>
+                <a16:creationId xmlns:a16="http://schemas.microsoft.com/office/drawing/2014/main" xmlns="" id="{25983DE9-4B37-4745-A7ED-941AF2BFC578}"/>
               </a:ext>
             </a:extLst>
           </p:cNvPr>
@@ -6756,7 +6761,7 @@
           <p:cNvPr id="5" name="Espace réservé du pied de page 4">
             <a:extLst>
               <a:ext uri="{FF2B5EF4-FFF2-40B4-BE49-F238E27FC236}">
-                <a16:creationId xmlns:a16="http://schemas.microsoft.com/office/drawing/2014/main" id="{D8971080-3340-48C4-A47C-EF26E2BCC634}"/>
+                <a16:creationId xmlns:a16="http://schemas.microsoft.com/office/drawing/2014/main" xmlns="" id="{D8971080-3340-48C4-A47C-EF26E2BCC634}"/>
               </a:ext>
             </a:extLst>
           </p:cNvPr>
@@ -6781,7 +6786,7 @@
           <p:cNvPr id="6" name="Espace réservé du numéro de diapositive 5">
             <a:extLst>
               <a:ext uri="{FF2B5EF4-FFF2-40B4-BE49-F238E27FC236}">
-                <a16:creationId xmlns:a16="http://schemas.microsoft.com/office/drawing/2014/main" id="{444B60C3-8CD4-42B7-9C8A-C0C2C03F5402}"/>
+                <a16:creationId xmlns:a16="http://schemas.microsoft.com/office/drawing/2014/main" xmlns="" id="{444B60C3-8CD4-42B7-9C8A-C0C2C03F5402}"/>
               </a:ext>
             </a:extLst>
           </p:cNvPr>
@@ -6799,7 +6804,7 @@
           <a:p>
             <a:fld id="{8E22735B-F056-4F69-A81A-854B4B999240}" type="slidenum">
               <a:rPr lang="fr-FR" smtClean="0"/>
-              <a:t>‹N°›</a:t>
+              <a:t>‹#›</a:t>
             </a:fld>
             <a:endParaRPr lang="fr-FR"/>
           </a:p>
@@ -6840,7 +6845,7 @@
           <p:cNvPr id="2" name="Titre 1">
             <a:extLst>
               <a:ext uri="{FF2B5EF4-FFF2-40B4-BE49-F238E27FC236}">
-                <a16:creationId xmlns:a16="http://schemas.microsoft.com/office/drawing/2014/main" id="{F0A0009D-BE18-42D6-9339-EB98C04E3D8E}"/>
+                <a16:creationId xmlns:a16="http://schemas.microsoft.com/office/drawing/2014/main" xmlns="" id="{F0A0009D-BE18-42D6-9339-EB98C04E3D8E}"/>
               </a:ext>
             </a:extLst>
           </p:cNvPr>
@@ -6877,7 +6882,7 @@
           <p:cNvPr id="3" name="Espace réservé du texte 2">
             <a:extLst>
               <a:ext uri="{FF2B5EF4-FFF2-40B4-BE49-F238E27FC236}">
-                <a16:creationId xmlns:a16="http://schemas.microsoft.com/office/drawing/2014/main" id="{15797ADA-3886-4802-9C0F-43BA41B12D28}"/>
+                <a16:creationId xmlns:a16="http://schemas.microsoft.com/office/drawing/2014/main" xmlns="" id="{15797ADA-3886-4802-9C0F-43BA41B12D28}"/>
               </a:ext>
             </a:extLst>
           </p:cNvPr>
@@ -7002,7 +7007,7 @@
           <p:cNvPr id="4" name="Espace réservé de la date 3">
             <a:extLst>
               <a:ext uri="{FF2B5EF4-FFF2-40B4-BE49-F238E27FC236}">
-                <a16:creationId xmlns:a16="http://schemas.microsoft.com/office/drawing/2014/main" id="{F0C5A045-7822-429D-B4BF-1BBECB129FC9}"/>
+                <a16:creationId xmlns:a16="http://schemas.microsoft.com/office/drawing/2014/main" xmlns="" id="{F0C5A045-7822-429D-B4BF-1BBECB129FC9}"/>
               </a:ext>
             </a:extLst>
           </p:cNvPr>
@@ -7031,7 +7036,7 @@
           <p:cNvPr id="5" name="Espace réservé du pied de page 4">
             <a:extLst>
               <a:ext uri="{FF2B5EF4-FFF2-40B4-BE49-F238E27FC236}">
-                <a16:creationId xmlns:a16="http://schemas.microsoft.com/office/drawing/2014/main" id="{C2E5E4DD-3804-4C20-9B3E-49DEA30F996D}"/>
+                <a16:creationId xmlns:a16="http://schemas.microsoft.com/office/drawing/2014/main" xmlns="" id="{C2E5E4DD-3804-4C20-9B3E-49DEA30F996D}"/>
               </a:ext>
             </a:extLst>
           </p:cNvPr>
@@ -7056,7 +7061,7 @@
           <p:cNvPr id="6" name="Espace réservé du numéro de diapositive 5">
             <a:extLst>
               <a:ext uri="{FF2B5EF4-FFF2-40B4-BE49-F238E27FC236}">
-                <a16:creationId xmlns:a16="http://schemas.microsoft.com/office/drawing/2014/main" id="{3829D8F8-72BD-4218-916C-CE4FC3D280C6}"/>
+                <a16:creationId xmlns:a16="http://schemas.microsoft.com/office/drawing/2014/main" xmlns="" id="{3829D8F8-72BD-4218-916C-CE4FC3D280C6}"/>
               </a:ext>
             </a:extLst>
           </p:cNvPr>
@@ -7074,7 +7079,7 @@
           <a:p>
             <a:fld id="{8E22735B-F056-4F69-A81A-854B4B999240}" type="slidenum">
               <a:rPr lang="fr-FR" smtClean="0"/>
-              <a:t>‹N°›</a:t>
+              <a:t>‹#›</a:t>
             </a:fld>
             <a:endParaRPr lang="fr-FR"/>
           </a:p>
@@ -7115,7 +7120,7 @@
           <p:cNvPr id="2" name="Titre 1">
             <a:extLst>
               <a:ext uri="{FF2B5EF4-FFF2-40B4-BE49-F238E27FC236}">
-                <a16:creationId xmlns:a16="http://schemas.microsoft.com/office/drawing/2014/main" id="{2F6D4263-F029-4B89-9682-7D9DD87FC5BE}"/>
+                <a16:creationId xmlns:a16="http://schemas.microsoft.com/office/drawing/2014/main" xmlns="" id="{2F6D4263-F029-4B89-9682-7D9DD87FC5BE}"/>
               </a:ext>
             </a:extLst>
           </p:cNvPr>
@@ -7143,7 +7148,7 @@
           <p:cNvPr id="3" name="Espace réservé du contenu 2">
             <a:extLst>
               <a:ext uri="{FF2B5EF4-FFF2-40B4-BE49-F238E27FC236}">
-                <a16:creationId xmlns:a16="http://schemas.microsoft.com/office/drawing/2014/main" id="{667CC2F4-A999-4B2D-AB64-8E6D7EF8F997}"/>
+                <a16:creationId xmlns:a16="http://schemas.microsoft.com/office/drawing/2014/main" xmlns="" id="{667CC2F4-A999-4B2D-AB64-8E6D7EF8F997}"/>
               </a:ext>
             </a:extLst>
           </p:cNvPr>
@@ -7205,7 +7210,7 @@
           <p:cNvPr id="4" name="Espace réservé du contenu 3">
             <a:extLst>
               <a:ext uri="{FF2B5EF4-FFF2-40B4-BE49-F238E27FC236}">
-                <a16:creationId xmlns:a16="http://schemas.microsoft.com/office/drawing/2014/main" id="{AE096F78-D441-4E4B-80B6-096FFBE22A0C}"/>
+                <a16:creationId xmlns:a16="http://schemas.microsoft.com/office/drawing/2014/main" xmlns="" id="{AE096F78-D441-4E4B-80B6-096FFBE22A0C}"/>
               </a:ext>
             </a:extLst>
           </p:cNvPr>
@@ -7267,7 +7272,7 @@
           <p:cNvPr id="5" name="Espace réservé de la date 4">
             <a:extLst>
               <a:ext uri="{FF2B5EF4-FFF2-40B4-BE49-F238E27FC236}">
-                <a16:creationId xmlns:a16="http://schemas.microsoft.com/office/drawing/2014/main" id="{33704EC3-6178-4647-8EBD-E715FA044565}"/>
+                <a16:creationId xmlns:a16="http://schemas.microsoft.com/office/drawing/2014/main" xmlns="" id="{33704EC3-6178-4647-8EBD-E715FA044565}"/>
               </a:ext>
             </a:extLst>
           </p:cNvPr>
@@ -7296,7 +7301,7 @@
           <p:cNvPr id="6" name="Espace réservé du pied de page 5">
             <a:extLst>
               <a:ext uri="{FF2B5EF4-FFF2-40B4-BE49-F238E27FC236}">
-                <a16:creationId xmlns:a16="http://schemas.microsoft.com/office/drawing/2014/main" id="{D3E08EF8-A756-4CC6-A562-FB9C87BB00E9}"/>
+                <a16:creationId xmlns:a16="http://schemas.microsoft.com/office/drawing/2014/main" xmlns="" id="{D3E08EF8-A756-4CC6-A562-FB9C87BB00E9}"/>
               </a:ext>
             </a:extLst>
           </p:cNvPr>
@@ -7321,7 +7326,7 @@
           <p:cNvPr id="7" name="Espace réservé du numéro de diapositive 6">
             <a:extLst>
               <a:ext uri="{FF2B5EF4-FFF2-40B4-BE49-F238E27FC236}">
-                <a16:creationId xmlns:a16="http://schemas.microsoft.com/office/drawing/2014/main" id="{CED2B7BE-DF03-4053-B695-D1D35ACF6195}"/>
+                <a16:creationId xmlns:a16="http://schemas.microsoft.com/office/drawing/2014/main" xmlns="" id="{CED2B7BE-DF03-4053-B695-D1D35ACF6195}"/>
               </a:ext>
             </a:extLst>
           </p:cNvPr>
@@ -7339,7 +7344,7 @@
           <a:p>
             <a:fld id="{8E22735B-F056-4F69-A81A-854B4B999240}" type="slidenum">
               <a:rPr lang="fr-FR" smtClean="0"/>
-              <a:t>‹N°›</a:t>
+              <a:t>‹#›</a:t>
             </a:fld>
             <a:endParaRPr lang="fr-FR"/>
           </a:p>
@@ -7380,7 +7385,7 @@
           <p:cNvPr id="2" name="Titre 1">
             <a:extLst>
               <a:ext uri="{FF2B5EF4-FFF2-40B4-BE49-F238E27FC236}">
-                <a16:creationId xmlns:a16="http://schemas.microsoft.com/office/drawing/2014/main" id="{A38EF2B6-6142-44BD-AB9E-2AB1B52F77BB}"/>
+                <a16:creationId xmlns:a16="http://schemas.microsoft.com/office/drawing/2014/main" xmlns="" id="{A38EF2B6-6142-44BD-AB9E-2AB1B52F77BB}"/>
               </a:ext>
             </a:extLst>
           </p:cNvPr>
@@ -7413,7 +7418,7 @@
           <p:cNvPr id="3" name="Espace réservé du texte 2">
             <a:extLst>
               <a:ext uri="{FF2B5EF4-FFF2-40B4-BE49-F238E27FC236}">
-                <a16:creationId xmlns:a16="http://schemas.microsoft.com/office/drawing/2014/main" id="{F9AF7FC1-EC40-4F84-B437-DDC3B593B7CE}"/>
+                <a16:creationId xmlns:a16="http://schemas.microsoft.com/office/drawing/2014/main" xmlns="" id="{F9AF7FC1-EC40-4F84-B437-DDC3B593B7CE}"/>
               </a:ext>
             </a:extLst>
           </p:cNvPr>
@@ -7484,7 +7489,7 @@
           <p:cNvPr id="4" name="Espace réservé du contenu 3">
             <a:extLst>
               <a:ext uri="{FF2B5EF4-FFF2-40B4-BE49-F238E27FC236}">
-                <a16:creationId xmlns:a16="http://schemas.microsoft.com/office/drawing/2014/main" id="{02B380D5-B7FC-4561-8298-DFD31B84DCC1}"/>
+                <a16:creationId xmlns:a16="http://schemas.microsoft.com/office/drawing/2014/main" xmlns="" id="{02B380D5-B7FC-4561-8298-DFD31B84DCC1}"/>
               </a:ext>
             </a:extLst>
           </p:cNvPr>
@@ -7546,7 +7551,7 @@
           <p:cNvPr id="5" name="Espace réservé du texte 4">
             <a:extLst>
               <a:ext uri="{FF2B5EF4-FFF2-40B4-BE49-F238E27FC236}">
-                <a16:creationId xmlns:a16="http://schemas.microsoft.com/office/drawing/2014/main" id="{28B2BF18-4183-4529-A4E9-238670265B2F}"/>
+                <a16:creationId xmlns:a16="http://schemas.microsoft.com/office/drawing/2014/main" xmlns="" id="{28B2BF18-4183-4529-A4E9-238670265B2F}"/>
               </a:ext>
             </a:extLst>
           </p:cNvPr>
@@ -7617,7 +7622,7 @@
           <p:cNvPr id="6" name="Espace réservé du contenu 5">
             <a:extLst>
               <a:ext uri="{FF2B5EF4-FFF2-40B4-BE49-F238E27FC236}">
-                <a16:creationId xmlns:a16="http://schemas.microsoft.com/office/drawing/2014/main" id="{E71E1AEE-102A-41FD-976C-B0C48A765BE3}"/>
+                <a16:creationId xmlns:a16="http://schemas.microsoft.com/office/drawing/2014/main" xmlns="" id="{E71E1AEE-102A-41FD-976C-B0C48A765BE3}"/>
               </a:ext>
             </a:extLst>
           </p:cNvPr>
@@ -7679,7 +7684,7 @@
           <p:cNvPr id="7" name="Espace réservé de la date 6">
             <a:extLst>
               <a:ext uri="{FF2B5EF4-FFF2-40B4-BE49-F238E27FC236}">
-                <a16:creationId xmlns:a16="http://schemas.microsoft.com/office/drawing/2014/main" id="{55A222BC-D3F3-435B-AE92-EC533C9847D3}"/>
+                <a16:creationId xmlns:a16="http://schemas.microsoft.com/office/drawing/2014/main" xmlns="" id="{55A222BC-D3F3-435B-AE92-EC533C9847D3}"/>
               </a:ext>
             </a:extLst>
           </p:cNvPr>
@@ -7708,7 +7713,7 @@
           <p:cNvPr id="8" name="Espace réservé du pied de page 7">
             <a:extLst>
               <a:ext uri="{FF2B5EF4-FFF2-40B4-BE49-F238E27FC236}">
-                <a16:creationId xmlns:a16="http://schemas.microsoft.com/office/drawing/2014/main" id="{76AFA193-977A-4F0F-A53C-E3DC44DE3524}"/>
+                <a16:creationId xmlns:a16="http://schemas.microsoft.com/office/drawing/2014/main" xmlns="" id="{76AFA193-977A-4F0F-A53C-E3DC44DE3524}"/>
               </a:ext>
             </a:extLst>
           </p:cNvPr>
@@ -7733,7 +7738,7 @@
           <p:cNvPr id="9" name="Espace réservé du numéro de diapositive 8">
             <a:extLst>
               <a:ext uri="{FF2B5EF4-FFF2-40B4-BE49-F238E27FC236}">
-                <a16:creationId xmlns:a16="http://schemas.microsoft.com/office/drawing/2014/main" id="{6E4F769C-D40D-4F06-B77C-0892DB4F0F38}"/>
+                <a16:creationId xmlns:a16="http://schemas.microsoft.com/office/drawing/2014/main" xmlns="" id="{6E4F769C-D40D-4F06-B77C-0892DB4F0F38}"/>
               </a:ext>
             </a:extLst>
           </p:cNvPr>
@@ -7751,7 +7756,7 @@
           <a:p>
             <a:fld id="{8E22735B-F056-4F69-A81A-854B4B999240}" type="slidenum">
               <a:rPr lang="fr-FR" smtClean="0"/>
-              <a:t>‹N°›</a:t>
+              <a:t>‹#›</a:t>
             </a:fld>
             <a:endParaRPr lang="fr-FR"/>
           </a:p>
@@ -7792,7 +7797,7 @@
           <p:cNvPr id="2" name="Titre 1">
             <a:extLst>
               <a:ext uri="{FF2B5EF4-FFF2-40B4-BE49-F238E27FC236}">
-                <a16:creationId xmlns:a16="http://schemas.microsoft.com/office/drawing/2014/main" id="{FC240B70-77D8-4982-8827-EC3A46955482}"/>
+                <a16:creationId xmlns:a16="http://schemas.microsoft.com/office/drawing/2014/main" xmlns="" id="{FC240B70-77D8-4982-8827-EC3A46955482}"/>
               </a:ext>
             </a:extLst>
           </p:cNvPr>
@@ -7820,7 +7825,7 @@
           <p:cNvPr id="3" name="Espace réservé de la date 2">
             <a:extLst>
               <a:ext uri="{FF2B5EF4-FFF2-40B4-BE49-F238E27FC236}">
-                <a16:creationId xmlns:a16="http://schemas.microsoft.com/office/drawing/2014/main" id="{8968BC26-545F-4E49-AC92-3B077D0FCDE5}"/>
+                <a16:creationId xmlns:a16="http://schemas.microsoft.com/office/drawing/2014/main" xmlns="" id="{8968BC26-545F-4E49-AC92-3B077D0FCDE5}"/>
               </a:ext>
             </a:extLst>
           </p:cNvPr>
@@ -7849,7 +7854,7 @@
           <p:cNvPr id="4" name="Espace réservé du pied de page 3">
             <a:extLst>
               <a:ext uri="{FF2B5EF4-FFF2-40B4-BE49-F238E27FC236}">
-                <a16:creationId xmlns:a16="http://schemas.microsoft.com/office/drawing/2014/main" id="{83D5E57A-3E42-4021-9F17-B1A693C9EEFF}"/>
+                <a16:creationId xmlns:a16="http://schemas.microsoft.com/office/drawing/2014/main" xmlns="" id="{83D5E57A-3E42-4021-9F17-B1A693C9EEFF}"/>
               </a:ext>
             </a:extLst>
           </p:cNvPr>
@@ -7874,7 +7879,7 @@
           <p:cNvPr id="5" name="Espace réservé du numéro de diapositive 4">
             <a:extLst>
               <a:ext uri="{FF2B5EF4-FFF2-40B4-BE49-F238E27FC236}">
-                <a16:creationId xmlns:a16="http://schemas.microsoft.com/office/drawing/2014/main" id="{F389E032-8981-45FA-A937-F3703D5D380F}"/>
+                <a16:creationId xmlns:a16="http://schemas.microsoft.com/office/drawing/2014/main" xmlns="" id="{F389E032-8981-45FA-A937-F3703D5D380F}"/>
               </a:ext>
             </a:extLst>
           </p:cNvPr>
@@ -7892,7 +7897,7 @@
           <a:p>
             <a:fld id="{8E22735B-F056-4F69-A81A-854B4B999240}" type="slidenum">
               <a:rPr lang="fr-FR" smtClean="0"/>
-              <a:t>‹N°›</a:t>
+              <a:t>‹#›</a:t>
             </a:fld>
             <a:endParaRPr lang="fr-FR"/>
           </a:p>
@@ -7933,7 +7938,7 @@
           <p:cNvPr id="2" name="Espace réservé de la date 1">
             <a:extLst>
               <a:ext uri="{FF2B5EF4-FFF2-40B4-BE49-F238E27FC236}">
-                <a16:creationId xmlns:a16="http://schemas.microsoft.com/office/drawing/2014/main" id="{D0EFF0CD-74C9-438A-A4C4-1DD03E9024F3}"/>
+                <a16:creationId xmlns:a16="http://schemas.microsoft.com/office/drawing/2014/main" xmlns="" id="{D0EFF0CD-74C9-438A-A4C4-1DD03E9024F3}"/>
               </a:ext>
             </a:extLst>
           </p:cNvPr>
@@ -7962,7 +7967,7 @@
           <p:cNvPr id="3" name="Espace réservé du pied de page 2">
             <a:extLst>
               <a:ext uri="{FF2B5EF4-FFF2-40B4-BE49-F238E27FC236}">
-                <a16:creationId xmlns:a16="http://schemas.microsoft.com/office/drawing/2014/main" id="{E9ADAE93-262D-4989-8A3C-A5A39BE4D602}"/>
+                <a16:creationId xmlns:a16="http://schemas.microsoft.com/office/drawing/2014/main" xmlns="" id="{E9ADAE93-262D-4989-8A3C-A5A39BE4D602}"/>
               </a:ext>
             </a:extLst>
           </p:cNvPr>
@@ -7987,7 +7992,7 @@
           <p:cNvPr id="4" name="Espace réservé du numéro de diapositive 3">
             <a:extLst>
               <a:ext uri="{FF2B5EF4-FFF2-40B4-BE49-F238E27FC236}">
-                <a16:creationId xmlns:a16="http://schemas.microsoft.com/office/drawing/2014/main" id="{B8D2D0B4-F4B8-469E-8080-1B7D88152F08}"/>
+                <a16:creationId xmlns:a16="http://schemas.microsoft.com/office/drawing/2014/main" xmlns="" id="{B8D2D0B4-F4B8-469E-8080-1B7D88152F08}"/>
               </a:ext>
             </a:extLst>
           </p:cNvPr>
@@ -8005,7 +8010,7 @@
           <a:p>
             <a:fld id="{8E22735B-F056-4F69-A81A-854B4B999240}" type="slidenum">
               <a:rPr lang="fr-FR" smtClean="0"/>
-              <a:t>‹N°›</a:t>
+              <a:t>‹#›</a:t>
             </a:fld>
             <a:endParaRPr lang="fr-FR"/>
           </a:p>
@@ -8046,7 +8051,7 @@
           <p:cNvPr id="2" name="Titre 1">
             <a:extLst>
               <a:ext uri="{FF2B5EF4-FFF2-40B4-BE49-F238E27FC236}">
-                <a16:creationId xmlns:a16="http://schemas.microsoft.com/office/drawing/2014/main" id="{21B3C0CE-6D31-44E4-934D-167ED06348FA}"/>
+                <a16:creationId xmlns:a16="http://schemas.microsoft.com/office/drawing/2014/main" xmlns="" id="{21B3C0CE-6D31-44E4-934D-167ED06348FA}"/>
               </a:ext>
             </a:extLst>
           </p:cNvPr>
@@ -8083,7 +8088,7 @@
           <p:cNvPr id="3" name="Espace réservé du contenu 2">
             <a:extLst>
               <a:ext uri="{FF2B5EF4-FFF2-40B4-BE49-F238E27FC236}">
-                <a16:creationId xmlns:a16="http://schemas.microsoft.com/office/drawing/2014/main" id="{1D2FAFB0-7466-4BF3-A9C1-669D2F9A50C1}"/>
+                <a16:creationId xmlns:a16="http://schemas.microsoft.com/office/drawing/2014/main" xmlns="" id="{1D2FAFB0-7466-4BF3-A9C1-669D2F9A50C1}"/>
               </a:ext>
             </a:extLst>
           </p:cNvPr>
@@ -8173,7 +8178,7 @@
           <p:cNvPr id="4" name="Espace réservé du texte 3">
             <a:extLst>
               <a:ext uri="{FF2B5EF4-FFF2-40B4-BE49-F238E27FC236}">
-                <a16:creationId xmlns:a16="http://schemas.microsoft.com/office/drawing/2014/main" id="{0DD4A643-0CEC-431F-8A67-BC4D6ED279CA}"/>
+                <a16:creationId xmlns:a16="http://schemas.microsoft.com/office/drawing/2014/main" xmlns="" id="{0DD4A643-0CEC-431F-8A67-BC4D6ED279CA}"/>
               </a:ext>
             </a:extLst>
           </p:cNvPr>
@@ -8244,7 +8249,7 @@
           <p:cNvPr id="5" name="Espace réservé de la date 4">
             <a:extLst>
               <a:ext uri="{FF2B5EF4-FFF2-40B4-BE49-F238E27FC236}">
-                <a16:creationId xmlns:a16="http://schemas.microsoft.com/office/drawing/2014/main" id="{F965463D-7EB2-4EBB-A7BE-43902A57B7D5}"/>
+                <a16:creationId xmlns:a16="http://schemas.microsoft.com/office/drawing/2014/main" xmlns="" id="{F965463D-7EB2-4EBB-A7BE-43902A57B7D5}"/>
               </a:ext>
             </a:extLst>
           </p:cNvPr>
@@ -8273,7 +8278,7 @@
           <p:cNvPr id="6" name="Espace réservé du pied de page 5">
             <a:extLst>
               <a:ext uri="{FF2B5EF4-FFF2-40B4-BE49-F238E27FC236}">
-                <a16:creationId xmlns:a16="http://schemas.microsoft.com/office/drawing/2014/main" id="{71FA9793-ADA3-4BB9-9F96-4AF49541FEE5}"/>
+                <a16:creationId xmlns:a16="http://schemas.microsoft.com/office/drawing/2014/main" xmlns="" id="{71FA9793-ADA3-4BB9-9F96-4AF49541FEE5}"/>
               </a:ext>
             </a:extLst>
           </p:cNvPr>
@@ -8298,7 +8303,7 @@
           <p:cNvPr id="7" name="Espace réservé du numéro de diapositive 6">
             <a:extLst>
               <a:ext uri="{FF2B5EF4-FFF2-40B4-BE49-F238E27FC236}">
-                <a16:creationId xmlns:a16="http://schemas.microsoft.com/office/drawing/2014/main" id="{47FBAD76-A146-4281-8D70-BBEFC7925CD9}"/>
+                <a16:creationId xmlns:a16="http://schemas.microsoft.com/office/drawing/2014/main" xmlns="" id="{47FBAD76-A146-4281-8D70-BBEFC7925CD9}"/>
               </a:ext>
             </a:extLst>
           </p:cNvPr>
@@ -8316,7 +8321,7 @@
           <a:p>
             <a:fld id="{8E22735B-F056-4F69-A81A-854B4B999240}" type="slidenum">
               <a:rPr lang="fr-FR" smtClean="0"/>
-              <a:t>‹N°›</a:t>
+              <a:t>‹#›</a:t>
             </a:fld>
             <a:endParaRPr lang="fr-FR"/>
           </a:p>
@@ -8357,7 +8362,7 @@
           <p:cNvPr id="2" name="Titre 1">
             <a:extLst>
               <a:ext uri="{FF2B5EF4-FFF2-40B4-BE49-F238E27FC236}">
-                <a16:creationId xmlns:a16="http://schemas.microsoft.com/office/drawing/2014/main" id="{91C5EB34-0CA7-45E5-8BDE-89253BD97D37}"/>
+                <a16:creationId xmlns:a16="http://schemas.microsoft.com/office/drawing/2014/main" xmlns="" id="{91C5EB34-0CA7-45E5-8BDE-89253BD97D37}"/>
               </a:ext>
             </a:extLst>
           </p:cNvPr>
@@ -8394,7 +8399,7 @@
           <p:cNvPr id="3" name="Espace réservé pour une image  2">
             <a:extLst>
               <a:ext uri="{FF2B5EF4-FFF2-40B4-BE49-F238E27FC236}">
-                <a16:creationId xmlns:a16="http://schemas.microsoft.com/office/drawing/2014/main" id="{3E0EE67F-D334-4748-88B3-D8C99B79D9ED}"/>
+                <a16:creationId xmlns:a16="http://schemas.microsoft.com/office/drawing/2014/main" xmlns="" id="{3E0EE67F-D334-4748-88B3-D8C99B79D9ED}"/>
               </a:ext>
             </a:extLst>
           </p:cNvPr>
@@ -8461,7 +8466,7 @@
           <p:cNvPr id="4" name="Espace réservé du texte 3">
             <a:extLst>
               <a:ext uri="{FF2B5EF4-FFF2-40B4-BE49-F238E27FC236}">
-                <a16:creationId xmlns:a16="http://schemas.microsoft.com/office/drawing/2014/main" id="{EFA7740B-138C-4865-B890-815F3AA64C07}"/>
+                <a16:creationId xmlns:a16="http://schemas.microsoft.com/office/drawing/2014/main" xmlns="" id="{EFA7740B-138C-4865-B890-815F3AA64C07}"/>
               </a:ext>
             </a:extLst>
           </p:cNvPr>
@@ -8532,7 +8537,7 @@
           <p:cNvPr id="5" name="Espace réservé de la date 4">
             <a:extLst>
               <a:ext uri="{FF2B5EF4-FFF2-40B4-BE49-F238E27FC236}">
-                <a16:creationId xmlns:a16="http://schemas.microsoft.com/office/drawing/2014/main" id="{A9DC237F-29A3-46BF-A3A2-D1B7E9AC1408}"/>
+                <a16:creationId xmlns:a16="http://schemas.microsoft.com/office/drawing/2014/main" xmlns="" id="{A9DC237F-29A3-46BF-A3A2-D1B7E9AC1408}"/>
               </a:ext>
             </a:extLst>
           </p:cNvPr>
@@ -8561,7 +8566,7 @@
           <p:cNvPr id="6" name="Espace réservé du pied de page 5">
             <a:extLst>
               <a:ext uri="{FF2B5EF4-FFF2-40B4-BE49-F238E27FC236}">
-                <a16:creationId xmlns:a16="http://schemas.microsoft.com/office/drawing/2014/main" id="{C0687845-A291-4591-8279-7DCBDADD78B1}"/>
+                <a16:creationId xmlns:a16="http://schemas.microsoft.com/office/drawing/2014/main" xmlns="" id="{C0687845-A291-4591-8279-7DCBDADD78B1}"/>
               </a:ext>
             </a:extLst>
           </p:cNvPr>
@@ -8586,7 +8591,7 @@
           <p:cNvPr id="7" name="Espace réservé du numéro de diapositive 6">
             <a:extLst>
               <a:ext uri="{FF2B5EF4-FFF2-40B4-BE49-F238E27FC236}">
-                <a16:creationId xmlns:a16="http://schemas.microsoft.com/office/drawing/2014/main" id="{AFC8D309-B913-401C-A4A7-927702B6BA20}"/>
+                <a16:creationId xmlns:a16="http://schemas.microsoft.com/office/drawing/2014/main" xmlns="" id="{AFC8D309-B913-401C-A4A7-927702B6BA20}"/>
               </a:ext>
             </a:extLst>
           </p:cNvPr>
@@ -8604,7 +8609,7 @@
           <a:p>
             <a:fld id="{8E22735B-F056-4F69-A81A-854B4B999240}" type="slidenum">
               <a:rPr lang="fr-FR" smtClean="0"/>
-              <a:t>‹N°›</a:t>
+              <a:t>‹#›</a:t>
             </a:fld>
             <a:endParaRPr lang="fr-FR"/>
           </a:p>
@@ -8645,7 +8650,7 @@
           <p:cNvPr id="2" name="Titre 1">
             <a:extLst>
               <a:ext uri="{FF2B5EF4-FFF2-40B4-BE49-F238E27FC236}">
-                <a16:creationId xmlns:a16="http://schemas.microsoft.com/office/drawing/2014/main" id="{93457BE9-B02C-4409-B2BB-49500FD7D866}"/>
+                <a16:creationId xmlns:a16="http://schemas.microsoft.com/office/drawing/2014/main" xmlns="" id="{93457BE9-B02C-4409-B2BB-49500FD7D866}"/>
               </a:ext>
             </a:extLst>
           </p:cNvPr>
@@ -8673,7 +8678,7 @@
           <p:cNvPr id="3" name="Espace réservé du texte vertical 2">
             <a:extLst>
               <a:ext uri="{FF2B5EF4-FFF2-40B4-BE49-F238E27FC236}">
-                <a16:creationId xmlns:a16="http://schemas.microsoft.com/office/drawing/2014/main" id="{BA5B89A4-5C2F-4A5D-97D0-7224D919BD16}"/>
+                <a16:creationId xmlns:a16="http://schemas.microsoft.com/office/drawing/2014/main" xmlns="" id="{BA5B89A4-5C2F-4A5D-97D0-7224D919BD16}"/>
               </a:ext>
             </a:extLst>
           </p:cNvPr>
@@ -8730,7 +8735,7 @@
           <p:cNvPr id="4" name="Espace réservé de la date 3">
             <a:extLst>
               <a:ext uri="{FF2B5EF4-FFF2-40B4-BE49-F238E27FC236}">
-                <a16:creationId xmlns:a16="http://schemas.microsoft.com/office/drawing/2014/main" id="{6F667A99-A8D5-4662-9197-F3181006311F}"/>
+                <a16:creationId xmlns:a16="http://schemas.microsoft.com/office/drawing/2014/main" xmlns="" id="{6F667A99-A8D5-4662-9197-F3181006311F}"/>
               </a:ext>
             </a:extLst>
           </p:cNvPr>
@@ -8759,7 +8764,7 @@
           <p:cNvPr id="5" name="Espace réservé du pied de page 4">
             <a:extLst>
               <a:ext uri="{FF2B5EF4-FFF2-40B4-BE49-F238E27FC236}">
-                <a16:creationId xmlns:a16="http://schemas.microsoft.com/office/drawing/2014/main" id="{F5EA9A03-D359-4403-A003-51E15A4DD1AD}"/>
+                <a16:creationId xmlns:a16="http://schemas.microsoft.com/office/drawing/2014/main" xmlns="" id="{F5EA9A03-D359-4403-A003-51E15A4DD1AD}"/>
               </a:ext>
             </a:extLst>
           </p:cNvPr>
@@ -8784,7 +8789,7 @@
           <p:cNvPr id="6" name="Espace réservé du numéro de diapositive 5">
             <a:extLst>
               <a:ext uri="{FF2B5EF4-FFF2-40B4-BE49-F238E27FC236}">
-                <a16:creationId xmlns:a16="http://schemas.microsoft.com/office/drawing/2014/main" id="{035A4F48-A493-4E65-9258-02EE6868746B}"/>
+                <a16:creationId xmlns:a16="http://schemas.microsoft.com/office/drawing/2014/main" xmlns="" id="{035A4F48-A493-4E65-9258-02EE6868746B}"/>
               </a:ext>
             </a:extLst>
           </p:cNvPr>
@@ -8802,7 +8807,7 @@
           <a:p>
             <a:fld id="{8E22735B-F056-4F69-A81A-854B4B999240}" type="slidenum">
               <a:rPr lang="fr-FR" smtClean="0"/>
-              <a:t>‹N°›</a:t>
+              <a:t>‹#›</a:t>
             </a:fld>
             <a:endParaRPr lang="fr-FR"/>
           </a:p>
@@ -8843,7 +8848,7 @@
           <p:cNvPr id="2" name="Titre vertical 1">
             <a:extLst>
               <a:ext uri="{FF2B5EF4-FFF2-40B4-BE49-F238E27FC236}">
-                <a16:creationId xmlns:a16="http://schemas.microsoft.com/office/drawing/2014/main" id="{ED4ECE1B-93D1-4B6F-8586-15F8400E5392}"/>
+                <a16:creationId xmlns:a16="http://schemas.microsoft.com/office/drawing/2014/main" xmlns="" id="{ED4ECE1B-93D1-4B6F-8586-15F8400E5392}"/>
               </a:ext>
             </a:extLst>
           </p:cNvPr>
@@ -8876,7 +8881,7 @@
           <p:cNvPr id="3" name="Espace réservé du texte vertical 2">
             <a:extLst>
               <a:ext uri="{FF2B5EF4-FFF2-40B4-BE49-F238E27FC236}">
-                <a16:creationId xmlns:a16="http://schemas.microsoft.com/office/drawing/2014/main" id="{8C2BEFD5-FF10-4BF1-AD3E-86CA5D47B121}"/>
+                <a16:creationId xmlns:a16="http://schemas.microsoft.com/office/drawing/2014/main" xmlns="" id="{8C2BEFD5-FF10-4BF1-AD3E-86CA5D47B121}"/>
               </a:ext>
             </a:extLst>
           </p:cNvPr>
@@ -8938,7 +8943,7 @@
           <p:cNvPr id="4" name="Espace réservé de la date 3">
             <a:extLst>
               <a:ext uri="{FF2B5EF4-FFF2-40B4-BE49-F238E27FC236}">
-                <a16:creationId xmlns:a16="http://schemas.microsoft.com/office/drawing/2014/main" id="{833D104B-BE07-48C4-81D5-26B246B77ADD}"/>
+                <a16:creationId xmlns:a16="http://schemas.microsoft.com/office/drawing/2014/main" xmlns="" id="{833D104B-BE07-48C4-81D5-26B246B77ADD}"/>
               </a:ext>
             </a:extLst>
           </p:cNvPr>
@@ -8967,7 +8972,7 @@
           <p:cNvPr id="5" name="Espace réservé du pied de page 4">
             <a:extLst>
               <a:ext uri="{FF2B5EF4-FFF2-40B4-BE49-F238E27FC236}">
-                <a16:creationId xmlns:a16="http://schemas.microsoft.com/office/drawing/2014/main" id="{F23E2E6D-73A5-48CD-BF20-5270066A6BD8}"/>
+                <a16:creationId xmlns:a16="http://schemas.microsoft.com/office/drawing/2014/main" xmlns="" id="{F23E2E6D-73A5-48CD-BF20-5270066A6BD8}"/>
               </a:ext>
             </a:extLst>
           </p:cNvPr>
@@ -8992,7 +8997,7 @@
           <p:cNvPr id="6" name="Espace réservé du numéro de diapositive 5">
             <a:extLst>
               <a:ext uri="{FF2B5EF4-FFF2-40B4-BE49-F238E27FC236}">
-                <a16:creationId xmlns:a16="http://schemas.microsoft.com/office/drawing/2014/main" id="{793F5E30-BF6E-4F21-8BAB-42AA12FC1530}"/>
+                <a16:creationId xmlns:a16="http://schemas.microsoft.com/office/drawing/2014/main" xmlns="" id="{793F5E30-BF6E-4F21-8BAB-42AA12FC1530}"/>
               </a:ext>
             </a:extLst>
           </p:cNvPr>
@@ -9010,7 +9015,7 @@
           <a:p>
             <a:fld id="{8E22735B-F056-4F69-A81A-854B4B999240}" type="slidenum">
               <a:rPr lang="fr-FR" smtClean="0"/>
-              <a:t>‹N°›</a:t>
+              <a:t>‹#›</a:t>
             </a:fld>
             <a:endParaRPr lang="fr-FR"/>
           </a:p>
@@ -9302,7 +9307,7 @@
           <a:p>
             <a:fld id="{10489E0E-CC19-4746-AE3F-A20083D175C2}" type="slidenum">
               <a:rPr lang="fr-FR" smtClean="0"/>
-              <a:t>‹N°›</a:t>
+              <a:t>‹#›</a:t>
             </a:fld>
             <a:endParaRPr lang="fr-FR"/>
           </a:p>
@@ -9343,7 +9348,7 @@
           <p:cNvPr id="2" name="Titre 1">
             <a:extLst>
               <a:ext uri="{FF2B5EF4-FFF2-40B4-BE49-F238E27FC236}">
-                <a16:creationId xmlns:a16="http://schemas.microsoft.com/office/drawing/2014/main" id="{5226B72A-D265-47E2-836E-6347D55AA515}"/>
+                <a16:creationId xmlns:a16="http://schemas.microsoft.com/office/drawing/2014/main" xmlns="" id="{5226B72A-D265-47E2-836E-6347D55AA515}"/>
               </a:ext>
             </a:extLst>
           </p:cNvPr>
@@ -9380,7 +9385,7 @@
           <p:cNvPr id="3" name="Sous-titre 2">
             <a:extLst>
               <a:ext uri="{FF2B5EF4-FFF2-40B4-BE49-F238E27FC236}">
-                <a16:creationId xmlns:a16="http://schemas.microsoft.com/office/drawing/2014/main" id="{9EA6EFD5-3435-4B8B-A922-AD18A445B292}"/>
+                <a16:creationId xmlns:a16="http://schemas.microsoft.com/office/drawing/2014/main" xmlns="" id="{9EA6EFD5-3435-4B8B-A922-AD18A445B292}"/>
               </a:ext>
             </a:extLst>
           </p:cNvPr>
@@ -9450,7 +9455,7 @@
           <p:cNvPr id="4" name="Espace réservé de la date 3">
             <a:extLst>
               <a:ext uri="{FF2B5EF4-FFF2-40B4-BE49-F238E27FC236}">
-                <a16:creationId xmlns:a16="http://schemas.microsoft.com/office/drawing/2014/main" id="{9500DC13-DC07-4323-B13C-86525EBA0F30}"/>
+                <a16:creationId xmlns:a16="http://schemas.microsoft.com/office/drawing/2014/main" xmlns="" id="{9500DC13-DC07-4323-B13C-86525EBA0F30}"/>
               </a:ext>
             </a:extLst>
           </p:cNvPr>
@@ -9479,7 +9484,7 @@
           <p:cNvPr id="5" name="Espace réservé du pied de page 4">
             <a:extLst>
               <a:ext uri="{FF2B5EF4-FFF2-40B4-BE49-F238E27FC236}">
-                <a16:creationId xmlns:a16="http://schemas.microsoft.com/office/drawing/2014/main" id="{747EC664-594B-45A3-BE1F-4ACB9DB26B41}"/>
+                <a16:creationId xmlns:a16="http://schemas.microsoft.com/office/drawing/2014/main" xmlns="" id="{747EC664-594B-45A3-BE1F-4ACB9DB26B41}"/>
               </a:ext>
             </a:extLst>
           </p:cNvPr>
@@ -9504,7 +9509,7 @@
           <p:cNvPr id="6" name="Espace réservé du numéro de diapositive 5">
             <a:extLst>
               <a:ext uri="{FF2B5EF4-FFF2-40B4-BE49-F238E27FC236}">
-                <a16:creationId xmlns:a16="http://schemas.microsoft.com/office/drawing/2014/main" id="{EF61C11D-D1A8-45DB-AB63-3FBD9A0829EC}"/>
+                <a16:creationId xmlns:a16="http://schemas.microsoft.com/office/drawing/2014/main" xmlns="" id="{EF61C11D-D1A8-45DB-AB63-3FBD9A0829EC}"/>
               </a:ext>
             </a:extLst>
           </p:cNvPr>
@@ -9522,7 +9527,7 @@
           <a:p>
             <a:fld id="{A9956970-094A-43D6-B624-27A27B1BAE5D}" type="slidenum">
               <a:rPr lang="fr-FR" smtClean="0"/>
-              <a:t>‹N°›</a:t>
+              <a:t>‹#›</a:t>
             </a:fld>
             <a:endParaRPr lang="fr-FR"/>
           </a:p>
@@ -9563,7 +9568,7 @@
           <p:cNvPr id="2" name="Titre 1">
             <a:extLst>
               <a:ext uri="{FF2B5EF4-FFF2-40B4-BE49-F238E27FC236}">
-                <a16:creationId xmlns:a16="http://schemas.microsoft.com/office/drawing/2014/main" id="{3D9270AB-7C9E-4C1B-B093-478EC1902958}"/>
+                <a16:creationId xmlns:a16="http://schemas.microsoft.com/office/drawing/2014/main" xmlns="" id="{3D9270AB-7C9E-4C1B-B093-478EC1902958}"/>
               </a:ext>
             </a:extLst>
           </p:cNvPr>
@@ -9591,7 +9596,7 @@
           <p:cNvPr id="3" name="Espace réservé du contenu 2">
             <a:extLst>
               <a:ext uri="{FF2B5EF4-FFF2-40B4-BE49-F238E27FC236}">
-                <a16:creationId xmlns:a16="http://schemas.microsoft.com/office/drawing/2014/main" id="{A3C59913-D429-48EA-A855-756C0832AE0A}"/>
+                <a16:creationId xmlns:a16="http://schemas.microsoft.com/office/drawing/2014/main" xmlns="" id="{A3C59913-D429-48EA-A855-756C0832AE0A}"/>
               </a:ext>
             </a:extLst>
           </p:cNvPr>
@@ -9648,7 +9653,7 @@
           <p:cNvPr id="4" name="Espace réservé de la date 3">
             <a:extLst>
               <a:ext uri="{FF2B5EF4-FFF2-40B4-BE49-F238E27FC236}">
-                <a16:creationId xmlns:a16="http://schemas.microsoft.com/office/drawing/2014/main" id="{97916DC2-94C3-4BA6-8619-27B12C7402A5}"/>
+                <a16:creationId xmlns:a16="http://schemas.microsoft.com/office/drawing/2014/main" xmlns="" id="{97916DC2-94C3-4BA6-8619-27B12C7402A5}"/>
               </a:ext>
             </a:extLst>
           </p:cNvPr>
@@ -9677,7 +9682,7 @@
           <p:cNvPr id="5" name="Espace réservé du pied de page 4">
             <a:extLst>
               <a:ext uri="{FF2B5EF4-FFF2-40B4-BE49-F238E27FC236}">
-                <a16:creationId xmlns:a16="http://schemas.microsoft.com/office/drawing/2014/main" id="{DB00999C-8BC8-4183-A774-5A846784CDA4}"/>
+                <a16:creationId xmlns:a16="http://schemas.microsoft.com/office/drawing/2014/main" xmlns="" id="{DB00999C-8BC8-4183-A774-5A846784CDA4}"/>
               </a:ext>
             </a:extLst>
           </p:cNvPr>
@@ -9702,7 +9707,7 @@
           <p:cNvPr id="6" name="Espace réservé du numéro de diapositive 5">
             <a:extLst>
               <a:ext uri="{FF2B5EF4-FFF2-40B4-BE49-F238E27FC236}">
-                <a16:creationId xmlns:a16="http://schemas.microsoft.com/office/drawing/2014/main" id="{7645FE70-B728-4BB5-96C3-8DF13125C04E}"/>
+                <a16:creationId xmlns:a16="http://schemas.microsoft.com/office/drawing/2014/main" xmlns="" id="{7645FE70-B728-4BB5-96C3-8DF13125C04E}"/>
               </a:ext>
             </a:extLst>
           </p:cNvPr>
@@ -9720,7 +9725,7 @@
           <a:p>
             <a:fld id="{A9956970-094A-43D6-B624-27A27B1BAE5D}" type="slidenum">
               <a:rPr lang="fr-FR" smtClean="0"/>
-              <a:t>‹N°›</a:t>
+              <a:t>‹#›</a:t>
             </a:fld>
             <a:endParaRPr lang="fr-FR"/>
           </a:p>
@@ -9761,7 +9766,7 @@
           <p:cNvPr id="2" name="Titre 1">
             <a:extLst>
               <a:ext uri="{FF2B5EF4-FFF2-40B4-BE49-F238E27FC236}">
-                <a16:creationId xmlns:a16="http://schemas.microsoft.com/office/drawing/2014/main" id="{FF0D1E6B-2E04-4289-902B-07105222EA09}"/>
+                <a16:creationId xmlns:a16="http://schemas.microsoft.com/office/drawing/2014/main" xmlns="" id="{FF0D1E6B-2E04-4289-902B-07105222EA09}"/>
               </a:ext>
             </a:extLst>
           </p:cNvPr>
@@ -9798,7 +9803,7 @@
           <p:cNvPr id="3" name="Espace réservé du texte 2">
             <a:extLst>
               <a:ext uri="{FF2B5EF4-FFF2-40B4-BE49-F238E27FC236}">
-                <a16:creationId xmlns:a16="http://schemas.microsoft.com/office/drawing/2014/main" id="{478E4926-243A-48A6-8614-9B700908FA70}"/>
+                <a16:creationId xmlns:a16="http://schemas.microsoft.com/office/drawing/2014/main" xmlns="" id="{478E4926-243A-48A6-8614-9B700908FA70}"/>
               </a:ext>
             </a:extLst>
           </p:cNvPr>
@@ -9923,7 +9928,7 @@
           <p:cNvPr id="4" name="Espace réservé de la date 3">
             <a:extLst>
               <a:ext uri="{FF2B5EF4-FFF2-40B4-BE49-F238E27FC236}">
-                <a16:creationId xmlns:a16="http://schemas.microsoft.com/office/drawing/2014/main" id="{3F3AC763-BBC9-494F-B295-30CD22B9BBDC}"/>
+                <a16:creationId xmlns:a16="http://schemas.microsoft.com/office/drawing/2014/main" xmlns="" id="{3F3AC763-BBC9-494F-B295-30CD22B9BBDC}"/>
               </a:ext>
             </a:extLst>
           </p:cNvPr>
@@ -9952,7 +9957,7 @@
           <p:cNvPr id="5" name="Espace réservé du pied de page 4">
             <a:extLst>
               <a:ext uri="{FF2B5EF4-FFF2-40B4-BE49-F238E27FC236}">
-                <a16:creationId xmlns:a16="http://schemas.microsoft.com/office/drawing/2014/main" id="{5B752E23-E4C9-46A7-BE36-F76AC963B037}"/>
+                <a16:creationId xmlns:a16="http://schemas.microsoft.com/office/drawing/2014/main" xmlns="" id="{5B752E23-E4C9-46A7-BE36-F76AC963B037}"/>
               </a:ext>
             </a:extLst>
           </p:cNvPr>
@@ -9977,7 +9982,7 @@
           <p:cNvPr id="6" name="Espace réservé du numéro de diapositive 5">
             <a:extLst>
               <a:ext uri="{FF2B5EF4-FFF2-40B4-BE49-F238E27FC236}">
-                <a16:creationId xmlns:a16="http://schemas.microsoft.com/office/drawing/2014/main" id="{83BE34A6-49C6-4EBD-A270-95E19EEF2BB1}"/>
+                <a16:creationId xmlns:a16="http://schemas.microsoft.com/office/drawing/2014/main" xmlns="" id="{83BE34A6-49C6-4EBD-A270-95E19EEF2BB1}"/>
               </a:ext>
             </a:extLst>
           </p:cNvPr>
@@ -9995,7 +10000,7 @@
           <a:p>
             <a:fld id="{A9956970-094A-43D6-B624-27A27B1BAE5D}" type="slidenum">
               <a:rPr lang="fr-FR" smtClean="0"/>
-              <a:t>‹N°›</a:t>
+              <a:t>‹#›</a:t>
             </a:fld>
             <a:endParaRPr lang="fr-FR"/>
           </a:p>
@@ -10036,7 +10041,7 @@
           <p:cNvPr id="2" name="Titre 1">
             <a:extLst>
               <a:ext uri="{FF2B5EF4-FFF2-40B4-BE49-F238E27FC236}">
-                <a16:creationId xmlns:a16="http://schemas.microsoft.com/office/drawing/2014/main" id="{D465907A-FF79-464B-9779-1D76FE1D9F07}"/>
+                <a16:creationId xmlns:a16="http://schemas.microsoft.com/office/drawing/2014/main" xmlns="" id="{D465907A-FF79-464B-9779-1D76FE1D9F07}"/>
               </a:ext>
             </a:extLst>
           </p:cNvPr>
@@ -10064,7 +10069,7 @@
           <p:cNvPr id="3" name="Espace réservé du contenu 2">
             <a:extLst>
               <a:ext uri="{FF2B5EF4-FFF2-40B4-BE49-F238E27FC236}">
-                <a16:creationId xmlns:a16="http://schemas.microsoft.com/office/drawing/2014/main" id="{FAB00752-D955-4194-8365-BD6B4CAA266F}"/>
+                <a16:creationId xmlns:a16="http://schemas.microsoft.com/office/drawing/2014/main" xmlns="" id="{FAB00752-D955-4194-8365-BD6B4CAA266F}"/>
               </a:ext>
             </a:extLst>
           </p:cNvPr>
@@ -10126,7 +10131,7 @@
           <p:cNvPr id="4" name="Espace réservé du contenu 3">
             <a:extLst>
               <a:ext uri="{FF2B5EF4-FFF2-40B4-BE49-F238E27FC236}">
-                <a16:creationId xmlns:a16="http://schemas.microsoft.com/office/drawing/2014/main" id="{E59EB79C-85C9-4D09-98E5-A5165B3F93E8}"/>
+                <a16:creationId xmlns:a16="http://schemas.microsoft.com/office/drawing/2014/main" xmlns="" id="{E59EB79C-85C9-4D09-98E5-A5165B3F93E8}"/>
               </a:ext>
             </a:extLst>
           </p:cNvPr>
@@ -10188,7 +10193,7 @@
           <p:cNvPr id="5" name="Espace réservé de la date 4">
             <a:extLst>
               <a:ext uri="{FF2B5EF4-FFF2-40B4-BE49-F238E27FC236}">
-                <a16:creationId xmlns:a16="http://schemas.microsoft.com/office/drawing/2014/main" id="{AEC920E8-26D2-4C5F-AB20-0CA3A89ACBCD}"/>
+                <a16:creationId xmlns:a16="http://schemas.microsoft.com/office/drawing/2014/main" xmlns="" id="{AEC920E8-26D2-4C5F-AB20-0CA3A89ACBCD}"/>
               </a:ext>
             </a:extLst>
           </p:cNvPr>
@@ -10217,7 +10222,7 @@
           <p:cNvPr id="6" name="Espace réservé du pied de page 5">
             <a:extLst>
               <a:ext uri="{FF2B5EF4-FFF2-40B4-BE49-F238E27FC236}">
-                <a16:creationId xmlns:a16="http://schemas.microsoft.com/office/drawing/2014/main" id="{F8ECC64C-B544-4489-AB7B-9E9A2F3E33DC}"/>
+                <a16:creationId xmlns:a16="http://schemas.microsoft.com/office/drawing/2014/main" xmlns="" id="{F8ECC64C-B544-4489-AB7B-9E9A2F3E33DC}"/>
               </a:ext>
             </a:extLst>
           </p:cNvPr>
@@ -10242,7 +10247,7 @@
           <p:cNvPr id="7" name="Espace réservé du numéro de diapositive 6">
             <a:extLst>
               <a:ext uri="{FF2B5EF4-FFF2-40B4-BE49-F238E27FC236}">
-                <a16:creationId xmlns:a16="http://schemas.microsoft.com/office/drawing/2014/main" id="{1A8FB62B-0FC0-42E6-AF5F-89B92C085C13}"/>
+                <a16:creationId xmlns:a16="http://schemas.microsoft.com/office/drawing/2014/main" xmlns="" id="{1A8FB62B-0FC0-42E6-AF5F-89B92C085C13}"/>
               </a:ext>
             </a:extLst>
           </p:cNvPr>
@@ -10260,7 +10265,7 @@
           <a:p>
             <a:fld id="{A9956970-094A-43D6-B624-27A27B1BAE5D}" type="slidenum">
               <a:rPr lang="fr-FR" smtClean="0"/>
-              <a:t>‹N°›</a:t>
+              <a:t>‹#›</a:t>
             </a:fld>
             <a:endParaRPr lang="fr-FR"/>
           </a:p>
@@ -10301,7 +10306,7 @@
           <p:cNvPr id="2" name="Titre 1">
             <a:extLst>
               <a:ext uri="{FF2B5EF4-FFF2-40B4-BE49-F238E27FC236}">
-                <a16:creationId xmlns:a16="http://schemas.microsoft.com/office/drawing/2014/main" id="{357B92CC-1D22-468C-B55A-024756C3957A}"/>
+                <a16:creationId xmlns:a16="http://schemas.microsoft.com/office/drawing/2014/main" xmlns="" id="{357B92CC-1D22-468C-B55A-024756C3957A}"/>
               </a:ext>
             </a:extLst>
           </p:cNvPr>
@@ -10334,7 +10339,7 @@
           <p:cNvPr id="3" name="Espace réservé du texte 2">
             <a:extLst>
               <a:ext uri="{FF2B5EF4-FFF2-40B4-BE49-F238E27FC236}">
-                <a16:creationId xmlns:a16="http://schemas.microsoft.com/office/drawing/2014/main" id="{D4849EED-8837-48AD-955C-5F5AA90681ED}"/>
+                <a16:creationId xmlns:a16="http://schemas.microsoft.com/office/drawing/2014/main" xmlns="" id="{D4849EED-8837-48AD-955C-5F5AA90681ED}"/>
               </a:ext>
             </a:extLst>
           </p:cNvPr>
@@ -10405,7 +10410,7 @@
           <p:cNvPr id="4" name="Espace réservé du contenu 3">
             <a:extLst>
               <a:ext uri="{FF2B5EF4-FFF2-40B4-BE49-F238E27FC236}">
-                <a16:creationId xmlns:a16="http://schemas.microsoft.com/office/drawing/2014/main" id="{FAAC05FE-DD54-47DD-987C-613448028C1C}"/>
+                <a16:creationId xmlns:a16="http://schemas.microsoft.com/office/drawing/2014/main" xmlns="" id="{FAAC05FE-DD54-47DD-987C-613448028C1C}"/>
               </a:ext>
             </a:extLst>
           </p:cNvPr>
@@ -10467,7 +10472,7 @@
           <p:cNvPr id="5" name="Espace réservé du texte 4">
             <a:extLst>
               <a:ext uri="{FF2B5EF4-FFF2-40B4-BE49-F238E27FC236}">
-                <a16:creationId xmlns:a16="http://schemas.microsoft.com/office/drawing/2014/main" id="{4DC25AC3-90B0-42A5-8CB9-A09E4BA0C232}"/>
+                <a16:creationId xmlns:a16="http://schemas.microsoft.com/office/drawing/2014/main" xmlns="" id="{4DC25AC3-90B0-42A5-8CB9-A09E4BA0C232}"/>
               </a:ext>
             </a:extLst>
           </p:cNvPr>
@@ -10538,7 +10543,7 @@
           <p:cNvPr id="6" name="Espace réservé du contenu 5">
             <a:extLst>
               <a:ext uri="{FF2B5EF4-FFF2-40B4-BE49-F238E27FC236}">
-                <a16:creationId xmlns:a16="http://schemas.microsoft.com/office/drawing/2014/main" id="{511711FF-89F2-4290-B671-B3E568CB81B7}"/>
+                <a16:creationId xmlns:a16="http://schemas.microsoft.com/office/drawing/2014/main" xmlns="" id="{511711FF-89F2-4290-B671-B3E568CB81B7}"/>
               </a:ext>
             </a:extLst>
           </p:cNvPr>
@@ -10600,7 +10605,7 @@
           <p:cNvPr id="7" name="Espace réservé de la date 6">
             <a:extLst>
               <a:ext uri="{FF2B5EF4-FFF2-40B4-BE49-F238E27FC236}">
-                <a16:creationId xmlns:a16="http://schemas.microsoft.com/office/drawing/2014/main" id="{ABFF278D-23FD-410A-BB66-F4FEDD88B444}"/>
+                <a16:creationId xmlns:a16="http://schemas.microsoft.com/office/drawing/2014/main" xmlns="" id="{ABFF278D-23FD-410A-BB66-F4FEDD88B444}"/>
               </a:ext>
             </a:extLst>
           </p:cNvPr>
@@ -10629,7 +10634,7 @@
           <p:cNvPr id="8" name="Espace réservé du pied de page 7">
             <a:extLst>
               <a:ext uri="{FF2B5EF4-FFF2-40B4-BE49-F238E27FC236}">
-                <a16:creationId xmlns:a16="http://schemas.microsoft.com/office/drawing/2014/main" id="{DF34D466-232E-4D56-8091-6E88697A33FD}"/>
+                <a16:creationId xmlns:a16="http://schemas.microsoft.com/office/drawing/2014/main" xmlns="" id="{DF34D466-232E-4D56-8091-6E88697A33FD}"/>
               </a:ext>
             </a:extLst>
           </p:cNvPr>
@@ -10654,7 +10659,7 @@
           <p:cNvPr id="9" name="Espace réservé du numéro de diapositive 8">
             <a:extLst>
               <a:ext uri="{FF2B5EF4-FFF2-40B4-BE49-F238E27FC236}">
-                <a16:creationId xmlns:a16="http://schemas.microsoft.com/office/drawing/2014/main" id="{790CB276-9DB0-485E-8CAC-19D99631F6AA}"/>
+                <a16:creationId xmlns:a16="http://schemas.microsoft.com/office/drawing/2014/main" xmlns="" id="{790CB276-9DB0-485E-8CAC-19D99631F6AA}"/>
               </a:ext>
             </a:extLst>
           </p:cNvPr>
@@ -10672,7 +10677,7 @@
           <a:p>
             <a:fld id="{A9956970-094A-43D6-B624-27A27B1BAE5D}" type="slidenum">
               <a:rPr lang="fr-FR" smtClean="0"/>
-              <a:t>‹N°›</a:t>
+              <a:t>‹#›</a:t>
             </a:fld>
             <a:endParaRPr lang="fr-FR"/>
           </a:p>
@@ -10713,7 +10718,7 @@
           <p:cNvPr id="2" name="Titre 1">
             <a:extLst>
               <a:ext uri="{FF2B5EF4-FFF2-40B4-BE49-F238E27FC236}">
-                <a16:creationId xmlns:a16="http://schemas.microsoft.com/office/drawing/2014/main" id="{6CE3256B-CB40-44DB-8A86-E418AB0B0693}"/>
+                <a16:creationId xmlns:a16="http://schemas.microsoft.com/office/drawing/2014/main" xmlns="" id="{6CE3256B-CB40-44DB-8A86-E418AB0B0693}"/>
               </a:ext>
             </a:extLst>
           </p:cNvPr>
@@ -10741,7 +10746,7 @@
           <p:cNvPr id="3" name="Espace réservé de la date 2">
             <a:extLst>
               <a:ext uri="{FF2B5EF4-FFF2-40B4-BE49-F238E27FC236}">
-                <a16:creationId xmlns:a16="http://schemas.microsoft.com/office/drawing/2014/main" id="{D3D8CDEB-2C44-4B7B-A5E6-FE4DDC3FB051}"/>
+                <a16:creationId xmlns:a16="http://schemas.microsoft.com/office/drawing/2014/main" xmlns="" id="{D3D8CDEB-2C44-4B7B-A5E6-FE4DDC3FB051}"/>
               </a:ext>
             </a:extLst>
           </p:cNvPr>
@@ -10770,7 +10775,7 @@
           <p:cNvPr id="4" name="Espace réservé du pied de page 3">
             <a:extLst>
               <a:ext uri="{FF2B5EF4-FFF2-40B4-BE49-F238E27FC236}">
-                <a16:creationId xmlns:a16="http://schemas.microsoft.com/office/drawing/2014/main" id="{3485BFC1-C076-4CB8-B9A5-EC162428B0A9}"/>
+                <a16:creationId xmlns:a16="http://schemas.microsoft.com/office/drawing/2014/main" xmlns="" id="{3485BFC1-C076-4CB8-B9A5-EC162428B0A9}"/>
               </a:ext>
             </a:extLst>
           </p:cNvPr>
@@ -10795,7 +10800,7 @@
           <p:cNvPr id="5" name="Espace réservé du numéro de diapositive 4">
             <a:extLst>
               <a:ext uri="{FF2B5EF4-FFF2-40B4-BE49-F238E27FC236}">
-                <a16:creationId xmlns:a16="http://schemas.microsoft.com/office/drawing/2014/main" id="{97C6BF38-811D-4764-9933-80569745D6A5}"/>
+                <a16:creationId xmlns:a16="http://schemas.microsoft.com/office/drawing/2014/main" xmlns="" id="{97C6BF38-811D-4764-9933-80569745D6A5}"/>
               </a:ext>
             </a:extLst>
           </p:cNvPr>
@@ -10813,7 +10818,7 @@
           <a:p>
             <a:fld id="{A9956970-094A-43D6-B624-27A27B1BAE5D}" type="slidenum">
               <a:rPr lang="fr-FR" smtClean="0"/>
-              <a:t>‹N°›</a:t>
+              <a:t>‹#›</a:t>
             </a:fld>
             <a:endParaRPr lang="fr-FR"/>
           </a:p>
@@ -10854,7 +10859,7 @@
           <p:cNvPr id="2" name="Espace réservé de la date 1">
             <a:extLst>
               <a:ext uri="{FF2B5EF4-FFF2-40B4-BE49-F238E27FC236}">
-                <a16:creationId xmlns:a16="http://schemas.microsoft.com/office/drawing/2014/main" id="{427ACA64-6D29-4CBA-A857-DA9080997A7D}"/>
+                <a16:creationId xmlns:a16="http://schemas.microsoft.com/office/drawing/2014/main" xmlns="" id="{427ACA64-6D29-4CBA-A857-DA9080997A7D}"/>
               </a:ext>
             </a:extLst>
           </p:cNvPr>
@@ -10883,7 +10888,7 @@
           <p:cNvPr id="3" name="Espace réservé du pied de page 2">
             <a:extLst>
               <a:ext uri="{FF2B5EF4-FFF2-40B4-BE49-F238E27FC236}">
-                <a16:creationId xmlns:a16="http://schemas.microsoft.com/office/drawing/2014/main" id="{797159B9-EB2C-4B97-BC89-DDB907FA3A91}"/>
+                <a16:creationId xmlns:a16="http://schemas.microsoft.com/office/drawing/2014/main" xmlns="" id="{797159B9-EB2C-4B97-BC89-DDB907FA3A91}"/>
               </a:ext>
             </a:extLst>
           </p:cNvPr>
@@ -10908,7 +10913,7 @@
           <p:cNvPr id="4" name="Espace réservé du numéro de diapositive 3">
             <a:extLst>
               <a:ext uri="{FF2B5EF4-FFF2-40B4-BE49-F238E27FC236}">
-                <a16:creationId xmlns:a16="http://schemas.microsoft.com/office/drawing/2014/main" id="{9124F486-0CF1-4E08-B76E-56AD8BB5D2BE}"/>
+                <a16:creationId xmlns:a16="http://schemas.microsoft.com/office/drawing/2014/main" xmlns="" id="{9124F486-0CF1-4E08-B76E-56AD8BB5D2BE}"/>
               </a:ext>
             </a:extLst>
           </p:cNvPr>
@@ -10926,7 +10931,7 @@
           <a:p>
             <a:fld id="{A9956970-094A-43D6-B624-27A27B1BAE5D}" type="slidenum">
               <a:rPr lang="fr-FR" smtClean="0"/>
-              <a:t>‹N°›</a:t>
+              <a:t>‹#›</a:t>
             </a:fld>
             <a:endParaRPr lang="fr-FR"/>
           </a:p>
@@ -10967,7 +10972,7 @@
           <p:cNvPr id="2" name="Titre 1">
             <a:extLst>
               <a:ext uri="{FF2B5EF4-FFF2-40B4-BE49-F238E27FC236}">
-                <a16:creationId xmlns:a16="http://schemas.microsoft.com/office/drawing/2014/main" id="{A4D26B7B-897B-44FE-AFF2-5BA2FC381CF7}"/>
+                <a16:creationId xmlns:a16="http://schemas.microsoft.com/office/drawing/2014/main" xmlns="" id="{A4D26B7B-897B-44FE-AFF2-5BA2FC381CF7}"/>
               </a:ext>
             </a:extLst>
           </p:cNvPr>
@@ -11004,7 +11009,7 @@
           <p:cNvPr id="3" name="Espace réservé du contenu 2">
             <a:extLst>
               <a:ext uri="{FF2B5EF4-FFF2-40B4-BE49-F238E27FC236}">
-                <a16:creationId xmlns:a16="http://schemas.microsoft.com/office/drawing/2014/main" id="{CF2F4E07-762C-47F0-B06F-32E0E1F14CF8}"/>
+                <a16:creationId xmlns:a16="http://schemas.microsoft.com/office/drawing/2014/main" xmlns="" id="{CF2F4E07-762C-47F0-B06F-32E0E1F14CF8}"/>
               </a:ext>
             </a:extLst>
           </p:cNvPr>
@@ -11094,7 +11099,7 @@
           <p:cNvPr id="4" name="Espace réservé du texte 3">
             <a:extLst>
               <a:ext uri="{FF2B5EF4-FFF2-40B4-BE49-F238E27FC236}">
-                <a16:creationId xmlns:a16="http://schemas.microsoft.com/office/drawing/2014/main" id="{AC1870CD-4E18-46AE-91BE-4C62D319A234}"/>
+                <a16:creationId xmlns:a16="http://schemas.microsoft.com/office/drawing/2014/main" xmlns="" id="{AC1870CD-4E18-46AE-91BE-4C62D319A234}"/>
               </a:ext>
             </a:extLst>
           </p:cNvPr>
@@ -11165,7 +11170,7 @@
           <p:cNvPr id="5" name="Espace réservé de la date 4">
             <a:extLst>
               <a:ext uri="{FF2B5EF4-FFF2-40B4-BE49-F238E27FC236}">
-                <a16:creationId xmlns:a16="http://schemas.microsoft.com/office/drawing/2014/main" id="{21877A96-7D14-4070-AE4F-DC38BF0DE55F}"/>
+                <a16:creationId xmlns:a16="http://schemas.microsoft.com/office/drawing/2014/main" xmlns="" id="{21877A96-7D14-4070-AE4F-DC38BF0DE55F}"/>
               </a:ext>
             </a:extLst>
           </p:cNvPr>
@@ -11194,7 +11199,7 @@
           <p:cNvPr id="6" name="Espace réservé du pied de page 5">
             <a:extLst>
               <a:ext uri="{FF2B5EF4-FFF2-40B4-BE49-F238E27FC236}">
-                <a16:creationId xmlns:a16="http://schemas.microsoft.com/office/drawing/2014/main" id="{9AB2FCBC-223D-4B86-9820-4B3979B2A356}"/>
+                <a16:creationId xmlns:a16="http://schemas.microsoft.com/office/drawing/2014/main" xmlns="" id="{9AB2FCBC-223D-4B86-9820-4B3979B2A356}"/>
               </a:ext>
             </a:extLst>
           </p:cNvPr>
@@ -11219,7 +11224,7 @@
           <p:cNvPr id="7" name="Espace réservé du numéro de diapositive 6">
             <a:extLst>
               <a:ext uri="{FF2B5EF4-FFF2-40B4-BE49-F238E27FC236}">
-                <a16:creationId xmlns:a16="http://schemas.microsoft.com/office/drawing/2014/main" id="{06725BE5-AF8E-4A3D-9791-0107C15B5EC8}"/>
+                <a16:creationId xmlns:a16="http://schemas.microsoft.com/office/drawing/2014/main" xmlns="" id="{06725BE5-AF8E-4A3D-9791-0107C15B5EC8}"/>
               </a:ext>
             </a:extLst>
           </p:cNvPr>
@@ -11237,7 +11242,7 @@
           <a:p>
             <a:fld id="{A9956970-094A-43D6-B624-27A27B1BAE5D}" type="slidenum">
               <a:rPr lang="fr-FR" smtClean="0"/>
-              <a:t>‹N°›</a:t>
+              <a:t>‹#›</a:t>
             </a:fld>
             <a:endParaRPr lang="fr-FR"/>
           </a:p>
@@ -11278,7 +11283,7 @@
           <p:cNvPr id="2" name="Titre 1">
             <a:extLst>
               <a:ext uri="{FF2B5EF4-FFF2-40B4-BE49-F238E27FC236}">
-                <a16:creationId xmlns:a16="http://schemas.microsoft.com/office/drawing/2014/main" id="{ED749139-5564-4E22-BCE0-74331BA5AC45}"/>
+                <a16:creationId xmlns:a16="http://schemas.microsoft.com/office/drawing/2014/main" xmlns="" id="{ED749139-5564-4E22-BCE0-74331BA5AC45}"/>
               </a:ext>
             </a:extLst>
           </p:cNvPr>
@@ -11315,7 +11320,7 @@
           <p:cNvPr id="3" name="Espace réservé pour une image  2">
             <a:extLst>
               <a:ext uri="{FF2B5EF4-FFF2-40B4-BE49-F238E27FC236}">
-                <a16:creationId xmlns:a16="http://schemas.microsoft.com/office/drawing/2014/main" id="{F3EAD4D2-CCFD-4E67-A455-0B1A1572FDC1}"/>
+                <a16:creationId xmlns:a16="http://schemas.microsoft.com/office/drawing/2014/main" xmlns="" id="{F3EAD4D2-CCFD-4E67-A455-0B1A1572FDC1}"/>
               </a:ext>
             </a:extLst>
           </p:cNvPr>
@@ -11382,7 +11387,7 @@
           <p:cNvPr id="4" name="Espace réservé du texte 3">
             <a:extLst>
               <a:ext uri="{FF2B5EF4-FFF2-40B4-BE49-F238E27FC236}">
-                <a16:creationId xmlns:a16="http://schemas.microsoft.com/office/drawing/2014/main" id="{C8254837-C60A-403D-B5A4-ECC35A311A18}"/>
+                <a16:creationId xmlns:a16="http://schemas.microsoft.com/office/drawing/2014/main" xmlns="" id="{C8254837-C60A-403D-B5A4-ECC35A311A18}"/>
               </a:ext>
             </a:extLst>
           </p:cNvPr>
@@ -11453,7 +11458,7 @@
           <p:cNvPr id="5" name="Espace réservé de la date 4">
             <a:extLst>
               <a:ext uri="{FF2B5EF4-FFF2-40B4-BE49-F238E27FC236}">
-                <a16:creationId xmlns:a16="http://schemas.microsoft.com/office/drawing/2014/main" id="{9895A013-F98F-4057-A001-BDC85C0979EA}"/>
+                <a16:creationId xmlns:a16="http://schemas.microsoft.com/office/drawing/2014/main" xmlns="" id="{9895A013-F98F-4057-A001-BDC85C0979EA}"/>
               </a:ext>
             </a:extLst>
           </p:cNvPr>
@@ -11482,7 +11487,7 @@
           <p:cNvPr id="6" name="Espace réservé du pied de page 5">
             <a:extLst>
               <a:ext uri="{FF2B5EF4-FFF2-40B4-BE49-F238E27FC236}">
-                <a16:creationId xmlns:a16="http://schemas.microsoft.com/office/drawing/2014/main" id="{88FC136C-D6AF-4C39-8ECF-E674CA1397FA}"/>
+                <a16:creationId xmlns:a16="http://schemas.microsoft.com/office/drawing/2014/main" xmlns="" id="{88FC136C-D6AF-4C39-8ECF-E674CA1397FA}"/>
               </a:ext>
             </a:extLst>
           </p:cNvPr>
@@ -11507,7 +11512,7 @@
           <p:cNvPr id="7" name="Espace réservé du numéro de diapositive 6">
             <a:extLst>
               <a:ext uri="{FF2B5EF4-FFF2-40B4-BE49-F238E27FC236}">
-                <a16:creationId xmlns:a16="http://schemas.microsoft.com/office/drawing/2014/main" id="{4C1E74F2-235E-482D-96E1-639EA219EBF2}"/>
+                <a16:creationId xmlns:a16="http://schemas.microsoft.com/office/drawing/2014/main" xmlns="" id="{4C1E74F2-235E-482D-96E1-639EA219EBF2}"/>
               </a:ext>
             </a:extLst>
           </p:cNvPr>
@@ -11525,7 +11530,7 @@
           <a:p>
             <a:fld id="{A9956970-094A-43D6-B624-27A27B1BAE5D}" type="slidenum">
               <a:rPr lang="fr-FR" smtClean="0"/>
-              <a:t>‹N°›</a:t>
+              <a:t>‹#›</a:t>
             </a:fld>
             <a:endParaRPr lang="fr-FR"/>
           </a:p>
@@ -11566,7 +11571,7 @@
           <p:cNvPr id="2" name="Titre 1">
             <a:extLst>
               <a:ext uri="{FF2B5EF4-FFF2-40B4-BE49-F238E27FC236}">
-                <a16:creationId xmlns:a16="http://schemas.microsoft.com/office/drawing/2014/main" id="{A9E1F4BC-44B3-4F01-A722-72CE34384D07}"/>
+                <a16:creationId xmlns:a16="http://schemas.microsoft.com/office/drawing/2014/main" xmlns="" id="{A9E1F4BC-44B3-4F01-A722-72CE34384D07}"/>
               </a:ext>
             </a:extLst>
           </p:cNvPr>
@@ -11594,7 +11599,7 @@
           <p:cNvPr id="3" name="Espace réservé du texte vertical 2">
             <a:extLst>
               <a:ext uri="{FF2B5EF4-FFF2-40B4-BE49-F238E27FC236}">
-                <a16:creationId xmlns:a16="http://schemas.microsoft.com/office/drawing/2014/main" id="{E9BE3C7D-6DEA-466C-86D6-EE9C7030ADEB}"/>
+                <a16:creationId xmlns:a16="http://schemas.microsoft.com/office/drawing/2014/main" xmlns="" id="{E9BE3C7D-6DEA-466C-86D6-EE9C7030ADEB}"/>
               </a:ext>
             </a:extLst>
           </p:cNvPr>
@@ -11651,7 +11656,7 @@
           <p:cNvPr id="4" name="Espace réservé de la date 3">
             <a:extLst>
               <a:ext uri="{FF2B5EF4-FFF2-40B4-BE49-F238E27FC236}">
-                <a16:creationId xmlns:a16="http://schemas.microsoft.com/office/drawing/2014/main" id="{BB1E33FB-02B2-449E-B057-1B0BFF857C31}"/>
+                <a16:creationId xmlns:a16="http://schemas.microsoft.com/office/drawing/2014/main" xmlns="" id="{BB1E33FB-02B2-449E-B057-1B0BFF857C31}"/>
               </a:ext>
             </a:extLst>
           </p:cNvPr>
@@ -11680,7 +11685,7 @@
           <p:cNvPr id="5" name="Espace réservé du pied de page 4">
             <a:extLst>
               <a:ext uri="{FF2B5EF4-FFF2-40B4-BE49-F238E27FC236}">
-                <a16:creationId xmlns:a16="http://schemas.microsoft.com/office/drawing/2014/main" id="{3523FE3C-6E5B-4C29-A6C7-23AE68DA694E}"/>
+                <a16:creationId xmlns:a16="http://schemas.microsoft.com/office/drawing/2014/main" xmlns="" id="{3523FE3C-6E5B-4C29-A6C7-23AE68DA694E}"/>
               </a:ext>
             </a:extLst>
           </p:cNvPr>
@@ -11705,7 +11710,7 @@
           <p:cNvPr id="6" name="Espace réservé du numéro de diapositive 5">
             <a:extLst>
               <a:ext uri="{FF2B5EF4-FFF2-40B4-BE49-F238E27FC236}">
-                <a16:creationId xmlns:a16="http://schemas.microsoft.com/office/drawing/2014/main" id="{9F635305-5EBE-420A-A7EF-36AE5C6C4B2E}"/>
+                <a16:creationId xmlns:a16="http://schemas.microsoft.com/office/drawing/2014/main" xmlns="" id="{9F635305-5EBE-420A-A7EF-36AE5C6C4B2E}"/>
               </a:ext>
             </a:extLst>
           </p:cNvPr>
@@ -11723,7 +11728,7 @@
           <a:p>
             <a:fld id="{A9956970-094A-43D6-B624-27A27B1BAE5D}" type="slidenum">
               <a:rPr lang="fr-FR" smtClean="0"/>
-              <a:t>‹N°›</a:t>
+              <a:t>‹#›</a:t>
             </a:fld>
             <a:endParaRPr lang="fr-FR"/>
           </a:p>
@@ -12167,7 +12172,7 @@
           <a:p>
             <a:fld id="{10489E0E-CC19-4746-AE3F-A20083D175C2}" type="slidenum">
               <a:rPr lang="fr-FR" smtClean="0"/>
-              <a:t>‹N°›</a:t>
+              <a:t>‹#›</a:t>
             </a:fld>
             <a:endParaRPr lang="fr-FR"/>
           </a:p>
@@ -12208,7 +12213,7 @@
           <p:cNvPr id="2" name="Titre vertical 1">
             <a:extLst>
               <a:ext uri="{FF2B5EF4-FFF2-40B4-BE49-F238E27FC236}">
-                <a16:creationId xmlns:a16="http://schemas.microsoft.com/office/drawing/2014/main" id="{24807873-E2A6-4B88-BD65-FD63627B587D}"/>
+                <a16:creationId xmlns:a16="http://schemas.microsoft.com/office/drawing/2014/main" xmlns="" id="{24807873-E2A6-4B88-BD65-FD63627B587D}"/>
               </a:ext>
             </a:extLst>
           </p:cNvPr>
@@ -12241,7 +12246,7 @@
           <p:cNvPr id="3" name="Espace réservé du texte vertical 2">
             <a:extLst>
               <a:ext uri="{FF2B5EF4-FFF2-40B4-BE49-F238E27FC236}">
-                <a16:creationId xmlns:a16="http://schemas.microsoft.com/office/drawing/2014/main" id="{7B6EFB9C-D48F-458E-A628-089B7A9F398B}"/>
+                <a16:creationId xmlns:a16="http://schemas.microsoft.com/office/drawing/2014/main" xmlns="" id="{7B6EFB9C-D48F-458E-A628-089B7A9F398B}"/>
               </a:ext>
             </a:extLst>
           </p:cNvPr>
@@ -12303,7 +12308,7 @@
           <p:cNvPr id="4" name="Espace réservé de la date 3">
             <a:extLst>
               <a:ext uri="{FF2B5EF4-FFF2-40B4-BE49-F238E27FC236}">
-                <a16:creationId xmlns:a16="http://schemas.microsoft.com/office/drawing/2014/main" id="{7FC0894F-E2F8-4451-AEE7-F26B3779BCE4}"/>
+                <a16:creationId xmlns:a16="http://schemas.microsoft.com/office/drawing/2014/main" xmlns="" id="{7FC0894F-E2F8-4451-AEE7-F26B3779BCE4}"/>
               </a:ext>
             </a:extLst>
           </p:cNvPr>
@@ -12332,7 +12337,7 @@
           <p:cNvPr id="5" name="Espace réservé du pied de page 4">
             <a:extLst>
               <a:ext uri="{FF2B5EF4-FFF2-40B4-BE49-F238E27FC236}">
-                <a16:creationId xmlns:a16="http://schemas.microsoft.com/office/drawing/2014/main" id="{46801513-CE61-4FD9-954E-6960B1C89A84}"/>
+                <a16:creationId xmlns:a16="http://schemas.microsoft.com/office/drawing/2014/main" xmlns="" id="{46801513-CE61-4FD9-954E-6960B1C89A84}"/>
               </a:ext>
             </a:extLst>
           </p:cNvPr>
@@ -12357,7 +12362,7 @@
           <p:cNvPr id="6" name="Espace réservé du numéro de diapositive 5">
             <a:extLst>
               <a:ext uri="{FF2B5EF4-FFF2-40B4-BE49-F238E27FC236}">
-                <a16:creationId xmlns:a16="http://schemas.microsoft.com/office/drawing/2014/main" id="{43CE86C1-1A8F-4629-B623-16B192518D98}"/>
+                <a16:creationId xmlns:a16="http://schemas.microsoft.com/office/drawing/2014/main" xmlns="" id="{43CE86C1-1A8F-4629-B623-16B192518D98}"/>
               </a:ext>
             </a:extLst>
           </p:cNvPr>
@@ -12375,7 +12380,7 @@
           <a:p>
             <a:fld id="{A9956970-094A-43D6-B624-27A27B1BAE5D}" type="slidenum">
               <a:rPr lang="fr-FR" smtClean="0"/>
-              <a:t>‹N°›</a:t>
+              <a:t>‹#›</a:t>
             </a:fld>
             <a:endParaRPr lang="fr-FR"/>
           </a:p>
@@ -12416,7 +12421,7 @@
           <p:cNvPr id="2" name="Titre 1">
             <a:extLst>
               <a:ext uri="{FF2B5EF4-FFF2-40B4-BE49-F238E27FC236}">
-                <a16:creationId xmlns:a16="http://schemas.microsoft.com/office/drawing/2014/main" id="{64B66D1C-7DFA-495B-BD47-041699E20419}"/>
+                <a16:creationId xmlns:a16="http://schemas.microsoft.com/office/drawing/2014/main" xmlns="" id="{64B66D1C-7DFA-495B-BD47-041699E20419}"/>
               </a:ext>
             </a:extLst>
           </p:cNvPr>
@@ -12453,7 +12458,7 @@
           <p:cNvPr id="3" name="Sous-titre 2">
             <a:extLst>
               <a:ext uri="{FF2B5EF4-FFF2-40B4-BE49-F238E27FC236}">
-                <a16:creationId xmlns:a16="http://schemas.microsoft.com/office/drawing/2014/main" id="{74BE21A6-43E2-4604-8CA0-CCA45A41EF75}"/>
+                <a16:creationId xmlns:a16="http://schemas.microsoft.com/office/drawing/2014/main" xmlns="" id="{74BE21A6-43E2-4604-8CA0-CCA45A41EF75}"/>
               </a:ext>
             </a:extLst>
           </p:cNvPr>
@@ -12523,7 +12528,7 @@
           <p:cNvPr id="4" name="Espace réservé de la date 3">
             <a:extLst>
               <a:ext uri="{FF2B5EF4-FFF2-40B4-BE49-F238E27FC236}">
-                <a16:creationId xmlns:a16="http://schemas.microsoft.com/office/drawing/2014/main" id="{E2D308EC-FB42-439D-8EA6-DD28D243C858}"/>
+                <a16:creationId xmlns:a16="http://schemas.microsoft.com/office/drawing/2014/main" xmlns="" id="{E2D308EC-FB42-439D-8EA6-DD28D243C858}"/>
               </a:ext>
             </a:extLst>
           </p:cNvPr>
@@ -12552,7 +12557,7 @@
           <p:cNvPr id="5" name="Espace réservé du pied de page 4">
             <a:extLst>
               <a:ext uri="{FF2B5EF4-FFF2-40B4-BE49-F238E27FC236}">
-                <a16:creationId xmlns:a16="http://schemas.microsoft.com/office/drawing/2014/main" id="{428CE1FB-25CE-4F29-B374-6E2E6D491150}"/>
+                <a16:creationId xmlns:a16="http://schemas.microsoft.com/office/drawing/2014/main" xmlns="" id="{428CE1FB-25CE-4F29-B374-6E2E6D491150}"/>
               </a:ext>
             </a:extLst>
           </p:cNvPr>
@@ -12577,7 +12582,7 @@
           <p:cNvPr id="6" name="Espace réservé du numéro de diapositive 5">
             <a:extLst>
               <a:ext uri="{FF2B5EF4-FFF2-40B4-BE49-F238E27FC236}">
-                <a16:creationId xmlns:a16="http://schemas.microsoft.com/office/drawing/2014/main" id="{82E875B2-10FC-4C35-8FE8-D2E4236DFF43}"/>
+                <a16:creationId xmlns:a16="http://schemas.microsoft.com/office/drawing/2014/main" xmlns="" id="{82E875B2-10FC-4C35-8FE8-D2E4236DFF43}"/>
               </a:ext>
             </a:extLst>
           </p:cNvPr>
@@ -12595,7 +12600,7 @@
           <a:p>
             <a:fld id="{1B35A1AE-DECF-48A1-ACD6-B0CBAC7CBE3F}" type="slidenum">
               <a:rPr lang="fr-FR" smtClean="0"/>
-              <a:t>‹N°›</a:t>
+              <a:t>‹#›</a:t>
             </a:fld>
             <a:endParaRPr lang="fr-FR"/>
           </a:p>
@@ -12636,7 +12641,7 @@
           <p:cNvPr id="2" name="Titre 1">
             <a:extLst>
               <a:ext uri="{FF2B5EF4-FFF2-40B4-BE49-F238E27FC236}">
-                <a16:creationId xmlns:a16="http://schemas.microsoft.com/office/drawing/2014/main" id="{24FB208E-C10D-4C38-BA2B-1B149E1B5FB7}"/>
+                <a16:creationId xmlns:a16="http://schemas.microsoft.com/office/drawing/2014/main" xmlns="" id="{24FB208E-C10D-4C38-BA2B-1B149E1B5FB7}"/>
               </a:ext>
             </a:extLst>
           </p:cNvPr>
@@ -12664,7 +12669,7 @@
           <p:cNvPr id="3" name="Espace réservé du contenu 2">
             <a:extLst>
               <a:ext uri="{FF2B5EF4-FFF2-40B4-BE49-F238E27FC236}">
-                <a16:creationId xmlns:a16="http://schemas.microsoft.com/office/drawing/2014/main" id="{9BF8588E-B694-47F2-BED1-1C3DEB9096EC}"/>
+                <a16:creationId xmlns:a16="http://schemas.microsoft.com/office/drawing/2014/main" xmlns="" id="{9BF8588E-B694-47F2-BED1-1C3DEB9096EC}"/>
               </a:ext>
             </a:extLst>
           </p:cNvPr>
@@ -12721,7 +12726,7 @@
           <p:cNvPr id="4" name="Espace réservé de la date 3">
             <a:extLst>
               <a:ext uri="{FF2B5EF4-FFF2-40B4-BE49-F238E27FC236}">
-                <a16:creationId xmlns:a16="http://schemas.microsoft.com/office/drawing/2014/main" id="{5BBAAD54-8768-40DA-B553-FE22BC097E25}"/>
+                <a16:creationId xmlns:a16="http://schemas.microsoft.com/office/drawing/2014/main" xmlns="" id="{5BBAAD54-8768-40DA-B553-FE22BC097E25}"/>
               </a:ext>
             </a:extLst>
           </p:cNvPr>
@@ -12750,7 +12755,7 @@
           <p:cNvPr id="5" name="Espace réservé du pied de page 4">
             <a:extLst>
               <a:ext uri="{FF2B5EF4-FFF2-40B4-BE49-F238E27FC236}">
-                <a16:creationId xmlns:a16="http://schemas.microsoft.com/office/drawing/2014/main" id="{DEE289F1-2011-416B-B35C-4AA248F3A01B}"/>
+                <a16:creationId xmlns:a16="http://schemas.microsoft.com/office/drawing/2014/main" xmlns="" id="{DEE289F1-2011-416B-B35C-4AA248F3A01B}"/>
               </a:ext>
             </a:extLst>
           </p:cNvPr>
@@ -12775,7 +12780,7 @@
           <p:cNvPr id="6" name="Espace réservé du numéro de diapositive 5">
             <a:extLst>
               <a:ext uri="{FF2B5EF4-FFF2-40B4-BE49-F238E27FC236}">
-                <a16:creationId xmlns:a16="http://schemas.microsoft.com/office/drawing/2014/main" id="{0C454B2E-F614-4E70-9370-16B38824907B}"/>
+                <a16:creationId xmlns:a16="http://schemas.microsoft.com/office/drawing/2014/main" xmlns="" id="{0C454B2E-F614-4E70-9370-16B38824907B}"/>
               </a:ext>
             </a:extLst>
           </p:cNvPr>
@@ -12793,7 +12798,7 @@
           <a:p>
             <a:fld id="{1B35A1AE-DECF-48A1-ACD6-B0CBAC7CBE3F}" type="slidenum">
               <a:rPr lang="fr-FR" smtClean="0"/>
-              <a:t>‹N°›</a:t>
+              <a:t>‹#›</a:t>
             </a:fld>
             <a:endParaRPr lang="fr-FR"/>
           </a:p>
@@ -12834,7 +12839,7 @@
           <p:cNvPr id="2" name="Titre 1">
             <a:extLst>
               <a:ext uri="{FF2B5EF4-FFF2-40B4-BE49-F238E27FC236}">
-                <a16:creationId xmlns:a16="http://schemas.microsoft.com/office/drawing/2014/main" id="{AD30177A-211E-4E09-8910-E7AB96C6BFA9}"/>
+                <a16:creationId xmlns:a16="http://schemas.microsoft.com/office/drawing/2014/main" xmlns="" id="{AD30177A-211E-4E09-8910-E7AB96C6BFA9}"/>
               </a:ext>
             </a:extLst>
           </p:cNvPr>
@@ -12871,7 +12876,7 @@
           <p:cNvPr id="3" name="Espace réservé du texte 2">
             <a:extLst>
               <a:ext uri="{FF2B5EF4-FFF2-40B4-BE49-F238E27FC236}">
-                <a16:creationId xmlns:a16="http://schemas.microsoft.com/office/drawing/2014/main" id="{B3977F83-6E08-4088-A398-3D7CC6BD2646}"/>
+                <a16:creationId xmlns:a16="http://schemas.microsoft.com/office/drawing/2014/main" xmlns="" id="{B3977F83-6E08-4088-A398-3D7CC6BD2646}"/>
               </a:ext>
             </a:extLst>
           </p:cNvPr>
@@ -12996,7 +13001,7 @@
           <p:cNvPr id="4" name="Espace réservé de la date 3">
             <a:extLst>
               <a:ext uri="{FF2B5EF4-FFF2-40B4-BE49-F238E27FC236}">
-                <a16:creationId xmlns:a16="http://schemas.microsoft.com/office/drawing/2014/main" id="{74DFFC20-4F83-40A0-A895-E7C3DEA5955B}"/>
+                <a16:creationId xmlns:a16="http://schemas.microsoft.com/office/drawing/2014/main" xmlns="" id="{74DFFC20-4F83-40A0-A895-E7C3DEA5955B}"/>
               </a:ext>
             </a:extLst>
           </p:cNvPr>
@@ -13025,7 +13030,7 @@
           <p:cNvPr id="5" name="Espace réservé du pied de page 4">
             <a:extLst>
               <a:ext uri="{FF2B5EF4-FFF2-40B4-BE49-F238E27FC236}">
-                <a16:creationId xmlns:a16="http://schemas.microsoft.com/office/drawing/2014/main" id="{42C564DB-90E0-48CA-ADA7-A1D3F152AD12}"/>
+                <a16:creationId xmlns:a16="http://schemas.microsoft.com/office/drawing/2014/main" xmlns="" id="{42C564DB-90E0-48CA-ADA7-A1D3F152AD12}"/>
               </a:ext>
             </a:extLst>
           </p:cNvPr>
@@ -13050,7 +13055,7 @@
           <p:cNvPr id="6" name="Espace réservé du numéro de diapositive 5">
             <a:extLst>
               <a:ext uri="{FF2B5EF4-FFF2-40B4-BE49-F238E27FC236}">
-                <a16:creationId xmlns:a16="http://schemas.microsoft.com/office/drawing/2014/main" id="{3176FE9C-1734-4712-8587-789D9131AA58}"/>
+                <a16:creationId xmlns:a16="http://schemas.microsoft.com/office/drawing/2014/main" xmlns="" id="{3176FE9C-1734-4712-8587-789D9131AA58}"/>
               </a:ext>
             </a:extLst>
           </p:cNvPr>
@@ -13068,7 +13073,7 @@
           <a:p>
             <a:fld id="{1B35A1AE-DECF-48A1-ACD6-B0CBAC7CBE3F}" type="slidenum">
               <a:rPr lang="fr-FR" smtClean="0"/>
-              <a:t>‹N°›</a:t>
+              <a:t>‹#›</a:t>
             </a:fld>
             <a:endParaRPr lang="fr-FR"/>
           </a:p>
@@ -13109,7 +13114,7 @@
           <p:cNvPr id="2" name="Titre 1">
             <a:extLst>
               <a:ext uri="{FF2B5EF4-FFF2-40B4-BE49-F238E27FC236}">
-                <a16:creationId xmlns:a16="http://schemas.microsoft.com/office/drawing/2014/main" id="{DF72E85D-8054-486C-8343-92EE9E57A4F7}"/>
+                <a16:creationId xmlns:a16="http://schemas.microsoft.com/office/drawing/2014/main" xmlns="" id="{DF72E85D-8054-486C-8343-92EE9E57A4F7}"/>
               </a:ext>
             </a:extLst>
           </p:cNvPr>
@@ -13137,7 +13142,7 @@
           <p:cNvPr id="3" name="Espace réservé du contenu 2">
             <a:extLst>
               <a:ext uri="{FF2B5EF4-FFF2-40B4-BE49-F238E27FC236}">
-                <a16:creationId xmlns:a16="http://schemas.microsoft.com/office/drawing/2014/main" id="{4CD10C1B-65A3-43A6-A061-0B72608322C8}"/>
+                <a16:creationId xmlns:a16="http://schemas.microsoft.com/office/drawing/2014/main" xmlns="" id="{4CD10C1B-65A3-43A6-A061-0B72608322C8}"/>
               </a:ext>
             </a:extLst>
           </p:cNvPr>
@@ -13199,7 +13204,7 @@
           <p:cNvPr id="4" name="Espace réservé du contenu 3">
             <a:extLst>
               <a:ext uri="{FF2B5EF4-FFF2-40B4-BE49-F238E27FC236}">
-                <a16:creationId xmlns:a16="http://schemas.microsoft.com/office/drawing/2014/main" id="{E9014DC1-29EB-4311-AD7A-01988272B535}"/>
+                <a16:creationId xmlns:a16="http://schemas.microsoft.com/office/drawing/2014/main" xmlns="" id="{E9014DC1-29EB-4311-AD7A-01988272B535}"/>
               </a:ext>
             </a:extLst>
           </p:cNvPr>
@@ -13261,7 +13266,7 @@
           <p:cNvPr id="5" name="Espace réservé de la date 4">
             <a:extLst>
               <a:ext uri="{FF2B5EF4-FFF2-40B4-BE49-F238E27FC236}">
-                <a16:creationId xmlns:a16="http://schemas.microsoft.com/office/drawing/2014/main" id="{FCEB60C9-4C9D-4F69-955B-A9AE3FD4177B}"/>
+                <a16:creationId xmlns:a16="http://schemas.microsoft.com/office/drawing/2014/main" xmlns="" id="{FCEB60C9-4C9D-4F69-955B-A9AE3FD4177B}"/>
               </a:ext>
             </a:extLst>
           </p:cNvPr>
@@ -13290,7 +13295,7 @@
           <p:cNvPr id="6" name="Espace réservé du pied de page 5">
             <a:extLst>
               <a:ext uri="{FF2B5EF4-FFF2-40B4-BE49-F238E27FC236}">
-                <a16:creationId xmlns:a16="http://schemas.microsoft.com/office/drawing/2014/main" id="{5DE33320-370D-4754-99E5-F3A009DF5E1A}"/>
+                <a16:creationId xmlns:a16="http://schemas.microsoft.com/office/drawing/2014/main" xmlns="" id="{5DE33320-370D-4754-99E5-F3A009DF5E1A}"/>
               </a:ext>
             </a:extLst>
           </p:cNvPr>
@@ -13315,7 +13320,7 @@
           <p:cNvPr id="7" name="Espace réservé du numéro de diapositive 6">
             <a:extLst>
               <a:ext uri="{FF2B5EF4-FFF2-40B4-BE49-F238E27FC236}">
-                <a16:creationId xmlns:a16="http://schemas.microsoft.com/office/drawing/2014/main" id="{C1C804ED-204D-456A-B46F-EC9945C2C773}"/>
+                <a16:creationId xmlns:a16="http://schemas.microsoft.com/office/drawing/2014/main" xmlns="" id="{C1C804ED-204D-456A-B46F-EC9945C2C773}"/>
               </a:ext>
             </a:extLst>
           </p:cNvPr>
@@ -13333,7 +13338,7 @@
           <a:p>
             <a:fld id="{1B35A1AE-DECF-48A1-ACD6-B0CBAC7CBE3F}" type="slidenum">
               <a:rPr lang="fr-FR" smtClean="0"/>
-              <a:t>‹N°›</a:t>
+              <a:t>‹#›</a:t>
             </a:fld>
             <a:endParaRPr lang="fr-FR"/>
           </a:p>
@@ -13374,7 +13379,7 @@
           <p:cNvPr id="2" name="Titre 1">
             <a:extLst>
               <a:ext uri="{FF2B5EF4-FFF2-40B4-BE49-F238E27FC236}">
-                <a16:creationId xmlns:a16="http://schemas.microsoft.com/office/drawing/2014/main" id="{00072F92-0782-48C1-8CBC-05A1AE6AA5BB}"/>
+                <a16:creationId xmlns:a16="http://schemas.microsoft.com/office/drawing/2014/main" xmlns="" id="{00072F92-0782-48C1-8CBC-05A1AE6AA5BB}"/>
               </a:ext>
             </a:extLst>
           </p:cNvPr>
@@ -13407,7 +13412,7 @@
           <p:cNvPr id="3" name="Espace réservé du texte 2">
             <a:extLst>
               <a:ext uri="{FF2B5EF4-FFF2-40B4-BE49-F238E27FC236}">
-                <a16:creationId xmlns:a16="http://schemas.microsoft.com/office/drawing/2014/main" id="{3A16C386-55B6-4EB2-A32A-147A5C3C1425}"/>
+                <a16:creationId xmlns:a16="http://schemas.microsoft.com/office/drawing/2014/main" xmlns="" id="{3A16C386-55B6-4EB2-A32A-147A5C3C1425}"/>
               </a:ext>
             </a:extLst>
           </p:cNvPr>
@@ -13478,7 +13483,7 @@
           <p:cNvPr id="4" name="Espace réservé du contenu 3">
             <a:extLst>
               <a:ext uri="{FF2B5EF4-FFF2-40B4-BE49-F238E27FC236}">
-                <a16:creationId xmlns:a16="http://schemas.microsoft.com/office/drawing/2014/main" id="{75C124B2-ED03-49DB-9FFC-4D2081A0CA32}"/>
+                <a16:creationId xmlns:a16="http://schemas.microsoft.com/office/drawing/2014/main" xmlns="" id="{75C124B2-ED03-49DB-9FFC-4D2081A0CA32}"/>
               </a:ext>
             </a:extLst>
           </p:cNvPr>
@@ -13540,7 +13545,7 @@
           <p:cNvPr id="5" name="Espace réservé du texte 4">
             <a:extLst>
               <a:ext uri="{FF2B5EF4-FFF2-40B4-BE49-F238E27FC236}">
-                <a16:creationId xmlns:a16="http://schemas.microsoft.com/office/drawing/2014/main" id="{B7C3157A-5819-445E-8A04-3223624EA10E}"/>
+                <a16:creationId xmlns:a16="http://schemas.microsoft.com/office/drawing/2014/main" xmlns="" id="{B7C3157A-5819-445E-8A04-3223624EA10E}"/>
               </a:ext>
             </a:extLst>
           </p:cNvPr>
@@ -13611,7 +13616,7 @@
           <p:cNvPr id="6" name="Espace réservé du contenu 5">
             <a:extLst>
               <a:ext uri="{FF2B5EF4-FFF2-40B4-BE49-F238E27FC236}">
-                <a16:creationId xmlns:a16="http://schemas.microsoft.com/office/drawing/2014/main" id="{78783AC6-4FAB-40A6-8373-BD379A1D0369}"/>
+                <a16:creationId xmlns:a16="http://schemas.microsoft.com/office/drawing/2014/main" xmlns="" id="{78783AC6-4FAB-40A6-8373-BD379A1D0369}"/>
               </a:ext>
             </a:extLst>
           </p:cNvPr>
@@ -13673,7 +13678,7 @@
           <p:cNvPr id="7" name="Espace réservé de la date 6">
             <a:extLst>
               <a:ext uri="{FF2B5EF4-FFF2-40B4-BE49-F238E27FC236}">
-                <a16:creationId xmlns:a16="http://schemas.microsoft.com/office/drawing/2014/main" id="{D661A144-F690-4A58-B140-A278DD4A6461}"/>
+                <a16:creationId xmlns:a16="http://schemas.microsoft.com/office/drawing/2014/main" xmlns="" id="{D661A144-F690-4A58-B140-A278DD4A6461}"/>
               </a:ext>
             </a:extLst>
           </p:cNvPr>
@@ -13702,7 +13707,7 @@
           <p:cNvPr id="8" name="Espace réservé du pied de page 7">
             <a:extLst>
               <a:ext uri="{FF2B5EF4-FFF2-40B4-BE49-F238E27FC236}">
-                <a16:creationId xmlns:a16="http://schemas.microsoft.com/office/drawing/2014/main" id="{CA35B238-1753-4F1E-9F05-30C924327156}"/>
+                <a16:creationId xmlns:a16="http://schemas.microsoft.com/office/drawing/2014/main" xmlns="" id="{CA35B238-1753-4F1E-9F05-30C924327156}"/>
               </a:ext>
             </a:extLst>
           </p:cNvPr>
@@ -13727,7 +13732,7 @@
           <p:cNvPr id="9" name="Espace réservé du numéro de diapositive 8">
             <a:extLst>
               <a:ext uri="{FF2B5EF4-FFF2-40B4-BE49-F238E27FC236}">
-                <a16:creationId xmlns:a16="http://schemas.microsoft.com/office/drawing/2014/main" id="{E4BF56F4-2DA8-4086-8453-AD4E99724D7C}"/>
+                <a16:creationId xmlns:a16="http://schemas.microsoft.com/office/drawing/2014/main" xmlns="" id="{E4BF56F4-2DA8-4086-8453-AD4E99724D7C}"/>
               </a:ext>
             </a:extLst>
           </p:cNvPr>
@@ -13745,7 +13750,7 @@
           <a:p>
             <a:fld id="{1B35A1AE-DECF-48A1-ACD6-B0CBAC7CBE3F}" type="slidenum">
               <a:rPr lang="fr-FR" smtClean="0"/>
-              <a:t>‹N°›</a:t>
+              <a:t>‹#›</a:t>
             </a:fld>
             <a:endParaRPr lang="fr-FR"/>
           </a:p>
@@ -13786,7 +13791,7 @@
           <p:cNvPr id="2" name="Titre 1">
             <a:extLst>
               <a:ext uri="{FF2B5EF4-FFF2-40B4-BE49-F238E27FC236}">
-                <a16:creationId xmlns:a16="http://schemas.microsoft.com/office/drawing/2014/main" id="{5916B38D-825A-49BE-81E5-5F9E26523567}"/>
+                <a16:creationId xmlns:a16="http://schemas.microsoft.com/office/drawing/2014/main" xmlns="" id="{5916B38D-825A-49BE-81E5-5F9E26523567}"/>
               </a:ext>
             </a:extLst>
           </p:cNvPr>
@@ -13814,7 +13819,7 @@
           <p:cNvPr id="3" name="Espace réservé de la date 2">
             <a:extLst>
               <a:ext uri="{FF2B5EF4-FFF2-40B4-BE49-F238E27FC236}">
-                <a16:creationId xmlns:a16="http://schemas.microsoft.com/office/drawing/2014/main" id="{85668AF4-2690-43A8-BABE-BBECD1F5570A}"/>
+                <a16:creationId xmlns:a16="http://schemas.microsoft.com/office/drawing/2014/main" xmlns="" id="{85668AF4-2690-43A8-BABE-BBECD1F5570A}"/>
               </a:ext>
             </a:extLst>
           </p:cNvPr>
@@ -13843,7 +13848,7 @@
           <p:cNvPr id="4" name="Espace réservé du pied de page 3">
             <a:extLst>
               <a:ext uri="{FF2B5EF4-FFF2-40B4-BE49-F238E27FC236}">
-                <a16:creationId xmlns:a16="http://schemas.microsoft.com/office/drawing/2014/main" id="{EE3D424F-562C-41DF-A33E-A958FC8A05DE}"/>
+                <a16:creationId xmlns:a16="http://schemas.microsoft.com/office/drawing/2014/main" xmlns="" id="{EE3D424F-562C-41DF-A33E-A958FC8A05DE}"/>
               </a:ext>
             </a:extLst>
           </p:cNvPr>
@@ -13868,7 +13873,7 @@
           <p:cNvPr id="5" name="Espace réservé du numéro de diapositive 4">
             <a:extLst>
               <a:ext uri="{FF2B5EF4-FFF2-40B4-BE49-F238E27FC236}">
-                <a16:creationId xmlns:a16="http://schemas.microsoft.com/office/drawing/2014/main" id="{8E628ECD-3E54-407F-85E0-A0F181F4BD44}"/>
+                <a16:creationId xmlns:a16="http://schemas.microsoft.com/office/drawing/2014/main" xmlns="" id="{8E628ECD-3E54-407F-85E0-A0F181F4BD44}"/>
               </a:ext>
             </a:extLst>
           </p:cNvPr>
@@ -13886,7 +13891,7 @@
           <a:p>
             <a:fld id="{1B35A1AE-DECF-48A1-ACD6-B0CBAC7CBE3F}" type="slidenum">
               <a:rPr lang="fr-FR" smtClean="0"/>
-              <a:t>‹N°›</a:t>
+              <a:t>‹#›</a:t>
             </a:fld>
             <a:endParaRPr lang="fr-FR"/>
           </a:p>
@@ -13927,7 +13932,7 @@
           <p:cNvPr id="2" name="Espace réservé de la date 1">
             <a:extLst>
               <a:ext uri="{FF2B5EF4-FFF2-40B4-BE49-F238E27FC236}">
-                <a16:creationId xmlns:a16="http://schemas.microsoft.com/office/drawing/2014/main" id="{2C43E389-968C-4857-865B-37439202D854}"/>
+                <a16:creationId xmlns:a16="http://schemas.microsoft.com/office/drawing/2014/main" xmlns="" id="{2C43E389-968C-4857-865B-37439202D854}"/>
               </a:ext>
             </a:extLst>
           </p:cNvPr>
@@ -13956,7 +13961,7 @@
           <p:cNvPr id="3" name="Espace réservé du pied de page 2">
             <a:extLst>
               <a:ext uri="{FF2B5EF4-FFF2-40B4-BE49-F238E27FC236}">
-                <a16:creationId xmlns:a16="http://schemas.microsoft.com/office/drawing/2014/main" id="{EC4FD11D-AD89-40E8-8922-97891A54E5BA}"/>
+                <a16:creationId xmlns:a16="http://schemas.microsoft.com/office/drawing/2014/main" xmlns="" id="{EC4FD11D-AD89-40E8-8922-97891A54E5BA}"/>
               </a:ext>
             </a:extLst>
           </p:cNvPr>
@@ -13981,7 +13986,7 @@
           <p:cNvPr id="4" name="Espace réservé du numéro de diapositive 3">
             <a:extLst>
               <a:ext uri="{FF2B5EF4-FFF2-40B4-BE49-F238E27FC236}">
-                <a16:creationId xmlns:a16="http://schemas.microsoft.com/office/drawing/2014/main" id="{7D363BFD-78F6-408F-B2A3-7BADD4663463}"/>
+                <a16:creationId xmlns:a16="http://schemas.microsoft.com/office/drawing/2014/main" xmlns="" id="{7D363BFD-78F6-408F-B2A3-7BADD4663463}"/>
               </a:ext>
             </a:extLst>
           </p:cNvPr>
@@ -13999,7 +14004,7 @@
           <a:p>
             <a:fld id="{1B35A1AE-DECF-48A1-ACD6-B0CBAC7CBE3F}" type="slidenum">
               <a:rPr lang="fr-FR" smtClean="0"/>
-              <a:t>‹N°›</a:t>
+              <a:t>‹#›</a:t>
             </a:fld>
             <a:endParaRPr lang="fr-FR"/>
           </a:p>
@@ -14040,7 +14045,7 @@
           <p:cNvPr id="2" name="Titre 1">
             <a:extLst>
               <a:ext uri="{FF2B5EF4-FFF2-40B4-BE49-F238E27FC236}">
-                <a16:creationId xmlns:a16="http://schemas.microsoft.com/office/drawing/2014/main" id="{18CC642B-6B3A-436C-9443-C6ADC0999265}"/>
+                <a16:creationId xmlns:a16="http://schemas.microsoft.com/office/drawing/2014/main" xmlns="" id="{18CC642B-6B3A-436C-9443-C6ADC0999265}"/>
               </a:ext>
             </a:extLst>
           </p:cNvPr>
@@ -14077,7 +14082,7 @@
           <p:cNvPr id="3" name="Espace réservé du contenu 2">
             <a:extLst>
               <a:ext uri="{FF2B5EF4-FFF2-40B4-BE49-F238E27FC236}">
-                <a16:creationId xmlns:a16="http://schemas.microsoft.com/office/drawing/2014/main" id="{72C77635-D341-4AE5-AAD9-D8A299E82FAA}"/>
+                <a16:creationId xmlns:a16="http://schemas.microsoft.com/office/drawing/2014/main" xmlns="" id="{72C77635-D341-4AE5-AAD9-D8A299E82FAA}"/>
               </a:ext>
             </a:extLst>
           </p:cNvPr>
@@ -14167,7 +14172,7 @@
           <p:cNvPr id="4" name="Espace réservé du texte 3">
             <a:extLst>
               <a:ext uri="{FF2B5EF4-FFF2-40B4-BE49-F238E27FC236}">
-                <a16:creationId xmlns:a16="http://schemas.microsoft.com/office/drawing/2014/main" id="{A4C8F8A0-EF7A-4B93-914B-3E0BCB2CF611}"/>
+                <a16:creationId xmlns:a16="http://schemas.microsoft.com/office/drawing/2014/main" xmlns="" id="{A4C8F8A0-EF7A-4B93-914B-3E0BCB2CF611}"/>
               </a:ext>
             </a:extLst>
           </p:cNvPr>
@@ -14238,7 +14243,7 @@
           <p:cNvPr id="5" name="Espace réservé de la date 4">
             <a:extLst>
               <a:ext uri="{FF2B5EF4-FFF2-40B4-BE49-F238E27FC236}">
-                <a16:creationId xmlns:a16="http://schemas.microsoft.com/office/drawing/2014/main" id="{37723EDC-104E-45F0-B610-093611C3CC4D}"/>
+                <a16:creationId xmlns:a16="http://schemas.microsoft.com/office/drawing/2014/main" xmlns="" id="{37723EDC-104E-45F0-B610-093611C3CC4D}"/>
               </a:ext>
             </a:extLst>
           </p:cNvPr>
@@ -14267,7 +14272,7 @@
           <p:cNvPr id="6" name="Espace réservé du pied de page 5">
             <a:extLst>
               <a:ext uri="{FF2B5EF4-FFF2-40B4-BE49-F238E27FC236}">
-                <a16:creationId xmlns:a16="http://schemas.microsoft.com/office/drawing/2014/main" id="{CCDCC3BA-8200-4694-BF63-7E5D93C65EF8}"/>
+                <a16:creationId xmlns:a16="http://schemas.microsoft.com/office/drawing/2014/main" xmlns="" id="{CCDCC3BA-8200-4694-BF63-7E5D93C65EF8}"/>
               </a:ext>
             </a:extLst>
           </p:cNvPr>
@@ -14292,7 +14297,7 @@
           <p:cNvPr id="7" name="Espace réservé du numéro de diapositive 6">
             <a:extLst>
               <a:ext uri="{FF2B5EF4-FFF2-40B4-BE49-F238E27FC236}">
-                <a16:creationId xmlns:a16="http://schemas.microsoft.com/office/drawing/2014/main" id="{168C3E17-4504-44EB-BBE2-519E3BD38B35}"/>
+                <a16:creationId xmlns:a16="http://schemas.microsoft.com/office/drawing/2014/main" xmlns="" id="{168C3E17-4504-44EB-BBE2-519E3BD38B35}"/>
               </a:ext>
             </a:extLst>
           </p:cNvPr>
@@ -14310,7 +14315,7 @@
           <a:p>
             <a:fld id="{1B35A1AE-DECF-48A1-ACD6-B0CBAC7CBE3F}" type="slidenum">
               <a:rPr lang="fr-FR" smtClean="0"/>
-              <a:t>‹N°›</a:t>
+              <a:t>‹#›</a:t>
             </a:fld>
             <a:endParaRPr lang="fr-FR"/>
           </a:p>
@@ -14351,7 +14356,7 @@
           <p:cNvPr id="2" name="Titre 1">
             <a:extLst>
               <a:ext uri="{FF2B5EF4-FFF2-40B4-BE49-F238E27FC236}">
-                <a16:creationId xmlns:a16="http://schemas.microsoft.com/office/drawing/2014/main" id="{8AA9704E-8489-4DCF-BC00-B7E8260DF5C6}"/>
+                <a16:creationId xmlns:a16="http://schemas.microsoft.com/office/drawing/2014/main" xmlns="" id="{8AA9704E-8489-4DCF-BC00-B7E8260DF5C6}"/>
               </a:ext>
             </a:extLst>
           </p:cNvPr>
@@ -14388,7 +14393,7 @@
           <p:cNvPr id="3" name="Espace réservé pour une image  2">
             <a:extLst>
               <a:ext uri="{FF2B5EF4-FFF2-40B4-BE49-F238E27FC236}">
-                <a16:creationId xmlns:a16="http://schemas.microsoft.com/office/drawing/2014/main" id="{A224197C-56EC-4D83-9CE0-81D57FFAD552}"/>
+                <a16:creationId xmlns:a16="http://schemas.microsoft.com/office/drawing/2014/main" xmlns="" id="{A224197C-56EC-4D83-9CE0-81D57FFAD552}"/>
               </a:ext>
             </a:extLst>
           </p:cNvPr>
@@ -14455,7 +14460,7 @@
           <p:cNvPr id="4" name="Espace réservé du texte 3">
             <a:extLst>
               <a:ext uri="{FF2B5EF4-FFF2-40B4-BE49-F238E27FC236}">
-                <a16:creationId xmlns:a16="http://schemas.microsoft.com/office/drawing/2014/main" id="{55099B0B-E488-4F8E-8066-8C43D8D9668D}"/>
+                <a16:creationId xmlns:a16="http://schemas.microsoft.com/office/drawing/2014/main" xmlns="" id="{55099B0B-E488-4F8E-8066-8C43D8D9668D}"/>
               </a:ext>
             </a:extLst>
           </p:cNvPr>
@@ -14526,7 +14531,7 @@
           <p:cNvPr id="5" name="Espace réservé de la date 4">
             <a:extLst>
               <a:ext uri="{FF2B5EF4-FFF2-40B4-BE49-F238E27FC236}">
-                <a16:creationId xmlns:a16="http://schemas.microsoft.com/office/drawing/2014/main" id="{F7B80BB7-74EF-480A-A3E1-D8435997CAFC}"/>
+                <a16:creationId xmlns:a16="http://schemas.microsoft.com/office/drawing/2014/main" xmlns="" id="{F7B80BB7-74EF-480A-A3E1-D8435997CAFC}"/>
               </a:ext>
             </a:extLst>
           </p:cNvPr>
@@ -14555,7 +14560,7 @@
           <p:cNvPr id="6" name="Espace réservé du pied de page 5">
             <a:extLst>
               <a:ext uri="{FF2B5EF4-FFF2-40B4-BE49-F238E27FC236}">
-                <a16:creationId xmlns:a16="http://schemas.microsoft.com/office/drawing/2014/main" id="{7959C8C0-0A93-4BE1-B426-1B9E0A9E5BB7}"/>
+                <a16:creationId xmlns:a16="http://schemas.microsoft.com/office/drawing/2014/main" xmlns="" id="{7959C8C0-0A93-4BE1-B426-1B9E0A9E5BB7}"/>
               </a:ext>
             </a:extLst>
           </p:cNvPr>
@@ -14580,7 +14585,7 @@
           <p:cNvPr id="7" name="Espace réservé du numéro de diapositive 6">
             <a:extLst>
               <a:ext uri="{FF2B5EF4-FFF2-40B4-BE49-F238E27FC236}">
-                <a16:creationId xmlns:a16="http://schemas.microsoft.com/office/drawing/2014/main" id="{AAE1EEA0-B4A9-4949-99A1-88F2AC0F4A7C}"/>
+                <a16:creationId xmlns:a16="http://schemas.microsoft.com/office/drawing/2014/main" xmlns="" id="{AAE1EEA0-B4A9-4949-99A1-88F2AC0F4A7C}"/>
               </a:ext>
             </a:extLst>
           </p:cNvPr>
@@ -14598,7 +14603,7 @@
           <a:p>
             <a:fld id="{1B35A1AE-DECF-48A1-ACD6-B0CBAC7CBE3F}" type="slidenum">
               <a:rPr lang="fr-FR" smtClean="0"/>
-              <a:t>‹N°›</a:t>
+              <a:t>‹#›</a:t>
             </a:fld>
             <a:endParaRPr lang="fr-FR"/>
           </a:p>
@@ -14716,7 +14721,7 @@
           <a:p>
             <a:fld id="{10489E0E-CC19-4746-AE3F-A20083D175C2}" type="slidenum">
               <a:rPr lang="fr-FR" smtClean="0"/>
-              <a:t>‹N°›</a:t>
+              <a:t>‹#›</a:t>
             </a:fld>
             <a:endParaRPr lang="fr-FR"/>
           </a:p>
@@ -14757,7 +14762,7 @@
           <p:cNvPr id="2" name="Titre 1">
             <a:extLst>
               <a:ext uri="{FF2B5EF4-FFF2-40B4-BE49-F238E27FC236}">
-                <a16:creationId xmlns:a16="http://schemas.microsoft.com/office/drawing/2014/main" id="{3F4398EC-8782-4D57-ADC9-3089687A9AD5}"/>
+                <a16:creationId xmlns:a16="http://schemas.microsoft.com/office/drawing/2014/main" xmlns="" id="{3F4398EC-8782-4D57-ADC9-3089687A9AD5}"/>
               </a:ext>
             </a:extLst>
           </p:cNvPr>
@@ -14785,7 +14790,7 @@
           <p:cNvPr id="3" name="Espace réservé du texte vertical 2">
             <a:extLst>
               <a:ext uri="{FF2B5EF4-FFF2-40B4-BE49-F238E27FC236}">
-                <a16:creationId xmlns:a16="http://schemas.microsoft.com/office/drawing/2014/main" id="{4B56A725-F0E8-4162-BC5F-E79156DCF256}"/>
+                <a16:creationId xmlns:a16="http://schemas.microsoft.com/office/drawing/2014/main" xmlns="" id="{4B56A725-F0E8-4162-BC5F-E79156DCF256}"/>
               </a:ext>
             </a:extLst>
           </p:cNvPr>
@@ -14842,7 +14847,7 @@
           <p:cNvPr id="4" name="Espace réservé de la date 3">
             <a:extLst>
               <a:ext uri="{FF2B5EF4-FFF2-40B4-BE49-F238E27FC236}">
-                <a16:creationId xmlns:a16="http://schemas.microsoft.com/office/drawing/2014/main" id="{70D2D708-1A85-4397-AB9D-2E0DAEB8F03F}"/>
+                <a16:creationId xmlns:a16="http://schemas.microsoft.com/office/drawing/2014/main" xmlns="" id="{70D2D708-1A85-4397-AB9D-2E0DAEB8F03F}"/>
               </a:ext>
             </a:extLst>
           </p:cNvPr>
@@ -14871,7 +14876,7 @@
           <p:cNvPr id="5" name="Espace réservé du pied de page 4">
             <a:extLst>
               <a:ext uri="{FF2B5EF4-FFF2-40B4-BE49-F238E27FC236}">
-                <a16:creationId xmlns:a16="http://schemas.microsoft.com/office/drawing/2014/main" id="{EBCF327E-7CC0-4E4D-BE29-0E656EBB4E96}"/>
+                <a16:creationId xmlns:a16="http://schemas.microsoft.com/office/drawing/2014/main" xmlns="" id="{EBCF327E-7CC0-4E4D-BE29-0E656EBB4E96}"/>
               </a:ext>
             </a:extLst>
           </p:cNvPr>
@@ -14896,7 +14901,7 @@
           <p:cNvPr id="6" name="Espace réservé du numéro de diapositive 5">
             <a:extLst>
               <a:ext uri="{FF2B5EF4-FFF2-40B4-BE49-F238E27FC236}">
-                <a16:creationId xmlns:a16="http://schemas.microsoft.com/office/drawing/2014/main" id="{627A09E8-57AF-4AF5-AEF3-0807A2AF82A2}"/>
+                <a16:creationId xmlns:a16="http://schemas.microsoft.com/office/drawing/2014/main" xmlns="" id="{627A09E8-57AF-4AF5-AEF3-0807A2AF82A2}"/>
               </a:ext>
             </a:extLst>
           </p:cNvPr>
@@ -14914,7 +14919,7 @@
           <a:p>
             <a:fld id="{1B35A1AE-DECF-48A1-ACD6-B0CBAC7CBE3F}" type="slidenum">
               <a:rPr lang="fr-FR" smtClean="0"/>
-              <a:t>‹N°›</a:t>
+              <a:t>‹#›</a:t>
             </a:fld>
             <a:endParaRPr lang="fr-FR"/>
           </a:p>
@@ -14955,7 +14960,7 @@
           <p:cNvPr id="2" name="Titre vertical 1">
             <a:extLst>
               <a:ext uri="{FF2B5EF4-FFF2-40B4-BE49-F238E27FC236}">
-                <a16:creationId xmlns:a16="http://schemas.microsoft.com/office/drawing/2014/main" id="{E57B2A7E-E5EC-4746-BDF1-4C8C42DB1918}"/>
+                <a16:creationId xmlns:a16="http://schemas.microsoft.com/office/drawing/2014/main" xmlns="" id="{E57B2A7E-E5EC-4746-BDF1-4C8C42DB1918}"/>
               </a:ext>
             </a:extLst>
           </p:cNvPr>
@@ -14988,7 +14993,7 @@
           <p:cNvPr id="3" name="Espace réservé du texte vertical 2">
             <a:extLst>
               <a:ext uri="{FF2B5EF4-FFF2-40B4-BE49-F238E27FC236}">
-                <a16:creationId xmlns:a16="http://schemas.microsoft.com/office/drawing/2014/main" id="{9EEC7463-36CA-4929-9F29-7D52B0A30C10}"/>
+                <a16:creationId xmlns:a16="http://schemas.microsoft.com/office/drawing/2014/main" xmlns="" id="{9EEC7463-36CA-4929-9F29-7D52B0A30C10}"/>
               </a:ext>
             </a:extLst>
           </p:cNvPr>
@@ -15050,7 +15055,7 @@
           <p:cNvPr id="4" name="Espace réservé de la date 3">
             <a:extLst>
               <a:ext uri="{FF2B5EF4-FFF2-40B4-BE49-F238E27FC236}">
-                <a16:creationId xmlns:a16="http://schemas.microsoft.com/office/drawing/2014/main" id="{B184E05A-6412-47CB-8470-B4A5EEE42A49}"/>
+                <a16:creationId xmlns:a16="http://schemas.microsoft.com/office/drawing/2014/main" xmlns="" id="{B184E05A-6412-47CB-8470-B4A5EEE42A49}"/>
               </a:ext>
             </a:extLst>
           </p:cNvPr>
@@ -15079,7 +15084,7 @@
           <p:cNvPr id="5" name="Espace réservé du pied de page 4">
             <a:extLst>
               <a:ext uri="{FF2B5EF4-FFF2-40B4-BE49-F238E27FC236}">
-                <a16:creationId xmlns:a16="http://schemas.microsoft.com/office/drawing/2014/main" id="{EE9C4F30-332F-4EA6-A625-6002BBA68C04}"/>
+                <a16:creationId xmlns:a16="http://schemas.microsoft.com/office/drawing/2014/main" xmlns="" id="{EE9C4F30-332F-4EA6-A625-6002BBA68C04}"/>
               </a:ext>
             </a:extLst>
           </p:cNvPr>
@@ -15104,7 +15109,7 @@
           <p:cNvPr id="6" name="Espace réservé du numéro de diapositive 5">
             <a:extLst>
               <a:ext uri="{FF2B5EF4-FFF2-40B4-BE49-F238E27FC236}">
-                <a16:creationId xmlns:a16="http://schemas.microsoft.com/office/drawing/2014/main" id="{843F8469-8D0A-4299-8DB7-5ECE450F57D7}"/>
+                <a16:creationId xmlns:a16="http://schemas.microsoft.com/office/drawing/2014/main" xmlns="" id="{843F8469-8D0A-4299-8DB7-5ECE450F57D7}"/>
               </a:ext>
             </a:extLst>
           </p:cNvPr>
@@ -15122,7 +15127,7 @@
           <a:p>
             <a:fld id="{1B35A1AE-DECF-48A1-ACD6-B0CBAC7CBE3F}" type="slidenum">
               <a:rPr lang="fr-FR" smtClean="0"/>
-              <a:t>‹N°›</a:t>
+              <a:t>‹#›</a:t>
             </a:fld>
             <a:endParaRPr lang="fr-FR"/>
           </a:p>
@@ -15217,7 +15222,7 @@
           <a:p>
             <a:fld id="{10489E0E-CC19-4746-AE3F-A20083D175C2}" type="slidenum">
               <a:rPr lang="fr-FR" smtClean="0"/>
-              <a:t>‹N°›</a:t>
+              <a:t>‹#›</a:t>
             </a:fld>
             <a:endParaRPr lang="fr-FR"/>
           </a:p>
@@ -15496,7 +15501,7 @@
           <a:p>
             <a:fld id="{10489E0E-CC19-4746-AE3F-A20083D175C2}" type="slidenum">
               <a:rPr lang="fr-FR" smtClean="0"/>
-              <a:t>‹N°›</a:t>
+              <a:t>‹#›</a:t>
             </a:fld>
             <a:endParaRPr lang="fr-FR"/>
           </a:p>
@@ -15771,7 +15776,7 @@
           <a:p>
             <a:fld id="{10489E0E-CC19-4746-AE3F-A20083D175C2}" type="slidenum">
               <a:rPr lang="fr-FR" smtClean="0"/>
-              <a:t>‹N°›</a:t>
+              <a:t>‹#›</a:t>
             </a:fld>
             <a:endParaRPr lang="fr-FR"/>
           </a:p>
@@ -16237,7 +16242,7 @@
           <a:p>
             <a:fld id="{10489E0E-CC19-4746-AE3F-A20083D175C2}" type="slidenum">
               <a:rPr lang="fr-FR" smtClean="0"/>
-              <a:t>‹N°›</a:t>
+              <a:t>‹#›</a:t>
             </a:fld>
             <a:endParaRPr lang="fr-FR"/>
           </a:p>
@@ -16696,7 +16701,7 @@
           <p:cNvPr id="2" name="Espace réservé du titre 1">
             <a:extLst>
               <a:ext uri="{FF2B5EF4-FFF2-40B4-BE49-F238E27FC236}">
-                <a16:creationId xmlns:a16="http://schemas.microsoft.com/office/drawing/2014/main" id="{A62644BC-2AB3-4F68-9120-582F5E4C35FA}"/>
+                <a16:creationId xmlns:a16="http://schemas.microsoft.com/office/drawing/2014/main" xmlns="" id="{A62644BC-2AB3-4F68-9120-582F5E4C35FA}"/>
               </a:ext>
             </a:extLst>
           </p:cNvPr>
@@ -16734,7 +16739,7 @@
           <p:cNvPr id="3" name="Espace réservé du texte 2">
             <a:extLst>
               <a:ext uri="{FF2B5EF4-FFF2-40B4-BE49-F238E27FC236}">
-                <a16:creationId xmlns:a16="http://schemas.microsoft.com/office/drawing/2014/main" id="{C31DA899-61A0-48AE-8B7E-5CAB26E1C779}"/>
+                <a16:creationId xmlns:a16="http://schemas.microsoft.com/office/drawing/2014/main" xmlns="" id="{C31DA899-61A0-48AE-8B7E-5CAB26E1C779}"/>
               </a:ext>
             </a:extLst>
           </p:cNvPr>
@@ -16801,7 +16806,7 @@
           <p:cNvPr id="4" name="Espace réservé de la date 3">
             <a:extLst>
               <a:ext uri="{FF2B5EF4-FFF2-40B4-BE49-F238E27FC236}">
-                <a16:creationId xmlns:a16="http://schemas.microsoft.com/office/drawing/2014/main" id="{B92736C5-54EB-4FA4-95BB-4F01D2237CE6}"/>
+                <a16:creationId xmlns:a16="http://schemas.microsoft.com/office/drawing/2014/main" xmlns="" id="{B92736C5-54EB-4FA4-95BB-4F01D2237CE6}"/>
               </a:ext>
             </a:extLst>
           </p:cNvPr>
@@ -16848,7 +16853,7 @@
           <p:cNvPr id="5" name="Espace réservé du pied de page 4">
             <a:extLst>
               <a:ext uri="{FF2B5EF4-FFF2-40B4-BE49-F238E27FC236}">
-                <a16:creationId xmlns:a16="http://schemas.microsoft.com/office/drawing/2014/main" id="{F7AFB2D4-2FF9-4D60-81CD-BAE794E57884}"/>
+                <a16:creationId xmlns:a16="http://schemas.microsoft.com/office/drawing/2014/main" xmlns="" id="{F7AFB2D4-2FF9-4D60-81CD-BAE794E57884}"/>
               </a:ext>
             </a:extLst>
           </p:cNvPr>
@@ -16891,7 +16896,7 @@
           <p:cNvPr id="6" name="Espace réservé du numéro de diapositive 5">
             <a:extLst>
               <a:ext uri="{FF2B5EF4-FFF2-40B4-BE49-F238E27FC236}">
-                <a16:creationId xmlns:a16="http://schemas.microsoft.com/office/drawing/2014/main" id="{D237F7F9-523E-42F3-8C32-BEC183AE541F}"/>
+                <a16:creationId xmlns:a16="http://schemas.microsoft.com/office/drawing/2014/main" xmlns="" id="{D237F7F9-523E-42F3-8C32-BEC183AE541F}"/>
               </a:ext>
             </a:extLst>
           </p:cNvPr>
@@ -16927,7 +16932,7 @@
           <a:p>
             <a:fld id="{4E75FA5F-F235-4F54-B859-BB483DCF6E4D}" type="slidenum">
               <a:rPr lang="fr-FR" smtClean="0"/>
-              <a:t>‹N°›</a:t>
+              <a:t>‹#›</a:t>
             </a:fld>
             <a:endParaRPr lang="fr-FR"/>
           </a:p>
@@ -17264,7 +17269,7 @@
           <p:cNvPr id="2" name="Espace réservé du titre 1">
             <a:extLst>
               <a:ext uri="{FF2B5EF4-FFF2-40B4-BE49-F238E27FC236}">
-                <a16:creationId xmlns:a16="http://schemas.microsoft.com/office/drawing/2014/main" id="{05A77DA5-4E72-41D0-8D40-CE564BD1A494}"/>
+                <a16:creationId xmlns:a16="http://schemas.microsoft.com/office/drawing/2014/main" xmlns="" id="{05A77DA5-4E72-41D0-8D40-CE564BD1A494}"/>
               </a:ext>
             </a:extLst>
           </p:cNvPr>
@@ -17302,7 +17307,7 @@
           <p:cNvPr id="3" name="Espace réservé du texte 2">
             <a:extLst>
               <a:ext uri="{FF2B5EF4-FFF2-40B4-BE49-F238E27FC236}">
-                <a16:creationId xmlns:a16="http://schemas.microsoft.com/office/drawing/2014/main" id="{499DCDFC-4193-493A-85A1-1D4AE6D3BD5E}"/>
+                <a16:creationId xmlns:a16="http://schemas.microsoft.com/office/drawing/2014/main" xmlns="" id="{499DCDFC-4193-493A-85A1-1D4AE6D3BD5E}"/>
               </a:ext>
             </a:extLst>
           </p:cNvPr>
@@ -17369,7 +17374,7 @@
           <p:cNvPr id="4" name="Espace réservé de la date 3">
             <a:extLst>
               <a:ext uri="{FF2B5EF4-FFF2-40B4-BE49-F238E27FC236}">
-                <a16:creationId xmlns:a16="http://schemas.microsoft.com/office/drawing/2014/main" id="{CC81E24F-84EB-42A7-B1E1-CC53FBAB2E31}"/>
+                <a16:creationId xmlns:a16="http://schemas.microsoft.com/office/drawing/2014/main" xmlns="" id="{CC81E24F-84EB-42A7-B1E1-CC53FBAB2E31}"/>
               </a:ext>
             </a:extLst>
           </p:cNvPr>
@@ -17416,7 +17421,7 @@
           <p:cNvPr id="5" name="Espace réservé du pied de page 4">
             <a:extLst>
               <a:ext uri="{FF2B5EF4-FFF2-40B4-BE49-F238E27FC236}">
-                <a16:creationId xmlns:a16="http://schemas.microsoft.com/office/drawing/2014/main" id="{22A8E73B-1D8D-4B5B-AFBB-0648BB49D8FB}"/>
+                <a16:creationId xmlns:a16="http://schemas.microsoft.com/office/drawing/2014/main" xmlns="" id="{22A8E73B-1D8D-4B5B-AFBB-0648BB49D8FB}"/>
               </a:ext>
             </a:extLst>
           </p:cNvPr>
@@ -17459,7 +17464,7 @@
           <p:cNvPr id="6" name="Espace réservé du numéro de diapositive 5">
             <a:extLst>
               <a:ext uri="{FF2B5EF4-FFF2-40B4-BE49-F238E27FC236}">
-                <a16:creationId xmlns:a16="http://schemas.microsoft.com/office/drawing/2014/main" id="{606098B7-2C11-48D5-99EA-707E518E0D13}"/>
+                <a16:creationId xmlns:a16="http://schemas.microsoft.com/office/drawing/2014/main" xmlns="" id="{606098B7-2C11-48D5-99EA-707E518E0D13}"/>
               </a:ext>
             </a:extLst>
           </p:cNvPr>
@@ -17495,7 +17500,7 @@
           <a:p>
             <a:fld id="{8E22735B-F056-4F69-A81A-854B4B999240}" type="slidenum">
               <a:rPr lang="fr-FR" smtClean="0"/>
-              <a:t>‹N°›</a:t>
+              <a:t>‹#›</a:t>
             </a:fld>
             <a:endParaRPr lang="fr-FR"/>
           </a:p>
@@ -17832,7 +17837,7 @@
           <p:cNvPr id="2" name="Espace réservé du titre 1">
             <a:extLst>
               <a:ext uri="{FF2B5EF4-FFF2-40B4-BE49-F238E27FC236}">
-                <a16:creationId xmlns:a16="http://schemas.microsoft.com/office/drawing/2014/main" id="{E699EB15-EE50-4AE3-9A45-C6FCB5680554}"/>
+                <a16:creationId xmlns:a16="http://schemas.microsoft.com/office/drawing/2014/main" xmlns="" id="{E699EB15-EE50-4AE3-9A45-C6FCB5680554}"/>
               </a:ext>
             </a:extLst>
           </p:cNvPr>
@@ -17870,7 +17875,7 @@
           <p:cNvPr id="3" name="Espace réservé du texte 2">
             <a:extLst>
               <a:ext uri="{FF2B5EF4-FFF2-40B4-BE49-F238E27FC236}">
-                <a16:creationId xmlns:a16="http://schemas.microsoft.com/office/drawing/2014/main" id="{A3960205-A9CE-482A-8570-3DDA7DD373F4}"/>
+                <a16:creationId xmlns:a16="http://schemas.microsoft.com/office/drawing/2014/main" xmlns="" id="{A3960205-A9CE-482A-8570-3DDA7DD373F4}"/>
               </a:ext>
             </a:extLst>
           </p:cNvPr>
@@ -17937,7 +17942,7 @@
           <p:cNvPr id="4" name="Espace réservé de la date 3">
             <a:extLst>
               <a:ext uri="{FF2B5EF4-FFF2-40B4-BE49-F238E27FC236}">
-                <a16:creationId xmlns:a16="http://schemas.microsoft.com/office/drawing/2014/main" id="{9B4ACD21-B72B-47FE-ADED-41CA2AD9F4F0}"/>
+                <a16:creationId xmlns:a16="http://schemas.microsoft.com/office/drawing/2014/main" xmlns="" id="{9B4ACD21-B72B-47FE-ADED-41CA2AD9F4F0}"/>
               </a:ext>
             </a:extLst>
           </p:cNvPr>
@@ -17984,7 +17989,7 @@
           <p:cNvPr id="5" name="Espace réservé du pied de page 4">
             <a:extLst>
               <a:ext uri="{FF2B5EF4-FFF2-40B4-BE49-F238E27FC236}">
-                <a16:creationId xmlns:a16="http://schemas.microsoft.com/office/drawing/2014/main" id="{AE5DDFF3-2106-40B4-ABBF-4B51BF0F9C47}"/>
+                <a16:creationId xmlns:a16="http://schemas.microsoft.com/office/drawing/2014/main" xmlns="" id="{AE5DDFF3-2106-40B4-ABBF-4B51BF0F9C47}"/>
               </a:ext>
             </a:extLst>
           </p:cNvPr>
@@ -18027,7 +18032,7 @@
           <p:cNvPr id="6" name="Espace réservé du numéro de diapositive 5">
             <a:extLst>
               <a:ext uri="{FF2B5EF4-FFF2-40B4-BE49-F238E27FC236}">
-                <a16:creationId xmlns:a16="http://schemas.microsoft.com/office/drawing/2014/main" id="{A0F978E3-2F13-4348-B046-23B3DEB1CB8B}"/>
+                <a16:creationId xmlns:a16="http://schemas.microsoft.com/office/drawing/2014/main" xmlns="" id="{A0F978E3-2F13-4348-B046-23B3DEB1CB8B}"/>
               </a:ext>
             </a:extLst>
           </p:cNvPr>
@@ -18063,7 +18068,7 @@
           <a:p>
             <a:fld id="{A9956970-094A-43D6-B624-27A27B1BAE5D}" type="slidenum">
               <a:rPr lang="fr-FR" smtClean="0"/>
-              <a:t>‹N°›</a:t>
+              <a:t>‹#›</a:t>
             </a:fld>
             <a:endParaRPr lang="fr-FR"/>
           </a:p>
@@ -18400,7 +18405,7 @@
           <p:cNvPr id="2" name="Espace réservé du titre 1">
             <a:extLst>
               <a:ext uri="{FF2B5EF4-FFF2-40B4-BE49-F238E27FC236}">
-                <a16:creationId xmlns:a16="http://schemas.microsoft.com/office/drawing/2014/main" id="{BA178AF4-5166-473A-84E6-32214C82AD69}"/>
+                <a16:creationId xmlns:a16="http://schemas.microsoft.com/office/drawing/2014/main" xmlns="" id="{BA178AF4-5166-473A-84E6-32214C82AD69}"/>
               </a:ext>
             </a:extLst>
           </p:cNvPr>
@@ -18438,7 +18443,7 @@
           <p:cNvPr id="3" name="Espace réservé du texte 2">
             <a:extLst>
               <a:ext uri="{FF2B5EF4-FFF2-40B4-BE49-F238E27FC236}">
-                <a16:creationId xmlns:a16="http://schemas.microsoft.com/office/drawing/2014/main" id="{7F896BF6-9274-4F9D-BE5B-600E6D84A977}"/>
+                <a16:creationId xmlns:a16="http://schemas.microsoft.com/office/drawing/2014/main" xmlns="" id="{7F896BF6-9274-4F9D-BE5B-600E6D84A977}"/>
               </a:ext>
             </a:extLst>
           </p:cNvPr>
@@ -18505,7 +18510,7 @@
           <p:cNvPr id="4" name="Espace réservé de la date 3">
             <a:extLst>
               <a:ext uri="{FF2B5EF4-FFF2-40B4-BE49-F238E27FC236}">
-                <a16:creationId xmlns:a16="http://schemas.microsoft.com/office/drawing/2014/main" id="{0557DC36-A958-4016-9D96-F735EB89011C}"/>
+                <a16:creationId xmlns:a16="http://schemas.microsoft.com/office/drawing/2014/main" xmlns="" id="{0557DC36-A958-4016-9D96-F735EB89011C}"/>
               </a:ext>
             </a:extLst>
           </p:cNvPr>
@@ -18552,7 +18557,7 @@
           <p:cNvPr id="5" name="Espace réservé du pied de page 4">
             <a:extLst>
               <a:ext uri="{FF2B5EF4-FFF2-40B4-BE49-F238E27FC236}">
-                <a16:creationId xmlns:a16="http://schemas.microsoft.com/office/drawing/2014/main" id="{6B99DE09-93BD-4E09-B31B-11342A0B197F}"/>
+                <a16:creationId xmlns:a16="http://schemas.microsoft.com/office/drawing/2014/main" xmlns="" id="{6B99DE09-93BD-4E09-B31B-11342A0B197F}"/>
               </a:ext>
             </a:extLst>
           </p:cNvPr>
@@ -18595,7 +18600,7 @@
           <p:cNvPr id="6" name="Espace réservé du numéro de diapositive 5">
             <a:extLst>
               <a:ext uri="{FF2B5EF4-FFF2-40B4-BE49-F238E27FC236}">
-                <a16:creationId xmlns:a16="http://schemas.microsoft.com/office/drawing/2014/main" id="{A44E5175-1DC0-42C5-A943-6D6151D4BAF1}"/>
+                <a16:creationId xmlns:a16="http://schemas.microsoft.com/office/drawing/2014/main" xmlns="" id="{A44E5175-1DC0-42C5-A943-6D6151D4BAF1}"/>
               </a:ext>
             </a:extLst>
           </p:cNvPr>
@@ -18631,7 +18636,7 @@
           <a:p>
             <a:fld id="{1B35A1AE-DECF-48A1-ACD6-B0CBAC7CBE3F}" type="slidenum">
               <a:rPr lang="fr-FR" smtClean="0"/>
-              <a:t>‹N°›</a:t>
+              <a:t>‹#›</a:t>
             </a:fld>
             <a:endParaRPr lang="fr-FR"/>
           </a:p>
@@ -18963,7 +18968,7 @@
           <p:cNvPr id="2" name="Titre 1">
             <a:extLst>
               <a:ext uri="{FF2B5EF4-FFF2-40B4-BE49-F238E27FC236}">
-                <a16:creationId xmlns:a16="http://schemas.microsoft.com/office/drawing/2014/main" id="{FDCADFE2-8753-4937-8F01-AF2B70520236}"/>
+                <a16:creationId xmlns:a16="http://schemas.microsoft.com/office/drawing/2014/main" xmlns="" id="{FDCADFE2-8753-4937-8F01-AF2B70520236}"/>
               </a:ext>
             </a:extLst>
           </p:cNvPr>
@@ -18996,7 +19001,7 @@
           <p:cNvPr id="3" name="Sous-titre 2">
             <a:extLst>
               <a:ext uri="{FF2B5EF4-FFF2-40B4-BE49-F238E27FC236}">
-                <a16:creationId xmlns:a16="http://schemas.microsoft.com/office/drawing/2014/main" id="{388A955C-9163-4BE0-AB22-C467B1B5E3F5}"/>
+                <a16:creationId xmlns:a16="http://schemas.microsoft.com/office/drawing/2014/main" xmlns="" id="{388A955C-9163-4BE0-AB22-C467B1B5E3F5}"/>
               </a:ext>
             </a:extLst>
           </p:cNvPr>
@@ -19058,7 +19063,7 @@
           <p:cNvPr id="4" name="ZoneTexte 3">
             <a:extLst>
               <a:ext uri="{FF2B5EF4-FFF2-40B4-BE49-F238E27FC236}">
-                <a16:creationId xmlns:a16="http://schemas.microsoft.com/office/drawing/2014/main" id="{F8C2C9EB-5520-4133-B094-44DE8A7FC075}"/>
+                <a16:creationId xmlns:a16="http://schemas.microsoft.com/office/drawing/2014/main" xmlns="" id="{F8C2C9EB-5520-4133-B094-44DE8A7FC075}"/>
               </a:ext>
             </a:extLst>
           </p:cNvPr>
@@ -19123,7 +19128,7 @@
           <p:cNvPr id="2" name="Titre 1">
             <a:extLst>
               <a:ext uri="{FF2B5EF4-FFF2-40B4-BE49-F238E27FC236}">
-                <a16:creationId xmlns:a16="http://schemas.microsoft.com/office/drawing/2014/main" id="{9FE37EB2-BF12-46CA-969D-30BC4C0614BD}"/>
+                <a16:creationId xmlns:a16="http://schemas.microsoft.com/office/drawing/2014/main" xmlns="" id="{9FE37EB2-BF12-46CA-969D-30BC4C0614BD}"/>
               </a:ext>
             </a:extLst>
           </p:cNvPr>
@@ -19152,7 +19157,7 @@
           <p:cNvPr id="3" name="Espace réservé du contenu 2">
             <a:extLst>
               <a:ext uri="{FF2B5EF4-FFF2-40B4-BE49-F238E27FC236}">
-                <a16:creationId xmlns:a16="http://schemas.microsoft.com/office/drawing/2014/main" id="{020F91D5-A00D-4548-A12F-D25B1D259D08}"/>
+                <a16:creationId xmlns:a16="http://schemas.microsoft.com/office/drawing/2014/main" xmlns="" id="{020F91D5-A00D-4548-A12F-D25B1D259D08}"/>
               </a:ext>
             </a:extLst>
           </p:cNvPr>
@@ -19168,34 +19173,80 @@
           <a:bodyPr/>
           <a:lstStyle/>
           <a:p>
+            <a:pPr algn="just"/>
+            <a:r>
+              <a:rPr lang="fr-FR" dirty="0" smtClean="0"/>
+              <a:t>Programmation</a:t>
+            </a:r>
+          </a:p>
+          <a:p>
+            <a:pPr lvl="1" algn="just"/>
+            <a:r>
+              <a:rPr lang="fr-FR" dirty="0" smtClean="0"/>
+              <a:t>Script </a:t>
+            </a:r>
             <a:r>
               <a:rPr lang="fr-FR" dirty="0"/>
-              <a:t>Programmation en langage C </a:t>
-            </a:r>
-          </a:p>
-          <a:p>
-            <a:pPr lvl="1"/>
-            <a:r>
-              <a:rPr lang="fr-FR" dirty="0"/>
-              <a:t>Script d’autorisation d’accès, de partage…</a:t>
-            </a:r>
-          </a:p>
-          <a:p>
-            <a:pPr lvl="1"/>
+              <a:t>d’autorisation d’accès, de partage…</a:t>
+            </a:r>
+          </a:p>
+          <a:p>
+            <a:pPr lvl="1" algn="just"/>
             <a:r>
               <a:rPr lang="fr-FR" dirty="0"/>
               <a:t>Script de récupération des données et affichage de manière simplifiée</a:t>
             </a:r>
           </a:p>
           <a:p>
+            <a:pPr algn="just"/>
             <a:r>
               <a:rPr lang="fr-FR" dirty="0"/>
-              <a:t>Utilisation de power Shell</a:t>
-            </a:r>
-          </a:p>
-          <a:p>
+              <a:t>Utilisation de power </a:t>
+            </a:r>
+            <a:r>
+              <a:rPr lang="fr-FR" dirty="0" smtClean="0"/>
+              <a:t>Shell</a:t>
+            </a:r>
+          </a:p>
+          <a:p>
+            <a:pPr algn="just"/>
+            <a:endParaRPr lang="fr-FR" dirty="0" smtClean="0"/>
+          </a:p>
+          <a:p>
+            <a:pPr algn="just"/>
+            <a:r>
+              <a:rPr lang="fr-FR" dirty="0"/>
+              <a:t>Mettre en place un application en </a:t>
+            </a:r>
+            <a:r>
+              <a:rPr lang="fr-FR" dirty="0" err="1"/>
+              <a:t>powershell</a:t>
+            </a:r>
+            <a:r>
+              <a:rPr lang="fr-FR" dirty="0"/>
+              <a:t> </a:t>
+            </a:r>
+            <a:r>
+              <a:rPr lang="fr-FR" dirty="0" err="1"/>
+              <a:t>permmettant</a:t>
+            </a:r>
+            <a:r>
+              <a:rPr lang="fr-FR" dirty="0"/>
+              <a:t> d'administrer les droits dans un répertoire </a:t>
+            </a:r>
+            <a:r>
+              <a:rPr lang="fr-FR" dirty="0" err="1"/>
+              <a:t>windows</a:t>
+            </a:r>
+            <a:r>
+              <a:rPr lang="fr-FR" dirty="0"/>
+              <a:t> de façon, claire, précise, pratique, et massive.</a:t>
+            </a:r>
             <a:endParaRPr lang="fr-FR" dirty="0"/>
           </a:p>
+          <a:p>
+            <a:endParaRPr lang="fr-FR" dirty="0"/>
+          </a:p>
         </p:txBody>
       </p:sp>
       <p:sp>
@@ -19203,7 +19254,7 @@
           <p:cNvPr id="4" name="ZoneTexte 3">
             <a:extLst>
               <a:ext uri="{FF2B5EF4-FFF2-40B4-BE49-F238E27FC236}">
-                <a16:creationId xmlns:a16="http://schemas.microsoft.com/office/drawing/2014/main" id="{EEDBDD41-BCE1-4CA5-825D-2BC06C22590D}"/>
+                <a16:creationId xmlns:a16="http://schemas.microsoft.com/office/drawing/2014/main" xmlns="" id="{EEDBDD41-BCE1-4CA5-825D-2BC06C22590D}"/>
               </a:ext>
             </a:extLst>
           </p:cNvPr>
@@ -19265,13 +19316,7 @@
       </p:grpSpPr>
       <p:sp>
         <p:nvSpPr>
-          <p:cNvPr id="2" name="Titre 1">
-            <a:extLst>
-              <a:ext uri="{FF2B5EF4-FFF2-40B4-BE49-F238E27FC236}">
-                <a16:creationId xmlns:a16="http://schemas.microsoft.com/office/drawing/2014/main" id="{9A407EF8-0CA4-4D1C-8EE2-295F2A2C3D66}"/>
-              </a:ext>
-            </a:extLst>
-          </p:cNvPr>
+          <p:cNvPr id="2" name="Titre 1"/>
           <p:cNvSpPr>
             <a:spLocks noGrp="1"/>
           </p:cNvSpPr>
@@ -19286,34 +19331,125 @@
           <a:p>
             <a:pPr algn="ctr"/>
             <a:r>
+              <a:rPr lang="fr-FR" dirty="0" smtClean="0"/>
+              <a:t>Etapes	</a:t>
+            </a:r>
+            <a:endParaRPr lang="fr-FR" dirty="0"/>
+          </a:p>
+        </p:txBody>
+      </p:sp>
+      <p:sp>
+        <p:nvSpPr>
+          <p:cNvPr id="3" name="Espace réservé du contenu 2"/>
+          <p:cNvSpPr>
+            <a:spLocks noGrp="1"/>
+          </p:cNvSpPr>
+          <p:nvPr>
+            <p:ph idx="1"/>
+          </p:nvPr>
+        </p:nvSpPr>
+        <p:spPr/>
+        <p:txBody>
+          <a:bodyPr/>
+          <a:lstStyle/>
+          <a:p>
+            <a:pPr marL="457200" indent="-457200">
+              <a:buFont typeface="+mj-lt"/>
+              <a:buAutoNum type="arabicPeriod"/>
+            </a:pPr>
+            <a:r>
+              <a:rPr lang="fr-FR" dirty="0" smtClean="0"/>
+              <a:t>Récupérer les </a:t>
+            </a:r>
+            <a:r>
+              <a:rPr lang="fr-FR" dirty="0" err="1" smtClean="0"/>
+              <a:t>ACEs</a:t>
+            </a:r>
+            <a:r>
+              <a:rPr lang="fr-FR" dirty="0" smtClean="0"/>
+              <a:t> d’un répertoire donné en prenant en compte son type et ses paramètres</a:t>
+            </a:r>
+          </a:p>
+          <a:p>
+            <a:pPr marL="457200" indent="-457200">
+              <a:buFont typeface="+mj-lt"/>
+              <a:buAutoNum type="arabicPeriod"/>
+            </a:pPr>
+            <a:r>
+              <a:rPr lang="fr-FR" dirty="0" smtClean="0"/>
+              <a:t>Création d’une sauvegarde de l’ACL actuelle si elle n’existe pas</a:t>
+            </a:r>
+          </a:p>
+          <a:p>
+            <a:pPr marL="457200" indent="-457200">
+              <a:buFont typeface="+mj-lt"/>
+              <a:buAutoNum type="arabicPeriod"/>
+            </a:pPr>
+            <a:r>
+              <a:rPr lang="fr-FR" dirty="0" smtClean="0"/>
+              <a:t>Exploiter les informations récupérés en les affichants de manière ordonné</a:t>
+            </a:r>
+            <a:endParaRPr lang="fr-FR" dirty="0"/>
+          </a:p>
+          <a:p>
+            <a:pPr marL="457200" indent="-457200">
+              <a:buFont typeface="+mj-lt"/>
+              <a:buAutoNum type="arabicPeriod"/>
+            </a:pPr>
+            <a:r>
+              <a:rPr lang="fr-FR" dirty="0" smtClean="0"/>
+              <a:t>On récupère les objets groupes et utilisateurs</a:t>
+            </a:r>
+          </a:p>
+          <a:p>
+            <a:pPr marL="457200" indent="-457200">
+              <a:buFont typeface="+mj-lt"/>
+              <a:buAutoNum type="arabicPeriod"/>
+            </a:pPr>
+            <a:r>
+              <a:rPr lang="fr-FR" dirty="0" smtClean="0"/>
+              <a:t>Afficher la liste des actions possible avec les objets groupes et utilisateurs récupéré précédemment</a:t>
+            </a:r>
+          </a:p>
+          <a:p>
+            <a:pPr marL="457200" indent="-457200">
+              <a:buFont typeface="+mj-lt"/>
+              <a:buAutoNum type="arabicPeriod"/>
+            </a:pPr>
+            <a:r>
+              <a:rPr lang="fr-FR" dirty="0" smtClean="0"/>
+              <a:t>Edition de nouvelles </a:t>
+            </a:r>
+            <a:r>
+              <a:rPr lang="fr-FR" dirty="0" err="1" smtClean="0"/>
+              <a:t>ACLs</a:t>
+            </a:r>
+            <a:r>
               <a:rPr lang="fr-FR" dirty="0"/>
-              <a:t>Répartition des taches</a:t>
-            </a:r>
-          </a:p>
-        </p:txBody>
-      </p:sp>
-      <p:sp>
-        <p:nvSpPr>
-          <p:cNvPr id="3" name="Espace réservé du contenu 2">
-            <a:extLst>
-              <a:ext uri="{FF2B5EF4-FFF2-40B4-BE49-F238E27FC236}">
-                <a16:creationId xmlns:a16="http://schemas.microsoft.com/office/drawing/2014/main" id="{822A9B67-98D8-4A12-93CA-F7C47110C935}"/>
-              </a:ext>
-            </a:extLst>
-          </p:cNvPr>
-          <p:cNvSpPr>
-            <a:spLocks noGrp="1"/>
-          </p:cNvSpPr>
-          <p:nvPr>
-            <p:ph idx="1"/>
-          </p:nvPr>
-        </p:nvSpPr>
-        <p:spPr/>
-        <p:txBody>
-          <a:bodyPr/>
-          <a:lstStyle/>
-          <a:p>
-            <a:endParaRPr lang="fr-FR"/>
+              <a:t> </a:t>
+            </a:r>
+            <a:r>
+              <a:rPr lang="fr-FR" dirty="0" smtClean="0"/>
+              <a:t>en fonction du choix de l’utilisateur</a:t>
+            </a:r>
+          </a:p>
+          <a:p>
+            <a:pPr marL="457200" indent="-457200">
+              <a:buFont typeface="+mj-lt"/>
+              <a:buAutoNum type="arabicPeriod"/>
+            </a:pPr>
+            <a:r>
+              <a:rPr lang="fr-FR" dirty="0" smtClean="0"/>
+              <a:t>Intégration de toutes les </a:t>
+            </a:r>
+            <a:r>
+              <a:rPr lang="fr-FR" dirty="0" err="1" smtClean="0"/>
+              <a:t>ACLs</a:t>
+            </a:r>
+            <a:r>
+              <a:rPr lang="fr-FR" dirty="0" smtClean="0"/>
+              <a:t> précédemment créée</a:t>
+            </a:r>
           </a:p>
         </p:txBody>
       </p:sp>
@@ -19322,7 +19458,7 @@
           <p:cNvPr id="4" name="ZoneTexte 3">
             <a:extLst>
               <a:ext uri="{FF2B5EF4-FFF2-40B4-BE49-F238E27FC236}">
-                <a16:creationId xmlns:a16="http://schemas.microsoft.com/office/drawing/2014/main" id="{BE2E5DEF-928D-4EA3-94BE-7684BC9E815B}"/>
+                <a16:creationId xmlns:a16="http://schemas.microsoft.com/office/drawing/2014/main" xmlns="" id="{EEDBDD41-BCE1-4CA5-825D-2BC06C22590D}"/>
               </a:ext>
             </a:extLst>
           </p:cNvPr>
@@ -19346,7 +19482,7 @@
           <a:lstStyle/>
           <a:p>
             <a:r>
-              <a:rPr lang="fr-FR" sz="4000" dirty="0"/>
+              <a:rPr lang="fr-FR" sz="4000" dirty="0" smtClean="0"/>
               <a:t>3</a:t>
             </a:r>
           </a:p>
@@ -19355,7 +19491,7 @@
     </p:spTree>
     <p:extLst>
       <p:ext uri="{BB962C8B-B14F-4D97-AF65-F5344CB8AC3E}">
-        <p14:creationId xmlns:p14="http://schemas.microsoft.com/office/powerpoint/2010/main" val="1695502196"/>
+        <p14:creationId xmlns:p14="http://schemas.microsoft.com/office/powerpoint/2010/main" val="2133555090"/>
       </p:ext>
     </p:extLst>
   </p:cSld>

--- a/Projet_Windows_serveur.pptx
+++ b/Projet_Windows_serveur.pptx
@@ -12,6 +12,8 @@
     <p:sldId id="256" r:id="rId6"/>
     <p:sldId id="257" r:id="rId7"/>
     <p:sldId id="259" r:id="rId8"/>
+    <p:sldId id="260" r:id="rId9"/>
+    <p:sldId id="261" r:id="rId10"/>
   </p:sldIdLst>
   <p:sldSz cx="12192000" cy="6858000"/>
   <p:notesSz cx="6858000" cy="9144000"/>
@@ -304,7 +306,7 @@
           <a:p>
             <a:fld id="{405F919B-7BE3-4A09-B5A6-9E8832641FD7}" type="datetimeFigureOut">
               <a:rPr lang="fr-FR" smtClean="0"/>
-              <a:t>05/12/2017</a:t>
+              <a:t>06/12/2017</a:t>
             </a:fld>
             <a:endParaRPr lang="fr-FR"/>
           </a:p>
@@ -360,7 +362,7 @@
           <p:cNvPr id="8" name="Image 7">
             <a:extLst>
               <a:ext uri="{FF2B5EF4-FFF2-40B4-BE49-F238E27FC236}">
-                <a16:creationId xmlns:a16="http://schemas.microsoft.com/office/drawing/2014/main" xmlns="" id="{6D18AF03-6118-44B0-8E0D-55D88E2D7FA8}"/>
+                <a16:creationId xmlns="" xmlns:a16="http://schemas.microsoft.com/office/drawing/2014/main" id="{6D18AF03-6118-44B0-8E0D-55D88E2D7FA8}"/>
               </a:ext>
             </a:extLst>
           </p:cNvPr>
@@ -618,7 +620,7 @@
           <a:p>
             <a:fld id="{405F919B-7BE3-4A09-B5A6-9E8832641FD7}" type="datetimeFigureOut">
               <a:rPr lang="fr-FR" smtClean="0"/>
-              <a:t>05/12/2017</a:t>
+              <a:t>06/12/2017</a:t>
             </a:fld>
             <a:endParaRPr lang="fr-FR"/>
           </a:p>
@@ -812,7 +814,7 @@
           <a:p>
             <a:fld id="{405F919B-7BE3-4A09-B5A6-9E8832641FD7}" type="datetimeFigureOut">
               <a:rPr lang="fr-FR" smtClean="0"/>
-              <a:t>05/12/2017</a:t>
+              <a:t>06/12/2017</a:t>
             </a:fld>
             <a:endParaRPr lang="fr-FR"/>
           </a:p>
@@ -1085,7 +1087,7 @@
           <a:p>
             <a:fld id="{405F919B-7BE3-4A09-B5A6-9E8832641FD7}" type="datetimeFigureOut">
               <a:rPr lang="fr-FR" smtClean="0"/>
-              <a:t>05/12/2017</a:t>
+              <a:t>06/12/2017</a:t>
             </a:fld>
             <a:endParaRPr lang="fr-FR"/>
           </a:p>
@@ -1426,7 +1428,7 @@
           <a:p>
             <a:fld id="{405F919B-7BE3-4A09-B5A6-9E8832641FD7}" type="datetimeFigureOut">
               <a:rPr lang="fr-FR" smtClean="0"/>
-              <a:t>05/12/2017</a:t>
+              <a:t>06/12/2017</a:t>
             </a:fld>
             <a:endParaRPr lang="fr-FR"/>
           </a:p>
@@ -2049,7 +2051,7 @@
           <a:p>
             <a:fld id="{405F919B-7BE3-4A09-B5A6-9E8832641FD7}" type="datetimeFigureOut">
               <a:rPr lang="fr-FR" smtClean="0"/>
-              <a:t>05/12/2017</a:t>
+              <a:t>06/12/2017</a:t>
             </a:fld>
             <a:endParaRPr lang="fr-FR"/>
           </a:p>
@@ -2909,7 +2911,7 @@
           <a:p>
             <a:fld id="{405F919B-7BE3-4A09-B5A6-9E8832641FD7}" type="datetimeFigureOut">
               <a:rPr lang="fr-FR" smtClean="0"/>
-              <a:t>05/12/2017</a:t>
+              <a:t>06/12/2017</a:t>
             </a:fld>
             <a:endParaRPr lang="fr-FR"/>
           </a:p>
@@ -3079,7 +3081,7 @@
           <a:p>
             <a:fld id="{405F919B-7BE3-4A09-B5A6-9E8832641FD7}" type="datetimeFigureOut">
               <a:rPr lang="fr-FR" smtClean="0"/>
-              <a:t>05/12/2017</a:t>
+              <a:t>06/12/2017</a:t>
             </a:fld>
             <a:endParaRPr lang="fr-FR"/>
           </a:p>
@@ -3259,7 +3261,7 @@
           <a:p>
             <a:fld id="{405F919B-7BE3-4A09-B5A6-9E8832641FD7}" type="datetimeFigureOut">
               <a:rPr lang="fr-FR" smtClean="0"/>
-              <a:t>05/12/2017</a:t>
+              <a:t>06/12/2017</a:t>
             </a:fld>
             <a:endParaRPr lang="fr-FR"/>
           </a:p>
@@ -3342,7 +3344,7 @@
           <p:cNvPr id="2" name="Titre 1">
             <a:extLst>
               <a:ext uri="{FF2B5EF4-FFF2-40B4-BE49-F238E27FC236}">
-                <a16:creationId xmlns:a16="http://schemas.microsoft.com/office/drawing/2014/main" xmlns="" id="{6CED0669-4668-429A-BAF1-7681A647EE44}"/>
+                <a16:creationId xmlns="" xmlns:a16="http://schemas.microsoft.com/office/drawing/2014/main" id="{6CED0669-4668-429A-BAF1-7681A647EE44}"/>
               </a:ext>
             </a:extLst>
           </p:cNvPr>
@@ -3379,7 +3381,7 @@
           <p:cNvPr id="3" name="Sous-titre 2">
             <a:extLst>
               <a:ext uri="{FF2B5EF4-FFF2-40B4-BE49-F238E27FC236}">
-                <a16:creationId xmlns:a16="http://schemas.microsoft.com/office/drawing/2014/main" xmlns="" id="{293CF840-E65E-4118-BAB3-2AF83943EE21}"/>
+                <a16:creationId xmlns="" xmlns:a16="http://schemas.microsoft.com/office/drawing/2014/main" id="{293CF840-E65E-4118-BAB3-2AF83943EE21}"/>
               </a:ext>
             </a:extLst>
           </p:cNvPr>
@@ -3449,7 +3451,7 @@
           <p:cNvPr id="4" name="Espace réservé de la date 3">
             <a:extLst>
               <a:ext uri="{FF2B5EF4-FFF2-40B4-BE49-F238E27FC236}">
-                <a16:creationId xmlns:a16="http://schemas.microsoft.com/office/drawing/2014/main" xmlns="" id="{4F54988C-F25C-4DFB-8235-1C9EED854D35}"/>
+                <a16:creationId xmlns="" xmlns:a16="http://schemas.microsoft.com/office/drawing/2014/main" id="{4F54988C-F25C-4DFB-8235-1C9EED854D35}"/>
               </a:ext>
             </a:extLst>
           </p:cNvPr>
@@ -3467,7 +3469,7 @@
           <a:p>
             <a:fld id="{5D366F3F-29A8-4E9A-8EC8-128588FA599B}" type="datetimeFigureOut">
               <a:rPr lang="fr-FR" smtClean="0"/>
-              <a:t>05/12/2017</a:t>
+              <a:t>06/12/2017</a:t>
             </a:fld>
             <a:endParaRPr lang="fr-FR"/>
           </a:p>
@@ -3478,7 +3480,7 @@
           <p:cNvPr id="5" name="Espace réservé du pied de page 4">
             <a:extLst>
               <a:ext uri="{FF2B5EF4-FFF2-40B4-BE49-F238E27FC236}">
-                <a16:creationId xmlns:a16="http://schemas.microsoft.com/office/drawing/2014/main" xmlns="" id="{AC64B866-032B-4A93-837B-3069EFF0F248}"/>
+                <a16:creationId xmlns="" xmlns:a16="http://schemas.microsoft.com/office/drawing/2014/main" id="{AC64B866-032B-4A93-837B-3069EFF0F248}"/>
               </a:ext>
             </a:extLst>
           </p:cNvPr>
@@ -3503,7 +3505,7 @@
           <p:cNvPr id="6" name="Espace réservé du numéro de diapositive 5">
             <a:extLst>
               <a:ext uri="{FF2B5EF4-FFF2-40B4-BE49-F238E27FC236}">
-                <a16:creationId xmlns:a16="http://schemas.microsoft.com/office/drawing/2014/main" xmlns="" id="{352E7062-8B47-4FCC-8520-9BD04DB4BB81}"/>
+                <a16:creationId xmlns="" xmlns:a16="http://schemas.microsoft.com/office/drawing/2014/main" id="{352E7062-8B47-4FCC-8520-9BD04DB4BB81}"/>
               </a:ext>
             </a:extLst>
           </p:cNvPr>
@@ -3562,7 +3564,7 @@
           <p:cNvPr id="2" name="Titre 1">
             <a:extLst>
               <a:ext uri="{FF2B5EF4-FFF2-40B4-BE49-F238E27FC236}">
-                <a16:creationId xmlns:a16="http://schemas.microsoft.com/office/drawing/2014/main" xmlns="" id="{82A1226D-CDDA-4848-B962-E22815DD7B2B}"/>
+                <a16:creationId xmlns="" xmlns:a16="http://schemas.microsoft.com/office/drawing/2014/main" id="{82A1226D-CDDA-4848-B962-E22815DD7B2B}"/>
               </a:ext>
             </a:extLst>
           </p:cNvPr>
@@ -3590,7 +3592,7 @@
           <p:cNvPr id="3" name="Espace réservé du contenu 2">
             <a:extLst>
               <a:ext uri="{FF2B5EF4-FFF2-40B4-BE49-F238E27FC236}">
-                <a16:creationId xmlns:a16="http://schemas.microsoft.com/office/drawing/2014/main" xmlns="" id="{630F11E0-5BAD-444A-AB55-9EA5801A1A57}"/>
+                <a16:creationId xmlns="" xmlns:a16="http://schemas.microsoft.com/office/drawing/2014/main" id="{630F11E0-5BAD-444A-AB55-9EA5801A1A57}"/>
               </a:ext>
             </a:extLst>
           </p:cNvPr>
@@ -3647,7 +3649,7 @@
           <p:cNvPr id="4" name="Espace réservé de la date 3">
             <a:extLst>
               <a:ext uri="{FF2B5EF4-FFF2-40B4-BE49-F238E27FC236}">
-                <a16:creationId xmlns:a16="http://schemas.microsoft.com/office/drawing/2014/main" xmlns="" id="{E4E8774A-9F5E-4C6C-99A9-72695E12373F}"/>
+                <a16:creationId xmlns="" xmlns:a16="http://schemas.microsoft.com/office/drawing/2014/main" id="{E4E8774A-9F5E-4C6C-99A9-72695E12373F}"/>
               </a:ext>
             </a:extLst>
           </p:cNvPr>
@@ -3665,7 +3667,7 @@
           <a:p>
             <a:fld id="{5D366F3F-29A8-4E9A-8EC8-128588FA599B}" type="datetimeFigureOut">
               <a:rPr lang="fr-FR" smtClean="0"/>
-              <a:t>05/12/2017</a:t>
+              <a:t>06/12/2017</a:t>
             </a:fld>
             <a:endParaRPr lang="fr-FR"/>
           </a:p>
@@ -3676,7 +3678,7 @@
           <p:cNvPr id="5" name="Espace réservé du pied de page 4">
             <a:extLst>
               <a:ext uri="{FF2B5EF4-FFF2-40B4-BE49-F238E27FC236}">
-                <a16:creationId xmlns:a16="http://schemas.microsoft.com/office/drawing/2014/main" xmlns="" id="{87473ABA-0B9A-44F5-9CCF-9807EDAEF8DD}"/>
+                <a16:creationId xmlns="" xmlns:a16="http://schemas.microsoft.com/office/drawing/2014/main" id="{87473ABA-0B9A-44F5-9CCF-9807EDAEF8DD}"/>
               </a:ext>
             </a:extLst>
           </p:cNvPr>
@@ -3701,7 +3703,7 @@
           <p:cNvPr id="6" name="Espace réservé du numéro de diapositive 5">
             <a:extLst>
               <a:ext uri="{FF2B5EF4-FFF2-40B4-BE49-F238E27FC236}">
-                <a16:creationId xmlns:a16="http://schemas.microsoft.com/office/drawing/2014/main" xmlns="" id="{39C76E0C-0BA5-4FD8-9B18-EB9C9C21B8F3}"/>
+                <a16:creationId xmlns="" xmlns:a16="http://schemas.microsoft.com/office/drawing/2014/main" id="{39C76E0C-0BA5-4FD8-9B18-EB9C9C21B8F3}"/>
               </a:ext>
             </a:extLst>
           </p:cNvPr>
@@ -3847,7 +3849,7 @@
           <a:p>
             <a:fld id="{405F919B-7BE3-4A09-B5A6-9E8832641FD7}" type="datetimeFigureOut">
               <a:rPr lang="fr-FR" smtClean="0"/>
-              <a:t>05/12/2017</a:t>
+              <a:t>06/12/2017</a:t>
             </a:fld>
             <a:endParaRPr lang="fr-FR"/>
           </a:p>
@@ -3903,7 +3905,7 @@
           <p:cNvPr id="11" name="Image 10">
             <a:extLst>
               <a:ext uri="{FF2B5EF4-FFF2-40B4-BE49-F238E27FC236}">
-                <a16:creationId xmlns:a16="http://schemas.microsoft.com/office/drawing/2014/main" xmlns="" id="{205F166C-9DC6-4692-A4A8-8414633DDC70}"/>
+                <a16:creationId xmlns="" xmlns:a16="http://schemas.microsoft.com/office/drawing/2014/main" id="{205F166C-9DC6-4692-A4A8-8414633DDC70}"/>
               </a:ext>
             </a:extLst>
           </p:cNvPr>
@@ -3969,7 +3971,7 @@
           <p:cNvPr id="2" name="Titre 1">
             <a:extLst>
               <a:ext uri="{FF2B5EF4-FFF2-40B4-BE49-F238E27FC236}">
-                <a16:creationId xmlns:a16="http://schemas.microsoft.com/office/drawing/2014/main" xmlns="" id="{D7518787-3021-480C-B729-DB8A6DF3DC4D}"/>
+                <a16:creationId xmlns="" xmlns:a16="http://schemas.microsoft.com/office/drawing/2014/main" id="{D7518787-3021-480C-B729-DB8A6DF3DC4D}"/>
               </a:ext>
             </a:extLst>
           </p:cNvPr>
@@ -4006,7 +4008,7 @@
           <p:cNvPr id="3" name="Espace réservé du texte 2">
             <a:extLst>
               <a:ext uri="{FF2B5EF4-FFF2-40B4-BE49-F238E27FC236}">
-                <a16:creationId xmlns:a16="http://schemas.microsoft.com/office/drawing/2014/main" xmlns="" id="{193CE050-6654-4A39-AE68-83943C24F50D}"/>
+                <a16:creationId xmlns="" xmlns:a16="http://schemas.microsoft.com/office/drawing/2014/main" id="{193CE050-6654-4A39-AE68-83943C24F50D}"/>
               </a:ext>
             </a:extLst>
           </p:cNvPr>
@@ -4131,7 +4133,7 @@
           <p:cNvPr id="4" name="Espace réservé de la date 3">
             <a:extLst>
               <a:ext uri="{FF2B5EF4-FFF2-40B4-BE49-F238E27FC236}">
-                <a16:creationId xmlns:a16="http://schemas.microsoft.com/office/drawing/2014/main" xmlns="" id="{ED481E7C-63D8-4EAC-B37E-23453D9A8B0E}"/>
+                <a16:creationId xmlns="" xmlns:a16="http://schemas.microsoft.com/office/drawing/2014/main" id="{ED481E7C-63D8-4EAC-B37E-23453D9A8B0E}"/>
               </a:ext>
             </a:extLst>
           </p:cNvPr>
@@ -4149,7 +4151,7 @@
           <a:p>
             <a:fld id="{5D366F3F-29A8-4E9A-8EC8-128588FA599B}" type="datetimeFigureOut">
               <a:rPr lang="fr-FR" smtClean="0"/>
-              <a:t>05/12/2017</a:t>
+              <a:t>06/12/2017</a:t>
             </a:fld>
             <a:endParaRPr lang="fr-FR"/>
           </a:p>
@@ -4160,7 +4162,7 @@
           <p:cNvPr id="5" name="Espace réservé du pied de page 4">
             <a:extLst>
               <a:ext uri="{FF2B5EF4-FFF2-40B4-BE49-F238E27FC236}">
-                <a16:creationId xmlns:a16="http://schemas.microsoft.com/office/drawing/2014/main" xmlns="" id="{8740F03D-85C3-4479-90AB-E65C1332D4D7}"/>
+                <a16:creationId xmlns="" xmlns:a16="http://schemas.microsoft.com/office/drawing/2014/main" id="{8740F03D-85C3-4479-90AB-E65C1332D4D7}"/>
               </a:ext>
             </a:extLst>
           </p:cNvPr>
@@ -4185,7 +4187,7 @@
           <p:cNvPr id="6" name="Espace réservé du numéro de diapositive 5">
             <a:extLst>
               <a:ext uri="{FF2B5EF4-FFF2-40B4-BE49-F238E27FC236}">
-                <a16:creationId xmlns:a16="http://schemas.microsoft.com/office/drawing/2014/main" xmlns="" id="{4537B3A2-E1AB-48C9-B19C-3695A288FDBF}"/>
+                <a16:creationId xmlns="" xmlns:a16="http://schemas.microsoft.com/office/drawing/2014/main" id="{4537B3A2-E1AB-48C9-B19C-3695A288FDBF}"/>
               </a:ext>
             </a:extLst>
           </p:cNvPr>
@@ -4244,7 +4246,7 @@
           <p:cNvPr id="2" name="Titre 1">
             <a:extLst>
               <a:ext uri="{FF2B5EF4-FFF2-40B4-BE49-F238E27FC236}">
-                <a16:creationId xmlns:a16="http://schemas.microsoft.com/office/drawing/2014/main" xmlns="" id="{064A67E0-169E-4052-BE1C-BAAB06C91B22}"/>
+                <a16:creationId xmlns="" xmlns:a16="http://schemas.microsoft.com/office/drawing/2014/main" id="{064A67E0-169E-4052-BE1C-BAAB06C91B22}"/>
               </a:ext>
             </a:extLst>
           </p:cNvPr>
@@ -4272,7 +4274,7 @@
           <p:cNvPr id="3" name="Espace réservé du contenu 2">
             <a:extLst>
               <a:ext uri="{FF2B5EF4-FFF2-40B4-BE49-F238E27FC236}">
-                <a16:creationId xmlns:a16="http://schemas.microsoft.com/office/drawing/2014/main" xmlns="" id="{E0C71EAC-1C66-45CA-B305-A828BD661D2B}"/>
+                <a16:creationId xmlns="" xmlns:a16="http://schemas.microsoft.com/office/drawing/2014/main" id="{E0C71EAC-1C66-45CA-B305-A828BD661D2B}"/>
               </a:ext>
             </a:extLst>
           </p:cNvPr>
@@ -4334,7 +4336,7 @@
           <p:cNvPr id="4" name="Espace réservé du contenu 3">
             <a:extLst>
               <a:ext uri="{FF2B5EF4-FFF2-40B4-BE49-F238E27FC236}">
-                <a16:creationId xmlns:a16="http://schemas.microsoft.com/office/drawing/2014/main" xmlns="" id="{D81EEF5B-F0CF-4549-A521-75516BCED551}"/>
+                <a16:creationId xmlns="" xmlns:a16="http://schemas.microsoft.com/office/drawing/2014/main" id="{D81EEF5B-F0CF-4549-A521-75516BCED551}"/>
               </a:ext>
             </a:extLst>
           </p:cNvPr>
@@ -4396,7 +4398,7 @@
           <p:cNvPr id="5" name="Espace réservé de la date 4">
             <a:extLst>
               <a:ext uri="{FF2B5EF4-FFF2-40B4-BE49-F238E27FC236}">
-                <a16:creationId xmlns:a16="http://schemas.microsoft.com/office/drawing/2014/main" xmlns="" id="{3DDB679B-EA9E-4346-9B0A-F6DC61D7D90C}"/>
+                <a16:creationId xmlns="" xmlns:a16="http://schemas.microsoft.com/office/drawing/2014/main" id="{3DDB679B-EA9E-4346-9B0A-F6DC61D7D90C}"/>
               </a:ext>
             </a:extLst>
           </p:cNvPr>
@@ -4414,7 +4416,7 @@
           <a:p>
             <a:fld id="{5D366F3F-29A8-4E9A-8EC8-128588FA599B}" type="datetimeFigureOut">
               <a:rPr lang="fr-FR" smtClean="0"/>
-              <a:t>05/12/2017</a:t>
+              <a:t>06/12/2017</a:t>
             </a:fld>
             <a:endParaRPr lang="fr-FR"/>
           </a:p>
@@ -4425,7 +4427,7 @@
           <p:cNvPr id="6" name="Espace réservé du pied de page 5">
             <a:extLst>
               <a:ext uri="{FF2B5EF4-FFF2-40B4-BE49-F238E27FC236}">
-                <a16:creationId xmlns:a16="http://schemas.microsoft.com/office/drawing/2014/main" xmlns="" id="{BE04A616-0A36-4A7A-8A1C-1A9FD51C36C6}"/>
+                <a16:creationId xmlns="" xmlns:a16="http://schemas.microsoft.com/office/drawing/2014/main" id="{BE04A616-0A36-4A7A-8A1C-1A9FD51C36C6}"/>
               </a:ext>
             </a:extLst>
           </p:cNvPr>
@@ -4450,7 +4452,7 @@
           <p:cNvPr id="7" name="Espace réservé du numéro de diapositive 6">
             <a:extLst>
               <a:ext uri="{FF2B5EF4-FFF2-40B4-BE49-F238E27FC236}">
-                <a16:creationId xmlns:a16="http://schemas.microsoft.com/office/drawing/2014/main" xmlns="" id="{8DCF36D8-90A7-4798-8C4C-B4A7765BDB55}"/>
+                <a16:creationId xmlns="" xmlns:a16="http://schemas.microsoft.com/office/drawing/2014/main" id="{8DCF36D8-90A7-4798-8C4C-B4A7765BDB55}"/>
               </a:ext>
             </a:extLst>
           </p:cNvPr>
@@ -4509,7 +4511,7 @@
           <p:cNvPr id="2" name="Titre 1">
             <a:extLst>
               <a:ext uri="{FF2B5EF4-FFF2-40B4-BE49-F238E27FC236}">
-                <a16:creationId xmlns:a16="http://schemas.microsoft.com/office/drawing/2014/main" xmlns="" id="{849D0A46-ECCE-47F9-B6F9-FE9CF7A3E2DD}"/>
+                <a16:creationId xmlns="" xmlns:a16="http://schemas.microsoft.com/office/drawing/2014/main" id="{849D0A46-ECCE-47F9-B6F9-FE9CF7A3E2DD}"/>
               </a:ext>
             </a:extLst>
           </p:cNvPr>
@@ -4542,7 +4544,7 @@
           <p:cNvPr id="3" name="Espace réservé du texte 2">
             <a:extLst>
               <a:ext uri="{FF2B5EF4-FFF2-40B4-BE49-F238E27FC236}">
-                <a16:creationId xmlns:a16="http://schemas.microsoft.com/office/drawing/2014/main" xmlns="" id="{F30287AA-9192-4635-AD85-C6948999467E}"/>
+                <a16:creationId xmlns="" xmlns:a16="http://schemas.microsoft.com/office/drawing/2014/main" id="{F30287AA-9192-4635-AD85-C6948999467E}"/>
               </a:ext>
             </a:extLst>
           </p:cNvPr>
@@ -4613,7 +4615,7 @@
           <p:cNvPr id="4" name="Espace réservé du contenu 3">
             <a:extLst>
               <a:ext uri="{FF2B5EF4-FFF2-40B4-BE49-F238E27FC236}">
-                <a16:creationId xmlns:a16="http://schemas.microsoft.com/office/drawing/2014/main" xmlns="" id="{2A7F0F19-2350-49C3-9E32-4E80925160CA}"/>
+                <a16:creationId xmlns="" xmlns:a16="http://schemas.microsoft.com/office/drawing/2014/main" id="{2A7F0F19-2350-49C3-9E32-4E80925160CA}"/>
               </a:ext>
             </a:extLst>
           </p:cNvPr>
@@ -4675,7 +4677,7 @@
           <p:cNvPr id="5" name="Espace réservé du texte 4">
             <a:extLst>
               <a:ext uri="{FF2B5EF4-FFF2-40B4-BE49-F238E27FC236}">
-                <a16:creationId xmlns:a16="http://schemas.microsoft.com/office/drawing/2014/main" xmlns="" id="{BB9CAAB9-2980-47B2-B481-38F6146B3410}"/>
+                <a16:creationId xmlns="" xmlns:a16="http://schemas.microsoft.com/office/drawing/2014/main" id="{BB9CAAB9-2980-47B2-B481-38F6146B3410}"/>
               </a:ext>
             </a:extLst>
           </p:cNvPr>
@@ -4746,7 +4748,7 @@
           <p:cNvPr id="6" name="Espace réservé du contenu 5">
             <a:extLst>
               <a:ext uri="{FF2B5EF4-FFF2-40B4-BE49-F238E27FC236}">
-                <a16:creationId xmlns:a16="http://schemas.microsoft.com/office/drawing/2014/main" xmlns="" id="{E583033B-2B1B-4D2A-9EB8-7F177FED30BF}"/>
+                <a16:creationId xmlns="" xmlns:a16="http://schemas.microsoft.com/office/drawing/2014/main" id="{E583033B-2B1B-4D2A-9EB8-7F177FED30BF}"/>
               </a:ext>
             </a:extLst>
           </p:cNvPr>
@@ -4808,7 +4810,7 @@
           <p:cNvPr id="7" name="Espace réservé de la date 6">
             <a:extLst>
               <a:ext uri="{FF2B5EF4-FFF2-40B4-BE49-F238E27FC236}">
-                <a16:creationId xmlns:a16="http://schemas.microsoft.com/office/drawing/2014/main" xmlns="" id="{81D108A8-29D9-49F8-BD0D-0D6419625DA7}"/>
+                <a16:creationId xmlns="" xmlns:a16="http://schemas.microsoft.com/office/drawing/2014/main" id="{81D108A8-29D9-49F8-BD0D-0D6419625DA7}"/>
               </a:ext>
             </a:extLst>
           </p:cNvPr>
@@ -4826,7 +4828,7 @@
           <a:p>
             <a:fld id="{5D366F3F-29A8-4E9A-8EC8-128588FA599B}" type="datetimeFigureOut">
               <a:rPr lang="fr-FR" smtClean="0"/>
-              <a:t>05/12/2017</a:t>
+              <a:t>06/12/2017</a:t>
             </a:fld>
             <a:endParaRPr lang="fr-FR"/>
           </a:p>
@@ -4837,7 +4839,7 @@
           <p:cNvPr id="8" name="Espace réservé du pied de page 7">
             <a:extLst>
               <a:ext uri="{FF2B5EF4-FFF2-40B4-BE49-F238E27FC236}">
-                <a16:creationId xmlns:a16="http://schemas.microsoft.com/office/drawing/2014/main" xmlns="" id="{20F308DA-582A-4CFA-BE8C-2FFFF70C9C1B}"/>
+                <a16:creationId xmlns="" xmlns:a16="http://schemas.microsoft.com/office/drawing/2014/main" id="{20F308DA-582A-4CFA-BE8C-2FFFF70C9C1B}"/>
               </a:ext>
             </a:extLst>
           </p:cNvPr>
@@ -4862,7 +4864,7 @@
           <p:cNvPr id="9" name="Espace réservé du numéro de diapositive 8">
             <a:extLst>
               <a:ext uri="{FF2B5EF4-FFF2-40B4-BE49-F238E27FC236}">
-                <a16:creationId xmlns:a16="http://schemas.microsoft.com/office/drawing/2014/main" xmlns="" id="{3E446E83-C3C6-4B82-A7CA-0260E2FC6EA6}"/>
+                <a16:creationId xmlns="" xmlns:a16="http://schemas.microsoft.com/office/drawing/2014/main" id="{3E446E83-C3C6-4B82-A7CA-0260E2FC6EA6}"/>
               </a:ext>
             </a:extLst>
           </p:cNvPr>
@@ -4921,7 +4923,7 @@
           <p:cNvPr id="2" name="Titre 1">
             <a:extLst>
               <a:ext uri="{FF2B5EF4-FFF2-40B4-BE49-F238E27FC236}">
-                <a16:creationId xmlns:a16="http://schemas.microsoft.com/office/drawing/2014/main" xmlns="" id="{19EA1DA1-9A94-46A0-8980-0D3FCE363E71}"/>
+                <a16:creationId xmlns="" xmlns:a16="http://schemas.microsoft.com/office/drawing/2014/main" id="{19EA1DA1-9A94-46A0-8980-0D3FCE363E71}"/>
               </a:ext>
             </a:extLst>
           </p:cNvPr>
@@ -4949,7 +4951,7 @@
           <p:cNvPr id="3" name="Espace réservé de la date 2">
             <a:extLst>
               <a:ext uri="{FF2B5EF4-FFF2-40B4-BE49-F238E27FC236}">
-                <a16:creationId xmlns:a16="http://schemas.microsoft.com/office/drawing/2014/main" xmlns="" id="{8F34E9ED-5FCC-4F4F-8AD3-40A34676A834}"/>
+                <a16:creationId xmlns="" xmlns:a16="http://schemas.microsoft.com/office/drawing/2014/main" id="{8F34E9ED-5FCC-4F4F-8AD3-40A34676A834}"/>
               </a:ext>
             </a:extLst>
           </p:cNvPr>
@@ -4967,7 +4969,7 @@
           <a:p>
             <a:fld id="{5D366F3F-29A8-4E9A-8EC8-128588FA599B}" type="datetimeFigureOut">
               <a:rPr lang="fr-FR" smtClean="0"/>
-              <a:t>05/12/2017</a:t>
+              <a:t>06/12/2017</a:t>
             </a:fld>
             <a:endParaRPr lang="fr-FR"/>
           </a:p>
@@ -4978,7 +4980,7 @@
           <p:cNvPr id="4" name="Espace réservé du pied de page 3">
             <a:extLst>
               <a:ext uri="{FF2B5EF4-FFF2-40B4-BE49-F238E27FC236}">
-                <a16:creationId xmlns:a16="http://schemas.microsoft.com/office/drawing/2014/main" xmlns="" id="{B8404B89-E482-41FC-9E48-197E05C1A807}"/>
+                <a16:creationId xmlns="" xmlns:a16="http://schemas.microsoft.com/office/drawing/2014/main" id="{B8404B89-E482-41FC-9E48-197E05C1A807}"/>
               </a:ext>
             </a:extLst>
           </p:cNvPr>
@@ -5003,7 +5005,7 @@
           <p:cNvPr id="5" name="Espace réservé du numéro de diapositive 4">
             <a:extLst>
               <a:ext uri="{FF2B5EF4-FFF2-40B4-BE49-F238E27FC236}">
-                <a16:creationId xmlns:a16="http://schemas.microsoft.com/office/drawing/2014/main" xmlns="" id="{A09D6C7B-E678-447D-A54F-A8894FB51326}"/>
+                <a16:creationId xmlns="" xmlns:a16="http://schemas.microsoft.com/office/drawing/2014/main" id="{A09D6C7B-E678-447D-A54F-A8894FB51326}"/>
               </a:ext>
             </a:extLst>
           </p:cNvPr>
@@ -5062,7 +5064,7 @@
           <p:cNvPr id="2" name="Espace réservé de la date 1">
             <a:extLst>
               <a:ext uri="{FF2B5EF4-FFF2-40B4-BE49-F238E27FC236}">
-                <a16:creationId xmlns:a16="http://schemas.microsoft.com/office/drawing/2014/main" xmlns="" id="{32C16B2B-F6D0-4B74-B47D-FE65D16CBA67}"/>
+                <a16:creationId xmlns="" xmlns:a16="http://schemas.microsoft.com/office/drawing/2014/main" id="{32C16B2B-F6D0-4B74-B47D-FE65D16CBA67}"/>
               </a:ext>
             </a:extLst>
           </p:cNvPr>
@@ -5080,7 +5082,7 @@
           <a:p>
             <a:fld id="{5D366F3F-29A8-4E9A-8EC8-128588FA599B}" type="datetimeFigureOut">
               <a:rPr lang="fr-FR" smtClean="0"/>
-              <a:t>05/12/2017</a:t>
+              <a:t>06/12/2017</a:t>
             </a:fld>
             <a:endParaRPr lang="fr-FR"/>
           </a:p>
@@ -5091,7 +5093,7 @@
           <p:cNvPr id="3" name="Espace réservé du pied de page 2">
             <a:extLst>
               <a:ext uri="{FF2B5EF4-FFF2-40B4-BE49-F238E27FC236}">
-                <a16:creationId xmlns:a16="http://schemas.microsoft.com/office/drawing/2014/main" xmlns="" id="{94C0F7A6-3642-441D-942F-86DCFACFE0CB}"/>
+                <a16:creationId xmlns="" xmlns:a16="http://schemas.microsoft.com/office/drawing/2014/main" id="{94C0F7A6-3642-441D-942F-86DCFACFE0CB}"/>
               </a:ext>
             </a:extLst>
           </p:cNvPr>
@@ -5116,7 +5118,7 @@
           <p:cNvPr id="4" name="Espace réservé du numéro de diapositive 3">
             <a:extLst>
               <a:ext uri="{FF2B5EF4-FFF2-40B4-BE49-F238E27FC236}">
-                <a16:creationId xmlns:a16="http://schemas.microsoft.com/office/drawing/2014/main" xmlns="" id="{9B469905-BA6C-48BB-A460-979227E9D984}"/>
+                <a16:creationId xmlns="" xmlns:a16="http://schemas.microsoft.com/office/drawing/2014/main" id="{9B469905-BA6C-48BB-A460-979227E9D984}"/>
               </a:ext>
             </a:extLst>
           </p:cNvPr>
@@ -5175,7 +5177,7 @@
           <p:cNvPr id="2" name="Titre 1">
             <a:extLst>
               <a:ext uri="{FF2B5EF4-FFF2-40B4-BE49-F238E27FC236}">
-                <a16:creationId xmlns:a16="http://schemas.microsoft.com/office/drawing/2014/main" xmlns="" id="{5C40A3F6-EEE5-4504-931F-63D6ABDA023B}"/>
+                <a16:creationId xmlns="" xmlns:a16="http://schemas.microsoft.com/office/drawing/2014/main" id="{5C40A3F6-EEE5-4504-931F-63D6ABDA023B}"/>
               </a:ext>
             </a:extLst>
           </p:cNvPr>
@@ -5212,7 +5214,7 @@
           <p:cNvPr id="3" name="Espace réservé du contenu 2">
             <a:extLst>
               <a:ext uri="{FF2B5EF4-FFF2-40B4-BE49-F238E27FC236}">
-                <a16:creationId xmlns:a16="http://schemas.microsoft.com/office/drawing/2014/main" xmlns="" id="{CEDDDA31-4174-4CED-98FB-7744D06E82B2}"/>
+                <a16:creationId xmlns="" xmlns:a16="http://schemas.microsoft.com/office/drawing/2014/main" id="{CEDDDA31-4174-4CED-98FB-7744D06E82B2}"/>
               </a:ext>
             </a:extLst>
           </p:cNvPr>
@@ -5302,7 +5304,7 @@
           <p:cNvPr id="4" name="Espace réservé du texte 3">
             <a:extLst>
               <a:ext uri="{FF2B5EF4-FFF2-40B4-BE49-F238E27FC236}">
-                <a16:creationId xmlns:a16="http://schemas.microsoft.com/office/drawing/2014/main" xmlns="" id="{73C9B382-502A-4FD4-8970-CC80A61065B8}"/>
+                <a16:creationId xmlns="" xmlns:a16="http://schemas.microsoft.com/office/drawing/2014/main" id="{73C9B382-502A-4FD4-8970-CC80A61065B8}"/>
               </a:ext>
             </a:extLst>
           </p:cNvPr>
@@ -5373,7 +5375,7 @@
           <p:cNvPr id="5" name="Espace réservé de la date 4">
             <a:extLst>
               <a:ext uri="{FF2B5EF4-FFF2-40B4-BE49-F238E27FC236}">
-                <a16:creationId xmlns:a16="http://schemas.microsoft.com/office/drawing/2014/main" xmlns="" id="{D046EC40-7BE4-4C90-B2BA-66BEE23B2094}"/>
+                <a16:creationId xmlns="" xmlns:a16="http://schemas.microsoft.com/office/drawing/2014/main" id="{D046EC40-7BE4-4C90-B2BA-66BEE23B2094}"/>
               </a:ext>
             </a:extLst>
           </p:cNvPr>
@@ -5391,7 +5393,7 @@
           <a:p>
             <a:fld id="{5D366F3F-29A8-4E9A-8EC8-128588FA599B}" type="datetimeFigureOut">
               <a:rPr lang="fr-FR" smtClean="0"/>
-              <a:t>05/12/2017</a:t>
+              <a:t>06/12/2017</a:t>
             </a:fld>
             <a:endParaRPr lang="fr-FR"/>
           </a:p>
@@ -5402,7 +5404,7 @@
           <p:cNvPr id="6" name="Espace réservé du pied de page 5">
             <a:extLst>
               <a:ext uri="{FF2B5EF4-FFF2-40B4-BE49-F238E27FC236}">
-                <a16:creationId xmlns:a16="http://schemas.microsoft.com/office/drawing/2014/main" xmlns="" id="{A73B5EA9-E8E8-47DF-A6A3-EFC25AD75350}"/>
+                <a16:creationId xmlns="" xmlns:a16="http://schemas.microsoft.com/office/drawing/2014/main" id="{A73B5EA9-E8E8-47DF-A6A3-EFC25AD75350}"/>
               </a:ext>
             </a:extLst>
           </p:cNvPr>
@@ -5427,7 +5429,7 @@
           <p:cNvPr id="7" name="Espace réservé du numéro de diapositive 6">
             <a:extLst>
               <a:ext uri="{FF2B5EF4-FFF2-40B4-BE49-F238E27FC236}">
-                <a16:creationId xmlns:a16="http://schemas.microsoft.com/office/drawing/2014/main" xmlns="" id="{0F3D8897-F9E1-4EDF-BAC3-0C4687F09E2B}"/>
+                <a16:creationId xmlns="" xmlns:a16="http://schemas.microsoft.com/office/drawing/2014/main" id="{0F3D8897-F9E1-4EDF-BAC3-0C4687F09E2B}"/>
               </a:ext>
             </a:extLst>
           </p:cNvPr>
@@ -5486,7 +5488,7 @@
           <p:cNvPr id="2" name="Titre 1">
             <a:extLst>
               <a:ext uri="{FF2B5EF4-FFF2-40B4-BE49-F238E27FC236}">
-                <a16:creationId xmlns:a16="http://schemas.microsoft.com/office/drawing/2014/main" xmlns="" id="{DFA90833-583D-4618-B437-C5DE4F036191}"/>
+                <a16:creationId xmlns="" xmlns:a16="http://schemas.microsoft.com/office/drawing/2014/main" id="{DFA90833-583D-4618-B437-C5DE4F036191}"/>
               </a:ext>
             </a:extLst>
           </p:cNvPr>
@@ -5523,7 +5525,7 @@
           <p:cNvPr id="3" name="Espace réservé pour une image  2">
             <a:extLst>
               <a:ext uri="{FF2B5EF4-FFF2-40B4-BE49-F238E27FC236}">
-                <a16:creationId xmlns:a16="http://schemas.microsoft.com/office/drawing/2014/main" xmlns="" id="{061B660D-B515-49D1-9DF2-7A9CE5849E02}"/>
+                <a16:creationId xmlns="" xmlns:a16="http://schemas.microsoft.com/office/drawing/2014/main" id="{061B660D-B515-49D1-9DF2-7A9CE5849E02}"/>
               </a:ext>
             </a:extLst>
           </p:cNvPr>
@@ -5590,7 +5592,7 @@
           <p:cNvPr id="4" name="Espace réservé du texte 3">
             <a:extLst>
               <a:ext uri="{FF2B5EF4-FFF2-40B4-BE49-F238E27FC236}">
-                <a16:creationId xmlns:a16="http://schemas.microsoft.com/office/drawing/2014/main" xmlns="" id="{26DA247A-0C8D-4026-8781-69025BCAAA47}"/>
+                <a16:creationId xmlns="" xmlns:a16="http://schemas.microsoft.com/office/drawing/2014/main" id="{26DA247A-0C8D-4026-8781-69025BCAAA47}"/>
               </a:ext>
             </a:extLst>
           </p:cNvPr>
@@ -5661,7 +5663,7 @@
           <p:cNvPr id="5" name="Espace réservé de la date 4">
             <a:extLst>
               <a:ext uri="{FF2B5EF4-FFF2-40B4-BE49-F238E27FC236}">
-                <a16:creationId xmlns:a16="http://schemas.microsoft.com/office/drawing/2014/main" xmlns="" id="{7FBE13BB-0999-47BC-A2BF-3D094F12C8BC}"/>
+                <a16:creationId xmlns="" xmlns:a16="http://schemas.microsoft.com/office/drawing/2014/main" id="{7FBE13BB-0999-47BC-A2BF-3D094F12C8BC}"/>
               </a:ext>
             </a:extLst>
           </p:cNvPr>
@@ -5679,7 +5681,7 @@
           <a:p>
             <a:fld id="{5D366F3F-29A8-4E9A-8EC8-128588FA599B}" type="datetimeFigureOut">
               <a:rPr lang="fr-FR" smtClean="0"/>
-              <a:t>05/12/2017</a:t>
+              <a:t>06/12/2017</a:t>
             </a:fld>
             <a:endParaRPr lang="fr-FR"/>
           </a:p>
@@ -5690,7 +5692,7 @@
           <p:cNvPr id="6" name="Espace réservé du pied de page 5">
             <a:extLst>
               <a:ext uri="{FF2B5EF4-FFF2-40B4-BE49-F238E27FC236}">
-                <a16:creationId xmlns:a16="http://schemas.microsoft.com/office/drawing/2014/main" xmlns="" id="{662F05FB-CDE7-4845-99DB-637144DF16F1}"/>
+                <a16:creationId xmlns="" xmlns:a16="http://schemas.microsoft.com/office/drawing/2014/main" id="{662F05FB-CDE7-4845-99DB-637144DF16F1}"/>
               </a:ext>
             </a:extLst>
           </p:cNvPr>
@@ -5715,7 +5717,7 @@
           <p:cNvPr id="7" name="Espace réservé du numéro de diapositive 6">
             <a:extLst>
               <a:ext uri="{FF2B5EF4-FFF2-40B4-BE49-F238E27FC236}">
-                <a16:creationId xmlns:a16="http://schemas.microsoft.com/office/drawing/2014/main" xmlns="" id="{FB46E566-08C0-4028-B0F4-CED6AAD0AA74}"/>
+                <a16:creationId xmlns="" xmlns:a16="http://schemas.microsoft.com/office/drawing/2014/main" id="{FB46E566-08C0-4028-B0F4-CED6AAD0AA74}"/>
               </a:ext>
             </a:extLst>
           </p:cNvPr>
@@ -5774,7 +5776,7 @@
           <p:cNvPr id="2" name="Titre 1">
             <a:extLst>
               <a:ext uri="{FF2B5EF4-FFF2-40B4-BE49-F238E27FC236}">
-                <a16:creationId xmlns:a16="http://schemas.microsoft.com/office/drawing/2014/main" xmlns="" id="{AF370611-EE45-41F5-980D-474441CC4935}"/>
+                <a16:creationId xmlns="" xmlns:a16="http://schemas.microsoft.com/office/drawing/2014/main" id="{AF370611-EE45-41F5-980D-474441CC4935}"/>
               </a:ext>
             </a:extLst>
           </p:cNvPr>
@@ -5802,7 +5804,7 @@
           <p:cNvPr id="3" name="Espace réservé du texte vertical 2">
             <a:extLst>
               <a:ext uri="{FF2B5EF4-FFF2-40B4-BE49-F238E27FC236}">
-                <a16:creationId xmlns:a16="http://schemas.microsoft.com/office/drawing/2014/main" xmlns="" id="{D77AE027-259A-49F7-82CC-A4E0DFB0E945}"/>
+                <a16:creationId xmlns="" xmlns:a16="http://schemas.microsoft.com/office/drawing/2014/main" id="{D77AE027-259A-49F7-82CC-A4E0DFB0E945}"/>
               </a:ext>
             </a:extLst>
           </p:cNvPr>
@@ -5859,7 +5861,7 @@
           <p:cNvPr id="4" name="Espace réservé de la date 3">
             <a:extLst>
               <a:ext uri="{FF2B5EF4-FFF2-40B4-BE49-F238E27FC236}">
-                <a16:creationId xmlns:a16="http://schemas.microsoft.com/office/drawing/2014/main" xmlns="" id="{62EECABD-6F64-437C-8B42-C6E456B04D0F}"/>
+                <a16:creationId xmlns="" xmlns:a16="http://schemas.microsoft.com/office/drawing/2014/main" id="{62EECABD-6F64-437C-8B42-C6E456B04D0F}"/>
               </a:ext>
             </a:extLst>
           </p:cNvPr>
@@ -5877,7 +5879,7 @@
           <a:p>
             <a:fld id="{5D366F3F-29A8-4E9A-8EC8-128588FA599B}" type="datetimeFigureOut">
               <a:rPr lang="fr-FR" smtClean="0"/>
-              <a:t>05/12/2017</a:t>
+              <a:t>06/12/2017</a:t>
             </a:fld>
             <a:endParaRPr lang="fr-FR"/>
           </a:p>
@@ -5888,7 +5890,7 @@
           <p:cNvPr id="5" name="Espace réservé du pied de page 4">
             <a:extLst>
               <a:ext uri="{FF2B5EF4-FFF2-40B4-BE49-F238E27FC236}">
-                <a16:creationId xmlns:a16="http://schemas.microsoft.com/office/drawing/2014/main" xmlns="" id="{5BC4BB0C-6B94-4CF8-B4A8-AF30ED2A0629}"/>
+                <a16:creationId xmlns="" xmlns:a16="http://schemas.microsoft.com/office/drawing/2014/main" id="{5BC4BB0C-6B94-4CF8-B4A8-AF30ED2A0629}"/>
               </a:ext>
             </a:extLst>
           </p:cNvPr>
@@ -5913,7 +5915,7 @@
           <p:cNvPr id="6" name="Espace réservé du numéro de diapositive 5">
             <a:extLst>
               <a:ext uri="{FF2B5EF4-FFF2-40B4-BE49-F238E27FC236}">
-                <a16:creationId xmlns:a16="http://schemas.microsoft.com/office/drawing/2014/main" xmlns="" id="{EC468D1E-77B1-43CC-B697-BDA6011D5851}"/>
+                <a16:creationId xmlns="" xmlns:a16="http://schemas.microsoft.com/office/drawing/2014/main" id="{EC468D1E-77B1-43CC-B697-BDA6011D5851}"/>
               </a:ext>
             </a:extLst>
           </p:cNvPr>
@@ -5972,7 +5974,7 @@
           <p:cNvPr id="2" name="Titre vertical 1">
             <a:extLst>
               <a:ext uri="{FF2B5EF4-FFF2-40B4-BE49-F238E27FC236}">
-                <a16:creationId xmlns:a16="http://schemas.microsoft.com/office/drawing/2014/main" xmlns="" id="{2317E02A-D71D-42D1-8436-83F943A69346}"/>
+                <a16:creationId xmlns="" xmlns:a16="http://schemas.microsoft.com/office/drawing/2014/main" id="{2317E02A-D71D-42D1-8436-83F943A69346}"/>
               </a:ext>
             </a:extLst>
           </p:cNvPr>
@@ -6005,7 +6007,7 @@
           <p:cNvPr id="3" name="Espace réservé du texte vertical 2">
             <a:extLst>
               <a:ext uri="{FF2B5EF4-FFF2-40B4-BE49-F238E27FC236}">
-                <a16:creationId xmlns:a16="http://schemas.microsoft.com/office/drawing/2014/main" xmlns="" id="{9F358B81-9779-4132-A18E-E997A5CCEC0A}"/>
+                <a16:creationId xmlns="" xmlns:a16="http://schemas.microsoft.com/office/drawing/2014/main" id="{9F358B81-9779-4132-A18E-E997A5CCEC0A}"/>
               </a:ext>
             </a:extLst>
           </p:cNvPr>
@@ -6067,7 +6069,7 @@
           <p:cNvPr id="4" name="Espace réservé de la date 3">
             <a:extLst>
               <a:ext uri="{FF2B5EF4-FFF2-40B4-BE49-F238E27FC236}">
-                <a16:creationId xmlns:a16="http://schemas.microsoft.com/office/drawing/2014/main" xmlns="" id="{2D95D730-21B9-46C2-B10E-E20BC6367AF5}"/>
+                <a16:creationId xmlns="" xmlns:a16="http://schemas.microsoft.com/office/drawing/2014/main" id="{2D95D730-21B9-46C2-B10E-E20BC6367AF5}"/>
               </a:ext>
             </a:extLst>
           </p:cNvPr>
@@ -6085,7 +6087,7 @@
           <a:p>
             <a:fld id="{5D366F3F-29A8-4E9A-8EC8-128588FA599B}" type="datetimeFigureOut">
               <a:rPr lang="fr-FR" smtClean="0"/>
-              <a:t>05/12/2017</a:t>
+              <a:t>06/12/2017</a:t>
             </a:fld>
             <a:endParaRPr lang="fr-FR"/>
           </a:p>
@@ -6096,7 +6098,7 @@
           <p:cNvPr id="5" name="Espace réservé du pied de page 4">
             <a:extLst>
               <a:ext uri="{FF2B5EF4-FFF2-40B4-BE49-F238E27FC236}">
-                <a16:creationId xmlns:a16="http://schemas.microsoft.com/office/drawing/2014/main" xmlns="" id="{A0101F13-0126-4FCB-ABDC-2963D1B9E7FA}"/>
+                <a16:creationId xmlns="" xmlns:a16="http://schemas.microsoft.com/office/drawing/2014/main" id="{A0101F13-0126-4FCB-ABDC-2963D1B9E7FA}"/>
               </a:ext>
             </a:extLst>
           </p:cNvPr>
@@ -6121,7 +6123,7 @@
           <p:cNvPr id="6" name="Espace réservé du numéro de diapositive 5">
             <a:extLst>
               <a:ext uri="{FF2B5EF4-FFF2-40B4-BE49-F238E27FC236}">
-                <a16:creationId xmlns:a16="http://schemas.microsoft.com/office/drawing/2014/main" xmlns="" id="{3B5C357F-8B6B-45AA-AED9-36D38EE49614}"/>
+                <a16:creationId xmlns="" xmlns:a16="http://schemas.microsoft.com/office/drawing/2014/main" id="{3B5C357F-8B6B-45AA-AED9-36D38EE49614}"/>
               </a:ext>
             </a:extLst>
           </p:cNvPr>
@@ -6180,7 +6182,7 @@
           <p:cNvPr id="2" name="Titre 1">
             <a:extLst>
               <a:ext uri="{FF2B5EF4-FFF2-40B4-BE49-F238E27FC236}">
-                <a16:creationId xmlns:a16="http://schemas.microsoft.com/office/drawing/2014/main" xmlns="" id="{2062B1B1-3164-439B-A604-D0611815857A}"/>
+                <a16:creationId xmlns="" xmlns:a16="http://schemas.microsoft.com/office/drawing/2014/main" id="{2062B1B1-3164-439B-A604-D0611815857A}"/>
               </a:ext>
             </a:extLst>
           </p:cNvPr>
@@ -6217,7 +6219,7 @@
           <p:cNvPr id="3" name="Sous-titre 2">
             <a:extLst>
               <a:ext uri="{FF2B5EF4-FFF2-40B4-BE49-F238E27FC236}">
-                <a16:creationId xmlns:a16="http://schemas.microsoft.com/office/drawing/2014/main" xmlns="" id="{5CBBAFE7-5C5E-4994-ACCC-9EE95277F4C3}"/>
+                <a16:creationId xmlns="" xmlns:a16="http://schemas.microsoft.com/office/drawing/2014/main" id="{5CBBAFE7-5C5E-4994-ACCC-9EE95277F4C3}"/>
               </a:ext>
             </a:extLst>
           </p:cNvPr>
@@ -6287,7 +6289,7 @@
           <p:cNvPr id="4" name="Espace réservé de la date 3">
             <a:extLst>
               <a:ext uri="{FF2B5EF4-FFF2-40B4-BE49-F238E27FC236}">
-                <a16:creationId xmlns:a16="http://schemas.microsoft.com/office/drawing/2014/main" xmlns="" id="{14CB39AD-AE42-4569-ABF6-78E6BC58FEC8}"/>
+                <a16:creationId xmlns="" xmlns:a16="http://schemas.microsoft.com/office/drawing/2014/main" id="{14CB39AD-AE42-4569-ABF6-78E6BC58FEC8}"/>
               </a:ext>
             </a:extLst>
           </p:cNvPr>
@@ -6305,7 +6307,7 @@
           <a:p>
             <a:fld id="{01DD11F6-4236-43AF-BDF9-0522C8D9B12E}" type="datetimeFigureOut">
               <a:rPr lang="fr-FR" smtClean="0"/>
-              <a:t>05/12/2017</a:t>
+              <a:t>06/12/2017</a:t>
             </a:fld>
             <a:endParaRPr lang="fr-FR"/>
           </a:p>
@@ -6316,7 +6318,7 @@
           <p:cNvPr id="5" name="Espace réservé du pied de page 4">
             <a:extLst>
               <a:ext uri="{FF2B5EF4-FFF2-40B4-BE49-F238E27FC236}">
-                <a16:creationId xmlns:a16="http://schemas.microsoft.com/office/drawing/2014/main" xmlns="" id="{6BA4F82C-22C0-4581-AC1E-3678F84111DD}"/>
+                <a16:creationId xmlns="" xmlns:a16="http://schemas.microsoft.com/office/drawing/2014/main" id="{6BA4F82C-22C0-4581-AC1E-3678F84111DD}"/>
               </a:ext>
             </a:extLst>
           </p:cNvPr>
@@ -6341,7 +6343,7 @@
           <p:cNvPr id="6" name="Espace réservé du numéro de diapositive 5">
             <a:extLst>
               <a:ext uri="{FF2B5EF4-FFF2-40B4-BE49-F238E27FC236}">
-                <a16:creationId xmlns:a16="http://schemas.microsoft.com/office/drawing/2014/main" xmlns="" id="{097DFD3D-4FC4-4DC4-A904-D0E37F12DEF9}"/>
+                <a16:creationId xmlns="" xmlns:a16="http://schemas.microsoft.com/office/drawing/2014/main" id="{097DFD3D-4FC4-4DC4-A904-D0E37F12DEF9}"/>
               </a:ext>
             </a:extLst>
           </p:cNvPr>
@@ -6564,7 +6566,7 @@
           <a:p>
             <a:fld id="{405F919B-7BE3-4A09-B5A6-9E8832641FD7}" type="datetimeFigureOut">
               <a:rPr lang="fr-FR" smtClean="0"/>
-              <a:t>05/12/2017</a:t>
+              <a:t>06/12/2017</a:t>
             </a:fld>
             <a:endParaRPr lang="fr-FR"/>
           </a:p>
@@ -6647,7 +6649,7 @@
           <p:cNvPr id="2" name="Titre 1">
             <a:extLst>
               <a:ext uri="{FF2B5EF4-FFF2-40B4-BE49-F238E27FC236}">
-                <a16:creationId xmlns:a16="http://schemas.microsoft.com/office/drawing/2014/main" xmlns="" id="{3A7A66B6-2A48-4540-9E7F-12BC10080DB7}"/>
+                <a16:creationId xmlns="" xmlns:a16="http://schemas.microsoft.com/office/drawing/2014/main" id="{3A7A66B6-2A48-4540-9E7F-12BC10080DB7}"/>
               </a:ext>
             </a:extLst>
           </p:cNvPr>
@@ -6675,7 +6677,7 @@
           <p:cNvPr id="3" name="Espace réservé du contenu 2">
             <a:extLst>
               <a:ext uri="{FF2B5EF4-FFF2-40B4-BE49-F238E27FC236}">
-                <a16:creationId xmlns:a16="http://schemas.microsoft.com/office/drawing/2014/main" xmlns="" id="{86E572D1-8A89-4C59-AFEB-9C3B865DD493}"/>
+                <a16:creationId xmlns="" xmlns:a16="http://schemas.microsoft.com/office/drawing/2014/main" id="{86E572D1-8A89-4C59-AFEB-9C3B865DD493}"/>
               </a:ext>
             </a:extLst>
           </p:cNvPr>
@@ -6732,7 +6734,7 @@
           <p:cNvPr id="4" name="Espace réservé de la date 3">
             <a:extLst>
               <a:ext uri="{FF2B5EF4-FFF2-40B4-BE49-F238E27FC236}">
-                <a16:creationId xmlns:a16="http://schemas.microsoft.com/office/drawing/2014/main" xmlns="" id="{25983DE9-4B37-4745-A7ED-941AF2BFC578}"/>
+                <a16:creationId xmlns="" xmlns:a16="http://schemas.microsoft.com/office/drawing/2014/main" id="{25983DE9-4B37-4745-A7ED-941AF2BFC578}"/>
               </a:ext>
             </a:extLst>
           </p:cNvPr>
@@ -6750,7 +6752,7 @@
           <a:p>
             <a:fld id="{01DD11F6-4236-43AF-BDF9-0522C8D9B12E}" type="datetimeFigureOut">
               <a:rPr lang="fr-FR" smtClean="0"/>
-              <a:t>05/12/2017</a:t>
+              <a:t>06/12/2017</a:t>
             </a:fld>
             <a:endParaRPr lang="fr-FR"/>
           </a:p>
@@ -6761,7 +6763,7 @@
           <p:cNvPr id="5" name="Espace réservé du pied de page 4">
             <a:extLst>
               <a:ext uri="{FF2B5EF4-FFF2-40B4-BE49-F238E27FC236}">
-                <a16:creationId xmlns:a16="http://schemas.microsoft.com/office/drawing/2014/main" xmlns="" id="{D8971080-3340-48C4-A47C-EF26E2BCC634}"/>
+                <a16:creationId xmlns="" xmlns:a16="http://schemas.microsoft.com/office/drawing/2014/main" id="{D8971080-3340-48C4-A47C-EF26E2BCC634}"/>
               </a:ext>
             </a:extLst>
           </p:cNvPr>
@@ -6786,7 +6788,7 @@
           <p:cNvPr id="6" name="Espace réservé du numéro de diapositive 5">
             <a:extLst>
               <a:ext uri="{FF2B5EF4-FFF2-40B4-BE49-F238E27FC236}">
-                <a16:creationId xmlns:a16="http://schemas.microsoft.com/office/drawing/2014/main" xmlns="" id="{444B60C3-8CD4-42B7-9C8A-C0C2C03F5402}"/>
+                <a16:creationId xmlns="" xmlns:a16="http://schemas.microsoft.com/office/drawing/2014/main" id="{444B60C3-8CD4-42B7-9C8A-C0C2C03F5402}"/>
               </a:ext>
             </a:extLst>
           </p:cNvPr>
@@ -6845,7 +6847,7 @@
           <p:cNvPr id="2" name="Titre 1">
             <a:extLst>
               <a:ext uri="{FF2B5EF4-FFF2-40B4-BE49-F238E27FC236}">
-                <a16:creationId xmlns:a16="http://schemas.microsoft.com/office/drawing/2014/main" xmlns="" id="{F0A0009D-BE18-42D6-9339-EB98C04E3D8E}"/>
+                <a16:creationId xmlns="" xmlns:a16="http://schemas.microsoft.com/office/drawing/2014/main" id="{F0A0009D-BE18-42D6-9339-EB98C04E3D8E}"/>
               </a:ext>
             </a:extLst>
           </p:cNvPr>
@@ -6882,7 +6884,7 @@
           <p:cNvPr id="3" name="Espace réservé du texte 2">
             <a:extLst>
               <a:ext uri="{FF2B5EF4-FFF2-40B4-BE49-F238E27FC236}">
-                <a16:creationId xmlns:a16="http://schemas.microsoft.com/office/drawing/2014/main" xmlns="" id="{15797ADA-3886-4802-9C0F-43BA41B12D28}"/>
+                <a16:creationId xmlns="" xmlns:a16="http://schemas.microsoft.com/office/drawing/2014/main" id="{15797ADA-3886-4802-9C0F-43BA41B12D28}"/>
               </a:ext>
             </a:extLst>
           </p:cNvPr>
@@ -7007,7 +7009,7 @@
           <p:cNvPr id="4" name="Espace réservé de la date 3">
             <a:extLst>
               <a:ext uri="{FF2B5EF4-FFF2-40B4-BE49-F238E27FC236}">
-                <a16:creationId xmlns:a16="http://schemas.microsoft.com/office/drawing/2014/main" xmlns="" id="{F0C5A045-7822-429D-B4BF-1BBECB129FC9}"/>
+                <a16:creationId xmlns="" xmlns:a16="http://schemas.microsoft.com/office/drawing/2014/main" id="{F0C5A045-7822-429D-B4BF-1BBECB129FC9}"/>
               </a:ext>
             </a:extLst>
           </p:cNvPr>
@@ -7025,7 +7027,7 @@
           <a:p>
             <a:fld id="{01DD11F6-4236-43AF-BDF9-0522C8D9B12E}" type="datetimeFigureOut">
               <a:rPr lang="fr-FR" smtClean="0"/>
-              <a:t>05/12/2017</a:t>
+              <a:t>06/12/2017</a:t>
             </a:fld>
             <a:endParaRPr lang="fr-FR"/>
           </a:p>
@@ -7036,7 +7038,7 @@
           <p:cNvPr id="5" name="Espace réservé du pied de page 4">
             <a:extLst>
               <a:ext uri="{FF2B5EF4-FFF2-40B4-BE49-F238E27FC236}">
-                <a16:creationId xmlns:a16="http://schemas.microsoft.com/office/drawing/2014/main" xmlns="" id="{C2E5E4DD-3804-4C20-9B3E-49DEA30F996D}"/>
+                <a16:creationId xmlns="" xmlns:a16="http://schemas.microsoft.com/office/drawing/2014/main" id="{C2E5E4DD-3804-4C20-9B3E-49DEA30F996D}"/>
               </a:ext>
             </a:extLst>
           </p:cNvPr>
@@ -7061,7 +7063,7 @@
           <p:cNvPr id="6" name="Espace réservé du numéro de diapositive 5">
             <a:extLst>
               <a:ext uri="{FF2B5EF4-FFF2-40B4-BE49-F238E27FC236}">
-                <a16:creationId xmlns:a16="http://schemas.microsoft.com/office/drawing/2014/main" xmlns="" id="{3829D8F8-72BD-4218-916C-CE4FC3D280C6}"/>
+                <a16:creationId xmlns="" xmlns:a16="http://schemas.microsoft.com/office/drawing/2014/main" id="{3829D8F8-72BD-4218-916C-CE4FC3D280C6}"/>
               </a:ext>
             </a:extLst>
           </p:cNvPr>
@@ -7120,7 +7122,7 @@
           <p:cNvPr id="2" name="Titre 1">
             <a:extLst>
               <a:ext uri="{FF2B5EF4-FFF2-40B4-BE49-F238E27FC236}">
-                <a16:creationId xmlns:a16="http://schemas.microsoft.com/office/drawing/2014/main" xmlns="" id="{2F6D4263-F029-4B89-9682-7D9DD87FC5BE}"/>
+                <a16:creationId xmlns="" xmlns:a16="http://schemas.microsoft.com/office/drawing/2014/main" id="{2F6D4263-F029-4B89-9682-7D9DD87FC5BE}"/>
               </a:ext>
             </a:extLst>
           </p:cNvPr>
@@ -7148,7 +7150,7 @@
           <p:cNvPr id="3" name="Espace réservé du contenu 2">
             <a:extLst>
               <a:ext uri="{FF2B5EF4-FFF2-40B4-BE49-F238E27FC236}">
-                <a16:creationId xmlns:a16="http://schemas.microsoft.com/office/drawing/2014/main" xmlns="" id="{667CC2F4-A999-4B2D-AB64-8E6D7EF8F997}"/>
+                <a16:creationId xmlns="" xmlns:a16="http://schemas.microsoft.com/office/drawing/2014/main" id="{667CC2F4-A999-4B2D-AB64-8E6D7EF8F997}"/>
               </a:ext>
             </a:extLst>
           </p:cNvPr>
@@ -7210,7 +7212,7 @@
           <p:cNvPr id="4" name="Espace réservé du contenu 3">
             <a:extLst>
               <a:ext uri="{FF2B5EF4-FFF2-40B4-BE49-F238E27FC236}">
-                <a16:creationId xmlns:a16="http://schemas.microsoft.com/office/drawing/2014/main" xmlns="" id="{AE096F78-D441-4E4B-80B6-096FFBE22A0C}"/>
+                <a16:creationId xmlns="" xmlns:a16="http://schemas.microsoft.com/office/drawing/2014/main" id="{AE096F78-D441-4E4B-80B6-096FFBE22A0C}"/>
               </a:ext>
             </a:extLst>
           </p:cNvPr>
@@ -7272,7 +7274,7 @@
           <p:cNvPr id="5" name="Espace réservé de la date 4">
             <a:extLst>
               <a:ext uri="{FF2B5EF4-FFF2-40B4-BE49-F238E27FC236}">
-                <a16:creationId xmlns:a16="http://schemas.microsoft.com/office/drawing/2014/main" xmlns="" id="{33704EC3-6178-4647-8EBD-E715FA044565}"/>
+                <a16:creationId xmlns="" xmlns:a16="http://schemas.microsoft.com/office/drawing/2014/main" id="{33704EC3-6178-4647-8EBD-E715FA044565}"/>
               </a:ext>
             </a:extLst>
           </p:cNvPr>
@@ -7290,7 +7292,7 @@
           <a:p>
             <a:fld id="{01DD11F6-4236-43AF-BDF9-0522C8D9B12E}" type="datetimeFigureOut">
               <a:rPr lang="fr-FR" smtClean="0"/>
-              <a:t>05/12/2017</a:t>
+              <a:t>06/12/2017</a:t>
             </a:fld>
             <a:endParaRPr lang="fr-FR"/>
           </a:p>
@@ -7301,7 +7303,7 @@
           <p:cNvPr id="6" name="Espace réservé du pied de page 5">
             <a:extLst>
               <a:ext uri="{FF2B5EF4-FFF2-40B4-BE49-F238E27FC236}">
-                <a16:creationId xmlns:a16="http://schemas.microsoft.com/office/drawing/2014/main" xmlns="" id="{D3E08EF8-A756-4CC6-A562-FB9C87BB00E9}"/>
+                <a16:creationId xmlns="" xmlns:a16="http://schemas.microsoft.com/office/drawing/2014/main" id="{D3E08EF8-A756-4CC6-A562-FB9C87BB00E9}"/>
               </a:ext>
             </a:extLst>
           </p:cNvPr>
@@ -7326,7 +7328,7 @@
           <p:cNvPr id="7" name="Espace réservé du numéro de diapositive 6">
             <a:extLst>
               <a:ext uri="{FF2B5EF4-FFF2-40B4-BE49-F238E27FC236}">
-                <a16:creationId xmlns:a16="http://schemas.microsoft.com/office/drawing/2014/main" xmlns="" id="{CED2B7BE-DF03-4053-B695-D1D35ACF6195}"/>
+                <a16:creationId xmlns="" xmlns:a16="http://schemas.microsoft.com/office/drawing/2014/main" id="{CED2B7BE-DF03-4053-B695-D1D35ACF6195}"/>
               </a:ext>
             </a:extLst>
           </p:cNvPr>
@@ -7385,7 +7387,7 @@
           <p:cNvPr id="2" name="Titre 1">
             <a:extLst>
               <a:ext uri="{FF2B5EF4-FFF2-40B4-BE49-F238E27FC236}">
-                <a16:creationId xmlns:a16="http://schemas.microsoft.com/office/drawing/2014/main" xmlns="" id="{A38EF2B6-6142-44BD-AB9E-2AB1B52F77BB}"/>
+                <a16:creationId xmlns="" xmlns:a16="http://schemas.microsoft.com/office/drawing/2014/main" id="{A38EF2B6-6142-44BD-AB9E-2AB1B52F77BB}"/>
               </a:ext>
             </a:extLst>
           </p:cNvPr>
@@ -7418,7 +7420,7 @@
           <p:cNvPr id="3" name="Espace réservé du texte 2">
             <a:extLst>
               <a:ext uri="{FF2B5EF4-FFF2-40B4-BE49-F238E27FC236}">
-                <a16:creationId xmlns:a16="http://schemas.microsoft.com/office/drawing/2014/main" xmlns="" id="{F9AF7FC1-EC40-4F84-B437-DDC3B593B7CE}"/>
+                <a16:creationId xmlns="" xmlns:a16="http://schemas.microsoft.com/office/drawing/2014/main" id="{F9AF7FC1-EC40-4F84-B437-DDC3B593B7CE}"/>
               </a:ext>
             </a:extLst>
           </p:cNvPr>
@@ -7489,7 +7491,7 @@
           <p:cNvPr id="4" name="Espace réservé du contenu 3">
             <a:extLst>
               <a:ext uri="{FF2B5EF4-FFF2-40B4-BE49-F238E27FC236}">
-                <a16:creationId xmlns:a16="http://schemas.microsoft.com/office/drawing/2014/main" xmlns="" id="{02B380D5-B7FC-4561-8298-DFD31B84DCC1}"/>
+                <a16:creationId xmlns="" xmlns:a16="http://schemas.microsoft.com/office/drawing/2014/main" id="{02B380D5-B7FC-4561-8298-DFD31B84DCC1}"/>
               </a:ext>
             </a:extLst>
           </p:cNvPr>
@@ -7551,7 +7553,7 @@
           <p:cNvPr id="5" name="Espace réservé du texte 4">
             <a:extLst>
               <a:ext uri="{FF2B5EF4-FFF2-40B4-BE49-F238E27FC236}">
-                <a16:creationId xmlns:a16="http://schemas.microsoft.com/office/drawing/2014/main" xmlns="" id="{28B2BF18-4183-4529-A4E9-238670265B2F}"/>
+                <a16:creationId xmlns="" xmlns:a16="http://schemas.microsoft.com/office/drawing/2014/main" id="{28B2BF18-4183-4529-A4E9-238670265B2F}"/>
               </a:ext>
             </a:extLst>
           </p:cNvPr>
@@ -7622,7 +7624,7 @@
           <p:cNvPr id="6" name="Espace réservé du contenu 5">
             <a:extLst>
               <a:ext uri="{FF2B5EF4-FFF2-40B4-BE49-F238E27FC236}">
-                <a16:creationId xmlns:a16="http://schemas.microsoft.com/office/drawing/2014/main" xmlns="" id="{E71E1AEE-102A-41FD-976C-B0C48A765BE3}"/>
+                <a16:creationId xmlns="" xmlns:a16="http://schemas.microsoft.com/office/drawing/2014/main" id="{E71E1AEE-102A-41FD-976C-B0C48A765BE3}"/>
               </a:ext>
             </a:extLst>
           </p:cNvPr>
@@ -7684,7 +7686,7 @@
           <p:cNvPr id="7" name="Espace réservé de la date 6">
             <a:extLst>
               <a:ext uri="{FF2B5EF4-FFF2-40B4-BE49-F238E27FC236}">
-                <a16:creationId xmlns:a16="http://schemas.microsoft.com/office/drawing/2014/main" xmlns="" id="{55A222BC-D3F3-435B-AE92-EC533C9847D3}"/>
+                <a16:creationId xmlns="" xmlns:a16="http://schemas.microsoft.com/office/drawing/2014/main" id="{55A222BC-D3F3-435B-AE92-EC533C9847D3}"/>
               </a:ext>
             </a:extLst>
           </p:cNvPr>
@@ -7702,7 +7704,7 @@
           <a:p>
             <a:fld id="{01DD11F6-4236-43AF-BDF9-0522C8D9B12E}" type="datetimeFigureOut">
               <a:rPr lang="fr-FR" smtClean="0"/>
-              <a:t>05/12/2017</a:t>
+              <a:t>06/12/2017</a:t>
             </a:fld>
             <a:endParaRPr lang="fr-FR"/>
           </a:p>
@@ -7713,7 +7715,7 @@
           <p:cNvPr id="8" name="Espace réservé du pied de page 7">
             <a:extLst>
               <a:ext uri="{FF2B5EF4-FFF2-40B4-BE49-F238E27FC236}">
-                <a16:creationId xmlns:a16="http://schemas.microsoft.com/office/drawing/2014/main" xmlns="" id="{76AFA193-977A-4F0F-A53C-E3DC44DE3524}"/>
+                <a16:creationId xmlns="" xmlns:a16="http://schemas.microsoft.com/office/drawing/2014/main" id="{76AFA193-977A-4F0F-A53C-E3DC44DE3524}"/>
               </a:ext>
             </a:extLst>
           </p:cNvPr>
@@ -7738,7 +7740,7 @@
           <p:cNvPr id="9" name="Espace réservé du numéro de diapositive 8">
             <a:extLst>
               <a:ext uri="{FF2B5EF4-FFF2-40B4-BE49-F238E27FC236}">
-                <a16:creationId xmlns:a16="http://schemas.microsoft.com/office/drawing/2014/main" xmlns="" id="{6E4F769C-D40D-4F06-B77C-0892DB4F0F38}"/>
+                <a16:creationId xmlns="" xmlns:a16="http://schemas.microsoft.com/office/drawing/2014/main" id="{6E4F769C-D40D-4F06-B77C-0892DB4F0F38}"/>
               </a:ext>
             </a:extLst>
           </p:cNvPr>
@@ -7797,7 +7799,7 @@
           <p:cNvPr id="2" name="Titre 1">
             <a:extLst>
               <a:ext uri="{FF2B5EF4-FFF2-40B4-BE49-F238E27FC236}">
-                <a16:creationId xmlns:a16="http://schemas.microsoft.com/office/drawing/2014/main" xmlns="" id="{FC240B70-77D8-4982-8827-EC3A46955482}"/>
+                <a16:creationId xmlns="" xmlns:a16="http://schemas.microsoft.com/office/drawing/2014/main" id="{FC240B70-77D8-4982-8827-EC3A46955482}"/>
               </a:ext>
             </a:extLst>
           </p:cNvPr>
@@ -7825,7 +7827,7 @@
           <p:cNvPr id="3" name="Espace réservé de la date 2">
             <a:extLst>
               <a:ext uri="{FF2B5EF4-FFF2-40B4-BE49-F238E27FC236}">
-                <a16:creationId xmlns:a16="http://schemas.microsoft.com/office/drawing/2014/main" xmlns="" id="{8968BC26-545F-4E49-AC92-3B077D0FCDE5}"/>
+                <a16:creationId xmlns="" xmlns:a16="http://schemas.microsoft.com/office/drawing/2014/main" id="{8968BC26-545F-4E49-AC92-3B077D0FCDE5}"/>
               </a:ext>
             </a:extLst>
           </p:cNvPr>
@@ -7843,7 +7845,7 @@
           <a:p>
             <a:fld id="{01DD11F6-4236-43AF-BDF9-0522C8D9B12E}" type="datetimeFigureOut">
               <a:rPr lang="fr-FR" smtClean="0"/>
-              <a:t>05/12/2017</a:t>
+              <a:t>06/12/2017</a:t>
             </a:fld>
             <a:endParaRPr lang="fr-FR"/>
           </a:p>
@@ -7854,7 +7856,7 @@
           <p:cNvPr id="4" name="Espace réservé du pied de page 3">
             <a:extLst>
               <a:ext uri="{FF2B5EF4-FFF2-40B4-BE49-F238E27FC236}">
-                <a16:creationId xmlns:a16="http://schemas.microsoft.com/office/drawing/2014/main" xmlns="" id="{83D5E57A-3E42-4021-9F17-B1A693C9EEFF}"/>
+                <a16:creationId xmlns="" xmlns:a16="http://schemas.microsoft.com/office/drawing/2014/main" id="{83D5E57A-3E42-4021-9F17-B1A693C9EEFF}"/>
               </a:ext>
             </a:extLst>
           </p:cNvPr>
@@ -7879,7 +7881,7 @@
           <p:cNvPr id="5" name="Espace réservé du numéro de diapositive 4">
             <a:extLst>
               <a:ext uri="{FF2B5EF4-FFF2-40B4-BE49-F238E27FC236}">
-                <a16:creationId xmlns:a16="http://schemas.microsoft.com/office/drawing/2014/main" xmlns="" id="{F389E032-8981-45FA-A937-F3703D5D380F}"/>
+                <a16:creationId xmlns="" xmlns:a16="http://schemas.microsoft.com/office/drawing/2014/main" id="{F389E032-8981-45FA-A937-F3703D5D380F}"/>
               </a:ext>
             </a:extLst>
           </p:cNvPr>
@@ -7938,7 +7940,7 @@
           <p:cNvPr id="2" name="Espace réservé de la date 1">
             <a:extLst>
               <a:ext uri="{FF2B5EF4-FFF2-40B4-BE49-F238E27FC236}">
-                <a16:creationId xmlns:a16="http://schemas.microsoft.com/office/drawing/2014/main" xmlns="" id="{D0EFF0CD-74C9-438A-A4C4-1DD03E9024F3}"/>
+                <a16:creationId xmlns="" xmlns:a16="http://schemas.microsoft.com/office/drawing/2014/main" id="{D0EFF0CD-74C9-438A-A4C4-1DD03E9024F3}"/>
               </a:ext>
             </a:extLst>
           </p:cNvPr>
@@ -7956,7 +7958,7 @@
           <a:p>
             <a:fld id="{01DD11F6-4236-43AF-BDF9-0522C8D9B12E}" type="datetimeFigureOut">
               <a:rPr lang="fr-FR" smtClean="0"/>
-              <a:t>05/12/2017</a:t>
+              <a:t>06/12/2017</a:t>
             </a:fld>
             <a:endParaRPr lang="fr-FR"/>
           </a:p>
@@ -7967,7 +7969,7 @@
           <p:cNvPr id="3" name="Espace réservé du pied de page 2">
             <a:extLst>
               <a:ext uri="{FF2B5EF4-FFF2-40B4-BE49-F238E27FC236}">
-                <a16:creationId xmlns:a16="http://schemas.microsoft.com/office/drawing/2014/main" xmlns="" id="{E9ADAE93-262D-4989-8A3C-A5A39BE4D602}"/>
+                <a16:creationId xmlns="" xmlns:a16="http://schemas.microsoft.com/office/drawing/2014/main" id="{E9ADAE93-262D-4989-8A3C-A5A39BE4D602}"/>
               </a:ext>
             </a:extLst>
           </p:cNvPr>
@@ -7992,7 +7994,7 @@
           <p:cNvPr id="4" name="Espace réservé du numéro de diapositive 3">
             <a:extLst>
               <a:ext uri="{FF2B5EF4-FFF2-40B4-BE49-F238E27FC236}">
-                <a16:creationId xmlns:a16="http://schemas.microsoft.com/office/drawing/2014/main" xmlns="" id="{B8D2D0B4-F4B8-469E-8080-1B7D88152F08}"/>
+                <a16:creationId xmlns="" xmlns:a16="http://schemas.microsoft.com/office/drawing/2014/main" id="{B8D2D0B4-F4B8-469E-8080-1B7D88152F08}"/>
               </a:ext>
             </a:extLst>
           </p:cNvPr>
@@ -8051,7 +8053,7 @@
           <p:cNvPr id="2" name="Titre 1">
             <a:extLst>
               <a:ext uri="{FF2B5EF4-FFF2-40B4-BE49-F238E27FC236}">
-                <a16:creationId xmlns:a16="http://schemas.microsoft.com/office/drawing/2014/main" xmlns="" id="{21B3C0CE-6D31-44E4-934D-167ED06348FA}"/>
+                <a16:creationId xmlns="" xmlns:a16="http://schemas.microsoft.com/office/drawing/2014/main" id="{21B3C0CE-6D31-44E4-934D-167ED06348FA}"/>
               </a:ext>
             </a:extLst>
           </p:cNvPr>
@@ -8088,7 +8090,7 @@
           <p:cNvPr id="3" name="Espace réservé du contenu 2">
             <a:extLst>
               <a:ext uri="{FF2B5EF4-FFF2-40B4-BE49-F238E27FC236}">
-                <a16:creationId xmlns:a16="http://schemas.microsoft.com/office/drawing/2014/main" xmlns="" id="{1D2FAFB0-7466-4BF3-A9C1-669D2F9A50C1}"/>
+                <a16:creationId xmlns="" xmlns:a16="http://schemas.microsoft.com/office/drawing/2014/main" id="{1D2FAFB0-7466-4BF3-A9C1-669D2F9A50C1}"/>
               </a:ext>
             </a:extLst>
           </p:cNvPr>
@@ -8178,7 +8180,7 @@
           <p:cNvPr id="4" name="Espace réservé du texte 3">
             <a:extLst>
               <a:ext uri="{FF2B5EF4-FFF2-40B4-BE49-F238E27FC236}">
-                <a16:creationId xmlns:a16="http://schemas.microsoft.com/office/drawing/2014/main" xmlns="" id="{0DD4A643-0CEC-431F-8A67-BC4D6ED279CA}"/>
+                <a16:creationId xmlns="" xmlns:a16="http://schemas.microsoft.com/office/drawing/2014/main" id="{0DD4A643-0CEC-431F-8A67-BC4D6ED279CA}"/>
               </a:ext>
             </a:extLst>
           </p:cNvPr>
@@ -8249,7 +8251,7 @@
           <p:cNvPr id="5" name="Espace réservé de la date 4">
             <a:extLst>
               <a:ext uri="{FF2B5EF4-FFF2-40B4-BE49-F238E27FC236}">
-                <a16:creationId xmlns:a16="http://schemas.microsoft.com/office/drawing/2014/main" xmlns="" id="{F965463D-7EB2-4EBB-A7BE-43902A57B7D5}"/>
+                <a16:creationId xmlns="" xmlns:a16="http://schemas.microsoft.com/office/drawing/2014/main" id="{F965463D-7EB2-4EBB-A7BE-43902A57B7D5}"/>
               </a:ext>
             </a:extLst>
           </p:cNvPr>
@@ -8267,7 +8269,7 @@
           <a:p>
             <a:fld id="{01DD11F6-4236-43AF-BDF9-0522C8D9B12E}" type="datetimeFigureOut">
               <a:rPr lang="fr-FR" smtClean="0"/>
-              <a:t>05/12/2017</a:t>
+              <a:t>06/12/2017</a:t>
             </a:fld>
             <a:endParaRPr lang="fr-FR"/>
           </a:p>
@@ -8278,7 +8280,7 @@
           <p:cNvPr id="6" name="Espace réservé du pied de page 5">
             <a:extLst>
               <a:ext uri="{FF2B5EF4-FFF2-40B4-BE49-F238E27FC236}">
-                <a16:creationId xmlns:a16="http://schemas.microsoft.com/office/drawing/2014/main" xmlns="" id="{71FA9793-ADA3-4BB9-9F96-4AF49541FEE5}"/>
+                <a16:creationId xmlns="" xmlns:a16="http://schemas.microsoft.com/office/drawing/2014/main" id="{71FA9793-ADA3-4BB9-9F96-4AF49541FEE5}"/>
               </a:ext>
             </a:extLst>
           </p:cNvPr>
@@ -8303,7 +8305,7 @@
           <p:cNvPr id="7" name="Espace réservé du numéro de diapositive 6">
             <a:extLst>
               <a:ext uri="{FF2B5EF4-FFF2-40B4-BE49-F238E27FC236}">
-                <a16:creationId xmlns:a16="http://schemas.microsoft.com/office/drawing/2014/main" xmlns="" id="{47FBAD76-A146-4281-8D70-BBEFC7925CD9}"/>
+                <a16:creationId xmlns="" xmlns:a16="http://schemas.microsoft.com/office/drawing/2014/main" id="{47FBAD76-A146-4281-8D70-BBEFC7925CD9}"/>
               </a:ext>
             </a:extLst>
           </p:cNvPr>
@@ -8362,7 +8364,7 @@
           <p:cNvPr id="2" name="Titre 1">
             <a:extLst>
               <a:ext uri="{FF2B5EF4-FFF2-40B4-BE49-F238E27FC236}">
-                <a16:creationId xmlns:a16="http://schemas.microsoft.com/office/drawing/2014/main" xmlns="" id="{91C5EB34-0CA7-45E5-8BDE-89253BD97D37}"/>
+                <a16:creationId xmlns="" xmlns:a16="http://schemas.microsoft.com/office/drawing/2014/main" id="{91C5EB34-0CA7-45E5-8BDE-89253BD97D37}"/>
               </a:ext>
             </a:extLst>
           </p:cNvPr>
@@ -8399,7 +8401,7 @@
           <p:cNvPr id="3" name="Espace réservé pour une image  2">
             <a:extLst>
               <a:ext uri="{FF2B5EF4-FFF2-40B4-BE49-F238E27FC236}">
-                <a16:creationId xmlns:a16="http://schemas.microsoft.com/office/drawing/2014/main" xmlns="" id="{3E0EE67F-D334-4748-88B3-D8C99B79D9ED}"/>
+                <a16:creationId xmlns="" xmlns:a16="http://schemas.microsoft.com/office/drawing/2014/main" id="{3E0EE67F-D334-4748-88B3-D8C99B79D9ED}"/>
               </a:ext>
             </a:extLst>
           </p:cNvPr>
@@ -8466,7 +8468,7 @@
           <p:cNvPr id="4" name="Espace réservé du texte 3">
             <a:extLst>
               <a:ext uri="{FF2B5EF4-FFF2-40B4-BE49-F238E27FC236}">
-                <a16:creationId xmlns:a16="http://schemas.microsoft.com/office/drawing/2014/main" xmlns="" id="{EFA7740B-138C-4865-B890-815F3AA64C07}"/>
+                <a16:creationId xmlns="" xmlns:a16="http://schemas.microsoft.com/office/drawing/2014/main" id="{EFA7740B-138C-4865-B890-815F3AA64C07}"/>
               </a:ext>
             </a:extLst>
           </p:cNvPr>
@@ -8537,7 +8539,7 @@
           <p:cNvPr id="5" name="Espace réservé de la date 4">
             <a:extLst>
               <a:ext uri="{FF2B5EF4-FFF2-40B4-BE49-F238E27FC236}">
-                <a16:creationId xmlns:a16="http://schemas.microsoft.com/office/drawing/2014/main" xmlns="" id="{A9DC237F-29A3-46BF-A3A2-D1B7E9AC1408}"/>
+                <a16:creationId xmlns="" xmlns:a16="http://schemas.microsoft.com/office/drawing/2014/main" id="{A9DC237F-29A3-46BF-A3A2-D1B7E9AC1408}"/>
               </a:ext>
             </a:extLst>
           </p:cNvPr>
@@ -8555,7 +8557,7 @@
           <a:p>
             <a:fld id="{01DD11F6-4236-43AF-BDF9-0522C8D9B12E}" type="datetimeFigureOut">
               <a:rPr lang="fr-FR" smtClean="0"/>
-              <a:t>05/12/2017</a:t>
+              <a:t>06/12/2017</a:t>
             </a:fld>
             <a:endParaRPr lang="fr-FR"/>
           </a:p>
@@ -8566,7 +8568,7 @@
           <p:cNvPr id="6" name="Espace réservé du pied de page 5">
             <a:extLst>
               <a:ext uri="{FF2B5EF4-FFF2-40B4-BE49-F238E27FC236}">
-                <a16:creationId xmlns:a16="http://schemas.microsoft.com/office/drawing/2014/main" xmlns="" id="{C0687845-A291-4591-8279-7DCBDADD78B1}"/>
+                <a16:creationId xmlns="" xmlns:a16="http://schemas.microsoft.com/office/drawing/2014/main" id="{C0687845-A291-4591-8279-7DCBDADD78B1}"/>
               </a:ext>
             </a:extLst>
           </p:cNvPr>
@@ -8591,7 +8593,7 @@
           <p:cNvPr id="7" name="Espace réservé du numéro de diapositive 6">
             <a:extLst>
               <a:ext uri="{FF2B5EF4-FFF2-40B4-BE49-F238E27FC236}">
-                <a16:creationId xmlns:a16="http://schemas.microsoft.com/office/drawing/2014/main" xmlns="" id="{AFC8D309-B913-401C-A4A7-927702B6BA20}"/>
+                <a16:creationId xmlns="" xmlns:a16="http://schemas.microsoft.com/office/drawing/2014/main" id="{AFC8D309-B913-401C-A4A7-927702B6BA20}"/>
               </a:ext>
             </a:extLst>
           </p:cNvPr>
@@ -8650,7 +8652,7 @@
           <p:cNvPr id="2" name="Titre 1">
             <a:extLst>
               <a:ext uri="{FF2B5EF4-FFF2-40B4-BE49-F238E27FC236}">
-                <a16:creationId xmlns:a16="http://schemas.microsoft.com/office/drawing/2014/main" xmlns="" id="{93457BE9-B02C-4409-B2BB-49500FD7D866}"/>
+                <a16:creationId xmlns="" xmlns:a16="http://schemas.microsoft.com/office/drawing/2014/main" id="{93457BE9-B02C-4409-B2BB-49500FD7D866}"/>
               </a:ext>
             </a:extLst>
           </p:cNvPr>
@@ -8678,7 +8680,7 @@
           <p:cNvPr id="3" name="Espace réservé du texte vertical 2">
             <a:extLst>
               <a:ext uri="{FF2B5EF4-FFF2-40B4-BE49-F238E27FC236}">
-                <a16:creationId xmlns:a16="http://schemas.microsoft.com/office/drawing/2014/main" xmlns="" id="{BA5B89A4-5C2F-4A5D-97D0-7224D919BD16}"/>
+                <a16:creationId xmlns="" xmlns:a16="http://schemas.microsoft.com/office/drawing/2014/main" id="{BA5B89A4-5C2F-4A5D-97D0-7224D919BD16}"/>
               </a:ext>
             </a:extLst>
           </p:cNvPr>
@@ -8735,7 +8737,7 @@
           <p:cNvPr id="4" name="Espace réservé de la date 3">
             <a:extLst>
               <a:ext uri="{FF2B5EF4-FFF2-40B4-BE49-F238E27FC236}">
-                <a16:creationId xmlns:a16="http://schemas.microsoft.com/office/drawing/2014/main" xmlns="" id="{6F667A99-A8D5-4662-9197-F3181006311F}"/>
+                <a16:creationId xmlns="" xmlns:a16="http://schemas.microsoft.com/office/drawing/2014/main" id="{6F667A99-A8D5-4662-9197-F3181006311F}"/>
               </a:ext>
             </a:extLst>
           </p:cNvPr>
@@ -8753,7 +8755,7 @@
           <a:p>
             <a:fld id="{01DD11F6-4236-43AF-BDF9-0522C8D9B12E}" type="datetimeFigureOut">
               <a:rPr lang="fr-FR" smtClean="0"/>
-              <a:t>05/12/2017</a:t>
+              <a:t>06/12/2017</a:t>
             </a:fld>
             <a:endParaRPr lang="fr-FR"/>
           </a:p>
@@ -8764,7 +8766,7 @@
           <p:cNvPr id="5" name="Espace réservé du pied de page 4">
             <a:extLst>
               <a:ext uri="{FF2B5EF4-FFF2-40B4-BE49-F238E27FC236}">
-                <a16:creationId xmlns:a16="http://schemas.microsoft.com/office/drawing/2014/main" xmlns="" id="{F5EA9A03-D359-4403-A003-51E15A4DD1AD}"/>
+                <a16:creationId xmlns="" xmlns:a16="http://schemas.microsoft.com/office/drawing/2014/main" id="{F5EA9A03-D359-4403-A003-51E15A4DD1AD}"/>
               </a:ext>
             </a:extLst>
           </p:cNvPr>
@@ -8789,7 +8791,7 @@
           <p:cNvPr id="6" name="Espace réservé du numéro de diapositive 5">
             <a:extLst>
               <a:ext uri="{FF2B5EF4-FFF2-40B4-BE49-F238E27FC236}">
-                <a16:creationId xmlns:a16="http://schemas.microsoft.com/office/drawing/2014/main" xmlns="" id="{035A4F48-A493-4E65-9258-02EE6868746B}"/>
+                <a16:creationId xmlns="" xmlns:a16="http://schemas.microsoft.com/office/drawing/2014/main" id="{035A4F48-A493-4E65-9258-02EE6868746B}"/>
               </a:ext>
             </a:extLst>
           </p:cNvPr>
@@ -8848,7 +8850,7 @@
           <p:cNvPr id="2" name="Titre vertical 1">
             <a:extLst>
               <a:ext uri="{FF2B5EF4-FFF2-40B4-BE49-F238E27FC236}">
-                <a16:creationId xmlns:a16="http://schemas.microsoft.com/office/drawing/2014/main" xmlns="" id="{ED4ECE1B-93D1-4B6F-8586-15F8400E5392}"/>
+                <a16:creationId xmlns="" xmlns:a16="http://schemas.microsoft.com/office/drawing/2014/main" id="{ED4ECE1B-93D1-4B6F-8586-15F8400E5392}"/>
               </a:ext>
             </a:extLst>
           </p:cNvPr>
@@ -8881,7 +8883,7 @@
           <p:cNvPr id="3" name="Espace réservé du texte vertical 2">
             <a:extLst>
               <a:ext uri="{FF2B5EF4-FFF2-40B4-BE49-F238E27FC236}">
-                <a16:creationId xmlns:a16="http://schemas.microsoft.com/office/drawing/2014/main" xmlns="" id="{8C2BEFD5-FF10-4BF1-AD3E-86CA5D47B121}"/>
+                <a16:creationId xmlns="" xmlns:a16="http://schemas.microsoft.com/office/drawing/2014/main" id="{8C2BEFD5-FF10-4BF1-AD3E-86CA5D47B121}"/>
               </a:ext>
             </a:extLst>
           </p:cNvPr>
@@ -8943,7 +8945,7 @@
           <p:cNvPr id="4" name="Espace réservé de la date 3">
             <a:extLst>
               <a:ext uri="{FF2B5EF4-FFF2-40B4-BE49-F238E27FC236}">
-                <a16:creationId xmlns:a16="http://schemas.microsoft.com/office/drawing/2014/main" xmlns="" id="{833D104B-BE07-48C4-81D5-26B246B77ADD}"/>
+                <a16:creationId xmlns="" xmlns:a16="http://schemas.microsoft.com/office/drawing/2014/main" id="{833D104B-BE07-48C4-81D5-26B246B77ADD}"/>
               </a:ext>
             </a:extLst>
           </p:cNvPr>
@@ -8961,7 +8963,7 @@
           <a:p>
             <a:fld id="{01DD11F6-4236-43AF-BDF9-0522C8D9B12E}" type="datetimeFigureOut">
               <a:rPr lang="fr-FR" smtClean="0"/>
-              <a:t>05/12/2017</a:t>
+              <a:t>06/12/2017</a:t>
             </a:fld>
             <a:endParaRPr lang="fr-FR"/>
           </a:p>
@@ -8972,7 +8974,7 @@
           <p:cNvPr id="5" name="Espace réservé du pied de page 4">
             <a:extLst>
               <a:ext uri="{FF2B5EF4-FFF2-40B4-BE49-F238E27FC236}">
-                <a16:creationId xmlns:a16="http://schemas.microsoft.com/office/drawing/2014/main" xmlns="" id="{F23E2E6D-73A5-48CD-BF20-5270066A6BD8}"/>
+                <a16:creationId xmlns="" xmlns:a16="http://schemas.microsoft.com/office/drawing/2014/main" id="{F23E2E6D-73A5-48CD-BF20-5270066A6BD8}"/>
               </a:ext>
             </a:extLst>
           </p:cNvPr>
@@ -8997,7 +8999,7 @@
           <p:cNvPr id="6" name="Espace réservé du numéro de diapositive 5">
             <a:extLst>
               <a:ext uri="{FF2B5EF4-FFF2-40B4-BE49-F238E27FC236}">
-                <a16:creationId xmlns:a16="http://schemas.microsoft.com/office/drawing/2014/main" xmlns="" id="{793F5E30-BF6E-4F21-8BAB-42AA12FC1530}"/>
+                <a16:creationId xmlns="" xmlns:a16="http://schemas.microsoft.com/office/drawing/2014/main" id="{793F5E30-BF6E-4F21-8BAB-42AA12FC1530}"/>
               </a:ext>
             </a:extLst>
           </p:cNvPr>
@@ -9265,7 +9267,7 @@
           <a:p>
             <a:fld id="{405F919B-7BE3-4A09-B5A6-9E8832641FD7}" type="datetimeFigureOut">
               <a:rPr lang="fr-FR" smtClean="0"/>
-              <a:t>05/12/2017</a:t>
+              <a:t>06/12/2017</a:t>
             </a:fld>
             <a:endParaRPr lang="fr-FR"/>
           </a:p>
@@ -9348,7 +9350,7 @@
           <p:cNvPr id="2" name="Titre 1">
             <a:extLst>
               <a:ext uri="{FF2B5EF4-FFF2-40B4-BE49-F238E27FC236}">
-                <a16:creationId xmlns:a16="http://schemas.microsoft.com/office/drawing/2014/main" xmlns="" id="{5226B72A-D265-47E2-836E-6347D55AA515}"/>
+                <a16:creationId xmlns="" xmlns:a16="http://schemas.microsoft.com/office/drawing/2014/main" id="{5226B72A-D265-47E2-836E-6347D55AA515}"/>
               </a:ext>
             </a:extLst>
           </p:cNvPr>
@@ -9385,7 +9387,7 @@
           <p:cNvPr id="3" name="Sous-titre 2">
             <a:extLst>
               <a:ext uri="{FF2B5EF4-FFF2-40B4-BE49-F238E27FC236}">
-                <a16:creationId xmlns:a16="http://schemas.microsoft.com/office/drawing/2014/main" xmlns="" id="{9EA6EFD5-3435-4B8B-A922-AD18A445B292}"/>
+                <a16:creationId xmlns="" xmlns:a16="http://schemas.microsoft.com/office/drawing/2014/main" id="{9EA6EFD5-3435-4B8B-A922-AD18A445B292}"/>
               </a:ext>
             </a:extLst>
           </p:cNvPr>
@@ -9455,7 +9457,7 @@
           <p:cNvPr id="4" name="Espace réservé de la date 3">
             <a:extLst>
               <a:ext uri="{FF2B5EF4-FFF2-40B4-BE49-F238E27FC236}">
-                <a16:creationId xmlns:a16="http://schemas.microsoft.com/office/drawing/2014/main" xmlns="" id="{9500DC13-DC07-4323-B13C-86525EBA0F30}"/>
+                <a16:creationId xmlns="" xmlns:a16="http://schemas.microsoft.com/office/drawing/2014/main" id="{9500DC13-DC07-4323-B13C-86525EBA0F30}"/>
               </a:ext>
             </a:extLst>
           </p:cNvPr>
@@ -9473,7 +9475,7 @@
           <a:p>
             <a:fld id="{07E34619-D1A7-43AC-A9D5-89689119B714}" type="datetimeFigureOut">
               <a:rPr lang="fr-FR" smtClean="0"/>
-              <a:t>05/12/2017</a:t>
+              <a:t>06/12/2017</a:t>
             </a:fld>
             <a:endParaRPr lang="fr-FR"/>
           </a:p>
@@ -9484,7 +9486,7 @@
           <p:cNvPr id="5" name="Espace réservé du pied de page 4">
             <a:extLst>
               <a:ext uri="{FF2B5EF4-FFF2-40B4-BE49-F238E27FC236}">
-                <a16:creationId xmlns:a16="http://schemas.microsoft.com/office/drawing/2014/main" xmlns="" id="{747EC664-594B-45A3-BE1F-4ACB9DB26B41}"/>
+                <a16:creationId xmlns="" xmlns:a16="http://schemas.microsoft.com/office/drawing/2014/main" id="{747EC664-594B-45A3-BE1F-4ACB9DB26B41}"/>
               </a:ext>
             </a:extLst>
           </p:cNvPr>
@@ -9509,7 +9511,7 @@
           <p:cNvPr id="6" name="Espace réservé du numéro de diapositive 5">
             <a:extLst>
               <a:ext uri="{FF2B5EF4-FFF2-40B4-BE49-F238E27FC236}">
-                <a16:creationId xmlns:a16="http://schemas.microsoft.com/office/drawing/2014/main" xmlns="" id="{EF61C11D-D1A8-45DB-AB63-3FBD9A0829EC}"/>
+                <a16:creationId xmlns="" xmlns:a16="http://schemas.microsoft.com/office/drawing/2014/main" id="{EF61C11D-D1A8-45DB-AB63-3FBD9A0829EC}"/>
               </a:ext>
             </a:extLst>
           </p:cNvPr>
@@ -9568,7 +9570,7 @@
           <p:cNvPr id="2" name="Titre 1">
             <a:extLst>
               <a:ext uri="{FF2B5EF4-FFF2-40B4-BE49-F238E27FC236}">
-                <a16:creationId xmlns:a16="http://schemas.microsoft.com/office/drawing/2014/main" xmlns="" id="{3D9270AB-7C9E-4C1B-B093-478EC1902958}"/>
+                <a16:creationId xmlns="" xmlns:a16="http://schemas.microsoft.com/office/drawing/2014/main" id="{3D9270AB-7C9E-4C1B-B093-478EC1902958}"/>
               </a:ext>
             </a:extLst>
           </p:cNvPr>
@@ -9596,7 +9598,7 @@
           <p:cNvPr id="3" name="Espace réservé du contenu 2">
             <a:extLst>
               <a:ext uri="{FF2B5EF4-FFF2-40B4-BE49-F238E27FC236}">
-                <a16:creationId xmlns:a16="http://schemas.microsoft.com/office/drawing/2014/main" xmlns="" id="{A3C59913-D429-48EA-A855-756C0832AE0A}"/>
+                <a16:creationId xmlns="" xmlns:a16="http://schemas.microsoft.com/office/drawing/2014/main" id="{A3C59913-D429-48EA-A855-756C0832AE0A}"/>
               </a:ext>
             </a:extLst>
           </p:cNvPr>
@@ -9653,7 +9655,7 @@
           <p:cNvPr id="4" name="Espace réservé de la date 3">
             <a:extLst>
               <a:ext uri="{FF2B5EF4-FFF2-40B4-BE49-F238E27FC236}">
-                <a16:creationId xmlns:a16="http://schemas.microsoft.com/office/drawing/2014/main" xmlns="" id="{97916DC2-94C3-4BA6-8619-27B12C7402A5}"/>
+                <a16:creationId xmlns="" xmlns:a16="http://schemas.microsoft.com/office/drawing/2014/main" id="{97916DC2-94C3-4BA6-8619-27B12C7402A5}"/>
               </a:ext>
             </a:extLst>
           </p:cNvPr>
@@ -9671,7 +9673,7 @@
           <a:p>
             <a:fld id="{07E34619-D1A7-43AC-A9D5-89689119B714}" type="datetimeFigureOut">
               <a:rPr lang="fr-FR" smtClean="0"/>
-              <a:t>05/12/2017</a:t>
+              <a:t>06/12/2017</a:t>
             </a:fld>
             <a:endParaRPr lang="fr-FR"/>
           </a:p>
@@ -9682,7 +9684,7 @@
           <p:cNvPr id="5" name="Espace réservé du pied de page 4">
             <a:extLst>
               <a:ext uri="{FF2B5EF4-FFF2-40B4-BE49-F238E27FC236}">
-                <a16:creationId xmlns:a16="http://schemas.microsoft.com/office/drawing/2014/main" xmlns="" id="{DB00999C-8BC8-4183-A774-5A846784CDA4}"/>
+                <a16:creationId xmlns="" xmlns:a16="http://schemas.microsoft.com/office/drawing/2014/main" id="{DB00999C-8BC8-4183-A774-5A846784CDA4}"/>
               </a:ext>
             </a:extLst>
           </p:cNvPr>
@@ -9707,7 +9709,7 @@
           <p:cNvPr id="6" name="Espace réservé du numéro de diapositive 5">
             <a:extLst>
               <a:ext uri="{FF2B5EF4-FFF2-40B4-BE49-F238E27FC236}">
-                <a16:creationId xmlns:a16="http://schemas.microsoft.com/office/drawing/2014/main" xmlns="" id="{7645FE70-B728-4BB5-96C3-8DF13125C04E}"/>
+                <a16:creationId xmlns="" xmlns:a16="http://schemas.microsoft.com/office/drawing/2014/main" id="{7645FE70-B728-4BB5-96C3-8DF13125C04E}"/>
               </a:ext>
             </a:extLst>
           </p:cNvPr>
@@ -9766,7 +9768,7 @@
           <p:cNvPr id="2" name="Titre 1">
             <a:extLst>
               <a:ext uri="{FF2B5EF4-FFF2-40B4-BE49-F238E27FC236}">
-                <a16:creationId xmlns:a16="http://schemas.microsoft.com/office/drawing/2014/main" xmlns="" id="{FF0D1E6B-2E04-4289-902B-07105222EA09}"/>
+                <a16:creationId xmlns="" xmlns:a16="http://schemas.microsoft.com/office/drawing/2014/main" id="{FF0D1E6B-2E04-4289-902B-07105222EA09}"/>
               </a:ext>
             </a:extLst>
           </p:cNvPr>
@@ -9803,7 +9805,7 @@
           <p:cNvPr id="3" name="Espace réservé du texte 2">
             <a:extLst>
               <a:ext uri="{FF2B5EF4-FFF2-40B4-BE49-F238E27FC236}">
-                <a16:creationId xmlns:a16="http://schemas.microsoft.com/office/drawing/2014/main" xmlns="" id="{478E4926-243A-48A6-8614-9B700908FA70}"/>
+                <a16:creationId xmlns="" xmlns:a16="http://schemas.microsoft.com/office/drawing/2014/main" id="{478E4926-243A-48A6-8614-9B700908FA70}"/>
               </a:ext>
             </a:extLst>
           </p:cNvPr>
@@ -9928,7 +9930,7 @@
           <p:cNvPr id="4" name="Espace réservé de la date 3">
             <a:extLst>
               <a:ext uri="{FF2B5EF4-FFF2-40B4-BE49-F238E27FC236}">
-                <a16:creationId xmlns:a16="http://schemas.microsoft.com/office/drawing/2014/main" xmlns="" id="{3F3AC763-BBC9-494F-B295-30CD22B9BBDC}"/>
+                <a16:creationId xmlns="" xmlns:a16="http://schemas.microsoft.com/office/drawing/2014/main" id="{3F3AC763-BBC9-494F-B295-30CD22B9BBDC}"/>
               </a:ext>
             </a:extLst>
           </p:cNvPr>
@@ -9946,7 +9948,7 @@
           <a:p>
             <a:fld id="{07E34619-D1A7-43AC-A9D5-89689119B714}" type="datetimeFigureOut">
               <a:rPr lang="fr-FR" smtClean="0"/>
-              <a:t>05/12/2017</a:t>
+              <a:t>06/12/2017</a:t>
             </a:fld>
             <a:endParaRPr lang="fr-FR"/>
           </a:p>
@@ -9957,7 +9959,7 @@
           <p:cNvPr id="5" name="Espace réservé du pied de page 4">
             <a:extLst>
               <a:ext uri="{FF2B5EF4-FFF2-40B4-BE49-F238E27FC236}">
-                <a16:creationId xmlns:a16="http://schemas.microsoft.com/office/drawing/2014/main" xmlns="" id="{5B752E23-E4C9-46A7-BE36-F76AC963B037}"/>
+                <a16:creationId xmlns="" xmlns:a16="http://schemas.microsoft.com/office/drawing/2014/main" id="{5B752E23-E4C9-46A7-BE36-F76AC963B037}"/>
               </a:ext>
             </a:extLst>
           </p:cNvPr>
@@ -9982,7 +9984,7 @@
           <p:cNvPr id="6" name="Espace réservé du numéro de diapositive 5">
             <a:extLst>
               <a:ext uri="{FF2B5EF4-FFF2-40B4-BE49-F238E27FC236}">
-                <a16:creationId xmlns:a16="http://schemas.microsoft.com/office/drawing/2014/main" xmlns="" id="{83BE34A6-49C6-4EBD-A270-95E19EEF2BB1}"/>
+                <a16:creationId xmlns="" xmlns:a16="http://schemas.microsoft.com/office/drawing/2014/main" id="{83BE34A6-49C6-4EBD-A270-95E19EEF2BB1}"/>
               </a:ext>
             </a:extLst>
           </p:cNvPr>
@@ -10041,7 +10043,7 @@
           <p:cNvPr id="2" name="Titre 1">
             <a:extLst>
               <a:ext uri="{FF2B5EF4-FFF2-40B4-BE49-F238E27FC236}">
-                <a16:creationId xmlns:a16="http://schemas.microsoft.com/office/drawing/2014/main" xmlns="" id="{D465907A-FF79-464B-9779-1D76FE1D9F07}"/>
+                <a16:creationId xmlns="" xmlns:a16="http://schemas.microsoft.com/office/drawing/2014/main" id="{D465907A-FF79-464B-9779-1D76FE1D9F07}"/>
               </a:ext>
             </a:extLst>
           </p:cNvPr>
@@ -10069,7 +10071,7 @@
           <p:cNvPr id="3" name="Espace réservé du contenu 2">
             <a:extLst>
               <a:ext uri="{FF2B5EF4-FFF2-40B4-BE49-F238E27FC236}">
-                <a16:creationId xmlns:a16="http://schemas.microsoft.com/office/drawing/2014/main" xmlns="" id="{FAB00752-D955-4194-8365-BD6B4CAA266F}"/>
+                <a16:creationId xmlns="" xmlns:a16="http://schemas.microsoft.com/office/drawing/2014/main" id="{FAB00752-D955-4194-8365-BD6B4CAA266F}"/>
               </a:ext>
             </a:extLst>
           </p:cNvPr>
@@ -10131,7 +10133,7 @@
           <p:cNvPr id="4" name="Espace réservé du contenu 3">
             <a:extLst>
               <a:ext uri="{FF2B5EF4-FFF2-40B4-BE49-F238E27FC236}">
-                <a16:creationId xmlns:a16="http://schemas.microsoft.com/office/drawing/2014/main" xmlns="" id="{E59EB79C-85C9-4D09-98E5-A5165B3F93E8}"/>
+                <a16:creationId xmlns="" xmlns:a16="http://schemas.microsoft.com/office/drawing/2014/main" id="{E59EB79C-85C9-4D09-98E5-A5165B3F93E8}"/>
               </a:ext>
             </a:extLst>
           </p:cNvPr>
@@ -10193,7 +10195,7 @@
           <p:cNvPr id="5" name="Espace réservé de la date 4">
             <a:extLst>
               <a:ext uri="{FF2B5EF4-FFF2-40B4-BE49-F238E27FC236}">
-                <a16:creationId xmlns:a16="http://schemas.microsoft.com/office/drawing/2014/main" xmlns="" id="{AEC920E8-26D2-4C5F-AB20-0CA3A89ACBCD}"/>
+                <a16:creationId xmlns="" xmlns:a16="http://schemas.microsoft.com/office/drawing/2014/main" id="{AEC920E8-26D2-4C5F-AB20-0CA3A89ACBCD}"/>
               </a:ext>
             </a:extLst>
           </p:cNvPr>
@@ -10211,7 +10213,7 @@
           <a:p>
             <a:fld id="{07E34619-D1A7-43AC-A9D5-89689119B714}" type="datetimeFigureOut">
               <a:rPr lang="fr-FR" smtClean="0"/>
-              <a:t>05/12/2017</a:t>
+              <a:t>06/12/2017</a:t>
             </a:fld>
             <a:endParaRPr lang="fr-FR"/>
           </a:p>
@@ -10222,7 +10224,7 @@
           <p:cNvPr id="6" name="Espace réservé du pied de page 5">
             <a:extLst>
               <a:ext uri="{FF2B5EF4-FFF2-40B4-BE49-F238E27FC236}">
-                <a16:creationId xmlns:a16="http://schemas.microsoft.com/office/drawing/2014/main" xmlns="" id="{F8ECC64C-B544-4489-AB7B-9E9A2F3E33DC}"/>
+                <a16:creationId xmlns="" xmlns:a16="http://schemas.microsoft.com/office/drawing/2014/main" id="{F8ECC64C-B544-4489-AB7B-9E9A2F3E33DC}"/>
               </a:ext>
             </a:extLst>
           </p:cNvPr>
@@ -10247,7 +10249,7 @@
           <p:cNvPr id="7" name="Espace réservé du numéro de diapositive 6">
             <a:extLst>
               <a:ext uri="{FF2B5EF4-FFF2-40B4-BE49-F238E27FC236}">
-                <a16:creationId xmlns:a16="http://schemas.microsoft.com/office/drawing/2014/main" xmlns="" id="{1A8FB62B-0FC0-42E6-AF5F-89B92C085C13}"/>
+                <a16:creationId xmlns="" xmlns:a16="http://schemas.microsoft.com/office/drawing/2014/main" id="{1A8FB62B-0FC0-42E6-AF5F-89B92C085C13}"/>
               </a:ext>
             </a:extLst>
           </p:cNvPr>
@@ -10306,7 +10308,7 @@
           <p:cNvPr id="2" name="Titre 1">
             <a:extLst>
               <a:ext uri="{FF2B5EF4-FFF2-40B4-BE49-F238E27FC236}">
-                <a16:creationId xmlns:a16="http://schemas.microsoft.com/office/drawing/2014/main" xmlns="" id="{357B92CC-1D22-468C-B55A-024756C3957A}"/>
+                <a16:creationId xmlns="" xmlns:a16="http://schemas.microsoft.com/office/drawing/2014/main" id="{357B92CC-1D22-468C-B55A-024756C3957A}"/>
               </a:ext>
             </a:extLst>
           </p:cNvPr>
@@ -10339,7 +10341,7 @@
           <p:cNvPr id="3" name="Espace réservé du texte 2">
             <a:extLst>
               <a:ext uri="{FF2B5EF4-FFF2-40B4-BE49-F238E27FC236}">
-                <a16:creationId xmlns:a16="http://schemas.microsoft.com/office/drawing/2014/main" xmlns="" id="{D4849EED-8837-48AD-955C-5F5AA90681ED}"/>
+                <a16:creationId xmlns="" xmlns:a16="http://schemas.microsoft.com/office/drawing/2014/main" id="{D4849EED-8837-48AD-955C-5F5AA90681ED}"/>
               </a:ext>
             </a:extLst>
           </p:cNvPr>
@@ -10410,7 +10412,7 @@
           <p:cNvPr id="4" name="Espace réservé du contenu 3">
             <a:extLst>
               <a:ext uri="{FF2B5EF4-FFF2-40B4-BE49-F238E27FC236}">
-                <a16:creationId xmlns:a16="http://schemas.microsoft.com/office/drawing/2014/main" xmlns="" id="{FAAC05FE-DD54-47DD-987C-613448028C1C}"/>
+                <a16:creationId xmlns="" xmlns:a16="http://schemas.microsoft.com/office/drawing/2014/main" id="{FAAC05FE-DD54-47DD-987C-613448028C1C}"/>
               </a:ext>
             </a:extLst>
           </p:cNvPr>
@@ -10472,7 +10474,7 @@
           <p:cNvPr id="5" name="Espace réservé du texte 4">
             <a:extLst>
               <a:ext uri="{FF2B5EF4-FFF2-40B4-BE49-F238E27FC236}">
-                <a16:creationId xmlns:a16="http://schemas.microsoft.com/office/drawing/2014/main" xmlns="" id="{4DC25AC3-90B0-42A5-8CB9-A09E4BA0C232}"/>
+                <a16:creationId xmlns="" xmlns:a16="http://schemas.microsoft.com/office/drawing/2014/main" id="{4DC25AC3-90B0-42A5-8CB9-A09E4BA0C232}"/>
               </a:ext>
             </a:extLst>
           </p:cNvPr>
@@ -10543,7 +10545,7 @@
           <p:cNvPr id="6" name="Espace réservé du contenu 5">
             <a:extLst>
               <a:ext uri="{FF2B5EF4-FFF2-40B4-BE49-F238E27FC236}">
-                <a16:creationId xmlns:a16="http://schemas.microsoft.com/office/drawing/2014/main" xmlns="" id="{511711FF-89F2-4290-B671-B3E568CB81B7}"/>
+                <a16:creationId xmlns="" xmlns:a16="http://schemas.microsoft.com/office/drawing/2014/main" id="{511711FF-89F2-4290-B671-B3E568CB81B7}"/>
               </a:ext>
             </a:extLst>
           </p:cNvPr>
@@ -10605,7 +10607,7 @@
           <p:cNvPr id="7" name="Espace réservé de la date 6">
             <a:extLst>
               <a:ext uri="{FF2B5EF4-FFF2-40B4-BE49-F238E27FC236}">
-                <a16:creationId xmlns:a16="http://schemas.microsoft.com/office/drawing/2014/main" xmlns="" id="{ABFF278D-23FD-410A-BB66-F4FEDD88B444}"/>
+                <a16:creationId xmlns="" xmlns:a16="http://schemas.microsoft.com/office/drawing/2014/main" id="{ABFF278D-23FD-410A-BB66-F4FEDD88B444}"/>
               </a:ext>
             </a:extLst>
           </p:cNvPr>
@@ -10623,7 +10625,7 @@
           <a:p>
             <a:fld id="{07E34619-D1A7-43AC-A9D5-89689119B714}" type="datetimeFigureOut">
               <a:rPr lang="fr-FR" smtClean="0"/>
-              <a:t>05/12/2017</a:t>
+              <a:t>06/12/2017</a:t>
             </a:fld>
             <a:endParaRPr lang="fr-FR"/>
           </a:p>
@@ -10634,7 +10636,7 @@
           <p:cNvPr id="8" name="Espace réservé du pied de page 7">
             <a:extLst>
               <a:ext uri="{FF2B5EF4-FFF2-40B4-BE49-F238E27FC236}">
-                <a16:creationId xmlns:a16="http://schemas.microsoft.com/office/drawing/2014/main" xmlns="" id="{DF34D466-232E-4D56-8091-6E88697A33FD}"/>
+                <a16:creationId xmlns="" xmlns:a16="http://schemas.microsoft.com/office/drawing/2014/main" id="{DF34D466-232E-4D56-8091-6E88697A33FD}"/>
               </a:ext>
             </a:extLst>
           </p:cNvPr>
@@ -10659,7 +10661,7 @@
           <p:cNvPr id="9" name="Espace réservé du numéro de diapositive 8">
             <a:extLst>
               <a:ext uri="{FF2B5EF4-FFF2-40B4-BE49-F238E27FC236}">
-                <a16:creationId xmlns:a16="http://schemas.microsoft.com/office/drawing/2014/main" xmlns="" id="{790CB276-9DB0-485E-8CAC-19D99631F6AA}"/>
+                <a16:creationId xmlns="" xmlns:a16="http://schemas.microsoft.com/office/drawing/2014/main" id="{790CB276-9DB0-485E-8CAC-19D99631F6AA}"/>
               </a:ext>
             </a:extLst>
           </p:cNvPr>
@@ -10718,7 +10720,7 @@
           <p:cNvPr id="2" name="Titre 1">
             <a:extLst>
               <a:ext uri="{FF2B5EF4-FFF2-40B4-BE49-F238E27FC236}">
-                <a16:creationId xmlns:a16="http://schemas.microsoft.com/office/drawing/2014/main" xmlns="" id="{6CE3256B-CB40-44DB-8A86-E418AB0B0693}"/>
+                <a16:creationId xmlns="" xmlns:a16="http://schemas.microsoft.com/office/drawing/2014/main" id="{6CE3256B-CB40-44DB-8A86-E418AB0B0693}"/>
               </a:ext>
             </a:extLst>
           </p:cNvPr>
@@ -10746,7 +10748,7 @@
           <p:cNvPr id="3" name="Espace réservé de la date 2">
             <a:extLst>
               <a:ext uri="{FF2B5EF4-FFF2-40B4-BE49-F238E27FC236}">
-                <a16:creationId xmlns:a16="http://schemas.microsoft.com/office/drawing/2014/main" xmlns="" id="{D3D8CDEB-2C44-4B7B-A5E6-FE4DDC3FB051}"/>
+                <a16:creationId xmlns="" xmlns:a16="http://schemas.microsoft.com/office/drawing/2014/main" id="{D3D8CDEB-2C44-4B7B-A5E6-FE4DDC3FB051}"/>
               </a:ext>
             </a:extLst>
           </p:cNvPr>
@@ -10764,7 +10766,7 @@
           <a:p>
             <a:fld id="{07E34619-D1A7-43AC-A9D5-89689119B714}" type="datetimeFigureOut">
               <a:rPr lang="fr-FR" smtClean="0"/>
-              <a:t>05/12/2017</a:t>
+              <a:t>06/12/2017</a:t>
             </a:fld>
             <a:endParaRPr lang="fr-FR"/>
           </a:p>
@@ -10775,7 +10777,7 @@
           <p:cNvPr id="4" name="Espace réservé du pied de page 3">
             <a:extLst>
               <a:ext uri="{FF2B5EF4-FFF2-40B4-BE49-F238E27FC236}">
-                <a16:creationId xmlns:a16="http://schemas.microsoft.com/office/drawing/2014/main" xmlns="" id="{3485BFC1-C076-4CB8-B9A5-EC162428B0A9}"/>
+                <a16:creationId xmlns="" xmlns:a16="http://schemas.microsoft.com/office/drawing/2014/main" id="{3485BFC1-C076-4CB8-B9A5-EC162428B0A9}"/>
               </a:ext>
             </a:extLst>
           </p:cNvPr>
@@ -10800,7 +10802,7 @@
           <p:cNvPr id="5" name="Espace réservé du numéro de diapositive 4">
             <a:extLst>
               <a:ext uri="{FF2B5EF4-FFF2-40B4-BE49-F238E27FC236}">
-                <a16:creationId xmlns:a16="http://schemas.microsoft.com/office/drawing/2014/main" xmlns="" id="{97C6BF38-811D-4764-9933-80569745D6A5}"/>
+                <a16:creationId xmlns="" xmlns:a16="http://schemas.microsoft.com/office/drawing/2014/main" id="{97C6BF38-811D-4764-9933-80569745D6A5}"/>
               </a:ext>
             </a:extLst>
           </p:cNvPr>
@@ -10859,7 +10861,7 @@
           <p:cNvPr id="2" name="Espace réservé de la date 1">
             <a:extLst>
               <a:ext uri="{FF2B5EF4-FFF2-40B4-BE49-F238E27FC236}">
-                <a16:creationId xmlns:a16="http://schemas.microsoft.com/office/drawing/2014/main" xmlns="" id="{427ACA64-6D29-4CBA-A857-DA9080997A7D}"/>
+                <a16:creationId xmlns="" xmlns:a16="http://schemas.microsoft.com/office/drawing/2014/main" id="{427ACA64-6D29-4CBA-A857-DA9080997A7D}"/>
               </a:ext>
             </a:extLst>
           </p:cNvPr>
@@ -10877,7 +10879,7 @@
           <a:p>
             <a:fld id="{07E34619-D1A7-43AC-A9D5-89689119B714}" type="datetimeFigureOut">
               <a:rPr lang="fr-FR" smtClean="0"/>
-              <a:t>05/12/2017</a:t>
+              <a:t>06/12/2017</a:t>
             </a:fld>
             <a:endParaRPr lang="fr-FR"/>
           </a:p>
@@ -10888,7 +10890,7 @@
           <p:cNvPr id="3" name="Espace réservé du pied de page 2">
             <a:extLst>
               <a:ext uri="{FF2B5EF4-FFF2-40B4-BE49-F238E27FC236}">
-                <a16:creationId xmlns:a16="http://schemas.microsoft.com/office/drawing/2014/main" xmlns="" id="{797159B9-EB2C-4B97-BC89-DDB907FA3A91}"/>
+                <a16:creationId xmlns="" xmlns:a16="http://schemas.microsoft.com/office/drawing/2014/main" id="{797159B9-EB2C-4B97-BC89-DDB907FA3A91}"/>
               </a:ext>
             </a:extLst>
           </p:cNvPr>
@@ -10913,7 +10915,7 @@
           <p:cNvPr id="4" name="Espace réservé du numéro de diapositive 3">
             <a:extLst>
               <a:ext uri="{FF2B5EF4-FFF2-40B4-BE49-F238E27FC236}">
-                <a16:creationId xmlns:a16="http://schemas.microsoft.com/office/drawing/2014/main" xmlns="" id="{9124F486-0CF1-4E08-B76E-56AD8BB5D2BE}"/>
+                <a16:creationId xmlns="" xmlns:a16="http://schemas.microsoft.com/office/drawing/2014/main" id="{9124F486-0CF1-4E08-B76E-56AD8BB5D2BE}"/>
               </a:ext>
             </a:extLst>
           </p:cNvPr>
@@ -10972,7 +10974,7 @@
           <p:cNvPr id="2" name="Titre 1">
             <a:extLst>
               <a:ext uri="{FF2B5EF4-FFF2-40B4-BE49-F238E27FC236}">
-                <a16:creationId xmlns:a16="http://schemas.microsoft.com/office/drawing/2014/main" xmlns="" id="{A4D26B7B-897B-44FE-AFF2-5BA2FC381CF7}"/>
+                <a16:creationId xmlns="" xmlns:a16="http://schemas.microsoft.com/office/drawing/2014/main" id="{A4D26B7B-897B-44FE-AFF2-5BA2FC381CF7}"/>
               </a:ext>
             </a:extLst>
           </p:cNvPr>
@@ -11009,7 +11011,7 @@
           <p:cNvPr id="3" name="Espace réservé du contenu 2">
             <a:extLst>
               <a:ext uri="{FF2B5EF4-FFF2-40B4-BE49-F238E27FC236}">
-                <a16:creationId xmlns:a16="http://schemas.microsoft.com/office/drawing/2014/main" xmlns="" id="{CF2F4E07-762C-47F0-B06F-32E0E1F14CF8}"/>
+                <a16:creationId xmlns="" xmlns:a16="http://schemas.microsoft.com/office/drawing/2014/main" id="{CF2F4E07-762C-47F0-B06F-32E0E1F14CF8}"/>
               </a:ext>
             </a:extLst>
           </p:cNvPr>
@@ -11099,7 +11101,7 @@
           <p:cNvPr id="4" name="Espace réservé du texte 3">
             <a:extLst>
               <a:ext uri="{FF2B5EF4-FFF2-40B4-BE49-F238E27FC236}">
-                <a16:creationId xmlns:a16="http://schemas.microsoft.com/office/drawing/2014/main" xmlns="" id="{AC1870CD-4E18-46AE-91BE-4C62D319A234}"/>
+                <a16:creationId xmlns="" xmlns:a16="http://schemas.microsoft.com/office/drawing/2014/main" id="{AC1870CD-4E18-46AE-91BE-4C62D319A234}"/>
               </a:ext>
             </a:extLst>
           </p:cNvPr>
@@ -11170,7 +11172,7 @@
           <p:cNvPr id="5" name="Espace réservé de la date 4">
             <a:extLst>
               <a:ext uri="{FF2B5EF4-FFF2-40B4-BE49-F238E27FC236}">
-                <a16:creationId xmlns:a16="http://schemas.microsoft.com/office/drawing/2014/main" xmlns="" id="{21877A96-7D14-4070-AE4F-DC38BF0DE55F}"/>
+                <a16:creationId xmlns="" xmlns:a16="http://schemas.microsoft.com/office/drawing/2014/main" id="{21877A96-7D14-4070-AE4F-DC38BF0DE55F}"/>
               </a:ext>
             </a:extLst>
           </p:cNvPr>
@@ -11188,7 +11190,7 @@
           <a:p>
             <a:fld id="{07E34619-D1A7-43AC-A9D5-89689119B714}" type="datetimeFigureOut">
               <a:rPr lang="fr-FR" smtClean="0"/>
-              <a:t>05/12/2017</a:t>
+              <a:t>06/12/2017</a:t>
             </a:fld>
             <a:endParaRPr lang="fr-FR"/>
           </a:p>
@@ -11199,7 +11201,7 @@
           <p:cNvPr id="6" name="Espace réservé du pied de page 5">
             <a:extLst>
               <a:ext uri="{FF2B5EF4-FFF2-40B4-BE49-F238E27FC236}">
-                <a16:creationId xmlns:a16="http://schemas.microsoft.com/office/drawing/2014/main" xmlns="" id="{9AB2FCBC-223D-4B86-9820-4B3979B2A356}"/>
+                <a16:creationId xmlns="" xmlns:a16="http://schemas.microsoft.com/office/drawing/2014/main" id="{9AB2FCBC-223D-4B86-9820-4B3979B2A356}"/>
               </a:ext>
             </a:extLst>
           </p:cNvPr>
@@ -11224,7 +11226,7 @@
           <p:cNvPr id="7" name="Espace réservé du numéro de diapositive 6">
             <a:extLst>
               <a:ext uri="{FF2B5EF4-FFF2-40B4-BE49-F238E27FC236}">
-                <a16:creationId xmlns:a16="http://schemas.microsoft.com/office/drawing/2014/main" xmlns="" id="{06725BE5-AF8E-4A3D-9791-0107C15B5EC8}"/>
+                <a16:creationId xmlns="" xmlns:a16="http://schemas.microsoft.com/office/drawing/2014/main" id="{06725BE5-AF8E-4A3D-9791-0107C15B5EC8}"/>
               </a:ext>
             </a:extLst>
           </p:cNvPr>
@@ -11283,7 +11285,7 @@
           <p:cNvPr id="2" name="Titre 1">
             <a:extLst>
               <a:ext uri="{FF2B5EF4-FFF2-40B4-BE49-F238E27FC236}">
-                <a16:creationId xmlns:a16="http://schemas.microsoft.com/office/drawing/2014/main" xmlns="" id="{ED749139-5564-4E22-BCE0-74331BA5AC45}"/>
+                <a16:creationId xmlns="" xmlns:a16="http://schemas.microsoft.com/office/drawing/2014/main" id="{ED749139-5564-4E22-BCE0-74331BA5AC45}"/>
               </a:ext>
             </a:extLst>
           </p:cNvPr>
@@ -11320,7 +11322,7 @@
           <p:cNvPr id="3" name="Espace réservé pour une image  2">
             <a:extLst>
               <a:ext uri="{FF2B5EF4-FFF2-40B4-BE49-F238E27FC236}">
-                <a16:creationId xmlns:a16="http://schemas.microsoft.com/office/drawing/2014/main" xmlns="" id="{F3EAD4D2-CCFD-4E67-A455-0B1A1572FDC1}"/>
+                <a16:creationId xmlns="" xmlns:a16="http://schemas.microsoft.com/office/drawing/2014/main" id="{F3EAD4D2-CCFD-4E67-A455-0B1A1572FDC1}"/>
               </a:ext>
             </a:extLst>
           </p:cNvPr>
@@ -11387,7 +11389,7 @@
           <p:cNvPr id="4" name="Espace réservé du texte 3">
             <a:extLst>
               <a:ext uri="{FF2B5EF4-FFF2-40B4-BE49-F238E27FC236}">
-                <a16:creationId xmlns:a16="http://schemas.microsoft.com/office/drawing/2014/main" xmlns="" id="{C8254837-C60A-403D-B5A4-ECC35A311A18}"/>
+                <a16:creationId xmlns="" xmlns:a16="http://schemas.microsoft.com/office/drawing/2014/main" id="{C8254837-C60A-403D-B5A4-ECC35A311A18}"/>
               </a:ext>
             </a:extLst>
           </p:cNvPr>
@@ -11458,7 +11460,7 @@
           <p:cNvPr id="5" name="Espace réservé de la date 4">
             <a:extLst>
               <a:ext uri="{FF2B5EF4-FFF2-40B4-BE49-F238E27FC236}">
-                <a16:creationId xmlns:a16="http://schemas.microsoft.com/office/drawing/2014/main" xmlns="" id="{9895A013-F98F-4057-A001-BDC85C0979EA}"/>
+                <a16:creationId xmlns="" xmlns:a16="http://schemas.microsoft.com/office/drawing/2014/main" id="{9895A013-F98F-4057-A001-BDC85C0979EA}"/>
               </a:ext>
             </a:extLst>
           </p:cNvPr>
@@ -11476,7 +11478,7 @@
           <a:p>
             <a:fld id="{07E34619-D1A7-43AC-A9D5-89689119B714}" type="datetimeFigureOut">
               <a:rPr lang="fr-FR" smtClean="0"/>
-              <a:t>05/12/2017</a:t>
+              <a:t>06/12/2017</a:t>
             </a:fld>
             <a:endParaRPr lang="fr-FR"/>
           </a:p>
@@ -11487,7 +11489,7 @@
           <p:cNvPr id="6" name="Espace réservé du pied de page 5">
             <a:extLst>
               <a:ext uri="{FF2B5EF4-FFF2-40B4-BE49-F238E27FC236}">
-                <a16:creationId xmlns:a16="http://schemas.microsoft.com/office/drawing/2014/main" xmlns="" id="{88FC136C-D6AF-4C39-8ECF-E674CA1397FA}"/>
+                <a16:creationId xmlns="" xmlns:a16="http://schemas.microsoft.com/office/drawing/2014/main" id="{88FC136C-D6AF-4C39-8ECF-E674CA1397FA}"/>
               </a:ext>
             </a:extLst>
           </p:cNvPr>
@@ -11512,7 +11514,7 @@
           <p:cNvPr id="7" name="Espace réservé du numéro de diapositive 6">
             <a:extLst>
               <a:ext uri="{FF2B5EF4-FFF2-40B4-BE49-F238E27FC236}">
-                <a16:creationId xmlns:a16="http://schemas.microsoft.com/office/drawing/2014/main" xmlns="" id="{4C1E74F2-235E-482D-96E1-639EA219EBF2}"/>
+                <a16:creationId xmlns="" xmlns:a16="http://schemas.microsoft.com/office/drawing/2014/main" id="{4C1E74F2-235E-482D-96E1-639EA219EBF2}"/>
               </a:ext>
             </a:extLst>
           </p:cNvPr>
@@ -11571,7 +11573,7 @@
           <p:cNvPr id="2" name="Titre 1">
             <a:extLst>
               <a:ext uri="{FF2B5EF4-FFF2-40B4-BE49-F238E27FC236}">
-                <a16:creationId xmlns:a16="http://schemas.microsoft.com/office/drawing/2014/main" xmlns="" id="{A9E1F4BC-44B3-4F01-A722-72CE34384D07}"/>
+                <a16:creationId xmlns="" xmlns:a16="http://schemas.microsoft.com/office/drawing/2014/main" id="{A9E1F4BC-44B3-4F01-A722-72CE34384D07}"/>
               </a:ext>
             </a:extLst>
           </p:cNvPr>
@@ -11599,7 +11601,7 @@
           <p:cNvPr id="3" name="Espace réservé du texte vertical 2">
             <a:extLst>
               <a:ext uri="{FF2B5EF4-FFF2-40B4-BE49-F238E27FC236}">
-                <a16:creationId xmlns:a16="http://schemas.microsoft.com/office/drawing/2014/main" xmlns="" id="{E9BE3C7D-6DEA-466C-86D6-EE9C7030ADEB}"/>
+                <a16:creationId xmlns="" xmlns:a16="http://schemas.microsoft.com/office/drawing/2014/main" id="{E9BE3C7D-6DEA-466C-86D6-EE9C7030ADEB}"/>
               </a:ext>
             </a:extLst>
           </p:cNvPr>
@@ -11656,7 +11658,7 @@
           <p:cNvPr id="4" name="Espace réservé de la date 3">
             <a:extLst>
               <a:ext uri="{FF2B5EF4-FFF2-40B4-BE49-F238E27FC236}">
-                <a16:creationId xmlns:a16="http://schemas.microsoft.com/office/drawing/2014/main" xmlns="" id="{BB1E33FB-02B2-449E-B057-1B0BFF857C31}"/>
+                <a16:creationId xmlns="" xmlns:a16="http://schemas.microsoft.com/office/drawing/2014/main" id="{BB1E33FB-02B2-449E-B057-1B0BFF857C31}"/>
               </a:ext>
             </a:extLst>
           </p:cNvPr>
@@ -11674,7 +11676,7 @@
           <a:p>
             <a:fld id="{07E34619-D1A7-43AC-A9D5-89689119B714}" type="datetimeFigureOut">
               <a:rPr lang="fr-FR" smtClean="0"/>
-              <a:t>05/12/2017</a:t>
+              <a:t>06/12/2017</a:t>
             </a:fld>
             <a:endParaRPr lang="fr-FR"/>
           </a:p>
@@ -11685,7 +11687,7 @@
           <p:cNvPr id="5" name="Espace réservé du pied de page 4">
             <a:extLst>
               <a:ext uri="{FF2B5EF4-FFF2-40B4-BE49-F238E27FC236}">
-                <a16:creationId xmlns:a16="http://schemas.microsoft.com/office/drawing/2014/main" xmlns="" id="{3523FE3C-6E5B-4C29-A6C7-23AE68DA694E}"/>
+                <a16:creationId xmlns="" xmlns:a16="http://schemas.microsoft.com/office/drawing/2014/main" id="{3523FE3C-6E5B-4C29-A6C7-23AE68DA694E}"/>
               </a:ext>
             </a:extLst>
           </p:cNvPr>
@@ -11710,7 +11712,7 @@
           <p:cNvPr id="6" name="Espace réservé du numéro de diapositive 5">
             <a:extLst>
               <a:ext uri="{FF2B5EF4-FFF2-40B4-BE49-F238E27FC236}">
-                <a16:creationId xmlns:a16="http://schemas.microsoft.com/office/drawing/2014/main" xmlns="" id="{9F635305-5EBE-420A-A7EF-36AE5C6C4B2E}"/>
+                <a16:creationId xmlns="" xmlns:a16="http://schemas.microsoft.com/office/drawing/2014/main" id="{9F635305-5EBE-420A-A7EF-36AE5C6C4B2E}"/>
               </a:ext>
             </a:extLst>
           </p:cNvPr>
@@ -12130,7 +12132,7 @@
           <a:p>
             <a:fld id="{405F919B-7BE3-4A09-B5A6-9E8832641FD7}" type="datetimeFigureOut">
               <a:rPr lang="fr-FR" smtClean="0"/>
-              <a:t>05/12/2017</a:t>
+              <a:t>06/12/2017</a:t>
             </a:fld>
             <a:endParaRPr lang="fr-FR"/>
           </a:p>
@@ -12213,7 +12215,7 @@
           <p:cNvPr id="2" name="Titre vertical 1">
             <a:extLst>
               <a:ext uri="{FF2B5EF4-FFF2-40B4-BE49-F238E27FC236}">
-                <a16:creationId xmlns:a16="http://schemas.microsoft.com/office/drawing/2014/main" xmlns="" id="{24807873-E2A6-4B88-BD65-FD63627B587D}"/>
+                <a16:creationId xmlns="" xmlns:a16="http://schemas.microsoft.com/office/drawing/2014/main" id="{24807873-E2A6-4B88-BD65-FD63627B587D}"/>
               </a:ext>
             </a:extLst>
           </p:cNvPr>
@@ -12246,7 +12248,7 @@
           <p:cNvPr id="3" name="Espace réservé du texte vertical 2">
             <a:extLst>
               <a:ext uri="{FF2B5EF4-FFF2-40B4-BE49-F238E27FC236}">
-                <a16:creationId xmlns:a16="http://schemas.microsoft.com/office/drawing/2014/main" xmlns="" id="{7B6EFB9C-D48F-458E-A628-089B7A9F398B}"/>
+                <a16:creationId xmlns="" xmlns:a16="http://schemas.microsoft.com/office/drawing/2014/main" id="{7B6EFB9C-D48F-458E-A628-089B7A9F398B}"/>
               </a:ext>
             </a:extLst>
           </p:cNvPr>
@@ -12308,7 +12310,7 @@
           <p:cNvPr id="4" name="Espace réservé de la date 3">
             <a:extLst>
               <a:ext uri="{FF2B5EF4-FFF2-40B4-BE49-F238E27FC236}">
-                <a16:creationId xmlns:a16="http://schemas.microsoft.com/office/drawing/2014/main" xmlns="" id="{7FC0894F-E2F8-4451-AEE7-F26B3779BCE4}"/>
+                <a16:creationId xmlns="" xmlns:a16="http://schemas.microsoft.com/office/drawing/2014/main" id="{7FC0894F-E2F8-4451-AEE7-F26B3779BCE4}"/>
               </a:ext>
             </a:extLst>
           </p:cNvPr>
@@ -12326,7 +12328,7 @@
           <a:p>
             <a:fld id="{07E34619-D1A7-43AC-A9D5-89689119B714}" type="datetimeFigureOut">
               <a:rPr lang="fr-FR" smtClean="0"/>
-              <a:t>05/12/2017</a:t>
+              <a:t>06/12/2017</a:t>
             </a:fld>
             <a:endParaRPr lang="fr-FR"/>
           </a:p>
@@ -12337,7 +12339,7 @@
           <p:cNvPr id="5" name="Espace réservé du pied de page 4">
             <a:extLst>
               <a:ext uri="{FF2B5EF4-FFF2-40B4-BE49-F238E27FC236}">
-                <a16:creationId xmlns:a16="http://schemas.microsoft.com/office/drawing/2014/main" xmlns="" id="{46801513-CE61-4FD9-954E-6960B1C89A84}"/>
+                <a16:creationId xmlns="" xmlns:a16="http://schemas.microsoft.com/office/drawing/2014/main" id="{46801513-CE61-4FD9-954E-6960B1C89A84}"/>
               </a:ext>
             </a:extLst>
           </p:cNvPr>
@@ -12362,7 +12364,7 @@
           <p:cNvPr id="6" name="Espace réservé du numéro de diapositive 5">
             <a:extLst>
               <a:ext uri="{FF2B5EF4-FFF2-40B4-BE49-F238E27FC236}">
-                <a16:creationId xmlns:a16="http://schemas.microsoft.com/office/drawing/2014/main" xmlns="" id="{43CE86C1-1A8F-4629-B623-16B192518D98}"/>
+                <a16:creationId xmlns="" xmlns:a16="http://schemas.microsoft.com/office/drawing/2014/main" id="{43CE86C1-1A8F-4629-B623-16B192518D98}"/>
               </a:ext>
             </a:extLst>
           </p:cNvPr>
@@ -12421,7 +12423,7 @@
           <p:cNvPr id="2" name="Titre 1">
             <a:extLst>
               <a:ext uri="{FF2B5EF4-FFF2-40B4-BE49-F238E27FC236}">
-                <a16:creationId xmlns:a16="http://schemas.microsoft.com/office/drawing/2014/main" xmlns="" id="{64B66D1C-7DFA-495B-BD47-041699E20419}"/>
+                <a16:creationId xmlns="" xmlns:a16="http://schemas.microsoft.com/office/drawing/2014/main" id="{64B66D1C-7DFA-495B-BD47-041699E20419}"/>
               </a:ext>
             </a:extLst>
           </p:cNvPr>
@@ -12458,7 +12460,7 @@
           <p:cNvPr id="3" name="Sous-titre 2">
             <a:extLst>
               <a:ext uri="{FF2B5EF4-FFF2-40B4-BE49-F238E27FC236}">
-                <a16:creationId xmlns:a16="http://schemas.microsoft.com/office/drawing/2014/main" xmlns="" id="{74BE21A6-43E2-4604-8CA0-CCA45A41EF75}"/>
+                <a16:creationId xmlns="" xmlns:a16="http://schemas.microsoft.com/office/drawing/2014/main" id="{74BE21A6-43E2-4604-8CA0-CCA45A41EF75}"/>
               </a:ext>
             </a:extLst>
           </p:cNvPr>
@@ -12528,7 +12530,7 @@
           <p:cNvPr id="4" name="Espace réservé de la date 3">
             <a:extLst>
               <a:ext uri="{FF2B5EF4-FFF2-40B4-BE49-F238E27FC236}">
-                <a16:creationId xmlns:a16="http://schemas.microsoft.com/office/drawing/2014/main" xmlns="" id="{E2D308EC-FB42-439D-8EA6-DD28D243C858}"/>
+                <a16:creationId xmlns="" xmlns:a16="http://schemas.microsoft.com/office/drawing/2014/main" id="{E2D308EC-FB42-439D-8EA6-DD28D243C858}"/>
               </a:ext>
             </a:extLst>
           </p:cNvPr>
@@ -12546,7 +12548,7 @@
           <a:p>
             <a:fld id="{6EC5A875-3828-4F89-8D4F-E6086058E18D}" type="datetimeFigureOut">
               <a:rPr lang="fr-FR" smtClean="0"/>
-              <a:t>05/12/2017</a:t>
+              <a:t>06/12/2017</a:t>
             </a:fld>
             <a:endParaRPr lang="fr-FR"/>
           </a:p>
@@ -12557,7 +12559,7 @@
           <p:cNvPr id="5" name="Espace réservé du pied de page 4">
             <a:extLst>
               <a:ext uri="{FF2B5EF4-FFF2-40B4-BE49-F238E27FC236}">
-                <a16:creationId xmlns:a16="http://schemas.microsoft.com/office/drawing/2014/main" xmlns="" id="{428CE1FB-25CE-4F29-B374-6E2E6D491150}"/>
+                <a16:creationId xmlns="" xmlns:a16="http://schemas.microsoft.com/office/drawing/2014/main" id="{428CE1FB-25CE-4F29-B374-6E2E6D491150}"/>
               </a:ext>
             </a:extLst>
           </p:cNvPr>
@@ -12582,7 +12584,7 @@
           <p:cNvPr id="6" name="Espace réservé du numéro de diapositive 5">
             <a:extLst>
               <a:ext uri="{FF2B5EF4-FFF2-40B4-BE49-F238E27FC236}">
-                <a16:creationId xmlns:a16="http://schemas.microsoft.com/office/drawing/2014/main" xmlns="" id="{82E875B2-10FC-4C35-8FE8-D2E4236DFF43}"/>
+                <a16:creationId xmlns="" xmlns:a16="http://schemas.microsoft.com/office/drawing/2014/main" id="{82E875B2-10FC-4C35-8FE8-D2E4236DFF43}"/>
               </a:ext>
             </a:extLst>
           </p:cNvPr>
@@ -12641,7 +12643,7 @@
           <p:cNvPr id="2" name="Titre 1">
             <a:extLst>
               <a:ext uri="{FF2B5EF4-FFF2-40B4-BE49-F238E27FC236}">
-                <a16:creationId xmlns:a16="http://schemas.microsoft.com/office/drawing/2014/main" xmlns="" id="{24FB208E-C10D-4C38-BA2B-1B149E1B5FB7}"/>
+                <a16:creationId xmlns="" xmlns:a16="http://schemas.microsoft.com/office/drawing/2014/main" id="{24FB208E-C10D-4C38-BA2B-1B149E1B5FB7}"/>
               </a:ext>
             </a:extLst>
           </p:cNvPr>
@@ -12669,7 +12671,7 @@
           <p:cNvPr id="3" name="Espace réservé du contenu 2">
             <a:extLst>
               <a:ext uri="{FF2B5EF4-FFF2-40B4-BE49-F238E27FC236}">
-                <a16:creationId xmlns:a16="http://schemas.microsoft.com/office/drawing/2014/main" xmlns="" id="{9BF8588E-B694-47F2-BED1-1C3DEB9096EC}"/>
+                <a16:creationId xmlns="" xmlns:a16="http://schemas.microsoft.com/office/drawing/2014/main" id="{9BF8588E-B694-47F2-BED1-1C3DEB9096EC}"/>
               </a:ext>
             </a:extLst>
           </p:cNvPr>
@@ -12726,7 +12728,7 @@
           <p:cNvPr id="4" name="Espace réservé de la date 3">
             <a:extLst>
               <a:ext uri="{FF2B5EF4-FFF2-40B4-BE49-F238E27FC236}">
-                <a16:creationId xmlns:a16="http://schemas.microsoft.com/office/drawing/2014/main" xmlns="" id="{5BBAAD54-8768-40DA-B553-FE22BC097E25}"/>
+                <a16:creationId xmlns="" xmlns:a16="http://schemas.microsoft.com/office/drawing/2014/main" id="{5BBAAD54-8768-40DA-B553-FE22BC097E25}"/>
               </a:ext>
             </a:extLst>
           </p:cNvPr>
@@ -12744,7 +12746,7 @@
           <a:p>
             <a:fld id="{6EC5A875-3828-4F89-8D4F-E6086058E18D}" type="datetimeFigureOut">
               <a:rPr lang="fr-FR" smtClean="0"/>
-              <a:t>05/12/2017</a:t>
+              <a:t>06/12/2017</a:t>
             </a:fld>
             <a:endParaRPr lang="fr-FR"/>
           </a:p>
@@ -12755,7 +12757,7 @@
           <p:cNvPr id="5" name="Espace réservé du pied de page 4">
             <a:extLst>
               <a:ext uri="{FF2B5EF4-FFF2-40B4-BE49-F238E27FC236}">
-                <a16:creationId xmlns:a16="http://schemas.microsoft.com/office/drawing/2014/main" xmlns="" id="{DEE289F1-2011-416B-B35C-4AA248F3A01B}"/>
+                <a16:creationId xmlns="" xmlns:a16="http://schemas.microsoft.com/office/drawing/2014/main" id="{DEE289F1-2011-416B-B35C-4AA248F3A01B}"/>
               </a:ext>
             </a:extLst>
           </p:cNvPr>
@@ -12780,7 +12782,7 @@
           <p:cNvPr id="6" name="Espace réservé du numéro de diapositive 5">
             <a:extLst>
               <a:ext uri="{FF2B5EF4-FFF2-40B4-BE49-F238E27FC236}">
-                <a16:creationId xmlns:a16="http://schemas.microsoft.com/office/drawing/2014/main" xmlns="" id="{0C454B2E-F614-4E70-9370-16B38824907B}"/>
+                <a16:creationId xmlns="" xmlns:a16="http://schemas.microsoft.com/office/drawing/2014/main" id="{0C454B2E-F614-4E70-9370-16B38824907B}"/>
               </a:ext>
             </a:extLst>
           </p:cNvPr>
@@ -12839,7 +12841,7 @@
           <p:cNvPr id="2" name="Titre 1">
             <a:extLst>
               <a:ext uri="{FF2B5EF4-FFF2-40B4-BE49-F238E27FC236}">
-                <a16:creationId xmlns:a16="http://schemas.microsoft.com/office/drawing/2014/main" xmlns="" id="{AD30177A-211E-4E09-8910-E7AB96C6BFA9}"/>
+                <a16:creationId xmlns="" xmlns:a16="http://schemas.microsoft.com/office/drawing/2014/main" id="{AD30177A-211E-4E09-8910-E7AB96C6BFA9}"/>
               </a:ext>
             </a:extLst>
           </p:cNvPr>
@@ -12876,7 +12878,7 @@
           <p:cNvPr id="3" name="Espace réservé du texte 2">
             <a:extLst>
               <a:ext uri="{FF2B5EF4-FFF2-40B4-BE49-F238E27FC236}">
-                <a16:creationId xmlns:a16="http://schemas.microsoft.com/office/drawing/2014/main" xmlns="" id="{B3977F83-6E08-4088-A398-3D7CC6BD2646}"/>
+                <a16:creationId xmlns="" xmlns:a16="http://schemas.microsoft.com/office/drawing/2014/main" id="{B3977F83-6E08-4088-A398-3D7CC6BD2646}"/>
               </a:ext>
             </a:extLst>
           </p:cNvPr>
@@ -13001,7 +13003,7 @@
           <p:cNvPr id="4" name="Espace réservé de la date 3">
             <a:extLst>
               <a:ext uri="{FF2B5EF4-FFF2-40B4-BE49-F238E27FC236}">
-                <a16:creationId xmlns:a16="http://schemas.microsoft.com/office/drawing/2014/main" xmlns="" id="{74DFFC20-4F83-40A0-A895-E7C3DEA5955B}"/>
+                <a16:creationId xmlns="" xmlns:a16="http://schemas.microsoft.com/office/drawing/2014/main" id="{74DFFC20-4F83-40A0-A895-E7C3DEA5955B}"/>
               </a:ext>
             </a:extLst>
           </p:cNvPr>
@@ -13019,7 +13021,7 @@
           <a:p>
             <a:fld id="{6EC5A875-3828-4F89-8D4F-E6086058E18D}" type="datetimeFigureOut">
               <a:rPr lang="fr-FR" smtClean="0"/>
-              <a:t>05/12/2017</a:t>
+              <a:t>06/12/2017</a:t>
             </a:fld>
             <a:endParaRPr lang="fr-FR"/>
           </a:p>
@@ -13030,7 +13032,7 @@
           <p:cNvPr id="5" name="Espace réservé du pied de page 4">
             <a:extLst>
               <a:ext uri="{FF2B5EF4-FFF2-40B4-BE49-F238E27FC236}">
-                <a16:creationId xmlns:a16="http://schemas.microsoft.com/office/drawing/2014/main" xmlns="" id="{42C564DB-90E0-48CA-ADA7-A1D3F152AD12}"/>
+                <a16:creationId xmlns="" xmlns:a16="http://schemas.microsoft.com/office/drawing/2014/main" id="{42C564DB-90E0-48CA-ADA7-A1D3F152AD12}"/>
               </a:ext>
             </a:extLst>
           </p:cNvPr>
@@ -13055,7 +13057,7 @@
           <p:cNvPr id="6" name="Espace réservé du numéro de diapositive 5">
             <a:extLst>
               <a:ext uri="{FF2B5EF4-FFF2-40B4-BE49-F238E27FC236}">
-                <a16:creationId xmlns:a16="http://schemas.microsoft.com/office/drawing/2014/main" xmlns="" id="{3176FE9C-1734-4712-8587-789D9131AA58}"/>
+                <a16:creationId xmlns="" xmlns:a16="http://schemas.microsoft.com/office/drawing/2014/main" id="{3176FE9C-1734-4712-8587-789D9131AA58}"/>
               </a:ext>
             </a:extLst>
           </p:cNvPr>
@@ -13114,7 +13116,7 @@
           <p:cNvPr id="2" name="Titre 1">
             <a:extLst>
               <a:ext uri="{FF2B5EF4-FFF2-40B4-BE49-F238E27FC236}">
-                <a16:creationId xmlns:a16="http://schemas.microsoft.com/office/drawing/2014/main" xmlns="" id="{DF72E85D-8054-486C-8343-92EE9E57A4F7}"/>
+                <a16:creationId xmlns="" xmlns:a16="http://schemas.microsoft.com/office/drawing/2014/main" id="{DF72E85D-8054-486C-8343-92EE9E57A4F7}"/>
               </a:ext>
             </a:extLst>
           </p:cNvPr>
@@ -13142,7 +13144,7 @@
           <p:cNvPr id="3" name="Espace réservé du contenu 2">
             <a:extLst>
               <a:ext uri="{FF2B5EF4-FFF2-40B4-BE49-F238E27FC236}">
-                <a16:creationId xmlns:a16="http://schemas.microsoft.com/office/drawing/2014/main" xmlns="" id="{4CD10C1B-65A3-43A6-A061-0B72608322C8}"/>
+                <a16:creationId xmlns="" xmlns:a16="http://schemas.microsoft.com/office/drawing/2014/main" id="{4CD10C1B-65A3-43A6-A061-0B72608322C8}"/>
               </a:ext>
             </a:extLst>
           </p:cNvPr>
@@ -13204,7 +13206,7 @@
           <p:cNvPr id="4" name="Espace réservé du contenu 3">
             <a:extLst>
               <a:ext uri="{FF2B5EF4-FFF2-40B4-BE49-F238E27FC236}">
-                <a16:creationId xmlns:a16="http://schemas.microsoft.com/office/drawing/2014/main" xmlns="" id="{E9014DC1-29EB-4311-AD7A-01988272B535}"/>
+                <a16:creationId xmlns="" xmlns:a16="http://schemas.microsoft.com/office/drawing/2014/main" id="{E9014DC1-29EB-4311-AD7A-01988272B535}"/>
               </a:ext>
             </a:extLst>
           </p:cNvPr>
@@ -13266,7 +13268,7 @@
           <p:cNvPr id="5" name="Espace réservé de la date 4">
             <a:extLst>
               <a:ext uri="{FF2B5EF4-FFF2-40B4-BE49-F238E27FC236}">
-                <a16:creationId xmlns:a16="http://schemas.microsoft.com/office/drawing/2014/main" xmlns="" id="{FCEB60C9-4C9D-4F69-955B-A9AE3FD4177B}"/>
+                <a16:creationId xmlns="" xmlns:a16="http://schemas.microsoft.com/office/drawing/2014/main" id="{FCEB60C9-4C9D-4F69-955B-A9AE3FD4177B}"/>
               </a:ext>
             </a:extLst>
           </p:cNvPr>
@@ -13284,7 +13286,7 @@
           <a:p>
             <a:fld id="{6EC5A875-3828-4F89-8D4F-E6086058E18D}" type="datetimeFigureOut">
               <a:rPr lang="fr-FR" smtClean="0"/>
-              <a:t>05/12/2017</a:t>
+              <a:t>06/12/2017</a:t>
             </a:fld>
             <a:endParaRPr lang="fr-FR"/>
           </a:p>
@@ -13295,7 +13297,7 @@
           <p:cNvPr id="6" name="Espace réservé du pied de page 5">
             <a:extLst>
               <a:ext uri="{FF2B5EF4-FFF2-40B4-BE49-F238E27FC236}">
-                <a16:creationId xmlns:a16="http://schemas.microsoft.com/office/drawing/2014/main" xmlns="" id="{5DE33320-370D-4754-99E5-F3A009DF5E1A}"/>
+                <a16:creationId xmlns="" xmlns:a16="http://schemas.microsoft.com/office/drawing/2014/main" id="{5DE33320-370D-4754-99E5-F3A009DF5E1A}"/>
               </a:ext>
             </a:extLst>
           </p:cNvPr>
@@ -13320,7 +13322,7 @@
           <p:cNvPr id="7" name="Espace réservé du numéro de diapositive 6">
             <a:extLst>
               <a:ext uri="{FF2B5EF4-FFF2-40B4-BE49-F238E27FC236}">
-                <a16:creationId xmlns:a16="http://schemas.microsoft.com/office/drawing/2014/main" xmlns="" id="{C1C804ED-204D-456A-B46F-EC9945C2C773}"/>
+                <a16:creationId xmlns="" xmlns:a16="http://schemas.microsoft.com/office/drawing/2014/main" id="{C1C804ED-204D-456A-B46F-EC9945C2C773}"/>
               </a:ext>
             </a:extLst>
           </p:cNvPr>
@@ -13379,7 +13381,7 @@
           <p:cNvPr id="2" name="Titre 1">
             <a:extLst>
               <a:ext uri="{FF2B5EF4-FFF2-40B4-BE49-F238E27FC236}">
-                <a16:creationId xmlns:a16="http://schemas.microsoft.com/office/drawing/2014/main" xmlns="" id="{00072F92-0782-48C1-8CBC-05A1AE6AA5BB}"/>
+                <a16:creationId xmlns="" xmlns:a16="http://schemas.microsoft.com/office/drawing/2014/main" id="{00072F92-0782-48C1-8CBC-05A1AE6AA5BB}"/>
               </a:ext>
             </a:extLst>
           </p:cNvPr>
@@ -13412,7 +13414,7 @@
           <p:cNvPr id="3" name="Espace réservé du texte 2">
             <a:extLst>
               <a:ext uri="{FF2B5EF4-FFF2-40B4-BE49-F238E27FC236}">
-                <a16:creationId xmlns:a16="http://schemas.microsoft.com/office/drawing/2014/main" xmlns="" id="{3A16C386-55B6-4EB2-A32A-147A5C3C1425}"/>
+                <a16:creationId xmlns="" xmlns:a16="http://schemas.microsoft.com/office/drawing/2014/main" id="{3A16C386-55B6-4EB2-A32A-147A5C3C1425}"/>
               </a:ext>
             </a:extLst>
           </p:cNvPr>
@@ -13483,7 +13485,7 @@
           <p:cNvPr id="4" name="Espace réservé du contenu 3">
             <a:extLst>
               <a:ext uri="{FF2B5EF4-FFF2-40B4-BE49-F238E27FC236}">
-                <a16:creationId xmlns:a16="http://schemas.microsoft.com/office/drawing/2014/main" xmlns="" id="{75C124B2-ED03-49DB-9FFC-4D2081A0CA32}"/>
+                <a16:creationId xmlns="" xmlns:a16="http://schemas.microsoft.com/office/drawing/2014/main" id="{75C124B2-ED03-49DB-9FFC-4D2081A0CA32}"/>
               </a:ext>
             </a:extLst>
           </p:cNvPr>
@@ -13545,7 +13547,7 @@
           <p:cNvPr id="5" name="Espace réservé du texte 4">
             <a:extLst>
               <a:ext uri="{FF2B5EF4-FFF2-40B4-BE49-F238E27FC236}">
-                <a16:creationId xmlns:a16="http://schemas.microsoft.com/office/drawing/2014/main" xmlns="" id="{B7C3157A-5819-445E-8A04-3223624EA10E}"/>
+                <a16:creationId xmlns="" xmlns:a16="http://schemas.microsoft.com/office/drawing/2014/main" id="{B7C3157A-5819-445E-8A04-3223624EA10E}"/>
               </a:ext>
             </a:extLst>
           </p:cNvPr>
@@ -13616,7 +13618,7 @@
           <p:cNvPr id="6" name="Espace réservé du contenu 5">
             <a:extLst>
               <a:ext uri="{FF2B5EF4-FFF2-40B4-BE49-F238E27FC236}">
-                <a16:creationId xmlns:a16="http://schemas.microsoft.com/office/drawing/2014/main" xmlns="" id="{78783AC6-4FAB-40A6-8373-BD379A1D0369}"/>
+                <a16:creationId xmlns="" xmlns:a16="http://schemas.microsoft.com/office/drawing/2014/main" id="{78783AC6-4FAB-40A6-8373-BD379A1D0369}"/>
               </a:ext>
             </a:extLst>
           </p:cNvPr>
@@ -13678,7 +13680,7 @@
           <p:cNvPr id="7" name="Espace réservé de la date 6">
             <a:extLst>
               <a:ext uri="{FF2B5EF4-FFF2-40B4-BE49-F238E27FC236}">
-                <a16:creationId xmlns:a16="http://schemas.microsoft.com/office/drawing/2014/main" xmlns="" id="{D661A144-F690-4A58-B140-A278DD4A6461}"/>
+                <a16:creationId xmlns="" xmlns:a16="http://schemas.microsoft.com/office/drawing/2014/main" id="{D661A144-F690-4A58-B140-A278DD4A6461}"/>
               </a:ext>
             </a:extLst>
           </p:cNvPr>
@@ -13696,7 +13698,7 @@
           <a:p>
             <a:fld id="{6EC5A875-3828-4F89-8D4F-E6086058E18D}" type="datetimeFigureOut">
               <a:rPr lang="fr-FR" smtClean="0"/>
-              <a:t>05/12/2017</a:t>
+              <a:t>06/12/2017</a:t>
             </a:fld>
             <a:endParaRPr lang="fr-FR"/>
           </a:p>
@@ -13707,7 +13709,7 @@
           <p:cNvPr id="8" name="Espace réservé du pied de page 7">
             <a:extLst>
               <a:ext uri="{FF2B5EF4-FFF2-40B4-BE49-F238E27FC236}">
-                <a16:creationId xmlns:a16="http://schemas.microsoft.com/office/drawing/2014/main" xmlns="" id="{CA35B238-1753-4F1E-9F05-30C924327156}"/>
+                <a16:creationId xmlns="" xmlns:a16="http://schemas.microsoft.com/office/drawing/2014/main" id="{CA35B238-1753-4F1E-9F05-30C924327156}"/>
               </a:ext>
             </a:extLst>
           </p:cNvPr>
@@ -13732,7 +13734,7 @@
           <p:cNvPr id="9" name="Espace réservé du numéro de diapositive 8">
             <a:extLst>
               <a:ext uri="{FF2B5EF4-FFF2-40B4-BE49-F238E27FC236}">
-                <a16:creationId xmlns:a16="http://schemas.microsoft.com/office/drawing/2014/main" xmlns="" id="{E4BF56F4-2DA8-4086-8453-AD4E99724D7C}"/>
+                <a16:creationId xmlns="" xmlns:a16="http://schemas.microsoft.com/office/drawing/2014/main" id="{E4BF56F4-2DA8-4086-8453-AD4E99724D7C}"/>
               </a:ext>
             </a:extLst>
           </p:cNvPr>
@@ -13791,7 +13793,7 @@
           <p:cNvPr id="2" name="Titre 1">
             <a:extLst>
               <a:ext uri="{FF2B5EF4-FFF2-40B4-BE49-F238E27FC236}">
-                <a16:creationId xmlns:a16="http://schemas.microsoft.com/office/drawing/2014/main" xmlns="" id="{5916B38D-825A-49BE-81E5-5F9E26523567}"/>
+                <a16:creationId xmlns="" xmlns:a16="http://schemas.microsoft.com/office/drawing/2014/main" id="{5916B38D-825A-49BE-81E5-5F9E26523567}"/>
               </a:ext>
             </a:extLst>
           </p:cNvPr>
@@ -13819,7 +13821,7 @@
           <p:cNvPr id="3" name="Espace réservé de la date 2">
             <a:extLst>
               <a:ext uri="{FF2B5EF4-FFF2-40B4-BE49-F238E27FC236}">
-                <a16:creationId xmlns:a16="http://schemas.microsoft.com/office/drawing/2014/main" xmlns="" id="{85668AF4-2690-43A8-BABE-BBECD1F5570A}"/>
+                <a16:creationId xmlns="" xmlns:a16="http://schemas.microsoft.com/office/drawing/2014/main" id="{85668AF4-2690-43A8-BABE-BBECD1F5570A}"/>
               </a:ext>
             </a:extLst>
           </p:cNvPr>
@@ -13837,7 +13839,7 @@
           <a:p>
             <a:fld id="{6EC5A875-3828-4F89-8D4F-E6086058E18D}" type="datetimeFigureOut">
               <a:rPr lang="fr-FR" smtClean="0"/>
-              <a:t>05/12/2017</a:t>
+              <a:t>06/12/2017</a:t>
             </a:fld>
             <a:endParaRPr lang="fr-FR"/>
           </a:p>
@@ -13848,7 +13850,7 @@
           <p:cNvPr id="4" name="Espace réservé du pied de page 3">
             <a:extLst>
               <a:ext uri="{FF2B5EF4-FFF2-40B4-BE49-F238E27FC236}">
-                <a16:creationId xmlns:a16="http://schemas.microsoft.com/office/drawing/2014/main" xmlns="" id="{EE3D424F-562C-41DF-A33E-A958FC8A05DE}"/>
+                <a16:creationId xmlns="" xmlns:a16="http://schemas.microsoft.com/office/drawing/2014/main" id="{EE3D424F-562C-41DF-A33E-A958FC8A05DE}"/>
               </a:ext>
             </a:extLst>
           </p:cNvPr>
@@ -13873,7 +13875,7 @@
           <p:cNvPr id="5" name="Espace réservé du numéro de diapositive 4">
             <a:extLst>
               <a:ext uri="{FF2B5EF4-FFF2-40B4-BE49-F238E27FC236}">
-                <a16:creationId xmlns:a16="http://schemas.microsoft.com/office/drawing/2014/main" xmlns="" id="{8E628ECD-3E54-407F-85E0-A0F181F4BD44}"/>
+                <a16:creationId xmlns="" xmlns:a16="http://schemas.microsoft.com/office/drawing/2014/main" id="{8E628ECD-3E54-407F-85E0-A0F181F4BD44}"/>
               </a:ext>
             </a:extLst>
           </p:cNvPr>
@@ -13932,7 +13934,7 @@
           <p:cNvPr id="2" name="Espace réservé de la date 1">
             <a:extLst>
               <a:ext uri="{FF2B5EF4-FFF2-40B4-BE49-F238E27FC236}">
-                <a16:creationId xmlns:a16="http://schemas.microsoft.com/office/drawing/2014/main" xmlns="" id="{2C43E389-968C-4857-865B-37439202D854}"/>
+                <a16:creationId xmlns="" xmlns:a16="http://schemas.microsoft.com/office/drawing/2014/main" id="{2C43E389-968C-4857-865B-37439202D854}"/>
               </a:ext>
             </a:extLst>
           </p:cNvPr>
@@ -13950,7 +13952,7 @@
           <a:p>
             <a:fld id="{6EC5A875-3828-4F89-8D4F-E6086058E18D}" type="datetimeFigureOut">
               <a:rPr lang="fr-FR" smtClean="0"/>
-              <a:t>05/12/2017</a:t>
+              <a:t>06/12/2017</a:t>
             </a:fld>
             <a:endParaRPr lang="fr-FR"/>
           </a:p>
@@ -13961,7 +13963,7 @@
           <p:cNvPr id="3" name="Espace réservé du pied de page 2">
             <a:extLst>
               <a:ext uri="{FF2B5EF4-FFF2-40B4-BE49-F238E27FC236}">
-                <a16:creationId xmlns:a16="http://schemas.microsoft.com/office/drawing/2014/main" xmlns="" id="{EC4FD11D-AD89-40E8-8922-97891A54E5BA}"/>
+                <a16:creationId xmlns="" xmlns:a16="http://schemas.microsoft.com/office/drawing/2014/main" id="{EC4FD11D-AD89-40E8-8922-97891A54E5BA}"/>
               </a:ext>
             </a:extLst>
           </p:cNvPr>
@@ -13986,7 +13988,7 @@
           <p:cNvPr id="4" name="Espace réservé du numéro de diapositive 3">
             <a:extLst>
               <a:ext uri="{FF2B5EF4-FFF2-40B4-BE49-F238E27FC236}">
-                <a16:creationId xmlns:a16="http://schemas.microsoft.com/office/drawing/2014/main" xmlns="" id="{7D363BFD-78F6-408F-B2A3-7BADD4663463}"/>
+                <a16:creationId xmlns="" xmlns:a16="http://schemas.microsoft.com/office/drawing/2014/main" id="{7D363BFD-78F6-408F-B2A3-7BADD4663463}"/>
               </a:ext>
             </a:extLst>
           </p:cNvPr>
@@ -14045,7 +14047,7 @@
           <p:cNvPr id="2" name="Titre 1">
             <a:extLst>
               <a:ext uri="{FF2B5EF4-FFF2-40B4-BE49-F238E27FC236}">
-                <a16:creationId xmlns:a16="http://schemas.microsoft.com/office/drawing/2014/main" xmlns="" id="{18CC642B-6B3A-436C-9443-C6ADC0999265}"/>
+                <a16:creationId xmlns="" xmlns:a16="http://schemas.microsoft.com/office/drawing/2014/main" id="{18CC642B-6B3A-436C-9443-C6ADC0999265}"/>
               </a:ext>
             </a:extLst>
           </p:cNvPr>
@@ -14082,7 +14084,7 @@
           <p:cNvPr id="3" name="Espace réservé du contenu 2">
             <a:extLst>
               <a:ext uri="{FF2B5EF4-FFF2-40B4-BE49-F238E27FC236}">
-                <a16:creationId xmlns:a16="http://schemas.microsoft.com/office/drawing/2014/main" xmlns="" id="{72C77635-D341-4AE5-AAD9-D8A299E82FAA}"/>
+                <a16:creationId xmlns="" xmlns:a16="http://schemas.microsoft.com/office/drawing/2014/main" id="{72C77635-D341-4AE5-AAD9-D8A299E82FAA}"/>
               </a:ext>
             </a:extLst>
           </p:cNvPr>
@@ -14172,7 +14174,7 @@
           <p:cNvPr id="4" name="Espace réservé du texte 3">
             <a:extLst>
               <a:ext uri="{FF2B5EF4-FFF2-40B4-BE49-F238E27FC236}">
-                <a16:creationId xmlns:a16="http://schemas.microsoft.com/office/drawing/2014/main" xmlns="" id="{A4C8F8A0-EF7A-4B93-914B-3E0BCB2CF611}"/>
+                <a16:creationId xmlns="" xmlns:a16="http://schemas.microsoft.com/office/drawing/2014/main" id="{A4C8F8A0-EF7A-4B93-914B-3E0BCB2CF611}"/>
               </a:ext>
             </a:extLst>
           </p:cNvPr>
@@ -14243,7 +14245,7 @@
           <p:cNvPr id="5" name="Espace réservé de la date 4">
             <a:extLst>
               <a:ext uri="{FF2B5EF4-FFF2-40B4-BE49-F238E27FC236}">
-                <a16:creationId xmlns:a16="http://schemas.microsoft.com/office/drawing/2014/main" xmlns="" id="{37723EDC-104E-45F0-B610-093611C3CC4D}"/>
+                <a16:creationId xmlns="" xmlns:a16="http://schemas.microsoft.com/office/drawing/2014/main" id="{37723EDC-104E-45F0-B610-093611C3CC4D}"/>
               </a:ext>
             </a:extLst>
           </p:cNvPr>
@@ -14261,7 +14263,7 @@
           <a:p>
             <a:fld id="{6EC5A875-3828-4F89-8D4F-E6086058E18D}" type="datetimeFigureOut">
               <a:rPr lang="fr-FR" smtClean="0"/>
-              <a:t>05/12/2017</a:t>
+              <a:t>06/12/2017</a:t>
             </a:fld>
             <a:endParaRPr lang="fr-FR"/>
           </a:p>
@@ -14272,7 +14274,7 @@
           <p:cNvPr id="6" name="Espace réservé du pied de page 5">
             <a:extLst>
               <a:ext uri="{FF2B5EF4-FFF2-40B4-BE49-F238E27FC236}">
-                <a16:creationId xmlns:a16="http://schemas.microsoft.com/office/drawing/2014/main" xmlns="" id="{CCDCC3BA-8200-4694-BF63-7E5D93C65EF8}"/>
+                <a16:creationId xmlns="" xmlns:a16="http://schemas.microsoft.com/office/drawing/2014/main" id="{CCDCC3BA-8200-4694-BF63-7E5D93C65EF8}"/>
               </a:ext>
             </a:extLst>
           </p:cNvPr>
@@ -14297,7 +14299,7 @@
           <p:cNvPr id="7" name="Espace réservé du numéro de diapositive 6">
             <a:extLst>
               <a:ext uri="{FF2B5EF4-FFF2-40B4-BE49-F238E27FC236}">
-                <a16:creationId xmlns:a16="http://schemas.microsoft.com/office/drawing/2014/main" xmlns="" id="{168C3E17-4504-44EB-BBE2-519E3BD38B35}"/>
+                <a16:creationId xmlns="" xmlns:a16="http://schemas.microsoft.com/office/drawing/2014/main" id="{168C3E17-4504-44EB-BBE2-519E3BD38B35}"/>
               </a:ext>
             </a:extLst>
           </p:cNvPr>
@@ -14356,7 +14358,7 @@
           <p:cNvPr id="2" name="Titre 1">
             <a:extLst>
               <a:ext uri="{FF2B5EF4-FFF2-40B4-BE49-F238E27FC236}">
-                <a16:creationId xmlns:a16="http://schemas.microsoft.com/office/drawing/2014/main" xmlns="" id="{8AA9704E-8489-4DCF-BC00-B7E8260DF5C6}"/>
+                <a16:creationId xmlns="" xmlns:a16="http://schemas.microsoft.com/office/drawing/2014/main" id="{8AA9704E-8489-4DCF-BC00-B7E8260DF5C6}"/>
               </a:ext>
             </a:extLst>
           </p:cNvPr>
@@ -14393,7 +14395,7 @@
           <p:cNvPr id="3" name="Espace réservé pour une image  2">
             <a:extLst>
               <a:ext uri="{FF2B5EF4-FFF2-40B4-BE49-F238E27FC236}">
-                <a16:creationId xmlns:a16="http://schemas.microsoft.com/office/drawing/2014/main" xmlns="" id="{A224197C-56EC-4D83-9CE0-81D57FFAD552}"/>
+                <a16:creationId xmlns="" xmlns:a16="http://schemas.microsoft.com/office/drawing/2014/main" id="{A224197C-56EC-4D83-9CE0-81D57FFAD552}"/>
               </a:ext>
             </a:extLst>
           </p:cNvPr>
@@ -14460,7 +14462,7 @@
           <p:cNvPr id="4" name="Espace réservé du texte 3">
             <a:extLst>
               <a:ext uri="{FF2B5EF4-FFF2-40B4-BE49-F238E27FC236}">
-                <a16:creationId xmlns:a16="http://schemas.microsoft.com/office/drawing/2014/main" xmlns="" id="{55099B0B-E488-4F8E-8066-8C43D8D9668D}"/>
+                <a16:creationId xmlns="" xmlns:a16="http://schemas.microsoft.com/office/drawing/2014/main" id="{55099B0B-E488-4F8E-8066-8C43D8D9668D}"/>
               </a:ext>
             </a:extLst>
           </p:cNvPr>
@@ -14531,7 +14533,7 @@
           <p:cNvPr id="5" name="Espace réservé de la date 4">
             <a:extLst>
               <a:ext uri="{FF2B5EF4-FFF2-40B4-BE49-F238E27FC236}">
-                <a16:creationId xmlns:a16="http://schemas.microsoft.com/office/drawing/2014/main" xmlns="" id="{F7B80BB7-74EF-480A-A3E1-D8435997CAFC}"/>
+                <a16:creationId xmlns="" xmlns:a16="http://schemas.microsoft.com/office/drawing/2014/main" id="{F7B80BB7-74EF-480A-A3E1-D8435997CAFC}"/>
               </a:ext>
             </a:extLst>
           </p:cNvPr>
@@ -14549,7 +14551,7 @@
           <a:p>
             <a:fld id="{6EC5A875-3828-4F89-8D4F-E6086058E18D}" type="datetimeFigureOut">
               <a:rPr lang="fr-FR" smtClean="0"/>
-              <a:t>05/12/2017</a:t>
+              <a:t>06/12/2017</a:t>
             </a:fld>
             <a:endParaRPr lang="fr-FR"/>
           </a:p>
@@ -14560,7 +14562,7 @@
           <p:cNvPr id="6" name="Espace réservé du pied de page 5">
             <a:extLst>
               <a:ext uri="{FF2B5EF4-FFF2-40B4-BE49-F238E27FC236}">
-                <a16:creationId xmlns:a16="http://schemas.microsoft.com/office/drawing/2014/main" xmlns="" id="{7959C8C0-0A93-4BE1-B426-1B9E0A9E5BB7}"/>
+                <a16:creationId xmlns="" xmlns:a16="http://schemas.microsoft.com/office/drawing/2014/main" id="{7959C8C0-0A93-4BE1-B426-1B9E0A9E5BB7}"/>
               </a:ext>
             </a:extLst>
           </p:cNvPr>
@@ -14585,7 +14587,7 @@
           <p:cNvPr id="7" name="Espace réservé du numéro de diapositive 6">
             <a:extLst>
               <a:ext uri="{FF2B5EF4-FFF2-40B4-BE49-F238E27FC236}">
-                <a16:creationId xmlns:a16="http://schemas.microsoft.com/office/drawing/2014/main" xmlns="" id="{AAE1EEA0-B4A9-4949-99A1-88F2AC0F4A7C}"/>
+                <a16:creationId xmlns="" xmlns:a16="http://schemas.microsoft.com/office/drawing/2014/main" id="{AAE1EEA0-B4A9-4949-99A1-88F2AC0F4A7C}"/>
               </a:ext>
             </a:extLst>
           </p:cNvPr>
@@ -14679,7 +14681,7 @@
           <a:p>
             <a:fld id="{405F919B-7BE3-4A09-B5A6-9E8832641FD7}" type="datetimeFigureOut">
               <a:rPr lang="fr-FR" smtClean="0"/>
-              <a:t>05/12/2017</a:t>
+              <a:t>06/12/2017</a:t>
             </a:fld>
             <a:endParaRPr lang="fr-FR"/>
           </a:p>
@@ -14762,7 +14764,7 @@
           <p:cNvPr id="2" name="Titre 1">
             <a:extLst>
               <a:ext uri="{FF2B5EF4-FFF2-40B4-BE49-F238E27FC236}">
-                <a16:creationId xmlns:a16="http://schemas.microsoft.com/office/drawing/2014/main" xmlns="" id="{3F4398EC-8782-4D57-ADC9-3089687A9AD5}"/>
+                <a16:creationId xmlns="" xmlns:a16="http://schemas.microsoft.com/office/drawing/2014/main" id="{3F4398EC-8782-4D57-ADC9-3089687A9AD5}"/>
               </a:ext>
             </a:extLst>
           </p:cNvPr>
@@ -14790,7 +14792,7 @@
           <p:cNvPr id="3" name="Espace réservé du texte vertical 2">
             <a:extLst>
               <a:ext uri="{FF2B5EF4-FFF2-40B4-BE49-F238E27FC236}">
-                <a16:creationId xmlns:a16="http://schemas.microsoft.com/office/drawing/2014/main" xmlns="" id="{4B56A725-F0E8-4162-BC5F-E79156DCF256}"/>
+                <a16:creationId xmlns="" xmlns:a16="http://schemas.microsoft.com/office/drawing/2014/main" id="{4B56A725-F0E8-4162-BC5F-E79156DCF256}"/>
               </a:ext>
             </a:extLst>
           </p:cNvPr>
@@ -14847,7 +14849,7 @@
           <p:cNvPr id="4" name="Espace réservé de la date 3">
             <a:extLst>
               <a:ext uri="{FF2B5EF4-FFF2-40B4-BE49-F238E27FC236}">
-                <a16:creationId xmlns:a16="http://schemas.microsoft.com/office/drawing/2014/main" xmlns="" id="{70D2D708-1A85-4397-AB9D-2E0DAEB8F03F}"/>
+                <a16:creationId xmlns="" xmlns:a16="http://schemas.microsoft.com/office/drawing/2014/main" id="{70D2D708-1A85-4397-AB9D-2E0DAEB8F03F}"/>
               </a:ext>
             </a:extLst>
           </p:cNvPr>
@@ -14865,7 +14867,7 @@
           <a:p>
             <a:fld id="{6EC5A875-3828-4F89-8D4F-E6086058E18D}" type="datetimeFigureOut">
               <a:rPr lang="fr-FR" smtClean="0"/>
-              <a:t>05/12/2017</a:t>
+              <a:t>06/12/2017</a:t>
             </a:fld>
             <a:endParaRPr lang="fr-FR"/>
           </a:p>
@@ -14876,7 +14878,7 @@
           <p:cNvPr id="5" name="Espace réservé du pied de page 4">
             <a:extLst>
               <a:ext uri="{FF2B5EF4-FFF2-40B4-BE49-F238E27FC236}">
-                <a16:creationId xmlns:a16="http://schemas.microsoft.com/office/drawing/2014/main" xmlns="" id="{EBCF327E-7CC0-4E4D-BE29-0E656EBB4E96}"/>
+                <a16:creationId xmlns="" xmlns:a16="http://schemas.microsoft.com/office/drawing/2014/main" id="{EBCF327E-7CC0-4E4D-BE29-0E656EBB4E96}"/>
               </a:ext>
             </a:extLst>
           </p:cNvPr>
@@ -14901,7 +14903,7 @@
           <p:cNvPr id="6" name="Espace réservé du numéro de diapositive 5">
             <a:extLst>
               <a:ext uri="{FF2B5EF4-FFF2-40B4-BE49-F238E27FC236}">
-                <a16:creationId xmlns:a16="http://schemas.microsoft.com/office/drawing/2014/main" xmlns="" id="{627A09E8-57AF-4AF5-AEF3-0807A2AF82A2}"/>
+                <a16:creationId xmlns="" xmlns:a16="http://schemas.microsoft.com/office/drawing/2014/main" id="{627A09E8-57AF-4AF5-AEF3-0807A2AF82A2}"/>
               </a:ext>
             </a:extLst>
           </p:cNvPr>
@@ -14960,7 +14962,7 @@
           <p:cNvPr id="2" name="Titre vertical 1">
             <a:extLst>
               <a:ext uri="{FF2B5EF4-FFF2-40B4-BE49-F238E27FC236}">
-                <a16:creationId xmlns:a16="http://schemas.microsoft.com/office/drawing/2014/main" xmlns="" id="{E57B2A7E-E5EC-4746-BDF1-4C8C42DB1918}"/>
+                <a16:creationId xmlns="" xmlns:a16="http://schemas.microsoft.com/office/drawing/2014/main" id="{E57B2A7E-E5EC-4746-BDF1-4C8C42DB1918}"/>
               </a:ext>
             </a:extLst>
           </p:cNvPr>
@@ -14993,7 +14995,7 @@
           <p:cNvPr id="3" name="Espace réservé du texte vertical 2">
             <a:extLst>
               <a:ext uri="{FF2B5EF4-FFF2-40B4-BE49-F238E27FC236}">
-                <a16:creationId xmlns:a16="http://schemas.microsoft.com/office/drawing/2014/main" xmlns="" id="{9EEC7463-36CA-4929-9F29-7D52B0A30C10}"/>
+                <a16:creationId xmlns="" xmlns:a16="http://schemas.microsoft.com/office/drawing/2014/main" id="{9EEC7463-36CA-4929-9F29-7D52B0A30C10}"/>
               </a:ext>
             </a:extLst>
           </p:cNvPr>
@@ -15055,7 +15057,7 @@
           <p:cNvPr id="4" name="Espace réservé de la date 3">
             <a:extLst>
               <a:ext uri="{FF2B5EF4-FFF2-40B4-BE49-F238E27FC236}">
-                <a16:creationId xmlns:a16="http://schemas.microsoft.com/office/drawing/2014/main" xmlns="" id="{B184E05A-6412-47CB-8470-B4A5EEE42A49}"/>
+                <a16:creationId xmlns="" xmlns:a16="http://schemas.microsoft.com/office/drawing/2014/main" id="{B184E05A-6412-47CB-8470-B4A5EEE42A49}"/>
               </a:ext>
             </a:extLst>
           </p:cNvPr>
@@ -15073,7 +15075,7 @@
           <a:p>
             <a:fld id="{6EC5A875-3828-4F89-8D4F-E6086058E18D}" type="datetimeFigureOut">
               <a:rPr lang="fr-FR" smtClean="0"/>
-              <a:t>05/12/2017</a:t>
+              <a:t>06/12/2017</a:t>
             </a:fld>
             <a:endParaRPr lang="fr-FR"/>
           </a:p>
@@ -15084,7 +15086,7 @@
           <p:cNvPr id="5" name="Espace réservé du pied de page 4">
             <a:extLst>
               <a:ext uri="{FF2B5EF4-FFF2-40B4-BE49-F238E27FC236}">
-                <a16:creationId xmlns:a16="http://schemas.microsoft.com/office/drawing/2014/main" xmlns="" id="{EE9C4F30-332F-4EA6-A625-6002BBA68C04}"/>
+                <a16:creationId xmlns="" xmlns:a16="http://schemas.microsoft.com/office/drawing/2014/main" id="{EE9C4F30-332F-4EA6-A625-6002BBA68C04}"/>
               </a:ext>
             </a:extLst>
           </p:cNvPr>
@@ -15109,7 +15111,7 @@
           <p:cNvPr id="6" name="Espace réservé du numéro de diapositive 5">
             <a:extLst>
               <a:ext uri="{FF2B5EF4-FFF2-40B4-BE49-F238E27FC236}">
-                <a16:creationId xmlns:a16="http://schemas.microsoft.com/office/drawing/2014/main" xmlns="" id="{843F8469-8D0A-4299-8DB7-5ECE450F57D7}"/>
+                <a16:creationId xmlns="" xmlns:a16="http://schemas.microsoft.com/office/drawing/2014/main" id="{843F8469-8D0A-4299-8DB7-5ECE450F57D7}"/>
               </a:ext>
             </a:extLst>
           </p:cNvPr>
@@ -15180,7 +15182,7 @@
           <a:p>
             <a:fld id="{405F919B-7BE3-4A09-B5A6-9E8832641FD7}" type="datetimeFigureOut">
               <a:rPr lang="fr-FR" smtClean="0"/>
-              <a:t>05/12/2017</a:t>
+              <a:t>06/12/2017</a:t>
             </a:fld>
             <a:endParaRPr lang="fr-FR"/>
           </a:p>
@@ -15459,7 +15461,7 @@
           <a:p>
             <a:fld id="{405F919B-7BE3-4A09-B5A6-9E8832641FD7}" type="datetimeFigureOut">
               <a:rPr lang="fr-FR" smtClean="0"/>
-              <a:t>05/12/2017</a:t>
+              <a:t>06/12/2017</a:t>
             </a:fld>
             <a:endParaRPr lang="fr-FR"/>
           </a:p>
@@ -15734,7 +15736,7 @@
           <a:p>
             <a:fld id="{405F919B-7BE3-4A09-B5A6-9E8832641FD7}" type="datetimeFigureOut">
               <a:rPr lang="fr-FR" smtClean="0"/>
-              <a:t>05/12/2017</a:t>
+              <a:t>06/12/2017</a:t>
             </a:fld>
             <a:endParaRPr lang="fr-FR"/>
           </a:p>
@@ -16163,7 +16165,7 @@
           <a:p>
             <a:fld id="{405F919B-7BE3-4A09-B5A6-9E8832641FD7}" type="datetimeFigureOut">
               <a:rPr lang="fr-FR" smtClean="0"/>
-              <a:t>05/12/2017</a:t>
+              <a:t>06/12/2017</a:t>
             </a:fld>
             <a:endParaRPr lang="fr-FR"/>
           </a:p>
@@ -16701,7 +16703,7 @@
           <p:cNvPr id="2" name="Espace réservé du titre 1">
             <a:extLst>
               <a:ext uri="{FF2B5EF4-FFF2-40B4-BE49-F238E27FC236}">
-                <a16:creationId xmlns:a16="http://schemas.microsoft.com/office/drawing/2014/main" xmlns="" id="{A62644BC-2AB3-4F68-9120-582F5E4C35FA}"/>
+                <a16:creationId xmlns="" xmlns:a16="http://schemas.microsoft.com/office/drawing/2014/main" id="{A62644BC-2AB3-4F68-9120-582F5E4C35FA}"/>
               </a:ext>
             </a:extLst>
           </p:cNvPr>
@@ -16739,7 +16741,7 @@
           <p:cNvPr id="3" name="Espace réservé du texte 2">
             <a:extLst>
               <a:ext uri="{FF2B5EF4-FFF2-40B4-BE49-F238E27FC236}">
-                <a16:creationId xmlns:a16="http://schemas.microsoft.com/office/drawing/2014/main" xmlns="" id="{C31DA899-61A0-48AE-8B7E-5CAB26E1C779}"/>
+                <a16:creationId xmlns="" xmlns:a16="http://schemas.microsoft.com/office/drawing/2014/main" id="{C31DA899-61A0-48AE-8B7E-5CAB26E1C779}"/>
               </a:ext>
             </a:extLst>
           </p:cNvPr>
@@ -16806,7 +16808,7 @@
           <p:cNvPr id="4" name="Espace réservé de la date 3">
             <a:extLst>
               <a:ext uri="{FF2B5EF4-FFF2-40B4-BE49-F238E27FC236}">
-                <a16:creationId xmlns:a16="http://schemas.microsoft.com/office/drawing/2014/main" xmlns="" id="{B92736C5-54EB-4FA4-95BB-4F01D2237CE6}"/>
+                <a16:creationId xmlns="" xmlns:a16="http://schemas.microsoft.com/office/drawing/2014/main" id="{B92736C5-54EB-4FA4-95BB-4F01D2237CE6}"/>
               </a:ext>
             </a:extLst>
           </p:cNvPr>
@@ -16842,7 +16844,7 @@
           <a:p>
             <a:fld id="{5D366F3F-29A8-4E9A-8EC8-128588FA599B}" type="datetimeFigureOut">
               <a:rPr lang="fr-FR" smtClean="0"/>
-              <a:t>05/12/2017</a:t>
+              <a:t>06/12/2017</a:t>
             </a:fld>
             <a:endParaRPr lang="fr-FR"/>
           </a:p>
@@ -16853,7 +16855,7 @@
           <p:cNvPr id="5" name="Espace réservé du pied de page 4">
             <a:extLst>
               <a:ext uri="{FF2B5EF4-FFF2-40B4-BE49-F238E27FC236}">
-                <a16:creationId xmlns:a16="http://schemas.microsoft.com/office/drawing/2014/main" xmlns="" id="{F7AFB2D4-2FF9-4D60-81CD-BAE794E57884}"/>
+                <a16:creationId xmlns="" xmlns:a16="http://schemas.microsoft.com/office/drawing/2014/main" id="{F7AFB2D4-2FF9-4D60-81CD-BAE794E57884}"/>
               </a:ext>
             </a:extLst>
           </p:cNvPr>
@@ -16896,7 +16898,7 @@
           <p:cNvPr id="6" name="Espace réservé du numéro de diapositive 5">
             <a:extLst>
               <a:ext uri="{FF2B5EF4-FFF2-40B4-BE49-F238E27FC236}">
-                <a16:creationId xmlns:a16="http://schemas.microsoft.com/office/drawing/2014/main" xmlns="" id="{D237F7F9-523E-42F3-8C32-BEC183AE541F}"/>
+                <a16:creationId xmlns="" xmlns:a16="http://schemas.microsoft.com/office/drawing/2014/main" id="{D237F7F9-523E-42F3-8C32-BEC183AE541F}"/>
               </a:ext>
             </a:extLst>
           </p:cNvPr>
@@ -17269,7 +17271,7 @@
           <p:cNvPr id="2" name="Espace réservé du titre 1">
             <a:extLst>
               <a:ext uri="{FF2B5EF4-FFF2-40B4-BE49-F238E27FC236}">
-                <a16:creationId xmlns:a16="http://schemas.microsoft.com/office/drawing/2014/main" xmlns="" id="{05A77DA5-4E72-41D0-8D40-CE564BD1A494}"/>
+                <a16:creationId xmlns="" xmlns:a16="http://schemas.microsoft.com/office/drawing/2014/main" id="{05A77DA5-4E72-41D0-8D40-CE564BD1A494}"/>
               </a:ext>
             </a:extLst>
           </p:cNvPr>
@@ -17307,7 +17309,7 @@
           <p:cNvPr id="3" name="Espace réservé du texte 2">
             <a:extLst>
               <a:ext uri="{FF2B5EF4-FFF2-40B4-BE49-F238E27FC236}">
-                <a16:creationId xmlns:a16="http://schemas.microsoft.com/office/drawing/2014/main" xmlns="" id="{499DCDFC-4193-493A-85A1-1D4AE6D3BD5E}"/>
+                <a16:creationId xmlns="" xmlns:a16="http://schemas.microsoft.com/office/drawing/2014/main" id="{499DCDFC-4193-493A-85A1-1D4AE6D3BD5E}"/>
               </a:ext>
             </a:extLst>
           </p:cNvPr>
@@ -17374,7 +17376,7 @@
           <p:cNvPr id="4" name="Espace réservé de la date 3">
             <a:extLst>
               <a:ext uri="{FF2B5EF4-FFF2-40B4-BE49-F238E27FC236}">
-                <a16:creationId xmlns:a16="http://schemas.microsoft.com/office/drawing/2014/main" xmlns="" id="{CC81E24F-84EB-42A7-B1E1-CC53FBAB2E31}"/>
+                <a16:creationId xmlns="" xmlns:a16="http://schemas.microsoft.com/office/drawing/2014/main" id="{CC81E24F-84EB-42A7-B1E1-CC53FBAB2E31}"/>
               </a:ext>
             </a:extLst>
           </p:cNvPr>
@@ -17410,7 +17412,7 @@
           <a:p>
             <a:fld id="{01DD11F6-4236-43AF-BDF9-0522C8D9B12E}" type="datetimeFigureOut">
               <a:rPr lang="fr-FR" smtClean="0"/>
-              <a:t>05/12/2017</a:t>
+              <a:t>06/12/2017</a:t>
             </a:fld>
             <a:endParaRPr lang="fr-FR"/>
           </a:p>
@@ -17421,7 +17423,7 @@
           <p:cNvPr id="5" name="Espace réservé du pied de page 4">
             <a:extLst>
               <a:ext uri="{FF2B5EF4-FFF2-40B4-BE49-F238E27FC236}">
-                <a16:creationId xmlns:a16="http://schemas.microsoft.com/office/drawing/2014/main" xmlns="" id="{22A8E73B-1D8D-4B5B-AFBB-0648BB49D8FB}"/>
+                <a16:creationId xmlns="" xmlns:a16="http://schemas.microsoft.com/office/drawing/2014/main" id="{22A8E73B-1D8D-4B5B-AFBB-0648BB49D8FB}"/>
               </a:ext>
             </a:extLst>
           </p:cNvPr>
@@ -17464,7 +17466,7 @@
           <p:cNvPr id="6" name="Espace réservé du numéro de diapositive 5">
             <a:extLst>
               <a:ext uri="{FF2B5EF4-FFF2-40B4-BE49-F238E27FC236}">
-                <a16:creationId xmlns:a16="http://schemas.microsoft.com/office/drawing/2014/main" xmlns="" id="{606098B7-2C11-48D5-99EA-707E518E0D13}"/>
+                <a16:creationId xmlns="" xmlns:a16="http://schemas.microsoft.com/office/drawing/2014/main" id="{606098B7-2C11-48D5-99EA-707E518E0D13}"/>
               </a:ext>
             </a:extLst>
           </p:cNvPr>
@@ -17837,7 +17839,7 @@
           <p:cNvPr id="2" name="Espace réservé du titre 1">
             <a:extLst>
               <a:ext uri="{FF2B5EF4-FFF2-40B4-BE49-F238E27FC236}">
-                <a16:creationId xmlns:a16="http://schemas.microsoft.com/office/drawing/2014/main" xmlns="" id="{E699EB15-EE50-4AE3-9A45-C6FCB5680554}"/>
+                <a16:creationId xmlns="" xmlns:a16="http://schemas.microsoft.com/office/drawing/2014/main" id="{E699EB15-EE50-4AE3-9A45-C6FCB5680554}"/>
               </a:ext>
             </a:extLst>
           </p:cNvPr>
@@ -17875,7 +17877,7 @@
           <p:cNvPr id="3" name="Espace réservé du texte 2">
             <a:extLst>
               <a:ext uri="{FF2B5EF4-FFF2-40B4-BE49-F238E27FC236}">
-                <a16:creationId xmlns:a16="http://schemas.microsoft.com/office/drawing/2014/main" xmlns="" id="{A3960205-A9CE-482A-8570-3DDA7DD373F4}"/>
+                <a16:creationId xmlns="" xmlns:a16="http://schemas.microsoft.com/office/drawing/2014/main" id="{A3960205-A9CE-482A-8570-3DDA7DD373F4}"/>
               </a:ext>
             </a:extLst>
           </p:cNvPr>
@@ -17942,7 +17944,7 @@
           <p:cNvPr id="4" name="Espace réservé de la date 3">
             <a:extLst>
               <a:ext uri="{FF2B5EF4-FFF2-40B4-BE49-F238E27FC236}">
-                <a16:creationId xmlns:a16="http://schemas.microsoft.com/office/drawing/2014/main" xmlns="" id="{9B4ACD21-B72B-47FE-ADED-41CA2AD9F4F0}"/>
+                <a16:creationId xmlns="" xmlns:a16="http://schemas.microsoft.com/office/drawing/2014/main" id="{9B4ACD21-B72B-47FE-ADED-41CA2AD9F4F0}"/>
               </a:ext>
             </a:extLst>
           </p:cNvPr>
@@ -17978,7 +17980,7 @@
           <a:p>
             <a:fld id="{07E34619-D1A7-43AC-A9D5-89689119B714}" type="datetimeFigureOut">
               <a:rPr lang="fr-FR" smtClean="0"/>
-              <a:t>05/12/2017</a:t>
+              <a:t>06/12/2017</a:t>
             </a:fld>
             <a:endParaRPr lang="fr-FR"/>
           </a:p>
@@ -17989,7 +17991,7 @@
           <p:cNvPr id="5" name="Espace réservé du pied de page 4">
             <a:extLst>
               <a:ext uri="{FF2B5EF4-FFF2-40B4-BE49-F238E27FC236}">
-                <a16:creationId xmlns:a16="http://schemas.microsoft.com/office/drawing/2014/main" xmlns="" id="{AE5DDFF3-2106-40B4-ABBF-4B51BF0F9C47}"/>
+                <a16:creationId xmlns="" xmlns:a16="http://schemas.microsoft.com/office/drawing/2014/main" id="{AE5DDFF3-2106-40B4-ABBF-4B51BF0F9C47}"/>
               </a:ext>
             </a:extLst>
           </p:cNvPr>
@@ -18032,7 +18034,7 @@
           <p:cNvPr id="6" name="Espace réservé du numéro de diapositive 5">
             <a:extLst>
               <a:ext uri="{FF2B5EF4-FFF2-40B4-BE49-F238E27FC236}">
-                <a16:creationId xmlns:a16="http://schemas.microsoft.com/office/drawing/2014/main" xmlns="" id="{A0F978E3-2F13-4348-B046-23B3DEB1CB8B}"/>
+                <a16:creationId xmlns="" xmlns:a16="http://schemas.microsoft.com/office/drawing/2014/main" id="{A0F978E3-2F13-4348-B046-23B3DEB1CB8B}"/>
               </a:ext>
             </a:extLst>
           </p:cNvPr>
@@ -18405,7 +18407,7 @@
           <p:cNvPr id="2" name="Espace réservé du titre 1">
             <a:extLst>
               <a:ext uri="{FF2B5EF4-FFF2-40B4-BE49-F238E27FC236}">
-                <a16:creationId xmlns:a16="http://schemas.microsoft.com/office/drawing/2014/main" xmlns="" id="{BA178AF4-5166-473A-84E6-32214C82AD69}"/>
+                <a16:creationId xmlns="" xmlns:a16="http://schemas.microsoft.com/office/drawing/2014/main" id="{BA178AF4-5166-473A-84E6-32214C82AD69}"/>
               </a:ext>
             </a:extLst>
           </p:cNvPr>
@@ -18443,7 +18445,7 @@
           <p:cNvPr id="3" name="Espace réservé du texte 2">
             <a:extLst>
               <a:ext uri="{FF2B5EF4-FFF2-40B4-BE49-F238E27FC236}">
-                <a16:creationId xmlns:a16="http://schemas.microsoft.com/office/drawing/2014/main" xmlns="" id="{7F896BF6-9274-4F9D-BE5B-600E6D84A977}"/>
+                <a16:creationId xmlns="" xmlns:a16="http://schemas.microsoft.com/office/drawing/2014/main" id="{7F896BF6-9274-4F9D-BE5B-600E6D84A977}"/>
               </a:ext>
             </a:extLst>
           </p:cNvPr>
@@ -18510,7 +18512,7 @@
           <p:cNvPr id="4" name="Espace réservé de la date 3">
             <a:extLst>
               <a:ext uri="{FF2B5EF4-FFF2-40B4-BE49-F238E27FC236}">
-                <a16:creationId xmlns:a16="http://schemas.microsoft.com/office/drawing/2014/main" xmlns="" id="{0557DC36-A958-4016-9D96-F735EB89011C}"/>
+                <a16:creationId xmlns="" xmlns:a16="http://schemas.microsoft.com/office/drawing/2014/main" id="{0557DC36-A958-4016-9D96-F735EB89011C}"/>
               </a:ext>
             </a:extLst>
           </p:cNvPr>
@@ -18546,7 +18548,7 @@
           <a:p>
             <a:fld id="{6EC5A875-3828-4F89-8D4F-E6086058E18D}" type="datetimeFigureOut">
               <a:rPr lang="fr-FR" smtClean="0"/>
-              <a:t>05/12/2017</a:t>
+              <a:t>06/12/2017</a:t>
             </a:fld>
             <a:endParaRPr lang="fr-FR"/>
           </a:p>
@@ -18557,7 +18559,7 @@
           <p:cNvPr id="5" name="Espace réservé du pied de page 4">
             <a:extLst>
               <a:ext uri="{FF2B5EF4-FFF2-40B4-BE49-F238E27FC236}">
-                <a16:creationId xmlns:a16="http://schemas.microsoft.com/office/drawing/2014/main" xmlns="" id="{6B99DE09-93BD-4E09-B31B-11342A0B197F}"/>
+                <a16:creationId xmlns="" xmlns:a16="http://schemas.microsoft.com/office/drawing/2014/main" id="{6B99DE09-93BD-4E09-B31B-11342A0B197F}"/>
               </a:ext>
             </a:extLst>
           </p:cNvPr>
@@ -18600,7 +18602,7 @@
           <p:cNvPr id="6" name="Espace réservé du numéro de diapositive 5">
             <a:extLst>
               <a:ext uri="{FF2B5EF4-FFF2-40B4-BE49-F238E27FC236}">
-                <a16:creationId xmlns:a16="http://schemas.microsoft.com/office/drawing/2014/main" xmlns="" id="{A44E5175-1DC0-42C5-A943-6D6151D4BAF1}"/>
+                <a16:creationId xmlns="" xmlns:a16="http://schemas.microsoft.com/office/drawing/2014/main" id="{A44E5175-1DC0-42C5-A943-6D6151D4BAF1}"/>
               </a:ext>
             </a:extLst>
           </p:cNvPr>
@@ -18968,7 +18970,7 @@
           <p:cNvPr id="2" name="Titre 1">
             <a:extLst>
               <a:ext uri="{FF2B5EF4-FFF2-40B4-BE49-F238E27FC236}">
-                <a16:creationId xmlns:a16="http://schemas.microsoft.com/office/drawing/2014/main" xmlns="" id="{FDCADFE2-8753-4937-8F01-AF2B70520236}"/>
+                <a16:creationId xmlns="" xmlns:a16="http://schemas.microsoft.com/office/drawing/2014/main" id="{FDCADFE2-8753-4937-8F01-AF2B70520236}"/>
               </a:ext>
             </a:extLst>
           </p:cNvPr>
@@ -19001,7 +19003,7 @@
           <p:cNvPr id="3" name="Sous-titre 2">
             <a:extLst>
               <a:ext uri="{FF2B5EF4-FFF2-40B4-BE49-F238E27FC236}">
-                <a16:creationId xmlns:a16="http://schemas.microsoft.com/office/drawing/2014/main" xmlns="" id="{388A955C-9163-4BE0-AB22-C467B1B5E3F5}"/>
+                <a16:creationId xmlns="" xmlns:a16="http://schemas.microsoft.com/office/drawing/2014/main" id="{388A955C-9163-4BE0-AB22-C467B1B5E3F5}"/>
               </a:ext>
             </a:extLst>
           </p:cNvPr>
@@ -19063,7 +19065,7 @@
           <p:cNvPr id="4" name="ZoneTexte 3">
             <a:extLst>
               <a:ext uri="{FF2B5EF4-FFF2-40B4-BE49-F238E27FC236}">
-                <a16:creationId xmlns:a16="http://schemas.microsoft.com/office/drawing/2014/main" xmlns="" id="{F8C2C9EB-5520-4133-B094-44DE8A7FC075}"/>
+                <a16:creationId xmlns="" xmlns:a16="http://schemas.microsoft.com/office/drawing/2014/main" id="{F8C2C9EB-5520-4133-B094-44DE8A7FC075}"/>
               </a:ext>
             </a:extLst>
           </p:cNvPr>
@@ -19128,7 +19130,7 @@
           <p:cNvPr id="2" name="Titre 1">
             <a:extLst>
               <a:ext uri="{FF2B5EF4-FFF2-40B4-BE49-F238E27FC236}">
-                <a16:creationId xmlns:a16="http://schemas.microsoft.com/office/drawing/2014/main" xmlns="" id="{9FE37EB2-BF12-46CA-969D-30BC4C0614BD}"/>
+                <a16:creationId xmlns="" xmlns:a16="http://schemas.microsoft.com/office/drawing/2014/main" id="{9FE37EB2-BF12-46CA-969D-30BC4C0614BD}"/>
               </a:ext>
             </a:extLst>
           </p:cNvPr>
@@ -19157,7 +19159,7 @@
           <p:cNvPr id="3" name="Espace réservé du contenu 2">
             <a:extLst>
               <a:ext uri="{FF2B5EF4-FFF2-40B4-BE49-F238E27FC236}">
-                <a16:creationId xmlns:a16="http://schemas.microsoft.com/office/drawing/2014/main" xmlns="" id="{020F91D5-A00D-4548-A12F-D25B1D259D08}"/>
+                <a16:creationId xmlns="" xmlns:a16="http://schemas.microsoft.com/office/drawing/2014/main" id="{020F91D5-A00D-4548-A12F-D25B1D259D08}"/>
               </a:ext>
             </a:extLst>
           </p:cNvPr>
@@ -19172,42 +19174,6 @@
         <p:txBody>
           <a:bodyPr/>
           <a:lstStyle/>
-          <a:p>
-            <a:pPr algn="just"/>
-            <a:r>
-              <a:rPr lang="fr-FR" dirty="0" smtClean="0"/>
-              <a:t>Programmation</a:t>
-            </a:r>
-          </a:p>
-          <a:p>
-            <a:pPr lvl="1" algn="just"/>
-            <a:r>
-              <a:rPr lang="fr-FR" dirty="0" smtClean="0"/>
-              <a:t>Script </a:t>
-            </a:r>
-            <a:r>
-              <a:rPr lang="fr-FR" dirty="0"/>
-              <a:t>d’autorisation d’accès, de partage…</a:t>
-            </a:r>
-          </a:p>
-          <a:p>
-            <a:pPr lvl="1" algn="just"/>
-            <a:r>
-              <a:rPr lang="fr-FR" dirty="0"/>
-              <a:t>Script de récupération des données et affichage de manière simplifiée</a:t>
-            </a:r>
-          </a:p>
-          <a:p>
-            <a:pPr algn="just"/>
-            <a:r>
-              <a:rPr lang="fr-FR" dirty="0"/>
-              <a:t>Utilisation de power </a:t>
-            </a:r>
-            <a:r>
-              <a:rPr lang="fr-FR" dirty="0" smtClean="0"/>
-              <a:t>Shell</a:t>
-            </a:r>
-          </a:p>
           <a:p>
             <a:pPr algn="just"/>
             <a:endParaRPr lang="fr-FR" dirty="0" smtClean="0"/>
@@ -19227,12 +19193,12 @@
               <a:t> </a:t>
             </a:r>
             <a:r>
-              <a:rPr lang="fr-FR" dirty="0" err="1"/>
-              <a:t>permmettant</a:t>
+              <a:rPr lang="fr-FR" dirty="0" smtClean="0"/>
+              <a:t>permettant </a:t>
             </a:r>
             <a:r>
               <a:rPr lang="fr-FR" dirty="0"/>
-              <a:t> d'administrer les droits dans un répertoire </a:t>
+              <a:t>d'administrer les droits dans un répertoire </a:t>
             </a:r>
             <a:r>
               <a:rPr lang="fr-FR" dirty="0" err="1"/>
@@ -19240,13 +19206,28 @@
             </a:r>
             <a:r>
               <a:rPr lang="fr-FR" dirty="0"/>
-              <a:t> de façon, claire, précise, pratique, et massive.</a:t>
-            </a:r>
+              <a:t> de façon, claire, précise, pratique, et massive</a:t>
+            </a:r>
+            <a:r>
+              <a:rPr lang="fr-FR" dirty="0" smtClean="0"/>
+              <a:t>.</a:t>
+            </a:r>
+          </a:p>
+          <a:p>
+            <a:pPr algn="just"/>
             <a:endParaRPr lang="fr-FR" dirty="0"/>
           </a:p>
           <a:p>
+            <a:pPr algn="just"/>
+            <a:r>
+              <a:rPr lang="fr-FR" dirty="0" smtClean="0"/>
+              <a:t>IHM PS</a:t>
+            </a:r>
             <a:endParaRPr lang="fr-FR" dirty="0"/>
           </a:p>
+          <a:p>
+            <a:endParaRPr lang="fr-FR" dirty="0"/>
+          </a:p>
         </p:txBody>
       </p:sp>
       <p:sp>
@@ -19254,7 +19235,7 @@
           <p:cNvPr id="4" name="ZoneTexte 3">
             <a:extLst>
               <a:ext uri="{FF2B5EF4-FFF2-40B4-BE49-F238E27FC236}">
-                <a16:creationId xmlns:a16="http://schemas.microsoft.com/office/drawing/2014/main" xmlns="" id="{EEDBDD41-BCE1-4CA5-825D-2BC06C22590D}"/>
+                <a16:creationId xmlns="" xmlns:a16="http://schemas.microsoft.com/office/drawing/2014/main" id="{EEDBDD41-BCE1-4CA5-825D-2BC06C22590D}"/>
               </a:ext>
             </a:extLst>
           </p:cNvPr>
@@ -19332,7 +19313,7 @@
             <a:pPr algn="ctr"/>
             <a:r>
               <a:rPr lang="fr-FR" dirty="0" smtClean="0"/>
-              <a:t>Etapes	</a:t>
+              <a:t>Déroulement du script</a:t>
             </a:r>
             <a:endParaRPr lang="fr-FR" dirty="0"/>
           </a:p>
@@ -19350,106 +19331,117 @@
         </p:nvSpPr>
         <p:spPr/>
         <p:txBody>
-          <a:bodyPr/>
-          <a:lstStyle/>
-          <a:p>
-            <a:pPr marL="457200" indent="-457200">
+          <a:bodyPr>
+            <a:normAutofit fontScale="92500" lnSpcReduction="10000"/>
+          </a:bodyPr>
+          <a:lstStyle/>
+          <a:p>
+            <a:pPr marL="457200" indent="-457200" algn="just">
               <a:buFont typeface="+mj-lt"/>
               <a:buAutoNum type="arabicPeriod"/>
             </a:pPr>
             <a:r>
               <a:rPr lang="fr-FR" dirty="0" smtClean="0"/>
-              <a:t>Récupérer les </a:t>
+              <a:t>Récupérer le contenu de l’annuaire de permissions d’un domaine donné dans un fichier </a:t>
+            </a:r>
+            <a:r>
+              <a:rPr lang="fr-FR" dirty="0" smtClean="0"/>
+              <a:t>.</a:t>
             </a:r>
             <a:r>
               <a:rPr lang="fr-FR" dirty="0" err="1" smtClean="0"/>
-              <a:t>ACEs</a:t>
+              <a:t>txt</a:t>
             </a:r>
             <a:r>
               <a:rPr lang="fr-FR" dirty="0" smtClean="0"/>
-              <a:t> d’un répertoire donné en prenant en compte son type et ses paramètres</a:t>
-            </a:r>
-          </a:p>
-          <a:p>
-            <a:pPr marL="457200" indent="-457200">
+              <a:t> ou .csv</a:t>
+            </a:r>
+            <a:endParaRPr lang="fr-FR" dirty="0" smtClean="0"/>
+          </a:p>
+          <a:p>
+            <a:pPr marL="457200" indent="-457200" algn="just">
               <a:buFont typeface="+mj-lt"/>
               <a:buAutoNum type="arabicPeriod"/>
             </a:pPr>
             <a:r>
               <a:rPr lang="fr-FR" dirty="0" smtClean="0"/>
-              <a:t>Création d’une sauvegarde de l’ACL actuelle si elle n’existe pas</a:t>
-            </a:r>
-          </a:p>
-          <a:p>
-            <a:pPr marL="457200" indent="-457200">
+              <a:t>Création </a:t>
+            </a:r>
+            <a:r>
+              <a:rPr lang="fr-FR" dirty="0" smtClean="0"/>
+              <a:t>d’une sauvegarde de </a:t>
+            </a:r>
+            <a:r>
+              <a:rPr lang="fr-FR" dirty="0" smtClean="0"/>
+              <a:t>l’annuaire actuel </a:t>
+            </a:r>
+            <a:r>
+              <a:rPr lang="fr-FR" dirty="0" smtClean="0"/>
+              <a:t>si elle n’existe </a:t>
+            </a:r>
+            <a:r>
+              <a:rPr lang="fr-FR" dirty="0" smtClean="0"/>
+              <a:t>pas, et si elle existe alors donner la possibilité de revenir à celle-ci</a:t>
+            </a:r>
+          </a:p>
+          <a:p>
+            <a:pPr marL="457200" indent="-457200" algn="just">
               <a:buFont typeface="+mj-lt"/>
               <a:buAutoNum type="arabicPeriod"/>
             </a:pPr>
             <a:r>
+              <a:rPr lang="fr-FR" dirty="0"/>
+              <a:t>Affichage du fichier précédemment créé pour donner une vision d’ensemble à </a:t>
+            </a:r>
+            <a:r>
               <a:rPr lang="fr-FR" dirty="0" smtClean="0"/>
-              <a:t>Exploiter les informations récupérés en les affichants de manière ordonné</a:t>
-            </a:r>
-            <a:endParaRPr lang="fr-FR" dirty="0"/>
-          </a:p>
-          <a:p>
-            <a:pPr marL="457200" indent="-457200">
+              <a:t>l’utilisateur</a:t>
+            </a:r>
+            <a:endParaRPr lang="fr-FR" dirty="0" smtClean="0"/>
+          </a:p>
+          <a:p>
+            <a:pPr marL="457200" indent="-457200" algn="just">
               <a:buFont typeface="+mj-lt"/>
               <a:buAutoNum type="arabicPeriod"/>
             </a:pPr>
             <a:r>
+              <a:rPr lang="fr-FR" dirty="0"/>
+              <a:t>Affichage des </a:t>
+            </a:r>
+            <a:r>
               <a:rPr lang="fr-FR" dirty="0" smtClean="0"/>
-              <a:t>On récupère les objets groupes et utilisateurs</a:t>
-            </a:r>
-          </a:p>
-          <a:p>
-            <a:pPr marL="457200" indent="-457200">
+              <a:t>actions possible à l’utilisateur (Sauvegarde, modification et Export-Nouvelle backup)</a:t>
+            </a:r>
+            <a:endParaRPr lang="fr-FR" dirty="0" smtClean="0"/>
+          </a:p>
+          <a:p>
+            <a:pPr marL="457200" indent="-457200" algn="just">
               <a:buFont typeface="+mj-lt"/>
               <a:buAutoNum type="arabicPeriod"/>
             </a:pPr>
             <a:r>
               <a:rPr lang="fr-FR" dirty="0" smtClean="0"/>
-              <a:t>Afficher la liste des actions possible avec les objets groupes et utilisateurs récupéré précédemment</a:t>
-            </a:r>
-          </a:p>
-          <a:p>
-            <a:pPr marL="457200" indent="-457200">
+              <a:t>Exécution des scripts en fonction du choix de l’utilisateur (ajout, modification et suppression</a:t>
+            </a:r>
+            <a:r>
+              <a:rPr lang="fr-FR" dirty="0"/>
+              <a:t> des permissions</a:t>
+            </a:r>
+            <a:r>
+              <a:rPr lang="fr-FR" dirty="0" smtClean="0"/>
+              <a:t>)</a:t>
+            </a:r>
+          </a:p>
+          <a:p>
+            <a:pPr marL="457200" indent="-457200" algn="just">
               <a:buFont typeface="+mj-lt"/>
               <a:buAutoNum type="arabicPeriod"/>
             </a:pPr>
             <a:r>
               <a:rPr lang="fr-FR" dirty="0" smtClean="0"/>
-              <a:t>Edition de nouvelles </a:t>
-            </a:r>
-            <a:r>
-              <a:rPr lang="fr-FR" dirty="0" err="1" smtClean="0"/>
-              <a:t>ACLs</a:t>
-            </a:r>
-            <a:r>
-              <a:rPr lang="fr-FR" dirty="0"/>
-              <a:t> </a:t>
-            </a:r>
-            <a:r>
-              <a:rPr lang="fr-FR" dirty="0" smtClean="0"/>
-              <a:t>en fonction du choix de l’utilisateur</a:t>
-            </a:r>
-          </a:p>
-          <a:p>
-            <a:pPr marL="457200" indent="-457200">
-              <a:buFont typeface="+mj-lt"/>
-              <a:buAutoNum type="arabicPeriod"/>
-            </a:pPr>
-            <a:r>
-              <a:rPr lang="fr-FR" dirty="0" smtClean="0"/>
-              <a:t>Intégration de toutes les </a:t>
-            </a:r>
-            <a:r>
-              <a:rPr lang="fr-FR" dirty="0" err="1" smtClean="0"/>
-              <a:t>ACLs</a:t>
-            </a:r>
-            <a:r>
-              <a:rPr lang="fr-FR" dirty="0" smtClean="0"/>
-              <a:t> précédemment créée</a:t>
-            </a:r>
+              <a:t>Au moment de fermer le programme, sauvegarde des modifications ou conservation de la version initiale</a:t>
+            </a:r>
+            <a:endParaRPr lang="fr-FR" dirty="0"/>
           </a:p>
         </p:txBody>
       </p:sp>
@@ -19458,7 +19450,7 @@
           <p:cNvPr id="4" name="ZoneTexte 3">
             <a:extLst>
               <a:ext uri="{FF2B5EF4-FFF2-40B4-BE49-F238E27FC236}">
-                <a16:creationId xmlns:a16="http://schemas.microsoft.com/office/drawing/2014/main" xmlns="" id="{EEDBDD41-BCE1-4CA5-825D-2BC06C22590D}"/>
+                <a16:creationId xmlns="" xmlns:a16="http://schemas.microsoft.com/office/drawing/2014/main" id="{EEDBDD41-BCE1-4CA5-825D-2BC06C22590D}"/>
               </a:ext>
             </a:extLst>
           </p:cNvPr>
@@ -19492,6 +19484,940 @@
     <p:extLst>
       <p:ext uri="{BB962C8B-B14F-4D97-AF65-F5344CB8AC3E}">
         <p14:creationId xmlns:p14="http://schemas.microsoft.com/office/powerpoint/2010/main" val="2133555090"/>
+      </p:ext>
+    </p:extLst>
+  </p:cSld>
+  <p:clrMapOvr>
+    <a:masterClrMapping/>
+  </p:clrMapOvr>
+</p:sld>
+</file>
+
+<file path=ppt/slides/slide4.xml><?xml version="1.0" encoding="utf-8"?>
+<p:sld xmlns:a="http://schemas.openxmlformats.org/drawingml/2006/main" xmlns:r="http://schemas.openxmlformats.org/officeDocument/2006/relationships" xmlns:p="http://schemas.openxmlformats.org/presentationml/2006/main">
+  <p:cSld>
+    <p:spTree>
+      <p:nvGrpSpPr>
+        <p:cNvPr id="1" name=""/>
+        <p:cNvGrpSpPr/>
+        <p:nvPr/>
+      </p:nvGrpSpPr>
+      <p:grpSpPr>
+        <a:xfrm>
+          <a:off x="0" y="0"/>
+          <a:ext cx="0" cy="0"/>
+          <a:chOff x="0" y="0"/>
+          <a:chExt cx="0" cy="0"/>
+        </a:xfrm>
+      </p:grpSpPr>
+      <p:sp>
+        <p:nvSpPr>
+          <p:cNvPr id="2" name="Titre 1"/>
+          <p:cNvSpPr>
+            <a:spLocks noGrp="1"/>
+          </p:cNvSpPr>
+          <p:nvPr>
+            <p:ph type="title"/>
+          </p:nvPr>
+        </p:nvSpPr>
+        <p:spPr/>
+        <p:txBody>
+          <a:bodyPr/>
+          <a:lstStyle/>
+          <a:p>
+            <a:pPr algn="ctr"/>
+            <a:r>
+              <a:rPr lang="fr-FR" dirty="0" smtClean="0"/>
+              <a:t>Etapes</a:t>
+            </a:r>
+            <a:endParaRPr lang="fr-FR" dirty="0"/>
+          </a:p>
+        </p:txBody>
+      </p:sp>
+      <p:sp>
+        <p:nvSpPr>
+          <p:cNvPr id="3" name="Espace réservé du contenu 2"/>
+          <p:cNvSpPr>
+            <a:spLocks noGrp="1"/>
+          </p:cNvSpPr>
+          <p:nvPr>
+            <p:ph idx="1"/>
+          </p:nvPr>
+        </p:nvSpPr>
+        <p:spPr/>
+        <p:txBody>
+          <a:bodyPr/>
+          <a:lstStyle/>
+          <a:p>
+            <a:pPr marL="457200" indent="-457200">
+              <a:buFont typeface="+mj-lt"/>
+              <a:buAutoNum type="arabicPeriod"/>
+            </a:pPr>
+            <a:r>
+              <a:rPr lang="fr-FR" dirty="0" smtClean="0"/>
+              <a:t>Documentation</a:t>
+            </a:r>
+          </a:p>
+          <a:p>
+            <a:pPr marL="457200" indent="-457200">
+              <a:buFont typeface="+mj-lt"/>
+              <a:buAutoNum type="arabicPeriod"/>
+            </a:pPr>
+            <a:r>
+              <a:rPr lang="fr-FR" dirty="0" smtClean="0"/>
+              <a:t>Faire un menu</a:t>
+            </a:r>
+          </a:p>
+          <a:p>
+            <a:pPr marL="457200" indent="-457200">
+              <a:buFont typeface="+mj-lt"/>
+              <a:buAutoNum type="arabicPeriod"/>
+            </a:pPr>
+            <a:r>
+              <a:rPr lang="fr-FR" dirty="0" smtClean="0"/>
+              <a:t>Faire les fonctions</a:t>
+            </a:r>
+          </a:p>
+          <a:p>
+            <a:pPr marL="457200" indent="-457200">
+              <a:buFont typeface="+mj-lt"/>
+              <a:buAutoNum type="arabicPeriod"/>
+            </a:pPr>
+            <a:endParaRPr lang="fr-FR" dirty="0" smtClean="0"/>
+          </a:p>
+          <a:p>
+            <a:pPr marL="457200" indent="-457200">
+              <a:buFont typeface="+mj-lt"/>
+              <a:buAutoNum type="arabicPeriod"/>
+            </a:pPr>
+            <a:endParaRPr lang="fr-FR" dirty="0"/>
+          </a:p>
+        </p:txBody>
+      </p:sp>
+    </p:spTree>
+    <p:extLst>
+      <p:ext uri="{BB962C8B-B14F-4D97-AF65-F5344CB8AC3E}">
+        <p14:creationId xmlns:p14="http://schemas.microsoft.com/office/powerpoint/2010/main" val="1258277348"/>
+      </p:ext>
+    </p:extLst>
+  </p:cSld>
+  <p:clrMapOvr>
+    <a:masterClrMapping/>
+  </p:clrMapOvr>
+</p:sld>
+</file>
+
+<file path=ppt/slides/slide5.xml><?xml version="1.0" encoding="utf-8"?>
+<p:sld xmlns:a="http://schemas.openxmlformats.org/drawingml/2006/main" xmlns:r="http://schemas.openxmlformats.org/officeDocument/2006/relationships" xmlns:p="http://schemas.openxmlformats.org/presentationml/2006/main">
+  <p:cSld>
+    <p:spTree>
+      <p:nvGrpSpPr>
+        <p:cNvPr id="1" name=""/>
+        <p:cNvGrpSpPr/>
+        <p:nvPr/>
+      </p:nvGrpSpPr>
+      <p:grpSpPr>
+        <a:xfrm>
+          <a:off x="0" y="0"/>
+          <a:ext cx="0" cy="0"/>
+          <a:chOff x="0" y="0"/>
+          <a:chExt cx="0" cy="0"/>
+        </a:xfrm>
+      </p:grpSpPr>
+      <p:sp>
+        <p:nvSpPr>
+          <p:cNvPr id="2" name="Titre 1"/>
+          <p:cNvSpPr>
+            <a:spLocks noGrp="1"/>
+          </p:cNvSpPr>
+          <p:nvPr>
+            <p:ph type="title"/>
+          </p:nvPr>
+        </p:nvSpPr>
+        <p:spPr/>
+        <p:txBody>
+          <a:bodyPr/>
+          <a:lstStyle/>
+          <a:p>
+            <a:r>
+              <a:rPr lang="fr-FR" dirty="0" smtClean="0"/>
+              <a:t>Répartitions des taches</a:t>
+            </a:r>
+            <a:endParaRPr lang="fr-FR" dirty="0"/>
+          </a:p>
+        </p:txBody>
+      </p:sp>
+      <p:graphicFrame>
+        <p:nvGraphicFramePr>
+          <p:cNvPr id="5" name="Tableau 4"/>
+          <p:cNvGraphicFramePr>
+            <a:graphicFrameLocks noGrp="1"/>
+          </p:cNvGraphicFramePr>
+          <p:nvPr>
+            <p:extLst>
+              <p:ext uri="{D42A27DB-BD31-4B8C-83A1-F6EECF244321}">
+                <p14:modId xmlns:p14="http://schemas.microsoft.com/office/powerpoint/2010/main" val="25759164"/>
+              </p:ext>
+            </p:extLst>
+          </p:nvPr>
+        </p:nvGraphicFramePr>
+        <p:xfrm>
+          <a:off x="326567" y="2410758"/>
+          <a:ext cx="11669488" cy="2921000"/>
+        </p:xfrm>
+        <a:graphic>
+          <a:graphicData uri="http://schemas.openxmlformats.org/drawingml/2006/table">
+            <a:tbl>
+              <a:tblPr firstRow="1" bandRow="1">
+                <a:tableStyleId>{5C22544A-7EE6-4342-B048-85BDC9FD1C3A}</a:tableStyleId>
+              </a:tblPr>
+              <a:tblGrid>
+                <a:gridCol w="1328062"/>
+                <a:gridCol w="1589310"/>
+                <a:gridCol w="1458686"/>
+                <a:gridCol w="1458686"/>
+                <a:gridCol w="1458686"/>
+                <a:gridCol w="1458686"/>
+                <a:gridCol w="1458686"/>
+                <a:gridCol w="1458686"/>
+              </a:tblGrid>
+              <a:tr h="370840">
+                <a:tc>
+                  <a:txBody>
+                    <a:bodyPr/>
+                    <a:lstStyle/>
+                    <a:p>
+                      <a:endParaRPr lang="fr-FR" sz="1600" dirty="0"/>
+                    </a:p>
+                  </a:txBody>
+                  <a:tcPr/>
+                </a:tc>
+                <a:tc>
+                  <a:txBody>
+                    <a:bodyPr/>
+                    <a:lstStyle/>
+                    <a:p>
+                      <a:pPr marL="0" marR="0" indent="0" algn="l" defTabSz="457200" rtl="0" eaLnBrk="1" fontAlgn="auto" latinLnBrk="0" hangingPunct="1">
+                        <a:lnSpc>
+                          <a:spcPct val="100000"/>
+                        </a:lnSpc>
+                        <a:spcBef>
+                          <a:spcPts val="0"/>
+                        </a:spcBef>
+                        <a:spcAft>
+                          <a:spcPts val="0"/>
+                        </a:spcAft>
+                        <a:buClrTx/>
+                        <a:buSzTx/>
+                        <a:buFontTx/>
+                        <a:buNone/>
+                        <a:tabLst/>
+                        <a:defRPr/>
+                      </a:pPr>
+                      <a:r>
+                        <a:rPr lang="fr-FR" sz="1600" dirty="0" smtClean="0"/>
+                        <a:t>Récupération des informations</a:t>
+                      </a:r>
+                      <a:r>
+                        <a:rPr lang="fr-FR" sz="1600" baseline="0" dirty="0" smtClean="0"/>
+                        <a:t> du domaine</a:t>
+                      </a:r>
+                      <a:endParaRPr lang="fr-FR" sz="1600" dirty="0" smtClean="0"/>
+                    </a:p>
+                  </a:txBody>
+                  <a:tcPr/>
+                </a:tc>
+                <a:tc>
+                  <a:txBody>
+                    <a:bodyPr/>
+                    <a:lstStyle/>
+                    <a:p>
+                      <a:pPr marL="0" marR="0" indent="0" algn="l" defTabSz="457200" rtl="0" eaLnBrk="1" fontAlgn="auto" latinLnBrk="0" hangingPunct="1">
+                        <a:lnSpc>
+                          <a:spcPct val="100000"/>
+                        </a:lnSpc>
+                        <a:spcBef>
+                          <a:spcPts val="0"/>
+                        </a:spcBef>
+                        <a:spcAft>
+                          <a:spcPts val="0"/>
+                        </a:spcAft>
+                        <a:buClrTx/>
+                        <a:buSzTx/>
+                        <a:buFontTx/>
+                        <a:buNone/>
+                        <a:tabLst/>
+                        <a:defRPr/>
+                      </a:pPr>
+                      <a:r>
+                        <a:rPr lang="fr-FR" sz="1600" dirty="0" smtClean="0"/>
+                        <a:t>Transfert et récupération</a:t>
+                      </a:r>
+                      <a:r>
+                        <a:rPr lang="fr-FR" sz="1600" baseline="0" dirty="0" smtClean="0"/>
+                        <a:t> dans un csv ou </a:t>
+                      </a:r>
+                      <a:r>
+                        <a:rPr lang="fr-FR" sz="1600" baseline="0" dirty="0" err="1" smtClean="0"/>
+                        <a:t>txt</a:t>
+                      </a:r>
+                      <a:endParaRPr lang="fr-FR" sz="1600" dirty="0" smtClean="0"/>
+                    </a:p>
+                  </a:txBody>
+                  <a:tcPr/>
+                </a:tc>
+                <a:tc>
+                  <a:txBody>
+                    <a:bodyPr/>
+                    <a:lstStyle/>
+                    <a:p>
+                      <a:pPr marL="0" marR="0" indent="0" algn="l" defTabSz="457200" rtl="0" eaLnBrk="1" fontAlgn="auto" latinLnBrk="0" hangingPunct="1">
+                        <a:lnSpc>
+                          <a:spcPct val="100000"/>
+                        </a:lnSpc>
+                        <a:spcBef>
+                          <a:spcPts val="0"/>
+                        </a:spcBef>
+                        <a:spcAft>
+                          <a:spcPts val="0"/>
+                        </a:spcAft>
+                        <a:buClrTx/>
+                        <a:buSzTx/>
+                        <a:buFontTx/>
+                        <a:buNone/>
+                        <a:tabLst/>
+                        <a:defRPr/>
+                      </a:pPr>
+                      <a:r>
+                        <a:rPr lang="fr-FR" sz="1600" dirty="0" smtClean="0"/>
+                        <a:t>Restauration</a:t>
+                      </a:r>
+                      <a:r>
+                        <a:rPr lang="fr-FR" sz="1600" baseline="0" dirty="0" smtClean="0"/>
+                        <a:t> de toutes les </a:t>
+                      </a:r>
+                      <a:r>
+                        <a:rPr lang="fr-FR" sz="1600" baseline="0" dirty="0" err="1" smtClean="0"/>
+                        <a:t>ACEs</a:t>
+                      </a:r>
+                      <a:endParaRPr lang="fr-FR" sz="1600" dirty="0" smtClean="0"/>
+                    </a:p>
+                  </a:txBody>
+                  <a:tcPr/>
+                </a:tc>
+                <a:tc>
+                  <a:txBody>
+                    <a:bodyPr/>
+                    <a:lstStyle/>
+                    <a:p>
+                      <a:pPr marL="0" marR="0" indent="0" algn="l" defTabSz="457200" rtl="0" eaLnBrk="1" fontAlgn="auto" latinLnBrk="0" hangingPunct="1">
+                        <a:lnSpc>
+                          <a:spcPct val="100000"/>
+                        </a:lnSpc>
+                        <a:spcBef>
+                          <a:spcPts val="0"/>
+                        </a:spcBef>
+                        <a:spcAft>
+                          <a:spcPts val="0"/>
+                        </a:spcAft>
+                        <a:buClrTx/>
+                        <a:buSzTx/>
+                        <a:buFontTx/>
+                        <a:buNone/>
+                        <a:tabLst/>
+                        <a:defRPr/>
+                      </a:pPr>
+                      <a:r>
+                        <a:rPr lang="fr-FR" sz="1600" dirty="0" smtClean="0"/>
+                        <a:t>Restauration</a:t>
+                      </a:r>
+                      <a:r>
+                        <a:rPr lang="fr-FR" sz="1600" baseline="0" dirty="0" smtClean="0"/>
+                        <a:t> de certaines </a:t>
+                      </a:r>
+                      <a:r>
+                        <a:rPr lang="fr-FR" sz="1600" baseline="0" dirty="0" err="1" smtClean="0"/>
+                        <a:t>ACEs</a:t>
+                      </a:r>
+                      <a:endParaRPr lang="fr-FR" sz="1600" dirty="0" smtClean="0"/>
+                    </a:p>
+                  </a:txBody>
+                  <a:tcPr/>
+                </a:tc>
+                <a:tc>
+                  <a:txBody>
+                    <a:bodyPr/>
+                    <a:lstStyle/>
+                    <a:p>
+                      <a:pPr marL="0" marR="0" indent="0" algn="l" defTabSz="457200" rtl="0" eaLnBrk="1" fontAlgn="auto" latinLnBrk="0" hangingPunct="1">
+                        <a:lnSpc>
+                          <a:spcPct val="100000"/>
+                        </a:lnSpc>
+                        <a:spcBef>
+                          <a:spcPts val="0"/>
+                        </a:spcBef>
+                        <a:spcAft>
+                          <a:spcPts val="0"/>
+                        </a:spcAft>
+                        <a:buClrTx/>
+                        <a:buSzTx/>
+                        <a:buFontTx/>
+                        <a:buNone/>
+                        <a:tabLst/>
+                        <a:defRPr/>
+                      </a:pPr>
+                      <a:r>
+                        <a:rPr lang="fr-FR" sz="1600" dirty="0" smtClean="0"/>
+                        <a:t>Modification</a:t>
+                      </a:r>
+                      <a:r>
+                        <a:rPr lang="fr-FR" sz="1600" baseline="0" dirty="0" smtClean="0"/>
+                        <a:t> d’une ACE</a:t>
+                      </a:r>
+                      <a:endParaRPr lang="fr-FR" sz="1600" dirty="0" smtClean="0"/>
+                    </a:p>
+                  </a:txBody>
+                  <a:tcPr/>
+                </a:tc>
+                <a:tc>
+                  <a:txBody>
+                    <a:bodyPr/>
+                    <a:lstStyle/>
+                    <a:p>
+                      <a:pPr marL="0" marR="0" indent="0" algn="l" defTabSz="457200" rtl="0" eaLnBrk="1" fontAlgn="auto" latinLnBrk="0" hangingPunct="1">
+                        <a:lnSpc>
+                          <a:spcPct val="100000"/>
+                        </a:lnSpc>
+                        <a:spcBef>
+                          <a:spcPts val="0"/>
+                        </a:spcBef>
+                        <a:spcAft>
+                          <a:spcPts val="0"/>
+                        </a:spcAft>
+                        <a:buClrTx/>
+                        <a:buSzTx/>
+                        <a:buFontTx/>
+                        <a:buNone/>
+                        <a:tabLst/>
+                        <a:defRPr/>
+                      </a:pPr>
+                      <a:r>
+                        <a:rPr lang="fr-FR" sz="1600" dirty="0" smtClean="0"/>
+                        <a:t>Suppression d’une ACE</a:t>
+                      </a:r>
+                    </a:p>
+                    <a:p>
+                      <a:endParaRPr lang="fr-FR" sz="1600" dirty="0"/>
+                    </a:p>
+                  </a:txBody>
+                  <a:tcPr/>
+                </a:tc>
+                <a:tc>
+                  <a:txBody>
+                    <a:bodyPr/>
+                    <a:lstStyle/>
+                    <a:p>
+                      <a:pPr marL="0" marR="0" indent="0" algn="l" defTabSz="457200" rtl="0" eaLnBrk="1" fontAlgn="auto" latinLnBrk="0" hangingPunct="1">
+                        <a:lnSpc>
+                          <a:spcPct val="100000"/>
+                        </a:lnSpc>
+                        <a:spcBef>
+                          <a:spcPts val="0"/>
+                        </a:spcBef>
+                        <a:spcAft>
+                          <a:spcPts val="0"/>
+                        </a:spcAft>
+                        <a:buClrTx/>
+                        <a:buSzTx/>
+                        <a:buFontTx/>
+                        <a:buNone/>
+                        <a:tabLst/>
+                        <a:defRPr/>
+                      </a:pPr>
+                      <a:r>
+                        <a:rPr lang="fr-FR" sz="1600" dirty="0" smtClean="0"/>
+                        <a:t>Ajout d’une ACE</a:t>
+                      </a:r>
+                    </a:p>
+                    <a:p>
+                      <a:endParaRPr lang="fr-FR" sz="1600" dirty="0"/>
+                    </a:p>
+                  </a:txBody>
+                  <a:tcPr/>
+                </a:tc>
+              </a:tr>
+              <a:tr h="370840">
+                <a:tc>
+                  <a:txBody>
+                    <a:bodyPr/>
+                    <a:lstStyle/>
+                    <a:p>
+                      <a:r>
+                        <a:rPr lang="fr-FR" dirty="0" smtClean="0"/>
+                        <a:t>Jérémy</a:t>
+                      </a:r>
+                    </a:p>
+                  </a:txBody>
+                  <a:tcPr/>
+                </a:tc>
+                <a:tc>
+                  <a:txBody>
+                    <a:bodyPr/>
+                    <a:lstStyle/>
+                    <a:p>
+                      <a:pPr algn="ctr"/>
+                      <a:endParaRPr lang="fr-FR" dirty="0"/>
+                    </a:p>
+                  </a:txBody>
+                  <a:tcPr/>
+                </a:tc>
+                <a:tc>
+                  <a:txBody>
+                    <a:bodyPr/>
+                    <a:lstStyle/>
+                    <a:p>
+                      <a:pPr algn="ctr"/>
+                      <a:endParaRPr lang="fr-FR" dirty="0"/>
+                    </a:p>
+                  </a:txBody>
+                  <a:tcPr/>
+                </a:tc>
+                <a:tc>
+                  <a:txBody>
+                    <a:bodyPr/>
+                    <a:lstStyle/>
+                    <a:p>
+                      <a:pPr algn="ctr"/>
+                      <a:endParaRPr lang="fr-FR"/>
+                    </a:p>
+                  </a:txBody>
+                  <a:tcPr/>
+                </a:tc>
+                <a:tc>
+                  <a:txBody>
+                    <a:bodyPr/>
+                    <a:lstStyle/>
+                    <a:p>
+                      <a:pPr algn="ctr"/>
+                      <a:endParaRPr lang="fr-FR"/>
+                    </a:p>
+                  </a:txBody>
+                  <a:tcPr/>
+                </a:tc>
+                <a:tc>
+                  <a:txBody>
+                    <a:bodyPr/>
+                    <a:lstStyle/>
+                    <a:p>
+                      <a:pPr algn="ctr"/>
+                      <a:endParaRPr lang="fr-FR"/>
+                    </a:p>
+                  </a:txBody>
+                  <a:tcPr/>
+                </a:tc>
+                <a:tc>
+                  <a:txBody>
+                    <a:bodyPr/>
+                    <a:lstStyle/>
+                    <a:p>
+                      <a:pPr algn="ctr"/>
+                      <a:endParaRPr lang="fr-FR"/>
+                    </a:p>
+                  </a:txBody>
+                  <a:tcPr/>
+                </a:tc>
+                <a:tc>
+                  <a:txBody>
+                    <a:bodyPr/>
+                    <a:lstStyle/>
+                    <a:p>
+                      <a:pPr algn="ctr"/>
+                      <a:endParaRPr lang="fr-FR"/>
+                    </a:p>
+                  </a:txBody>
+                  <a:tcPr/>
+                </a:tc>
+              </a:tr>
+              <a:tr h="370840">
+                <a:tc>
+                  <a:txBody>
+                    <a:bodyPr/>
+                    <a:lstStyle/>
+                    <a:p>
+                      <a:r>
+                        <a:rPr lang="fr-FR" dirty="0" smtClean="0"/>
+                        <a:t>Quentin</a:t>
+                      </a:r>
+                      <a:endParaRPr lang="fr-FR" dirty="0"/>
+                    </a:p>
+                  </a:txBody>
+                  <a:tcPr/>
+                </a:tc>
+                <a:tc>
+                  <a:txBody>
+                    <a:bodyPr/>
+                    <a:lstStyle/>
+                    <a:p>
+                      <a:pPr algn="ctr"/>
+                      <a:endParaRPr lang="fr-FR"/>
+                    </a:p>
+                  </a:txBody>
+                  <a:tcPr/>
+                </a:tc>
+                <a:tc>
+                  <a:txBody>
+                    <a:bodyPr/>
+                    <a:lstStyle/>
+                    <a:p>
+                      <a:pPr algn="ctr"/>
+                      <a:endParaRPr lang="fr-FR" dirty="0"/>
+                    </a:p>
+                  </a:txBody>
+                  <a:tcPr/>
+                </a:tc>
+                <a:tc>
+                  <a:txBody>
+                    <a:bodyPr/>
+                    <a:lstStyle/>
+                    <a:p>
+                      <a:pPr algn="ctr"/>
+                      <a:endParaRPr lang="fr-FR" dirty="0"/>
+                    </a:p>
+                  </a:txBody>
+                  <a:tcPr/>
+                </a:tc>
+                <a:tc>
+                  <a:txBody>
+                    <a:bodyPr/>
+                    <a:lstStyle/>
+                    <a:p>
+                      <a:pPr algn="ctr"/>
+                      <a:endParaRPr lang="fr-FR" dirty="0"/>
+                    </a:p>
+                  </a:txBody>
+                  <a:tcPr/>
+                </a:tc>
+                <a:tc>
+                  <a:txBody>
+                    <a:bodyPr/>
+                    <a:lstStyle/>
+                    <a:p>
+                      <a:pPr algn="ctr"/>
+                      <a:endParaRPr lang="fr-FR"/>
+                    </a:p>
+                  </a:txBody>
+                  <a:tcPr/>
+                </a:tc>
+                <a:tc>
+                  <a:txBody>
+                    <a:bodyPr/>
+                    <a:lstStyle/>
+                    <a:p>
+                      <a:pPr algn="ctr"/>
+                      <a:endParaRPr lang="fr-FR"/>
+                    </a:p>
+                  </a:txBody>
+                  <a:tcPr/>
+                </a:tc>
+                <a:tc>
+                  <a:txBody>
+                    <a:bodyPr/>
+                    <a:lstStyle/>
+                    <a:p>
+                      <a:pPr algn="ctr"/>
+                      <a:endParaRPr lang="fr-FR"/>
+                    </a:p>
+                  </a:txBody>
+                  <a:tcPr/>
+                </a:tc>
+              </a:tr>
+              <a:tr h="370840">
+                <a:tc>
+                  <a:txBody>
+                    <a:bodyPr/>
+                    <a:lstStyle/>
+                    <a:p>
+                      <a:r>
+                        <a:rPr lang="fr-FR" dirty="0" err="1" smtClean="0"/>
+                        <a:t>Timothe</a:t>
+                      </a:r>
+                      <a:endParaRPr lang="fr-FR" dirty="0"/>
+                    </a:p>
+                  </a:txBody>
+                  <a:tcPr/>
+                </a:tc>
+                <a:tc>
+                  <a:txBody>
+                    <a:bodyPr/>
+                    <a:lstStyle/>
+                    <a:p>
+                      <a:pPr algn="ctr"/>
+                      <a:endParaRPr lang="fr-FR"/>
+                    </a:p>
+                  </a:txBody>
+                  <a:tcPr/>
+                </a:tc>
+                <a:tc>
+                  <a:txBody>
+                    <a:bodyPr/>
+                    <a:lstStyle/>
+                    <a:p>
+                      <a:pPr algn="ctr"/>
+                      <a:endParaRPr lang="fr-FR"/>
+                    </a:p>
+                  </a:txBody>
+                  <a:tcPr/>
+                </a:tc>
+                <a:tc>
+                  <a:txBody>
+                    <a:bodyPr/>
+                    <a:lstStyle/>
+                    <a:p>
+                      <a:pPr algn="ctr"/>
+                      <a:endParaRPr lang="fr-FR"/>
+                    </a:p>
+                  </a:txBody>
+                  <a:tcPr/>
+                </a:tc>
+                <a:tc>
+                  <a:txBody>
+                    <a:bodyPr/>
+                    <a:lstStyle/>
+                    <a:p>
+                      <a:pPr algn="ctr"/>
+                      <a:endParaRPr lang="fr-FR" dirty="0"/>
+                    </a:p>
+                  </a:txBody>
+                  <a:tcPr/>
+                </a:tc>
+                <a:tc>
+                  <a:txBody>
+                    <a:bodyPr/>
+                    <a:lstStyle/>
+                    <a:p>
+                      <a:pPr algn="ctr"/>
+                      <a:endParaRPr lang="fr-FR" dirty="0"/>
+                    </a:p>
+                  </a:txBody>
+                  <a:tcPr/>
+                </a:tc>
+                <a:tc>
+                  <a:txBody>
+                    <a:bodyPr/>
+                    <a:lstStyle/>
+                    <a:p>
+                      <a:pPr algn="ctr"/>
+                      <a:endParaRPr lang="fr-FR"/>
+                    </a:p>
+                  </a:txBody>
+                  <a:tcPr/>
+                </a:tc>
+                <a:tc>
+                  <a:txBody>
+                    <a:bodyPr/>
+                    <a:lstStyle/>
+                    <a:p>
+                      <a:pPr algn="ctr"/>
+                      <a:endParaRPr lang="fr-FR"/>
+                    </a:p>
+                  </a:txBody>
+                  <a:tcPr/>
+                </a:tc>
+              </a:tr>
+              <a:tr h="370840">
+                <a:tc>
+                  <a:txBody>
+                    <a:bodyPr/>
+                    <a:lstStyle/>
+                    <a:p>
+                      <a:r>
+                        <a:rPr lang="fr-FR" dirty="0" smtClean="0"/>
+                        <a:t>Stéphane</a:t>
+                      </a:r>
+                      <a:endParaRPr lang="fr-FR" dirty="0"/>
+                    </a:p>
+                  </a:txBody>
+                  <a:tcPr/>
+                </a:tc>
+                <a:tc>
+                  <a:txBody>
+                    <a:bodyPr/>
+                    <a:lstStyle/>
+                    <a:p>
+                      <a:pPr algn="ctr"/>
+                      <a:endParaRPr lang="fr-FR"/>
+                    </a:p>
+                  </a:txBody>
+                  <a:tcPr/>
+                </a:tc>
+                <a:tc>
+                  <a:txBody>
+                    <a:bodyPr/>
+                    <a:lstStyle/>
+                    <a:p>
+                      <a:pPr algn="ctr"/>
+                      <a:endParaRPr lang="fr-FR"/>
+                    </a:p>
+                  </a:txBody>
+                  <a:tcPr/>
+                </a:tc>
+                <a:tc>
+                  <a:txBody>
+                    <a:bodyPr/>
+                    <a:lstStyle/>
+                    <a:p>
+                      <a:pPr algn="ctr"/>
+                      <a:endParaRPr lang="fr-FR"/>
+                    </a:p>
+                  </a:txBody>
+                  <a:tcPr/>
+                </a:tc>
+                <a:tc>
+                  <a:txBody>
+                    <a:bodyPr/>
+                    <a:lstStyle/>
+                    <a:p>
+                      <a:pPr algn="ctr"/>
+                      <a:endParaRPr lang="fr-FR"/>
+                    </a:p>
+                  </a:txBody>
+                  <a:tcPr/>
+                </a:tc>
+                <a:tc>
+                  <a:txBody>
+                    <a:bodyPr/>
+                    <a:lstStyle/>
+                    <a:p>
+                      <a:pPr algn="ctr"/>
+                      <a:endParaRPr lang="fr-FR" dirty="0"/>
+                    </a:p>
+                  </a:txBody>
+                  <a:tcPr/>
+                </a:tc>
+                <a:tc>
+                  <a:txBody>
+                    <a:bodyPr/>
+                    <a:lstStyle/>
+                    <a:p>
+                      <a:pPr algn="ctr"/>
+                      <a:endParaRPr lang="fr-FR"/>
+                    </a:p>
+                  </a:txBody>
+                  <a:tcPr/>
+                </a:tc>
+                <a:tc>
+                  <a:txBody>
+                    <a:bodyPr/>
+                    <a:lstStyle/>
+                    <a:p>
+                      <a:pPr algn="ctr"/>
+                      <a:endParaRPr lang="fr-FR"/>
+                    </a:p>
+                  </a:txBody>
+                  <a:tcPr/>
+                </a:tc>
+              </a:tr>
+              <a:tr h="370840">
+                <a:tc>
+                  <a:txBody>
+                    <a:bodyPr/>
+                    <a:lstStyle/>
+                    <a:p>
+                      <a:r>
+                        <a:rPr lang="fr-FR" dirty="0" smtClean="0"/>
+                        <a:t>Benjamin</a:t>
+                      </a:r>
+                      <a:endParaRPr lang="fr-FR" dirty="0"/>
+                    </a:p>
+                  </a:txBody>
+                  <a:tcPr/>
+                </a:tc>
+                <a:tc>
+                  <a:txBody>
+                    <a:bodyPr/>
+                    <a:lstStyle/>
+                    <a:p>
+                      <a:pPr algn="ctr"/>
+                      <a:endParaRPr lang="fr-FR" dirty="0"/>
+                    </a:p>
+                  </a:txBody>
+                  <a:tcPr/>
+                </a:tc>
+                <a:tc>
+                  <a:txBody>
+                    <a:bodyPr/>
+                    <a:lstStyle/>
+                    <a:p>
+                      <a:pPr algn="ctr"/>
+                      <a:endParaRPr lang="fr-FR"/>
+                    </a:p>
+                  </a:txBody>
+                  <a:tcPr/>
+                </a:tc>
+                <a:tc>
+                  <a:txBody>
+                    <a:bodyPr/>
+                    <a:lstStyle/>
+                    <a:p>
+                      <a:pPr algn="ctr"/>
+                      <a:endParaRPr lang="fr-FR"/>
+                    </a:p>
+                  </a:txBody>
+                  <a:tcPr/>
+                </a:tc>
+                <a:tc>
+                  <a:txBody>
+                    <a:bodyPr/>
+                    <a:lstStyle/>
+                    <a:p>
+                      <a:pPr algn="ctr"/>
+                      <a:endParaRPr lang="fr-FR"/>
+                    </a:p>
+                  </a:txBody>
+                  <a:tcPr/>
+                </a:tc>
+                <a:tc>
+                  <a:txBody>
+                    <a:bodyPr/>
+                    <a:lstStyle/>
+                    <a:p>
+                      <a:pPr algn="ctr"/>
+                      <a:endParaRPr lang="fr-FR" dirty="0"/>
+                    </a:p>
+                  </a:txBody>
+                  <a:tcPr/>
+                </a:tc>
+                <a:tc>
+                  <a:txBody>
+                    <a:bodyPr/>
+                    <a:lstStyle/>
+                    <a:p>
+                      <a:pPr algn="ctr"/>
+                      <a:endParaRPr lang="fr-FR" dirty="0"/>
+                    </a:p>
+                  </a:txBody>
+                  <a:tcPr/>
+                </a:tc>
+                <a:tc>
+                  <a:txBody>
+                    <a:bodyPr/>
+                    <a:lstStyle/>
+                    <a:p>
+                      <a:pPr algn="ctr"/>
+                      <a:endParaRPr lang="fr-FR" dirty="0"/>
+                    </a:p>
+                  </a:txBody>
+                  <a:tcPr/>
+                </a:tc>
+              </a:tr>
+            </a:tbl>
+          </a:graphicData>
+        </a:graphic>
+      </p:graphicFrame>
+    </p:spTree>
+    <p:extLst>
+      <p:ext uri="{BB962C8B-B14F-4D97-AF65-F5344CB8AC3E}">
+        <p14:creationId xmlns:p14="http://schemas.microsoft.com/office/powerpoint/2010/main" val="789475164"/>
       </p:ext>
     </p:extLst>
   </p:cSld>

--- a/Projet_Windows_serveur.pptx
+++ b/Projet_Windows_serveur.pptx
@@ -19555,18 +19555,20 @@
             </a:pPr>
             <a:r>
               <a:rPr lang="fr-FR" dirty="0" smtClean="0"/>
-              <a:t>Documentation</a:t>
-            </a:r>
+              <a:t>Documentation script en </a:t>
+            </a:r>
+            <a:r>
+              <a:rPr lang="fr-FR" dirty="0" err="1" smtClean="0"/>
+              <a:t>powershell</a:t>
+            </a:r>
+            <a:endParaRPr lang="fr-FR" dirty="0" smtClean="0"/>
           </a:p>
           <a:p>
             <a:pPr marL="457200" indent="-457200">
               <a:buFont typeface="+mj-lt"/>
               <a:buAutoNum type="arabicPeriod"/>
             </a:pPr>
-            <a:r>
-              <a:rPr lang="fr-FR" dirty="0" smtClean="0"/>
-              <a:t>Faire un menu</a:t>
-            </a:r>
+            <a:endParaRPr lang="fr-FR" dirty="0" smtClean="0"/>
           </a:p>
           <a:p>
             <a:pPr marL="457200" indent="-457200">
@@ -19575,7 +19577,24 @@
             </a:pPr>
             <a:r>
               <a:rPr lang="fr-FR" dirty="0" smtClean="0"/>
-              <a:t>Faire les fonctions</a:t>
+              <a:t>Développement du script</a:t>
+            </a:r>
+          </a:p>
+          <a:p>
+            <a:pPr marL="457200" indent="-457200">
+              <a:buFont typeface="+mj-lt"/>
+              <a:buAutoNum type="arabicPeriod"/>
+            </a:pPr>
+            <a:endParaRPr lang="fr-FR" dirty="0" smtClean="0"/>
+          </a:p>
+          <a:p>
+            <a:pPr marL="457200" indent="-457200">
+              <a:buFont typeface="+mj-lt"/>
+              <a:buAutoNum type="arabicPeriod"/>
+            </a:pPr>
+            <a:r>
+              <a:rPr lang="fr-FR" dirty="0" smtClean="0"/>
+              <a:t>Réalisation de la documentation technique</a:t>
             </a:r>
           </a:p>
           <a:p>
@@ -19656,7 +19675,7 @@
           <p:nvPr>
             <p:extLst>
               <p:ext uri="{D42A27DB-BD31-4B8C-83A1-F6EECF244321}">
-                <p14:modId xmlns:p14="http://schemas.microsoft.com/office/powerpoint/2010/main" val="25759164"/>
+                <p14:modId xmlns:p14="http://schemas.microsoft.com/office/powerpoint/2010/main" val="1445941738"/>
               </p:ext>
             </p:extLst>
           </p:nvPr>
@@ -19751,11 +19770,11 @@
                       </a:pPr>
                       <a:r>
                         <a:rPr lang="fr-FR" sz="1600" dirty="0" smtClean="0"/>
-                        <a:t>Transfert et récupération</a:t>
+                        <a:t>Exportation </a:t>
                       </a:r>
                       <a:r>
                         <a:rPr lang="fr-FR" sz="1600" baseline="0" dirty="0" smtClean="0"/>
-                        <a:t> dans un csv ou </a:t>
+                        <a:t>dans un csv ou </a:t>
                       </a:r>
                       <a:r>
                         <a:rPr lang="fr-FR" sz="1600" baseline="0" dirty="0" err="1" smtClean="0"/>
@@ -19966,87 +19985,9 @@
                     <a:lstStyle/>
                     <a:p>
                       <a:pPr algn="ctr"/>
-                      <a:endParaRPr lang="fr-FR" dirty="0"/>
-                    </a:p>
-                  </a:txBody>
-                  <a:tcPr/>
-                </a:tc>
-                <a:tc>
-                  <a:txBody>
-                    <a:bodyPr/>
-                    <a:lstStyle/>
-                    <a:p>
-                      <a:pPr algn="ctr"/>
-                      <a:endParaRPr lang="fr-FR" dirty="0"/>
-                    </a:p>
-                  </a:txBody>
-                  <a:tcPr/>
-                </a:tc>
-                <a:tc>
-                  <a:txBody>
-                    <a:bodyPr/>
-                    <a:lstStyle/>
-                    <a:p>
-                      <a:pPr algn="ctr"/>
-                      <a:endParaRPr lang="fr-FR"/>
-                    </a:p>
-                  </a:txBody>
-                  <a:tcPr/>
-                </a:tc>
-                <a:tc>
-                  <a:txBody>
-                    <a:bodyPr/>
-                    <a:lstStyle/>
-                    <a:p>
-                      <a:pPr algn="ctr"/>
-                      <a:endParaRPr lang="fr-FR"/>
-                    </a:p>
-                  </a:txBody>
-                  <a:tcPr/>
-                </a:tc>
-                <a:tc>
-                  <a:txBody>
-                    <a:bodyPr/>
-                    <a:lstStyle/>
-                    <a:p>
-                      <a:pPr algn="ctr"/>
-                      <a:endParaRPr lang="fr-FR"/>
-                    </a:p>
-                  </a:txBody>
-                  <a:tcPr/>
-                </a:tc>
-                <a:tc>
-                  <a:txBody>
-                    <a:bodyPr/>
-                    <a:lstStyle/>
-                    <a:p>
-                      <a:pPr algn="ctr"/>
-                      <a:endParaRPr lang="fr-FR"/>
-                    </a:p>
-                  </a:txBody>
-                  <a:tcPr/>
-                </a:tc>
-                <a:tc>
-                  <a:txBody>
-                    <a:bodyPr/>
-                    <a:lstStyle/>
-                    <a:p>
-                      <a:pPr algn="ctr"/>
-                      <a:endParaRPr lang="fr-FR"/>
-                    </a:p>
-                  </a:txBody>
-                  <a:tcPr/>
-                </a:tc>
-              </a:tr>
-              <a:tr h="370840">
-                <a:tc>
-                  <a:txBody>
-                    <a:bodyPr/>
-                    <a:lstStyle/>
-                    <a:p>
                       <a:r>
                         <a:rPr lang="fr-FR" dirty="0" smtClean="0"/>
-                        <a:t>Quentin</a:t>
+                        <a:t>x</a:t>
                       </a:r>
                       <a:endParaRPr lang="fr-FR" dirty="0"/>
                     </a:p>
@@ -20059,7 +20000,26 @@
                     <a:lstStyle/>
                     <a:p>
                       <a:pPr algn="ctr"/>
-                      <a:endParaRPr lang="fr-FR"/>
+                      <a:r>
+                        <a:rPr lang="fr-FR" dirty="0" smtClean="0"/>
+                        <a:t>x</a:t>
+                      </a:r>
+                      <a:endParaRPr lang="fr-FR" dirty="0"/>
+                    </a:p>
+                  </a:txBody>
+                  <a:tcPr/>
+                </a:tc>
+                <a:tc>
+                  <a:txBody>
+                    <a:bodyPr/>
+                    <a:lstStyle/>
+                    <a:p>
+                      <a:pPr algn="ctr"/>
+                      <a:r>
+                        <a:rPr lang="fr-FR" dirty="0" smtClean="0"/>
+                        <a:t>x</a:t>
+                      </a:r>
+                      <a:endParaRPr lang="fr-FR" dirty="0"/>
                     </a:p>
                   </a:txBody>
                   <a:tcPr/>
@@ -20103,29 +20063,7 @@
                     <a:lstStyle/>
                     <a:p>
                       <a:pPr algn="ctr"/>
-                      <a:endParaRPr lang="fr-FR"/>
-                    </a:p>
-                  </a:txBody>
-                  <a:tcPr/>
-                </a:tc>
-                <a:tc>
-                  <a:txBody>
-                    <a:bodyPr/>
-                    <a:lstStyle/>
-                    <a:p>
-                      <a:pPr algn="ctr"/>
-                      <a:endParaRPr lang="fr-FR"/>
-                    </a:p>
-                  </a:txBody>
-                  <a:tcPr/>
-                </a:tc>
-                <a:tc>
-                  <a:txBody>
-                    <a:bodyPr/>
-                    <a:lstStyle/>
-                    <a:p>
-                      <a:pPr algn="ctr"/>
-                      <a:endParaRPr lang="fr-FR"/>
+                      <a:endParaRPr lang="fr-FR" dirty="0"/>
                     </a:p>
                   </a:txBody>
                   <a:tcPr/>
@@ -20138,43 +20076,10 @@
                     <a:lstStyle/>
                     <a:p>
                       <a:r>
-                        <a:rPr lang="fr-FR" dirty="0" err="1" smtClean="0"/>
-                        <a:t>Timothe</a:t>
+                        <a:rPr lang="fr-FR" dirty="0" smtClean="0"/>
+                        <a:t>Quentin</a:t>
                       </a:r>
                       <a:endParaRPr lang="fr-FR" dirty="0"/>
-                    </a:p>
-                  </a:txBody>
-                  <a:tcPr/>
-                </a:tc>
-                <a:tc>
-                  <a:txBody>
-                    <a:bodyPr/>
-                    <a:lstStyle/>
-                    <a:p>
-                      <a:pPr algn="ctr"/>
-                      <a:endParaRPr lang="fr-FR"/>
-                    </a:p>
-                  </a:txBody>
-                  <a:tcPr/>
-                </a:tc>
-                <a:tc>
-                  <a:txBody>
-                    <a:bodyPr/>
-                    <a:lstStyle/>
-                    <a:p>
-                      <a:pPr algn="ctr"/>
-                      <a:endParaRPr lang="fr-FR"/>
-                    </a:p>
-                  </a:txBody>
-                  <a:tcPr/>
-                </a:tc>
-                <a:tc>
-                  <a:txBody>
-                    <a:bodyPr/>
-                    <a:lstStyle/>
-                    <a:p>
-                      <a:pPr algn="ctr"/>
-                      <a:endParaRPr lang="fr-FR"/>
                     </a:p>
                   </a:txBody>
                   <a:tcPr/>
@@ -20207,7 +20112,7 @@
                     <a:lstStyle/>
                     <a:p>
                       <a:pPr algn="ctr"/>
-                      <a:endParaRPr lang="fr-FR"/>
+                      <a:endParaRPr lang="fr-FR" dirty="0"/>
                     </a:p>
                   </a:txBody>
                   <a:tcPr/>
@@ -20218,7 +20123,165 @@
                     <a:lstStyle/>
                     <a:p>
                       <a:pPr algn="ctr"/>
-                      <a:endParaRPr lang="fr-FR"/>
+                      <a:r>
+                        <a:rPr lang="fr-FR" dirty="0" smtClean="0"/>
+                        <a:t>x</a:t>
+                      </a:r>
+                      <a:endParaRPr lang="fr-FR" dirty="0"/>
+                    </a:p>
+                  </a:txBody>
+                  <a:tcPr/>
+                </a:tc>
+                <a:tc>
+                  <a:txBody>
+                    <a:bodyPr/>
+                    <a:lstStyle/>
+                    <a:p>
+                      <a:pPr algn="ctr"/>
+                      <a:r>
+                        <a:rPr lang="fr-FR" dirty="0" smtClean="0"/>
+                        <a:t>x</a:t>
+                      </a:r>
+                      <a:endParaRPr lang="fr-FR" dirty="0"/>
+                    </a:p>
+                  </a:txBody>
+                  <a:tcPr/>
+                </a:tc>
+                <a:tc>
+                  <a:txBody>
+                    <a:bodyPr/>
+                    <a:lstStyle/>
+                    <a:p>
+                      <a:pPr algn="ctr"/>
+                      <a:r>
+                        <a:rPr lang="fr-FR" dirty="0" smtClean="0"/>
+                        <a:t>x</a:t>
+                      </a:r>
+                      <a:endParaRPr lang="fr-FR" dirty="0"/>
+                    </a:p>
+                  </a:txBody>
+                  <a:tcPr/>
+                </a:tc>
+                <a:tc>
+                  <a:txBody>
+                    <a:bodyPr/>
+                    <a:lstStyle/>
+                    <a:p>
+                      <a:pPr algn="ctr"/>
+                      <a:r>
+                        <a:rPr lang="fr-FR" dirty="0" smtClean="0"/>
+                        <a:t>x</a:t>
+                      </a:r>
+                      <a:endParaRPr lang="fr-FR" dirty="0"/>
+                    </a:p>
+                  </a:txBody>
+                  <a:tcPr/>
+                </a:tc>
+              </a:tr>
+              <a:tr h="370840">
+                <a:tc>
+                  <a:txBody>
+                    <a:bodyPr/>
+                    <a:lstStyle/>
+                    <a:p>
+                      <a:r>
+                        <a:rPr lang="fr-FR" dirty="0" err="1" smtClean="0"/>
+                        <a:t>Timothe</a:t>
+                      </a:r>
+                      <a:endParaRPr lang="fr-FR" dirty="0"/>
+                    </a:p>
+                  </a:txBody>
+                  <a:tcPr/>
+                </a:tc>
+                <a:tc>
+                  <a:txBody>
+                    <a:bodyPr/>
+                    <a:lstStyle/>
+                    <a:p>
+                      <a:pPr algn="ctr"/>
+                      <a:endParaRPr lang="fr-FR" dirty="0"/>
+                    </a:p>
+                  </a:txBody>
+                  <a:tcPr/>
+                </a:tc>
+                <a:tc>
+                  <a:txBody>
+                    <a:bodyPr/>
+                    <a:lstStyle/>
+                    <a:p>
+                      <a:pPr algn="ctr"/>
+                      <a:endParaRPr lang="fr-FR" dirty="0"/>
+                    </a:p>
+                  </a:txBody>
+                  <a:tcPr/>
+                </a:tc>
+                <a:tc>
+                  <a:txBody>
+                    <a:bodyPr/>
+                    <a:lstStyle/>
+                    <a:p>
+                      <a:pPr algn="ctr"/>
+                      <a:endParaRPr lang="fr-FR" dirty="0"/>
+                    </a:p>
+                  </a:txBody>
+                  <a:tcPr/>
+                </a:tc>
+                <a:tc>
+                  <a:txBody>
+                    <a:bodyPr/>
+                    <a:lstStyle/>
+                    <a:p>
+                      <a:pPr algn="ctr"/>
+                      <a:r>
+                        <a:rPr lang="fr-FR" dirty="0" smtClean="0"/>
+                        <a:t>x</a:t>
+                      </a:r>
+                      <a:endParaRPr lang="fr-FR" dirty="0"/>
+                    </a:p>
+                  </a:txBody>
+                  <a:tcPr/>
+                </a:tc>
+                <a:tc>
+                  <a:txBody>
+                    <a:bodyPr/>
+                    <a:lstStyle/>
+                    <a:p>
+                      <a:pPr algn="ctr"/>
+                      <a:r>
+                        <a:rPr lang="fr-FR" dirty="0" smtClean="0"/>
+                        <a:t>x</a:t>
+                      </a:r>
+                      <a:endParaRPr lang="fr-FR" dirty="0"/>
+                    </a:p>
+                  </a:txBody>
+                  <a:tcPr/>
+                </a:tc>
+                <a:tc>
+                  <a:txBody>
+                    <a:bodyPr/>
+                    <a:lstStyle/>
+                    <a:p>
+                      <a:pPr algn="ctr"/>
+                      <a:r>
+                        <a:rPr lang="fr-FR" dirty="0" smtClean="0"/>
+                        <a:t>x</a:t>
+                      </a:r>
+                      <a:endParaRPr lang="fr-FR" dirty="0"/>
+                    </a:p>
+                  </a:txBody>
+                  <a:tcPr/>
+                </a:tc>
+                <a:tc>
+                  <a:txBody>
+                    <a:bodyPr/>
+                    <a:lstStyle/>
+                    <a:p>
+                      <a:pPr algn="ctr"/>
+                      <a:r>
+                        <a:rPr lang="fr-FR" dirty="0" smtClean="0"/>
+                        <a:t>x</a:t>
+                      </a:r>
+                      <a:endParaRPr lang="fr-FR" dirty="0"/>
                     </a:p>
                   </a:txBody>
                   <a:tcPr/>
@@ -20245,7 +20308,11 @@
                     <a:lstStyle/>
                     <a:p>
                       <a:pPr algn="ctr"/>
-                      <a:endParaRPr lang="fr-FR"/>
+                      <a:r>
+                        <a:rPr lang="fr-FR" dirty="0" smtClean="0"/>
+                        <a:t>x</a:t>
+                      </a:r>
+                      <a:endParaRPr lang="fr-FR" dirty="0"/>
                     </a:p>
                   </a:txBody>
                   <a:tcPr/>
@@ -20256,7 +20323,11 @@
                     <a:lstStyle/>
                     <a:p>
                       <a:pPr algn="ctr"/>
-                      <a:endParaRPr lang="fr-FR"/>
+                      <a:r>
+                        <a:rPr lang="fr-FR" dirty="0" smtClean="0"/>
+                        <a:t>x</a:t>
+                      </a:r>
+                      <a:endParaRPr lang="fr-FR" dirty="0"/>
                     </a:p>
                   </a:txBody>
                   <a:tcPr/>
@@ -20267,18 +20338,11 @@
                     <a:lstStyle/>
                     <a:p>
                       <a:pPr algn="ctr"/>
-                      <a:endParaRPr lang="fr-FR"/>
-                    </a:p>
-                  </a:txBody>
-                  <a:tcPr/>
-                </a:tc>
-                <a:tc>
-                  <a:txBody>
-                    <a:bodyPr/>
-                    <a:lstStyle/>
-                    <a:p>
-                      <a:pPr algn="ctr"/>
-                      <a:endParaRPr lang="fr-FR"/>
+                      <a:r>
+                        <a:rPr lang="fr-FR" dirty="0" smtClean="0"/>
+                        <a:t>x</a:t>
+                      </a:r>
+                      <a:endParaRPr lang="fr-FR" dirty="0"/>
                     </a:p>
                   </a:txBody>
                   <a:tcPr/>
@@ -20300,7 +20364,7 @@
                     <a:lstStyle/>
                     <a:p>
                       <a:pPr algn="ctr"/>
-                      <a:endParaRPr lang="fr-FR"/>
+                      <a:endParaRPr lang="fr-FR" dirty="0"/>
                     </a:p>
                   </a:txBody>
                   <a:tcPr/>
@@ -20311,7 +20375,18 @@
                     <a:lstStyle/>
                     <a:p>
                       <a:pPr algn="ctr"/>
-                      <a:endParaRPr lang="fr-FR"/>
+                      <a:endParaRPr lang="fr-FR" dirty="0"/>
+                    </a:p>
+                  </a:txBody>
+                  <a:tcPr/>
+                </a:tc>
+                <a:tc>
+                  <a:txBody>
+                    <a:bodyPr/>
+                    <a:lstStyle/>
+                    <a:p>
+                      <a:pPr algn="ctr"/>
+                      <a:endParaRPr lang="fr-FR" dirty="0"/>
                     </a:p>
                   </a:txBody>
                   <a:tcPr/>
@@ -20338,6 +20413,10 @@
                     <a:lstStyle/>
                     <a:p>
                       <a:pPr algn="ctr"/>
+                      <a:r>
+                        <a:rPr lang="fr-FR" dirty="0" smtClean="0"/>
+                        <a:t>x</a:t>
+                      </a:r>
                       <a:endParaRPr lang="fr-FR" dirty="0"/>
                     </a:p>
                   </a:txBody>
@@ -20349,7 +20428,11 @@
                     <a:lstStyle/>
                     <a:p>
                       <a:pPr algn="ctr"/>
-                      <a:endParaRPr lang="fr-FR"/>
+                      <a:r>
+                        <a:rPr lang="fr-FR" dirty="0" smtClean="0"/>
+                        <a:t>x</a:t>
+                      </a:r>
+                      <a:endParaRPr lang="fr-FR" dirty="0"/>
                     </a:p>
                   </a:txBody>
                   <a:tcPr/>
@@ -20360,7 +20443,11 @@
                     <a:lstStyle/>
                     <a:p>
                       <a:pPr algn="ctr"/>
-                      <a:endParaRPr lang="fr-FR"/>
+                      <a:r>
+                        <a:rPr lang="fr-FR" dirty="0" smtClean="0"/>
+                        <a:t>x</a:t>
+                      </a:r>
+                      <a:endParaRPr lang="fr-FR" dirty="0"/>
                     </a:p>
                   </a:txBody>
                   <a:tcPr/>
@@ -20371,7 +20458,7 @@
                     <a:lstStyle/>
                     <a:p>
                       <a:pPr algn="ctr"/>
-                      <a:endParaRPr lang="fr-FR"/>
+                      <a:endParaRPr lang="fr-FR" dirty="0"/>
                     </a:p>
                   </a:txBody>
                   <a:tcPr/>

--- a/Projet_Windows_serveur.pptx
+++ b/Projet_Windows_serveur.pptx
@@ -19675,14 +19675,14 @@
           <p:nvPr>
             <p:extLst>
               <p:ext uri="{D42A27DB-BD31-4B8C-83A1-F6EECF244321}">
-                <p14:modId xmlns:p14="http://schemas.microsoft.com/office/powerpoint/2010/main" val="1445941738"/>
+                <p14:modId xmlns:p14="http://schemas.microsoft.com/office/powerpoint/2010/main" val="435936762"/>
               </p:ext>
             </p:extLst>
           </p:nvPr>
         </p:nvGraphicFramePr>
         <p:xfrm>
           <a:off x="326567" y="2410758"/>
-          <a:ext cx="11669488" cy="2921000"/>
+          <a:ext cx="11669488" cy="3164840"/>
         </p:xfrm>
         <a:graphic>
           <a:graphicData uri="http://schemas.openxmlformats.org/drawingml/2006/table">
@@ -19771,6 +19771,10 @@
                       <a:r>
                         <a:rPr lang="fr-FR" sz="1600" dirty="0" smtClean="0"/>
                         <a:t>Exportation </a:t>
+                      </a:r>
+                      <a:r>
+                        <a:rPr lang="fr-FR" sz="1600" smtClean="0"/>
+                        <a:t>et organisation </a:t>
                       </a:r>
                       <a:r>
                         <a:rPr lang="fr-FR" sz="1600" baseline="0" dirty="0" smtClean="0"/>

--- a/Projet_Windows_serveur.pptx
+++ b/Projet_Windows_serveur.pptx
@@ -120,6 +120,10 @@
 </p:presentation>
 </file>
 
+<file path=ppt/revisionInfo.xml><?xml version="1.0" encoding="utf-8"?>
+<p1510:revInfo xmlns:a="http://schemas.openxmlformats.org/drawingml/2006/main" xmlns:r="http://schemas.openxmlformats.org/officeDocument/2006/relationships" xmlns:p1510="http://schemas.microsoft.com/office/powerpoint/2015/10/main"/>
+</file>
+
 <file path=ppt/slideLayouts/slideLayout1.xml><?xml version="1.0" encoding="utf-8"?>
 <p:sldLayout xmlns:a="http://schemas.openxmlformats.org/drawingml/2006/main" xmlns:r="http://schemas.openxmlformats.org/officeDocument/2006/relationships" xmlns:p="http://schemas.openxmlformats.org/presentationml/2006/main" type="title" preserve="1">
   <p:cSld name="Diapositive de titre">
@@ -362,7 +366,7 @@
           <p:cNvPr id="8" name="Image 7">
             <a:extLst>
               <a:ext uri="{FF2B5EF4-FFF2-40B4-BE49-F238E27FC236}">
-                <a16:creationId xmlns="" xmlns:a16="http://schemas.microsoft.com/office/drawing/2014/main" id="{6D18AF03-6118-44B0-8E0D-55D88E2D7FA8}"/>
+                <a16:creationId xmlns:a16="http://schemas.microsoft.com/office/drawing/2014/main" id="{6D18AF03-6118-44B0-8E0D-55D88E2D7FA8}"/>
               </a:ext>
             </a:extLst>
           </p:cNvPr>
@@ -662,7 +666,7 @@
           <a:p>
             <a:fld id="{10489E0E-CC19-4746-AE3F-A20083D175C2}" type="slidenum">
               <a:rPr lang="fr-FR" smtClean="0"/>
-              <a:t>‹#›</a:t>
+              <a:t>‹N°›</a:t>
             </a:fld>
             <a:endParaRPr lang="fr-FR"/>
           </a:p>
@@ -856,7 +860,7 @@
           <a:p>
             <a:fld id="{10489E0E-CC19-4746-AE3F-A20083D175C2}" type="slidenum">
               <a:rPr lang="fr-FR" smtClean="0"/>
-              <a:t>‹#›</a:t>
+              <a:t>‹N°›</a:t>
             </a:fld>
             <a:endParaRPr lang="fr-FR"/>
           </a:p>
@@ -1129,7 +1133,7 @@
           <a:p>
             <a:fld id="{10489E0E-CC19-4746-AE3F-A20083D175C2}" type="slidenum">
               <a:rPr lang="fr-FR" smtClean="0"/>
-              <a:t>‹#›</a:t>
+              <a:t>‹N°›</a:t>
             </a:fld>
             <a:endParaRPr lang="fr-FR"/>
           </a:p>
@@ -1470,7 +1474,7 @@
           <a:p>
             <a:fld id="{10489E0E-CC19-4746-AE3F-A20083D175C2}" type="slidenum">
               <a:rPr lang="fr-FR" smtClean="0"/>
-              <a:t>‹#›</a:t>
+              <a:t>‹N°›</a:t>
             </a:fld>
             <a:endParaRPr lang="fr-FR"/>
           </a:p>
@@ -2093,7 +2097,7 @@
           <a:p>
             <a:fld id="{10489E0E-CC19-4746-AE3F-A20083D175C2}" type="slidenum">
               <a:rPr lang="fr-FR" smtClean="0"/>
-              <a:t>‹#›</a:t>
+              <a:t>‹N°›</a:t>
             </a:fld>
             <a:endParaRPr lang="fr-FR"/>
           </a:p>
@@ -2953,7 +2957,7 @@
           <a:p>
             <a:fld id="{10489E0E-CC19-4746-AE3F-A20083D175C2}" type="slidenum">
               <a:rPr lang="fr-FR" smtClean="0"/>
-              <a:t>‹#›</a:t>
+              <a:t>‹N°›</a:t>
             </a:fld>
             <a:endParaRPr lang="fr-FR"/>
           </a:p>
@@ -3123,7 +3127,7 @@
           <a:p>
             <a:fld id="{10489E0E-CC19-4746-AE3F-A20083D175C2}" type="slidenum">
               <a:rPr lang="fr-FR" smtClean="0"/>
-              <a:t>‹#›</a:t>
+              <a:t>‹N°›</a:t>
             </a:fld>
             <a:endParaRPr lang="fr-FR"/>
           </a:p>
@@ -3303,7 +3307,7 @@
           <a:p>
             <a:fld id="{10489E0E-CC19-4746-AE3F-A20083D175C2}" type="slidenum">
               <a:rPr lang="fr-FR" smtClean="0"/>
-              <a:t>‹#›</a:t>
+              <a:t>‹N°›</a:t>
             </a:fld>
             <a:endParaRPr lang="fr-FR"/>
           </a:p>
@@ -3344,7 +3348,7 @@
           <p:cNvPr id="2" name="Titre 1">
             <a:extLst>
               <a:ext uri="{FF2B5EF4-FFF2-40B4-BE49-F238E27FC236}">
-                <a16:creationId xmlns="" xmlns:a16="http://schemas.microsoft.com/office/drawing/2014/main" id="{6CED0669-4668-429A-BAF1-7681A647EE44}"/>
+                <a16:creationId xmlns:a16="http://schemas.microsoft.com/office/drawing/2014/main" id="{6CED0669-4668-429A-BAF1-7681A647EE44}"/>
               </a:ext>
             </a:extLst>
           </p:cNvPr>
@@ -3381,7 +3385,7 @@
           <p:cNvPr id="3" name="Sous-titre 2">
             <a:extLst>
               <a:ext uri="{FF2B5EF4-FFF2-40B4-BE49-F238E27FC236}">
-                <a16:creationId xmlns="" xmlns:a16="http://schemas.microsoft.com/office/drawing/2014/main" id="{293CF840-E65E-4118-BAB3-2AF83943EE21}"/>
+                <a16:creationId xmlns:a16="http://schemas.microsoft.com/office/drawing/2014/main" id="{293CF840-E65E-4118-BAB3-2AF83943EE21}"/>
               </a:ext>
             </a:extLst>
           </p:cNvPr>
@@ -3451,7 +3455,7 @@
           <p:cNvPr id="4" name="Espace réservé de la date 3">
             <a:extLst>
               <a:ext uri="{FF2B5EF4-FFF2-40B4-BE49-F238E27FC236}">
-                <a16:creationId xmlns="" xmlns:a16="http://schemas.microsoft.com/office/drawing/2014/main" id="{4F54988C-F25C-4DFB-8235-1C9EED854D35}"/>
+                <a16:creationId xmlns:a16="http://schemas.microsoft.com/office/drawing/2014/main" id="{4F54988C-F25C-4DFB-8235-1C9EED854D35}"/>
               </a:ext>
             </a:extLst>
           </p:cNvPr>
@@ -3480,7 +3484,7 @@
           <p:cNvPr id="5" name="Espace réservé du pied de page 4">
             <a:extLst>
               <a:ext uri="{FF2B5EF4-FFF2-40B4-BE49-F238E27FC236}">
-                <a16:creationId xmlns="" xmlns:a16="http://schemas.microsoft.com/office/drawing/2014/main" id="{AC64B866-032B-4A93-837B-3069EFF0F248}"/>
+                <a16:creationId xmlns:a16="http://schemas.microsoft.com/office/drawing/2014/main" id="{AC64B866-032B-4A93-837B-3069EFF0F248}"/>
               </a:ext>
             </a:extLst>
           </p:cNvPr>
@@ -3505,7 +3509,7 @@
           <p:cNvPr id="6" name="Espace réservé du numéro de diapositive 5">
             <a:extLst>
               <a:ext uri="{FF2B5EF4-FFF2-40B4-BE49-F238E27FC236}">
-                <a16:creationId xmlns="" xmlns:a16="http://schemas.microsoft.com/office/drawing/2014/main" id="{352E7062-8B47-4FCC-8520-9BD04DB4BB81}"/>
+                <a16:creationId xmlns:a16="http://schemas.microsoft.com/office/drawing/2014/main" id="{352E7062-8B47-4FCC-8520-9BD04DB4BB81}"/>
               </a:ext>
             </a:extLst>
           </p:cNvPr>
@@ -3523,7 +3527,7 @@
           <a:p>
             <a:fld id="{4E75FA5F-F235-4F54-B859-BB483DCF6E4D}" type="slidenum">
               <a:rPr lang="fr-FR" smtClean="0"/>
-              <a:t>‹#›</a:t>
+              <a:t>‹N°›</a:t>
             </a:fld>
             <a:endParaRPr lang="fr-FR"/>
           </a:p>
@@ -3564,7 +3568,7 @@
           <p:cNvPr id="2" name="Titre 1">
             <a:extLst>
               <a:ext uri="{FF2B5EF4-FFF2-40B4-BE49-F238E27FC236}">
-                <a16:creationId xmlns="" xmlns:a16="http://schemas.microsoft.com/office/drawing/2014/main" id="{82A1226D-CDDA-4848-B962-E22815DD7B2B}"/>
+                <a16:creationId xmlns:a16="http://schemas.microsoft.com/office/drawing/2014/main" id="{82A1226D-CDDA-4848-B962-E22815DD7B2B}"/>
               </a:ext>
             </a:extLst>
           </p:cNvPr>
@@ -3592,7 +3596,7 @@
           <p:cNvPr id="3" name="Espace réservé du contenu 2">
             <a:extLst>
               <a:ext uri="{FF2B5EF4-FFF2-40B4-BE49-F238E27FC236}">
-                <a16:creationId xmlns="" xmlns:a16="http://schemas.microsoft.com/office/drawing/2014/main" id="{630F11E0-5BAD-444A-AB55-9EA5801A1A57}"/>
+                <a16:creationId xmlns:a16="http://schemas.microsoft.com/office/drawing/2014/main" id="{630F11E0-5BAD-444A-AB55-9EA5801A1A57}"/>
               </a:ext>
             </a:extLst>
           </p:cNvPr>
@@ -3649,7 +3653,7 @@
           <p:cNvPr id="4" name="Espace réservé de la date 3">
             <a:extLst>
               <a:ext uri="{FF2B5EF4-FFF2-40B4-BE49-F238E27FC236}">
-                <a16:creationId xmlns="" xmlns:a16="http://schemas.microsoft.com/office/drawing/2014/main" id="{E4E8774A-9F5E-4C6C-99A9-72695E12373F}"/>
+                <a16:creationId xmlns:a16="http://schemas.microsoft.com/office/drawing/2014/main" id="{E4E8774A-9F5E-4C6C-99A9-72695E12373F}"/>
               </a:ext>
             </a:extLst>
           </p:cNvPr>
@@ -3678,7 +3682,7 @@
           <p:cNvPr id="5" name="Espace réservé du pied de page 4">
             <a:extLst>
               <a:ext uri="{FF2B5EF4-FFF2-40B4-BE49-F238E27FC236}">
-                <a16:creationId xmlns="" xmlns:a16="http://schemas.microsoft.com/office/drawing/2014/main" id="{87473ABA-0B9A-44F5-9CCF-9807EDAEF8DD}"/>
+                <a16:creationId xmlns:a16="http://schemas.microsoft.com/office/drawing/2014/main" id="{87473ABA-0B9A-44F5-9CCF-9807EDAEF8DD}"/>
               </a:ext>
             </a:extLst>
           </p:cNvPr>
@@ -3703,7 +3707,7 @@
           <p:cNvPr id="6" name="Espace réservé du numéro de diapositive 5">
             <a:extLst>
               <a:ext uri="{FF2B5EF4-FFF2-40B4-BE49-F238E27FC236}">
-                <a16:creationId xmlns="" xmlns:a16="http://schemas.microsoft.com/office/drawing/2014/main" id="{39C76E0C-0BA5-4FD8-9B18-EB9C9C21B8F3}"/>
+                <a16:creationId xmlns:a16="http://schemas.microsoft.com/office/drawing/2014/main" id="{39C76E0C-0BA5-4FD8-9B18-EB9C9C21B8F3}"/>
               </a:ext>
             </a:extLst>
           </p:cNvPr>
@@ -3721,7 +3725,7 @@
           <a:p>
             <a:fld id="{4E75FA5F-F235-4F54-B859-BB483DCF6E4D}" type="slidenum">
               <a:rPr lang="fr-FR" smtClean="0"/>
-              <a:t>‹#›</a:t>
+              <a:t>‹N°›</a:t>
             </a:fld>
             <a:endParaRPr lang="fr-FR"/>
           </a:p>
@@ -3905,7 +3909,7 @@
           <p:cNvPr id="11" name="Image 10">
             <a:extLst>
               <a:ext uri="{FF2B5EF4-FFF2-40B4-BE49-F238E27FC236}">
-                <a16:creationId xmlns="" xmlns:a16="http://schemas.microsoft.com/office/drawing/2014/main" id="{205F166C-9DC6-4692-A4A8-8414633DDC70}"/>
+                <a16:creationId xmlns:a16="http://schemas.microsoft.com/office/drawing/2014/main" id="{205F166C-9DC6-4692-A4A8-8414633DDC70}"/>
               </a:ext>
             </a:extLst>
           </p:cNvPr>
@@ -3971,7 +3975,7 @@
           <p:cNvPr id="2" name="Titre 1">
             <a:extLst>
               <a:ext uri="{FF2B5EF4-FFF2-40B4-BE49-F238E27FC236}">
-                <a16:creationId xmlns="" xmlns:a16="http://schemas.microsoft.com/office/drawing/2014/main" id="{D7518787-3021-480C-B729-DB8A6DF3DC4D}"/>
+                <a16:creationId xmlns:a16="http://schemas.microsoft.com/office/drawing/2014/main" id="{D7518787-3021-480C-B729-DB8A6DF3DC4D}"/>
               </a:ext>
             </a:extLst>
           </p:cNvPr>
@@ -4008,7 +4012,7 @@
           <p:cNvPr id="3" name="Espace réservé du texte 2">
             <a:extLst>
               <a:ext uri="{FF2B5EF4-FFF2-40B4-BE49-F238E27FC236}">
-                <a16:creationId xmlns="" xmlns:a16="http://schemas.microsoft.com/office/drawing/2014/main" id="{193CE050-6654-4A39-AE68-83943C24F50D}"/>
+                <a16:creationId xmlns:a16="http://schemas.microsoft.com/office/drawing/2014/main" id="{193CE050-6654-4A39-AE68-83943C24F50D}"/>
               </a:ext>
             </a:extLst>
           </p:cNvPr>
@@ -4133,7 +4137,7 @@
           <p:cNvPr id="4" name="Espace réservé de la date 3">
             <a:extLst>
               <a:ext uri="{FF2B5EF4-FFF2-40B4-BE49-F238E27FC236}">
-                <a16:creationId xmlns="" xmlns:a16="http://schemas.microsoft.com/office/drawing/2014/main" id="{ED481E7C-63D8-4EAC-B37E-23453D9A8B0E}"/>
+                <a16:creationId xmlns:a16="http://schemas.microsoft.com/office/drawing/2014/main" id="{ED481E7C-63D8-4EAC-B37E-23453D9A8B0E}"/>
               </a:ext>
             </a:extLst>
           </p:cNvPr>
@@ -4162,7 +4166,7 @@
           <p:cNvPr id="5" name="Espace réservé du pied de page 4">
             <a:extLst>
               <a:ext uri="{FF2B5EF4-FFF2-40B4-BE49-F238E27FC236}">
-                <a16:creationId xmlns="" xmlns:a16="http://schemas.microsoft.com/office/drawing/2014/main" id="{8740F03D-85C3-4479-90AB-E65C1332D4D7}"/>
+                <a16:creationId xmlns:a16="http://schemas.microsoft.com/office/drawing/2014/main" id="{8740F03D-85C3-4479-90AB-E65C1332D4D7}"/>
               </a:ext>
             </a:extLst>
           </p:cNvPr>
@@ -4187,7 +4191,7 @@
           <p:cNvPr id="6" name="Espace réservé du numéro de diapositive 5">
             <a:extLst>
               <a:ext uri="{FF2B5EF4-FFF2-40B4-BE49-F238E27FC236}">
-                <a16:creationId xmlns="" xmlns:a16="http://schemas.microsoft.com/office/drawing/2014/main" id="{4537B3A2-E1AB-48C9-B19C-3695A288FDBF}"/>
+                <a16:creationId xmlns:a16="http://schemas.microsoft.com/office/drawing/2014/main" id="{4537B3A2-E1AB-48C9-B19C-3695A288FDBF}"/>
               </a:ext>
             </a:extLst>
           </p:cNvPr>
@@ -4205,7 +4209,7 @@
           <a:p>
             <a:fld id="{4E75FA5F-F235-4F54-B859-BB483DCF6E4D}" type="slidenum">
               <a:rPr lang="fr-FR" smtClean="0"/>
-              <a:t>‹#›</a:t>
+              <a:t>‹N°›</a:t>
             </a:fld>
             <a:endParaRPr lang="fr-FR"/>
           </a:p>
@@ -4246,7 +4250,7 @@
           <p:cNvPr id="2" name="Titre 1">
             <a:extLst>
               <a:ext uri="{FF2B5EF4-FFF2-40B4-BE49-F238E27FC236}">
-                <a16:creationId xmlns="" xmlns:a16="http://schemas.microsoft.com/office/drawing/2014/main" id="{064A67E0-169E-4052-BE1C-BAAB06C91B22}"/>
+                <a16:creationId xmlns:a16="http://schemas.microsoft.com/office/drawing/2014/main" id="{064A67E0-169E-4052-BE1C-BAAB06C91B22}"/>
               </a:ext>
             </a:extLst>
           </p:cNvPr>
@@ -4274,7 +4278,7 @@
           <p:cNvPr id="3" name="Espace réservé du contenu 2">
             <a:extLst>
               <a:ext uri="{FF2B5EF4-FFF2-40B4-BE49-F238E27FC236}">
-                <a16:creationId xmlns="" xmlns:a16="http://schemas.microsoft.com/office/drawing/2014/main" id="{E0C71EAC-1C66-45CA-B305-A828BD661D2B}"/>
+                <a16:creationId xmlns:a16="http://schemas.microsoft.com/office/drawing/2014/main" id="{E0C71EAC-1C66-45CA-B305-A828BD661D2B}"/>
               </a:ext>
             </a:extLst>
           </p:cNvPr>
@@ -4336,7 +4340,7 @@
           <p:cNvPr id="4" name="Espace réservé du contenu 3">
             <a:extLst>
               <a:ext uri="{FF2B5EF4-FFF2-40B4-BE49-F238E27FC236}">
-                <a16:creationId xmlns="" xmlns:a16="http://schemas.microsoft.com/office/drawing/2014/main" id="{D81EEF5B-F0CF-4549-A521-75516BCED551}"/>
+                <a16:creationId xmlns:a16="http://schemas.microsoft.com/office/drawing/2014/main" id="{D81EEF5B-F0CF-4549-A521-75516BCED551}"/>
               </a:ext>
             </a:extLst>
           </p:cNvPr>
@@ -4398,7 +4402,7 @@
           <p:cNvPr id="5" name="Espace réservé de la date 4">
             <a:extLst>
               <a:ext uri="{FF2B5EF4-FFF2-40B4-BE49-F238E27FC236}">
-                <a16:creationId xmlns="" xmlns:a16="http://schemas.microsoft.com/office/drawing/2014/main" id="{3DDB679B-EA9E-4346-9B0A-F6DC61D7D90C}"/>
+                <a16:creationId xmlns:a16="http://schemas.microsoft.com/office/drawing/2014/main" id="{3DDB679B-EA9E-4346-9B0A-F6DC61D7D90C}"/>
               </a:ext>
             </a:extLst>
           </p:cNvPr>
@@ -4427,7 +4431,7 @@
           <p:cNvPr id="6" name="Espace réservé du pied de page 5">
             <a:extLst>
               <a:ext uri="{FF2B5EF4-FFF2-40B4-BE49-F238E27FC236}">
-                <a16:creationId xmlns="" xmlns:a16="http://schemas.microsoft.com/office/drawing/2014/main" id="{BE04A616-0A36-4A7A-8A1C-1A9FD51C36C6}"/>
+                <a16:creationId xmlns:a16="http://schemas.microsoft.com/office/drawing/2014/main" id="{BE04A616-0A36-4A7A-8A1C-1A9FD51C36C6}"/>
               </a:ext>
             </a:extLst>
           </p:cNvPr>
@@ -4452,7 +4456,7 @@
           <p:cNvPr id="7" name="Espace réservé du numéro de diapositive 6">
             <a:extLst>
               <a:ext uri="{FF2B5EF4-FFF2-40B4-BE49-F238E27FC236}">
-                <a16:creationId xmlns="" xmlns:a16="http://schemas.microsoft.com/office/drawing/2014/main" id="{8DCF36D8-90A7-4798-8C4C-B4A7765BDB55}"/>
+                <a16:creationId xmlns:a16="http://schemas.microsoft.com/office/drawing/2014/main" id="{8DCF36D8-90A7-4798-8C4C-B4A7765BDB55}"/>
               </a:ext>
             </a:extLst>
           </p:cNvPr>
@@ -4470,7 +4474,7 @@
           <a:p>
             <a:fld id="{4E75FA5F-F235-4F54-B859-BB483DCF6E4D}" type="slidenum">
               <a:rPr lang="fr-FR" smtClean="0"/>
-              <a:t>‹#›</a:t>
+              <a:t>‹N°›</a:t>
             </a:fld>
             <a:endParaRPr lang="fr-FR"/>
           </a:p>
@@ -4511,7 +4515,7 @@
           <p:cNvPr id="2" name="Titre 1">
             <a:extLst>
               <a:ext uri="{FF2B5EF4-FFF2-40B4-BE49-F238E27FC236}">
-                <a16:creationId xmlns="" xmlns:a16="http://schemas.microsoft.com/office/drawing/2014/main" id="{849D0A46-ECCE-47F9-B6F9-FE9CF7A3E2DD}"/>
+                <a16:creationId xmlns:a16="http://schemas.microsoft.com/office/drawing/2014/main" id="{849D0A46-ECCE-47F9-B6F9-FE9CF7A3E2DD}"/>
               </a:ext>
             </a:extLst>
           </p:cNvPr>
@@ -4544,7 +4548,7 @@
           <p:cNvPr id="3" name="Espace réservé du texte 2">
             <a:extLst>
               <a:ext uri="{FF2B5EF4-FFF2-40B4-BE49-F238E27FC236}">
-                <a16:creationId xmlns="" xmlns:a16="http://schemas.microsoft.com/office/drawing/2014/main" id="{F30287AA-9192-4635-AD85-C6948999467E}"/>
+                <a16:creationId xmlns:a16="http://schemas.microsoft.com/office/drawing/2014/main" id="{F30287AA-9192-4635-AD85-C6948999467E}"/>
               </a:ext>
             </a:extLst>
           </p:cNvPr>
@@ -4615,7 +4619,7 @@
           <p:cNvPr id="4" name="Espace réservé du contenu 3">
             <a:extLst>
               <a:ext uri="{FF2B5EF4-FFF2-40B4-BE49-F238E27FC236}">
-                <a16:creationId xmlns="" xmlns:a16="http://schemas.microsoft.com/office/drawing/2014/main" id="{2A7F0F19-2350-49C3-9E32-4E80925160CA}"/>
+                <a16:creationId xmlns:a16="http://schemas.microsoft.com/office/drawing/2014/main" id="{2A7F0F19-2350-49C3-9E32-4E80925160CA}"/>
               </a:ext>
             </a:extLst>
           </p:cNvPr>
@@ -4677,7 +4681,7 @@
           <p:cNvPr id="5" name="Espace réservé du texte 4">
             <a:extLst>
               <a:ext uri="{FF2B5EF4-FFF2-40B4-BE49-F238E27FC236}">
-                <a16:creationId xmlns="" xmlns:a16="http://schemas.microsoft.com/office/drawing/2014/main" id="{BB9CAAB9-2980-47B2-B481-38F6146B3410}"/>
+                <a16:creationId xmlns:a16="http://schemas.microsoft.com/office/drawing/2014/main" id="{BB9CAAB9-2980-47B2-B481-38F6146B3410}"/>
               </a:ext>
             </a:extLst>
           </p:cNvPr>
@@ -4748,7 +4752,7 @@
           <p:cNvPr id="6" name="Espace réservé du contenu 5">
             <a:extLst>
               <a:ext uri="{FF2B5EF4-FFF2-40B4-BE49-F238E27FC236}">
-                <a16:creationId xmlns="" xmlns:a16="http://schemas.microsoft.com/office/drawing/2014/main" id="{E583033B-2B1B-4D2A-9EB8-7F177FED30BF}"/>
+                <a16:creationId xmlns:a16="http://schemas.microsoft.com/office/drawing/2014/main" id="{E583033B-2B1B-4D2A-9EB8-7F177FED30BF}"/>
               </a:ext>
             </a:extLst>
           </p:cNvPr>
@@ -4810,7 +4814,7 @@
           <p:cNvPr id="7" name="Espace réservé de la date 6">
             <a:extLst>
               <a:ext uri="{FF2B5EF4-FFF2-40B4-BE49-F238E27FC236}">
-                <a16:creationId xmlns="" xmlns:a16="http://schemas.microsoft.com/office/drawing/2014/main" id="{81D108A8-29D9-49F8-BD0D-0D6419625DA7}"/>
+                <a16:creationId xmlns:a16="http://schemas.microsoft.com/office/drawing/2014/main" id="{81D108A8-29D9-49F8-BD0D-0D6419625DA7}"/>
               </a:ext>
             </a:extLst>
           </p:cNvPr>
@@ -4839,7 +4843,7 @@
           <p:cNvPr id="8" name="Espace réservé du pied de page 7">
             <a:extLst>
               <a:ext uri="{FF2B5EF4-FFF2-40B4-BE49-F238E27FC236}">
-                <a16:creationId xmlns="" xmlns:a16="http://schemas.microsoft.com/office/drawing/2014/main" id="{20F308DA-582A-4CFA-BE8C-2FFFF70C9C1B}"/>
+                <a16:creationId xmlns:a16="http://schemas.microsoft.com/office/drawing/2014/main" id="{20F308DA-582A-4CFA-BE8C-2FFFF70C9C1B}"/>
               </a:ext>
             </a:extLst>
           </p:cNvPr>
@@ -4864,7 +4868,7 @@
           <p:cNvPr id="9" name="Espace réservé du numéro de diapositive 8">
             <a:extLst>
               <a:ext uri="{FF2B5EF4-FFF2-40B4-BE49-F238E27FC236}">
-                <a16:creationId xmlns="" xmlns:a16="http://schemas.microsoft.com/office/drawing/2014/main" id="{3E446E83-C3C6-4B82-A7CA-0260E2FC6EA6}"/>
+                <a16:creationId xmlns:a16="http://schemas.microsoft.com/office/drawing/2014/main" id="{3E446E83-C3C6-4B82-A7CA-0260E2FC6EA6}"/>
               </a:ext>
             </a:extLst>
           </p:cNvPr>
@@ -4882,7 +4886,7 @@
           <a:p>
             <a:fld id="{4E75FA5F-F235-4F54-B859-BB483DCF6E4D}" type="slidenum">
               <a:rPr lang="fr-FR" smtClean="0"/>
-              <a:t>‹#›</a:t>
+              <a:t>‹N°›</a:t>
             </a:fld>
             <a:endParaRPr lang="fr-FR"/>
           </a:p>
@@ -4923,7 +4927,7 @@
           <p:cNvPr id="2" name="Titre 1">
             <a:extLst>
               <a:ext uri="{FF2B5EF4-FFF2-40B4-BE49-F238E27FC236}">
-                <a16:creationId xmlns="" xmlns:a16="http://schemas.microsoft.com/office/drawing/2014/main" id="{19EA1DA1-9A94-46A0-8980-0D3FCE363E71}"/>
+                <a16:creationId xmlns:a16="http://schemas.microsoft.com/office/drawing/2014/main" id="{19EA1DA1-9A94-46A0-8980-0D3FCE363E71}"/>
               </a:ext>
             </a:extLst>
           </p:cNvPr>
@@ -4951,7 +4955,7 @@
           <p:cNvPr id="3" name="Espace réservé de la date 2">
             <a:extLst>
               <a:ext uri="{FF2B5EF4-FFF2-40B4-BE49-F238E27FC236}">
-                <a16:creationId xmlns="" xmlns:a16="http://schemas.microsoft.com/office/drawing/2014/main" id="{8F34E9ED-5FCC-4F4F-8AD3-40A34676A834}"/>
+                <a16:creationId xmlns:a16="http://schemas.microsoft.com/office/drawing/2014/main" id="{8F34E9ED-5FCC-4F4F-8AD3-40A34676A834}"/>
               </a:ext>
             </a:extLst>
           </p:cNvPr>
@@ -4980,7 +4984,7 @@
           <p:cNvPr id="4" name="Espace réservé du pied de page 3">
             <a:extLst>
               <a:ext uri="{FF2B5EF4-FFF2-40B4-BE49-F238E27FC236}">
-                <a16:creationId xmlns="" xmlns:a16="http://schemas.microsoft.com/office/drawing/2014/main" id="{B8404B89-E482-41FC-9E48-197E05C1A807}"/>
+                <a16:creationId xmlns:a16="http://schemas.microsoft.com/office/drawing/2014/main" id="{B8404B89-E482-41FC-9E48-197E05C1A807}"/>
               </a:ext>
             </a:extLst>
           </p:cNvPr>
@@ -5005,7 +5009,7 @@
           <p:cNvPr id="5" name="Espace réservé du numéro de diapositive 4">
             <a:extLst>
               <a:ext uri="{FF2B5EF4-FFF2-40B4-BE49-F238E27FC236}">
-                <a16:creationId xmlns="" xmlns:a16="http://schemas.microsoft.com/office/drawing/2014/main" id="{A09D6C7B-E678-447D-A54F-A8894FB51326}"/>
+                <a16:creationId xmlns:a16="http://schemas.microsoft.com/office/drawing/2014/main" id="{A09D6C7B-E678-447D-A54F-A8894FB51326}"/>
               </a:ext>
             </a:extLst>
           </p:cNvPr>
@@ -5023,7 +5027,7 @@
           <a:p>
             <a:fld id="{4E75FA5F-F235-4F54-B859-BB483DCF6E4D}" type="slidenum">
               <a:rPr lang="fr-FR" smtClean="0"/>
-              <a:t>‹#›</a:t>
+              <a:t>‹N°›</a:t>
             </a:fld>
             <a:endParaRPr lang="fr-FR"/>
           </a:p>
@@ -5064,7 +5068,7 @@
           <p:cNvPr id="2" name="Espace réservé de la date 1">
             <a:extLst>
               <a:ext uri="{FF2B5EF4-FFF2-40B4-BE49-F238E27FC236}">
-                <a16:creationId xmlns="" xmlns:a16="http://schemas.microsoft.com/office/drawing/2014/main" id="{32C16B2B-F6D0-4B74-B47D-FE65D16CBA67}"/>
+                <a16:creationId xmlns:a16="http://schemas.microsoft.com/office/drawing/2014/main" id="{32C16B2B-F6D0-4B74-B47D-FE65D16CBA67}"/>
               </a:ext>
             </a:extLst>
           </p:cNvPr>
@@ -5093,7 +5097,7 @@
           <p:cNvPr id="3" name="Espace réservé du pied de page 2">
             <a:extLst>
               <a:ext uri="{FF2B5EF4-FFF2-40B4-BE49-F238E27FC236}">
-                <a16:creationId xmlns="" xmlns:a16="http://schemas.microsoft.com/office/drawing/2014/main" id="{94C0F7A6-3642-441D-942F-86DCFACFE0CB}"/>
+                <a16:creationId xmlns:a16="http://schemas.microsoft.com/office/drawing/2014/main" id="{94C0F7A6-3642-441D-942F-86DCFACFE0CB}"/>
               </a:ext>
             </a:extLst>
           </p:cNvPr>
@@ -5118,7 +5122,7 @@
           <p:cNvPr id="4" name="Espace réservé du numéro de diapositive 3">
             <a:extLst>
               <a:ext uri="{FF2B5EF4-FFF2-40B4-BE49-F238E27FC236}">
-                <a16:creationId xmlns="" xmlns:a16="http://schemas.microsoft.com/office/drawing/2014/main" id="{9B469905-BA6C-48BB-A460-979227E9D984}"/>
+                <a16:creationId xmlns:a16="http://schemas.microsoft.com/office/drawing/2014/main" id="{9B469905-BA6C-48BB-A460-979227E9D984}"/>
               </a:ext>
             </a:extLst>
           </p:cNvPr>
@@ -5136,7 +5140,7 @@
           <a:p>
             <a:fld id="{4E75FA5F-F235-4F54-B859-BB483DCF6E4D}" type="slidenum">
               <a:rPr lang="fr-FR" smtClean="0"/>
-              <a:t>‹#›</a:t>
+              <a:t>‹N°›</a:t>
             </a:fld>
             <a:endParaRPr lang="fr-FR"/>
           </a:p>
@@ -5177,7 +5181,7 @@
           <p:cNvPr id="2" name="Titre 1">
             <a:extLst>
               <a:ext uri="{FF2B5EF4-FFF2-40B4-BE49-F238E27FC236}">
-                <a16:creationId xmlns="" xmlns:a16="http://schemas.microsoft.com/office/drawing/2014/main" id="{5C40A3F6-EEE5-4504-931F-63D6ABDA023B}"/>
+                <a16:creationId xmlns:a16="http://schemas.microsoft.com/office/drawing/2014/main" id="{5C40A3F6-EEE5-4504-931F-63D6ABDA023B}"/>
               </a:ext>
             </a:extLst>
           </p:cNvPr>
@@ -5214,7 +5218,7 @@
           <p:cNvPr id="3" name="Espace réservé du contenu 2">
             <a:extLst>
               <a:ext uri="{FF2B5EF4-FFF2-40B4-BE49-F238E27FC236}">
-                <a16:creationId xmlns="" xmlns:a16="http://schemas.microsoft.com/office/drawing/2014/main" id="{CEDDDA31-4174-4CED-98FB-7744D06E82B2}"/>
+                <a16:creationId xmlns:a16="http://schemas.microsoft.com/office/drawing/2014/main" id="{CEDDDA31-4174-4CED-98FB-7744D06E82B2}"/>
               </a:ext>
             </a:extLst>
           </p:cNvPr>
@@ -5304,7 +5308,7 @@
           <p:cNvPr id="4" name="Espace réservé du texte 3">
             <a:extLst>
               <a:ext uri="{FF2B5EF4-FFF2-40B4-BE49-F238E27FC236}">
-                <a16:creationId xmlns="" xmlns:a16="http://schemas.microsoft.com/office/drawing/2014/main" id="{73C9B382-502A-4FD4-8970-CC80A61065B8}"/>
+                <a16:creationId xmlns:a16="http://schemas.microsoft.com/office/drawing/2014/main" id="{73C9B382-502A-4FD4-8970-CC80A61065B8}"/>
               </a:ext>
             </a:extLst>
           </p:cNvPr>
@@ -5375,7 +5379,7 @@
           <p:cNvPr id="5" name="Espace réservé de la date 4">
             <a:extLst>
               <a:ext uri="{FF2B5EF4-FFF2-40B4-BE49-F238E27FC236}">
-                <a16:creationId xmlns="" xmlns:a16="http://schemas.microsoft.com/office/drawing/2014/main" id="{D046EC40-7BE4-4C90-B2BA-66BEE23B2094}"/>
+                <a16:creationId xmlns:a16="http://schemas.microsoft.com/office/drawing/2014/main" id="{D046EC40-7BE4-4C90-B2BA-66BEE23B2094}"/>
               </a:ext>
             </a:extLst>
           </p:cNvPr>
@@ -5404,7 +5408,7 @@
           <p:cNvPr id="6" name="Espace réservé du pied de page 5">
             <a:extLst>
               <a:ext uri="{FF2B5EF4-FFF2-40B4-BE49-F238E27FC236}">
-                <a16:creationId xmlns="" xmlns:a16="http://schemas.microsoft.com/office/drawing/2014/main" id="{A73B5EA9-E8E8-47DF-A6A3-EFC25AD75350}"/>
+                <a16:creationId xmlns:a16="http://schemas.microsoft.com/office/drawing/2014/main" id="{A73B5EA9-E8E8-47DF-A6A3-EFC25AD75350}"/>
               </a:ext>
             </a:extLst>
           </p:cNvPr>
@@ -5429,7 +5433,7 @@
           <p:cNvPr id="7" name="Espace réservé du numéro de diapositive 6">
             <a:extLst>
               <a:ext uri="{FF2B5EF4-FFF2-40B4-BE49-F238E27FC236}">
-                <a16:creationId xmlns="" xmlns:a16="http://schemas.microsoft.com/office/drawing/2014/main" id="{0F3D8897-F9E1-4EDF-BAC3-0C4687F09E2B}"/>
+                <a16:creationId xmlns:a16="http://schemas.microsoft.com/office/drawing/2014/main" id="{0F3D8897-F9E1-4EDF-BAC3-0C4687F09E2B}"/>
               </a:ext>
             </a:extLst>
           </p:cNvPr>
@@ -5447,7 +5451,7 @@
           <a:p>
             <a:fld id="{4E75FA5F-F235-4F54-B859-BB483DCF6E4D}" type="slidenum">
               <a:rPr lang="fr-FR" smtClean="0"/>
-              <a:t>‹#›</a:t>
+              <a:t>‹N°›</a:t>
             </a:fld>
             <a:endParaRPr lang="fr-FR"/>
           </a:p>
@@ -5488,7 +5492,7 @@
           <p:cNvPr id="2" name="Titre 1">
             <a:extLst>
               <a:ext uri="{FF2B5EF4-FFF2-40B4-BE49-F238E27FC236}">
-                <a16:creationId xmlns="" xmlns:a16="http://schemas.microsoft.com/office/drawing/2014/main" id="{DFA90833-583D-4618-B437-C5DE4F036191}"/>
+                <a16:creationId xmlns:a16="http://schemas.microsoft.com/office/drawing/2014/main" id="{DFA90833-583D-4618-B437-C5DE4F036191}"/>
               </a:ext>
             </a:extLst>
           </p:cNvPr>
@@ -5525,7 +5529,7 @@
           <p:cNvPr id="3" name="Espace réservé pour une image  2">
             <a:extLst>
               <a:ext uri="{FF2B5EF4-FFF2-40B4-BE49-F238E27FC236}">
-                <a16:creationId xmlns="" xmlns:a16="http://schemas.microsoft.com/office/drawing/2014/main" id="{061B660D-B515-49D1-9DF2-7A9CE5849E02}"/>
+                <a16:creationId xmlns:a16="http://schemas.microsoft.com/office/drawing/2014/main" id="{061B660D-B515-49D1-9DF2-7A9CE5849E02}"/>
               </a:ext>
             </a:extLst>
           </p:cNvPr>
@@ -5592,7 +5596,7 @@
           <p:cNvPr id="4" name="Espace réservé du texte 3">
             <a:extLst>
               <a:ext uri="{FF2B5EF4-FFF2-40B4-BE49-F238E27FC236}">
-                <a16:creationId xmlns="" xmlns:a16="http://schemas.microsoft.com/office/drawing/2014/main" id="{26DA247A-0C8D-4026-8781-69025BCAAA47}"/>
+                <a16:creationId xmlns:a16="http://schemas.microsoft.com/office/drawing/2014/main" id="{26DA247A-0C8D-4026-8781-69025BCAAA47}"/>
               </a:ext>
             </a:extLst>
           </p:cNvPr>
@@ -5663,7 +5667,7 @@
           <p:cNvPr id="5" name="Espace réservé de la date 4">
             <a:extLst>
               <a:ext uri="{FF2B5EF4-FFF2-40B4-BE49-F238E27FC236}">
-                <a16:creationId xmlns="" xmlns:a16="http://schemas.microsoft.com/office/drawing/2014/main" id="{7FBE13BB-0999-47BC-A2BF-3D094F12C8BC}"/>
+                <a16:creationId xmlns:a16="http://schemas.microsoft.com/office/drawing/2014/main" id="{7FBE13BB-0999-47BC-A2BF-3D094F12C8BC}"/>
               </a:ext>
             </a:extLst>
           </p:cNvPr>
@@ -5692,7 +5696,7 @@
           <p:cNvPr id="6" name="Espace réservé du pied de page 5">
             <a:extLst>
               <a:ext uri="{FF2B5EF4-FFF2-40B4-BE49-F238E27FC236}">
-                <a16:creationId xmlns="" xmlns:a16="http://schemas.microsoft.com/office/drawing/2014/main" id="{662F05FB-CDE7-4845-99DB-637144DF16F1}"/>
+                <a16:creationId xmlns:a16="http://schemas.microsoft.com/office/drawing/2014/main" id="{662F05FB-CDE7-4845-99DB-637144DF16F1}"/>
               </a:ext>
             </a:extLst>
           </p:cNvPr>
@@ -5717,7 +5721,7 @@
           <p:cNvPr id="7" name="Espace réservé du numéro de diapositive 6">
             <a:extLst>
               <a:ext uri="{FF2B5EF4-FFF2-40B4-BE49-F238E27FC236}">
-                <a16:creationId xmlns="" xmlns:a16="http://schemas.microsoft.com/office/drawing/2014/main" id="{FB46E566-08C0-4028-B0F4-CED6AAD0AA74}"/>
+                <a16:creationId xmlns:a16="http://schemas.microsoft.com/office/drawing/2014/main" id="{FB46E566-08C0-4028-B0F4-CED6AAD0AA74}"/>
               </a:ext>
             </a:extLst>
           </p:cNvPr>
@@ -5735,7 +5739,7 @@
           <a:p>
             <a:fld id="{4E75FA5F-F235-4F54-B859-BB483DCF6E4D}" type="slidenum">
               <a:rPr lang="fr-FR" smtClean="0"/>
-              <a:t>‹#›</a:t>
+              <a:t>‹N°›</a:t>
             </a:fld>
             <a:endParaRPr lang="fr-FR"/>
           </a:p>
@@ -5776,7 +5780,7 @@
           <p:cNvPr id="2" name="Titre 1">
             <a:extLst>
               <a:ext uri="{FF2B5EF4-FFF2-40B4-BE49-F238E27FC236}">
-                <a16:creationId xmlns="" xmlns:a16="http://schemas.microsoft.com/office/drawing/2014/main" id="{AF370611-EE45-41F5-980D-474441CC4935}"/>
+                <a16:creationId xmlns:a16="http://schemas.microsoft.com/office/drawing/2014/main" id="{AF370611-EE45-41F5-980D-474441CC4935}"/>
               </a:ext>
             </a:extLst>
           </p:cNvPr>
@@ -5804,7 +5808,7 @@
           <p:cNvPr id="3" name="Espace réservé du texte vertical 2">
             <a:extLst>
               <a:ext uri="{FF2B5EF4-FFF2-40B4-BE49-F238E27FC236}">
-                <a16:creationId xmlns="" xmlns:a16="http://schemas.microsoft.com/office/drawing/2014/main" id="{D77AE027-259A-49F7-82CC-A4E0DFB0E945}"/>
+                <a16:creationId xmlns:a16="http://schemas.microsoft.com/office/drawing/2014/main" id="{D77AE027-259A-49F7-82CC-A4E0DFB0E945}"/>
               </a:ext>
             </a:extLst>
           </p:cNvPr>
@@ -5861,7 +5865,7 @@
           <p:cNvPr id="4" name="Espace réservé de la date 3">
             <a:extLst>
               <a:ext uri="{FF2B5EF4-FFF2-40B4-BE49-F238E27FC236}">
-                <a16:creationId xmlns="" xmlns:a16="http://schemas.microsoft.com/office/drawing/2014/main" id="{62EECABD-6F64-437C-8B42-C6E456B04D0F}"/>
+                <a16:creationId xmlns:a16="http://schemas.microsoft.com/office/drawing/2014/main" id="{62EECABD-6F64-437C-8B42-C6E456B04D0F}"/>
               </a:ext>
             </a:extLst>
           </p:cNvPr>
@@ -5890,7 +5894,7 @@
           <p:cNvPr id="5" name="Espace réservé du pied de page 4">
             <a:extLst>
               <a:ext uri="{FF2B5EF4-FFF2-40B4-BE49-F238E27FC236}">
-                <a16:creationId xmlns="" xmlns:a16="http://schemas.microsoft.com/office/drawing/2014/main" id="{5BC4BB0C-6B94-4CF8-B4A8-AF30ED2A0629}"/>
+                <a16:creationId xmlns:a16="http://schemas.microsoft.com/office/drawing/2014/main" id="{5BC4BB0C-6B94-4CF8-B4A8-AF30ED2A0629}"/>
               </a:ext>
             </a:extLst>
           </p:cNvPr>
@@ -5915,7 +5919,7 @@
           <p:cNvPr id="6" name="Espace réservé du numéro de diapositive 5">
             <a:extLst>
               <a:ext uri="{FF2B5EF4-FFF2-40B4-BE49-F238E27FC236}">
-                <a16:creationId xmlns="" xmlns:a16="http://schemas.microsoft.com/office/drawing/2014/main" id="{EC468D1E-77B1-43CC-B697-BDA6011D5851}"/>
+                <a16:creationId xmlns:a16="http://schemas.microsoft.com/office/drawing/2014/main" id="{EC468D1E-77B1-43CC-B697-BDA6011D5851}"/>
               </a:ext>
             </a:extLst>
           </p:cNvPr>
@@ -5933,7 +5937,7 @@
           <a:p>
             <a:fld id="{4E75FA5F-F235-4F54-B859-BB483DCF6E4D}" type="slidenum">
               <a:rPr lang="fr-FR" smtClean="0"/>
-              <a:t>‹#›</a:t>
+              <a:t>‹N°›</a:t>
             </a:fld>
             <a:endParaRPr lang="fr-FR"/>
           </a:p>
@@ -5974,7 +5978,7 @@
           <p:cNvPr id="2" name="Titre vertical 1">
             <a:extLst>
               <a:ext uri="{FF2B5EF4-FFF2-40B4-BE49-F238E27FC236}">
-                <a16:creationId xmlns="" xmlns:a16="http://schemas.microsoft.com/office/drawing/2014/main" id="{2317E02A-D71D-42D1-8436-83F943A69346}"/>
+                <a16:creationId xmlns:a16="http://schemas.microsoft.com/office/drawing/2014/main" id="{2317E02A-D71D-42D1-8436-83F943A69346}"/>
               </a:ext>
             </a:extLst>
           </p:cNvPr>
@@ -6007,7 +6011,7 @@
           <p:cNvPr id="3" name="Espace réservé du texte vertical 2">
             <a:extLst>
               <a:ext uri="{FF2B5EF4-FFF2-40B4-BE49-F238E27FC236}">
-                <a16:creationId xmlns="" xmlns:a16="http://schemas.microsoft.com/office/drawing/2014/main" id="{9F358B81-9779-4132-A18E-E997A5CCEC0A}"/>
+                <a16:creationId xmlns:a16="http://schemas.microsoft.com/office/drawing/2014/main" id="{9F358B81-9779-4132-A18E-E997A5CCEC0A}"/>
               </a:ext>
             </a:extLst>
           </p:cNvPr>
@@ -6069,7 +6073,7 @@
           <p:cNvPr id="4" name="Espace réservé de la date 3">
             <a:extLst>
               <a:ext uri="{FF2B5EF4-FFF2-40B4-BE49-F238E27FC236}">
-                <a16:creationId xmlns="" xmlns:a16="http://schemas.microsoft.com/office/drawing/2014/main" id="{2D95D730-21B9-46C2-B10E-E20BC6367AF5}"/>
+                <a16:creationId xmlns:a16="http://schemas.microsoft.com/office/drawing/2014/main" id="{2D95D730-21B9-46C2-B10E-E20BC6367AF5}"/>
               </a:ext>
             </a:extLst>
           </p:cNvPr>
@@ -6098,7 +6102,7 @@
           <p:cNvPr id="5" name="Espace réservé du pied de page 4">
             <a:extLst>
               <a:ext uri="{FF2B5EF4-FFF2-40B4-BE49-F238E27FC236}">
-                <a16:creationId xmlns="" xmlns:a16="http://schemas.microsoft.com/office/drawing/2014/main" id="{A0101F13-0126-4FCB-ABDC-2963D1B9E7FA}"/>
+                <a16:creationId xmlns:a16="http://schemas.microsoft.com/office/drawing/2014/main" id="{A0101F13-0126-4FCB-ABDC-2963D1B9E7FA}"/>
               </a:ext>
             </a:extLst>
           </p:cNvPr>
@@ -6123,7 +6127,7 @@
           <p:cNvPr id="6" name="Espace réservé du numéro de diapositive 5">
             <a:extLst>
               <a:ext uri="{FF2B5EF4-FFF2-40B4-BE49-F238E27FC236}">
-                <a16:creationId xmlns="" xmlns:a16="http://schemas.microsoft.com/office/drawing/2014/main" id="{3B5C357F-8B6B-45AA-AED9-36D38EE49614}"/>
+                <a16:creationId xmlns:a16="http://schemas.microsoft.com/office/drawing/2014/main" id="{3B5C357F-8B6B-45AA-AED9-36D38EE49614}"/>
               </a:ext>
             </a:extLst>
           </p:cNvPr>
@@ -6141,7 +6145,7 @@
           <a:p>
             <a:fld id="{4E75FA5F-F235-4F54-B859-BB483DCF6E4D}" type="slidenum">
               <a:rPr lang="fr-FR" smtClean="0"/>
-              <a:t>‹#›</a:t>
+              <a:t>‹N°›</a:t>
             </a:fld>
             <a:endParaRPr lang="fr-FR"/>
           </a:p>
@@ -6182,7 +6186,7 @@
           <p:cNvPr id="2" name="Titre 1">
             <a:extLst>
               <a:ext uri="{FF2B5EF4-FFF2-40B4-BE49-F238E27FC236}">
-                <a16:creationId xmlns="" xmlns:a16="http://schemas.microsoft.com/office/drawing/2014/main" id="{2062B1B1-3164-439B-A604-D0611815857A}"/>
+                <a16:creationId xmlns:a16="http://schemas.microsoft.com/office/drawing/2014/main" id="{2062B1B1-3164-439B-A604-D0611815857A}"/>
               </a:ext>
             </a:extLst>
           </p:cNvPr>
@@ -6219,7 +6223,7 @@
           <p:cNvPr id="3" name="Sous-titre 2">
             <a:extLst>
               <a:ext uri="{FF2B5EF4-FFF2-40B4-BE49-F238E27FC236}">
-                <a16:creationId xmlns="" xmlns:a16="http://schemas.microsoft.com/office/drawing/2014/main" id="{5CBBAFE7-5C5E-4994-ACCC-9EE95277F4C3}"/>
+                <a16:creationId xmlns:a16="http://schemas.microsoft.com/office/drawing/2014/main" id="{5CBBAFE7-5C5E-4994-ACCC-9EE95277F4C3}"/>
               </a:ext>
             </a:extLst>
           </p:cNvPr>
@@ -6289,7 +6293,7 @@
           <p:cNvPr id="4" name="Espace réservé de la date 3">
             <a:extLst>
               <a:ext uri="{FF2B5EF4-FFF2-40B4-BE49-F238E27FC236}">
-                <a16:creationId xmlns="" xmlns:a16="http://schemas.microsoft.com/office/drawing/2014/main" id="{14CB39AD-AE42-4569-ABF6-78E6BC58FEC8}"/>
+                <a16:creationId xmlns:a16="http://schemas.microsoft.com/office/drawing/2014/main" id="{14CB39AD-AE42-4569-ABF6-78E6BC58FEC8}"/>
               </a:ext>
             </a:extLst>
           </p:cNvPr>
@@ -6318,7 +6322,7 @@
           <p:cNvPr id="5" name="Espace réservé du pied de page 4">
             <a:extLst>
               <a:ext uri="{FF2B5EF4-FFF2-40B4-BE49-F238E27FC236}">
-                <a16:creationId xmlns="" xmlns:a16="http://schemas.microsoft.com/office/drawing/2014/main" id="{6BA4F82C-22C0-4581-AC1E-3678F84111DD}"/>
+                <a16:creationId xmlns:a16="http://schemas.microsoft.com/office/drawing/2014/main" id="{6BA4F82C-22C0-4581-AC1E-3678F84111DD}"/>
               </a:ext>
             </a:extLst>
           </p:cNvPr>
@@ -6343,7 +6347,7 @@
           <p:cNvPr id="6" name="Espace réservé du numéro de diapositive 5">
             <a:extLst>
               <a:ext uri="{FF2B5EF4-FFF2-40B4-BE49-F238E27FC236}">
-                <a16:creationId xmlns="" xmlns:a16="http://schemas.microsoft.com/office/drawing/2014/main" id="{097DFD3D-4FC4-4DC4-A904-D0E37F12DEF9}"/>
+                <a16:creationId xmlns:a16="http://schemas.microsoft.com/office/drawing/2014/main" id="{097DFD3D-4FC4-4DC4-A904-D0E37F12DEF9}"/>
               </a:ext>
             </a:extLst>
           </p:cNvPr>
@@ -6361,7 +6365,7 @@
           <a:p>
             <a:fld id="{8E22735B-F056-4F69-A81A-854B4B999240}" type="slidenum">
               <a:rPr lang="fr-FR" smtClean="0"/>
-              <a:t>‹#›</a:t>
+              <a:t>‹N°›</a:t>
             </a:fld>
             <a:endParaRPr lang="fr-FR"/>
           </a:p>
@@ -6608,7 +6612,7 @@
           <a:p>
             <a:fld id="{10489E0E-CC19-4746-AE3F-A20083D175C2}" type="slidenum">
               <a:rPr lang="fr-FR" smtClean="0"/>
-              <a:t>‹#›</a:t>
+              <a:t>‹N°›</a:t>
             </a:fld>
             <a:endParaRPr lang="fr-FR"/>
           </a:p>
@@ -6649,7 +6653,7 @@
           <p:cNvPr id="2" name="Titre 1">
             <a:extLst>
               <a:ext uri="{FF2B5EF4-FFF2-40B4-BE49-F238E27FC236}">
-                <a16:creationId xmlns="" xmlns:a16="http://schemas.microsoft.com/office/drawing/2014/main" id="{3A7A66B6-2A48-4540-9E7F-12BC10080DB7}"/>
+                <a16:creationId xmlns:a16="http://schemas.microsoft.com/office/drawing/2014/main" id="{3A7A66B6-2A48-4540-9E7F-12BC10080DB7}"/>
               </a:ext>
             </a:extLst>
           </p:cNvPr>
@@ -6677,7 +6681,7 @@
           <p:cNvPr id="3" name="Espace réservé du contenu 2">
             <a:extLst>
               <a:ext uri="{FF2B5EF4-FFF2-40B4-BE49-F238E27FC236}">
-                <a16:creationId xmlns="" xmlns:a16="http://schemas.microsoft.com/office/drawing/2014/main" id="{86E572D1-8A89-4C59-AFEB-9C3B865DD493}"/>
+                <a16:creationId xmlns:a16="http://schemas.microsoft.com/office/drawing/2014/main" id="{86E572D1-8A89-4C59-AFEB-9C3B865DD493}"/>
               </a:ext>
             </a:extLst>
           </p:cNvPr>
@@ -6734,7 +6738,7 @@
           <p:cNvPr id="4" name="Espace réservé de la date 3">
             <a:extLst>
               <a:ext uri="{FF2B5EF4-FFF2-40B4-BE49-F238E27FC236}">
-                <a16:creationId xmlns="" xmlns:a16="http://schemas.microsoft.com/office/drawing/2014/main" id="{25983DE9-4B37-4745-A7ED-941AF2BFC578}"/>
+                <a16:creationId xmlns:a16="http://schemas.microsoft.com/office/drawing/2014/main" id="{25983DE9-4B37-4745-A7ED-941AF2BFC578}"/>
               </a:ext>
             </a:extLst>
           </p:cNvPr>
@@ -6763,7 +6767,7 @@
           <p:cNvPr id="5" name="Espace réservé du pied de page 4">
             <a:extLst>
               <a:ext uri="{FF2B5EF4-FFF2-40B4-BE49-F238E27FC236}">
-                <a16:creationId xmlns="" xmlns:a16="http://schemas.microsoft.com/office/drawing/2014/main" id="{D8971080-3340-48C4-A47C-EF26E2BCC634}"/>
+                <a16:creationId xmlns:a16="http://schemas.microsoft.com/office/drawing/2014/main" id="{D8971080-3340-48C4-A47C-EF26E2BCC634}"/>
               </a:ext>
             </a:extLst>
           </p:cNvPr>
@@ -6788,7 +6792,7 @@
           <p:cNvPr id="6" name="Espace réservé du numéro de diapositive 5">
             <a:extLst>
               <a:ext uri="{FF2B5EF4-FFF2-40B4-BE49-F238E27FC236}">
-                <a16:creationId xmlns="" xmlns:a16="http://schemas.microsoft.com/office/drawing/2014/main" id="{444B60C3-8CD4-42B7-9C8A-C0C2C03F5402}"/>
+                <a16:creationId xmlns:a16="http://schemas.microsoft.com/office/drawing/2014/main" id="{444B60C3-8CD4-42B7-9C8A-C0C2C03F5402}"/>
               </a:ext>
             </a:extLst>
           </p:cNvPr>
@@ -6806,7 +6810,7 @@
           <a:p>
             <a:fld id="{8E22735B-F056-4F69-A81A-854B4B999240}" type="slidenum">
               <a:rPr lang="fr-FR" smtClean="0"/>
-              <a:t>‹#›</a:t>
+              <a:t>‹N°›</a:t>
             </a:fld>
             <a:endParaRPr lang="fr-FR"/>
           </a:p>
@@ -6847,7 +6851,7 @@
           <p:cNvPr id="2" name="Titre 1">
             <a:extLst>
               <a:ext uri="{FF2B5EF4-FFF2-40B4-BE49-F238E27FC236}">
-                <a16:creationId xmlns="" xmlns:a16="http://schemas.microsoft.com/office/drawing/2014/main" id="{F0A0009D-BE18-42D6-9339-EB98C04E3D8E}"/>
+                <a16:creationId xmlns:a16="http://schemas.microsoft.com/office/drawing/2014/main" id="{F0A0009D-BE18-42D6-9339-EB98C04E3D8E}"/>
               </a:ext>
             </a:extLst>
           </p:cNvPr>
@@ -6884,7 +6888,7 @@
           <p:cNvPr id="3" name="Espace réservé du texte 2">
             <a:extLst>
               <a:ext uri="{FF2B5EF4-FFF2-40B4-BE49-F238E27FC236}">
-                <a16:creationId xmlns="" xmlns:a16="http://schemas.microsoft.com/office/drawing/2014/main" id="{15797ADA-3886-4802-9C0F-43BA41B12D28}"/>
+                <a16:creationId xmlns:a16="http://schemas.microsoft.com/office/drawing/2014/main" id="{15797ADA-3886-4802-9C0F-43BA41B12D28}"/>
               </a:ext>
             </a:extLst>
           </p:cNvPr>
@@ -7009,7 +7013,7 @@
           <p:cNvPr id="4" name="Espace réservé de la date 3">
             <a:extLst>
               <a:ext uri="{FF2B5EF4-FFF2-40B4-BE49-F238E27FC236}">
-                <a16:creationId xmlns="" xmlns:a16="http://schemas.microsoft.com/office/drawing/2014/main" id="{F0C5A045-7822-429D-B4BF-1BBECB129FC9}"/>
+                <a16:creationId xmlns:a16="http://schemas.microsoft.com/office/drawing/2014/main" id="{F0C5A045-7822-429D-B4BF-1BBECB129FC9}"/>
               </a:ext>
             </a:extLst>
           </p:cNvPr>
@@ -7038,7 +7042,7 @@
           <p:cNvPr id="5" name="Espace réservé du pied de page 4">
             <a:extLst>
               <a:ext uri="{FF2B5EF4-FFF2-40B4-BE49-F238E27FC236}">
-                <a16:creationId xmlns="" xmlns:a16="http://schemas.microsoft.com/office/drawing/2014/main" id="{C2E5E4DD-3804-4C20-9B3E-49DEA30F996D}"/>
+                <a16:creationId xmlns:a16="http://schemas.microsoft.com/office/drawing/2014/main" id="{C2E5E4DD-3804-4C20-9B3E-49DEA30F996D}"/>
               </a:ext>
             </a:extLst>
           </p:cNvPr>
@@ -7063,7 +7067,7 @@
           <p:cNvPr id="6" name="Espace réservé du numéro de diapositive 5">
             <a:extLst>
               <a:ext uri="{FF2B5EF4-FFF2-40B4-BE49-F238E27FC236}">
-                <a16:creationId xmlns="" xmlns:a16="http://schemas.microsoft.com/office/drawing/2014/main" id="{3829D8F8-72BD-4218-916C-CE4FC3D280C6}"/>
+                <a16:creationId xmlns:a16="http://schemas.microsoft.com/office/drawing/2014/main" id="{3829D8F8-72BD-4218-916C-CE4FC3D280C6}"/>
               </a:ext>
             </a:extLst>
           </p:cNvPr>
@@ -7081,7 +7085,7 @@
           <a:p>
             <a:fld id="{8E22735B-F056-4F69-A81A-854B4B999240}" type="slidenum">
               <a:rPr lang="fr-FR" smtClean="0"/>
-              <a:t>‹#›</a:t>
+              <a:t>‹N°›</a:t>
             </a:fld>
             <a:endParaRPr lang="fr-FR"/>
           </a:p>
@@ -7122,7 +7126,7 @@
           <p:cNvPr id="2" name="Titre 1">
             <a:extLst>
               <a:ext uri="{FF2B5EF4-FFF2-40B4-BE49-F238E27FC236}">
-                <a16:creationId xmlns="" xmlns:a16="http://schemas.microsoft.com/office/drawing/2014/main" id="{2F6D4263-F029-4B89-9682-7D9DD87FC5BE}"/>
+                <a16:creationId xmlns:a16="http://schemas.microsoft.com/office/drawing/2014/main" id="{2F6D4263-F029-4B89-9682-7D9DD87FC5BE}"/>
               </a:ext>
             </a:extLst>
           </p:cNvPr>
@@ -7150,7 +7154,7 @@
           <p:cNvPr id="3" name="Espace réservé du contenu 2">
             <a:extLst>
               <a:ext uri="{FF2B5EF4-FFF2-40B4-BE49-F238E27FC236}">
-                <a16:creationId xmlns="" xmlns:a16="http://schemas.microsoft.com/office/drawing/2014/main" id="{667CC2F4-A999-4B2D-AB64-8E6D7EF8F997}"/>
+                <a16:creationId xmlns:a16="http://schemas.microsoft.com/office/drawing/2014/main" id="{667CC2F4-A999-4B2D-AB64-8E6D7EF8F997}"/>
               </a:ext>
             </a:extLst>
           </p:cNvPr>
@@ -7212,7 +7216,7 @@
           <p:cNvPr id="4" name="Espace réservé du contenu 3">
             <a:extLst>
               <a:ext uri="{FF2B5EF4-FFF2-40B4-BE49-F238E27FC236}">
-                <a16:creationId xmlns="" xmlns:a16="http://schemas.microsoft.com/office/drawing/2014/main" id="{AE096F78-D441-4E4B-80B6-096FFBE22A0C}"/>
+                <a16:creationId xmlns:a16="http://schemas.microsoft.com/office/drawing/2014/main" id="{AE096F78-D441-4E4B-80B6-096FFBE22A0C}"/>
               </a:ext>
             </a:extLst>
           </p:cNvPr>
@@ -7274,7 +7278,7 @@
           <p:cNvPr id="5" name="Espace réservé de la date 4">
             <a:extLst>
               <a:ext uri="{FF2B5EF4-FFF2-40B4-BE49-F238E27FC236}">
-                <a16:creationId xmlns="" xmlns:a16="http://schemas.microsoft.com/office/drawing/2014/main" id="{33704EC3-6178-4647-8EBD-E715FA044565}"/>
+                <a16:creationId xmlns:a16="http://schemas.microsoft.com/office/drawing/2014/main" id="{33704EC3-6178-4647-8EBD-E715FA044565}"/>
               </a:ext>
             </a:extLst>
           </p:cNvPr>
@@ -7303,7 +7307,7 @@
           <p:cNvPr id="6" name="Espace réservé du pied de page 5">
             <a:extLst>
               <a:ext uri="{FF2B5EF4-FFF2-40B4-BE49-F238E27FC236}">
-                <a16:creationId xmlns="" xmlns:a16="http://schemas.microsoft.com/office/drawing/2014/main" id="{D3E08EF8-A756-4CC6-A562-FB9C87BB00E9}"/>
+                <a16:creationId xmlns:a16="http://schemas.microsoft.com/office/drawing/2014/main" id="{D3E08EF8-A756-4CC6-A562-FB9C87BB00E9}"/>
               </a:ext>
             </a:extLst>
           </p:cNvPr>
@@ -7328,7 +7332,7 @@
           <p:cNvPr id="7" name="Espace réservé du numéro de diapositive 6">
             <a:extLst>
               <a:ext uri="{FF2B5EF4-FFF2-40B4-BE49-F238E27FC236}">
-                <a16:creationId xmlns="" xmlns:a16="http://schemas.microsoft.com/office/drawing/2014/main" id="{CED2B7BE-DF03-4053-B695-D1D35ACF6195}"/>
+                <a16:creationId xmlns:a16="http://schemas.microsoft.com/office/drawing/2014/main" id="{CED2B7BE-DF03-4053-B695-D1D35ACF6195}"/>
               </a:ext>
             </a:extLst>
           </p:cNvPr>
@@ -7346,7 +7350,7 @@
           <a:p>
             <a:fld id="{8E22735B-F056-4F69-A81A-854B4B999240}" type="slidenum">
               <a:rPr lang="fr-FR" smtClean="0"/>
-              <a:t>‹#›</a:t>
+              <a:t>‹N°›</a:t>
             </a:fld>
             <a:endParaRPr lang="fr-FR"/>
           </a:p>
@@ -7387,7 +7391,7 @@
           <p:cNvPr id="2" name="Titre 1">
             <a:extLst>
               <a:ext uri="{FF2B5EF4-FFF2-40B4-BE49-F238E27FC236}">
-                <a16:creationId xmlns="" xmlns:a16="http://schemas.microsoft.com/office/drawing/2014/main" id="{A38EF2B6-6142-44BD-AB9E-2AB1B52F77BB}"/>
+                <a16:creationId xmlns:a16="http://schemas.microsoft.com/office/drawing/2014/main" id="{A38EF2B6-6142-44BD-AB9E-2AB1B52F77BB}"/>
               </a:ext>
             </a:extLst>
           </p:cNvPr>
@@ -7420,7 +7424,7 @@
           <p:cNvPr id="3" name="Espace réservé du texte 2">
             <a:extLst>
               <a:ext uri="{FF2B5EF4-FFF2-40B4-BE49-F238E27FC236}">
-                <a16:creationId xmlns="" xmlns:a16="http://schemas.microsoft.com/office/drawing/2014/main" id="{F9AF7FC1-EC40-4F84-B437-DDC3B593B7CE}"/>
+                <a16:creationId xmlns:a16="http://schemas.microsoft.com/office/drawing/2014/main" id="{F9AF7FC1-EC40-4F84-B437-DDC3B593B7CE}"/>
               </a:ext>
             </a:extLst>
           </p:cNvPr>
@@ -7491,7 +7495,7 @@
           <p:cNvPr id="4" name="Espace réservé du contenu 3">
             <a:extLst>
               <a:ext uri="{FF2B5EF4-FFF2-40B4-BE49-F238E27FC236}">
-                <a16:creationId xmlns="" xmlns:a16="http://schemas.microsoft.com/office/drawing/2014/main" id="{02B380D5-B7FC-4561-8298-DFD31B84DCC1}"/>
+                <a16:creationId xmlns:a16="http://schemas.microsoft.com/office/drawing/2014/main" id="{02B380D5-B7FC-4561-8298-DFD31B84DCC1}"/>
               </a:ext>
             </a:extLst>
           </p:cNvPr>
@@ -7553,7 +7557,7 @@
           <p:cNvPr id="5" name="Espace réservé du texte 4">
             <a:extLst>
               <a:ext uri="{FF2B5EF4-FFF2-40B4-BE49-F238E27FC236}">
-                <a16:creationId xmlns="" xmlns:a16="http://schemas.microsoft.com/office/drawing/2014/main" id="{28B2BF18-4183-4529-A4E9-238670265B2F}"/>
+                <a16:creationId xmlns:a16="http://schemas.microsoft.com/office/drawing/2014/main" id="{28B2BF18-4183-4529-A4E9-238670265B2F}"/>
               </a:ext>
             </a:extLst>
           </p:cNvPr>
@@ -7624,7 +7628,7 @@
           <p:cNvPr id="6" name="Espace réservé du contenu 5">
             <a:extLst>
               <a:ext uri="{FF2B5EF4-FFF2-40B4-BE49-F238E27FC236}">
-                <a16:creationId xmlns="" xmlns:a16="http://schemas.microsoft.com/office/drawing/2014/main" id="{E71E1AEE-102A-41FD-976C-B0C48A765BE3}"/>
+                <a16:creationId xmlns:a16="http://schemas.microsoft.com/office/drawing/2014/main" id="{E71E1AEE-102A-41FD-976C-B0C48A765BE3}"/>
               </a:ext>
             </a:extLst>
           </p:cNvPr>
@@ -7686,7 +7690,7 @@
           <p:cNvPr id="7" name="Espace réservé de la date 6">
             <a:extLst>
               <a:ext uri="{FF2B5EF4-FFF2-40B4-BE49-F238E27FC236}">
-                <a16:creationId xmlns="" xmlns:a16="http://schemas.microsoft.com/office/drawing/2014/main" id="{55A222BC-D3F3-435B-AE92-EC533C9847D3}"/>
+                <a16:creationId xmlns:a16="http://schemas.microsoft.com/office/drawing/2014/main" id="{55A222BC-D3F3-435B-AE92-EC533C9847D3}"/>
               </a:ext>
             </a:extLst>
           </p:cNvPr>
@@ -7715,7 +7719,7 @@
           <p:cNvPr id="8" name="Espace réservé du pied de page 7">
             <a:extLst>
               <a:ext uri="{FF2B5EF4-FFF2-40B4-BE49-F238E27FC236}">
-                <a16:creationId xmlns="" xmlns:a16="http://schemas.microsoft.com/office/drawing/2014/main" id="{76AFA193-977A-4F0F-A53C-E3DC44DE3524}"/>
+                <a16:creationId xmlns:a16="http://schemas.microsoft.com/office/drawing/2014/main" id="{76AFA193-977A-4F0F-A53C-E3DC44DE3524}"/>
               </a:ext>
             </a:extLst>
           </p:cNvPr>
@@ -7740,7 +7744,7 @@
           <p:cNvPr id="9" name="Espace réservé du numéro de diapositive 8">
             <a:extLst>
               <a:ext uri="{FF2B5EF4-FFF2-40B4-BE49-F238E27FC236}">
-                <a16:creationId xmlns="" xmlns:a16="http://schemas.microsoft.com/office/drawing/2014/main" id="{6E4F769C-D40D-4F06-B77C-0892DB4F0F38}"/>
+                <a16:creationId xmlns:a16="http://schemas.microsoft.com/office/drawing/2014/main" id="{6E4F769C-D40D-4F06-B77C-0892DB4F0F38}"/>
               </a:ext>
             </a:extLst>
           </p:cNvPr>
@@ -7758,7 +7762,7 @@
           <a:p>
             <a:fld id="{8E22735B-F056-4F69-A81A-854B4B999240}" type="slidenum">
               <a:rPr lang="fr-FR" smtClean="0"/>
-              <a:t>‹#›</a:t>
+              <a:t>‹N°›</a:t>
             </a:fld>
             <a:endParaRPr lang="fr-FR"/>
           </a:p>
@@ -7799,7 +7803,7 @@
           <p:cNvPr id="2" name="Titre 1">
             <a:extLst>
               <a:ext uri="{FF2B5EF4-FFF2-40B4-BE49-F238E27FC236}">
-                <a16:creationId xmlns="" xmlns:a16="http://schemas.microsoft.com/office/drawing/2014/main" id="{FC240B70-77D8-4982-8827-EC3A46955482}"/>
+                <a16:creationId xmlns:a16="http://schemas.microsoft.com/office/drawing/2014/main" id="{FC240B70-77D8-4982-8827-EC3A46955482}"/>
               </a:ext>
             </a:extLst>
           </p:cNvPr>
@@ -7827,7 +7831,7 @@
           <p:cNvPr id="3" name="Espace réservé de la date 2">
             <a:extLst>
               <a:ext uri="{FF2B5EF4-FFF2-40B4-BE49-F238E27FC236}">
-                <a16:creationId xmlns="" xmlns:a16="http://schemas.microsoft.com/office/drawing/2014/main" id="{8968BC26-545F-4E49-AC92-3B077D0FCDE5}"/>
+                <a16:creationId xmlns:a16="http://schemas.microsoft.com/office/drawing/2014/main" id="{8968BC26-545F-4E49-AC92-3B077D0FCDE5}"/>
               </a:ext>
             </a:extLst>
           </p:cNvPr>
@@ -7856,7 +7860,7 @@
           <p:cNvPr id="4" name="Espace réservé du pied de page 3">
             <a:extLst>
               <a:ext uri="{FF2B5EF4-FFF2-40B4-BE49-F238E27FC236}">
-                <a16:creationId xmlns="" xmlns:a16="http://schemas.microsoft.com/office/drawing/2014/main" id="{83D5E57A-3E42-4021-9F17-B1A693C9EEFF}"/>
+                <a16:creationId xmlns:a16="http://schemas.microsoft.com/office/drawing/2014/main" id="{83D5E57A-3E42-4021-9F17-B1A693C9EEFF}"/>
               </a:ext>
             </a:extLst>
           </p:cNvPr>
@@ -7881,7 +7885,7 @@
           <p:cNvPr id="5" name="Espace réservé du numéro de diapositive 4">
             <a:extLst>
               <a:ext uri="{FF2B5EF4-FFF2-40B4-BE49-F238E27FC236}">
-                <a16:creationId xmlns="" xmlns:a16="http://schemas.microsoft.com/office/drawing/2014/main" id="{F389E032-8981-45FA-A937-F3703D5D380F}"/>
+                <a16:creationId xmlns:a16="http://schemas.microsoft.com/office/drawing/2014/main" id="{F389E032-8981-45FA-A937-F3703D5D380F}"/>
               </a:ext>
             </a:extLst>
           </p:cNvPr>
@@ -7899,7 +7903,7 @@
           <a:p>
             <a:fld id="{8E22735B-F056-4F69-A81A-854B4B999240}" type="slidenum">
               <a:rPr lang="fr-FR" smtClean="0"/>
-              <a:t>‹#›</a:t>
+              <a:t>‹N°›</a:t>
             </a:fld>
             <a:endParaRPr lang="fr-FR"/>
           </a:p>
@@ -7940,7 +7944,7 @@
           <p:cNvPr id="2" name="Espace réservé de la date 1">
             <a:extLst>
               <a:ext uri="{FF2B5EF4-FFF2-40B4-BE49-F238E27FC236}">
-                <a16:creationId xmlns="" xmlns:a16="http://schemas.microsoft.com/office/drawing/2014/main" id="{D0EFF0CD-74C9-438A-A4C4-1DD03E9024F3}"/>
+                <a16:creationId xmlns:a16="http://schemas.microsoft.com/office/drawing/2014/main" id="{D0EFF0CD-74C9-438A-A4C4-1DD03E9024F3}"/>
               </a:ext>
             </a:extLst>
           </p:cNvPr>
@@ -7969,7 +7973,7 @@
           <p:cNvPr id="3" name="Espace réservé du pied de page 2">
             <a:extLst>
               <a:ext uri="{FF2B5EF4-FFF2-40B4-BE49-F238E27FC236}">
-                <a16:creationId xmlns="" xmlns:a16="http://schemas.microsoft.com/office/drawing/2014/main" id="{E9ADAE93-262D-4989-8A3C-A5A39BE4D602}"/>
+                <a16:creationId xmlns:a16="http://schemas.microsoft.com/office/drawing/2014/main" id="{E9ADAE93-262D-4989-8A3C-A5A39BE4D602}"/>
               </a:ext>
             </a:extLst>
           </p:cNvPr>
@@ -7994,7 +7998,7 @@
           <p:cNvPr id="4" name="Espace réservé du numéro de diapositive 3">
             <a:extLst>
               <a:ext uri="{FF2B5EF4-FFF2-40B4-BE49-F238E27FC236}">
-                <a16:creationId xmlns="" xmlns:a16="http://schemas.microsoft.com/office/drawing/2014/main" id="{B8D2D0B4-F4B8-469E-8080-1B7D88152F08}"/>
+                <a16:creationId xmlns:a16="http://schemas.microsoft.com/office/drawing/2014/main" id="{B8D2D0B4-F4B8-469E-8080-1B7D88152F08}"/>
               </a:ext>
             </a:extLst>
           </p:cNvPr>
@@ -8012,7 +8016,7 @@
           <a:p>
             <a:fld id="{8E22735B-F056-4F69-A81A-854B4B999240}" type="slidenum">
               <a:rPr lang="fr-FR" smtClean="0"/>
-              <a:t>‹#›</a:t>
+              <a:t>‹N°›</a:t>
             </a:fld>
             <a:endParaRPr lang="fr-FR"/>
           </a:p>
@@ -8053,7 +8057,7 @@
           <p:cNvPr id="2" name="Titre 1">
             <a:extLst>
               <a:ext uri="{FF2B5EF4-FFF2-40B4-BE49-F238E27FC236}">
-                <a16:creationId xmlns="" xmlns:a16="http://schemas.microsoft.com/office/drawing/2014/main" id="{21B3C0CE-6D31-44E4-934D-167ED06348FA}"/>
+                <a16:creationId xmlns:a16="http://schemas.microsoft.com/office/drawing/2014/main" id="{21B3C0CE-6D31-44E4-934D-167ED06348FA}"/>
               </a:ext>
             </a:extLst>
           </p:cNvPr>
@@ -8090,7 +8094,7 @@
           <p:cNvPr id="3" name="Espace réservé du contenu 2">
             <a:extLst>
               <a:ext uri="{FF2B5EF4-FFF2-40B4-BE49-F238E27FC236}">
-                <a16:creationId xmlns="" xmlns:a16="http://schemas.microsoft.com/office/drawing/2014/main" id="{1D2FAFB0-7466-4BF3-A9C1-669D2F9A50C1}"/>
+                <a16:creationId xmlns:a16="http://schemas.microsoft.com/office/drawing/2014/main" id="{1D2FAFB0-7466-4BF3-A9C1-669D2F9A50C1}"/>
               </a:ext>
             </a:extLst>
           </p:cNvPr>
@@ -8180,7 +8184,7 @@
           <p:cNvPr id="4" name="Espace réservé du texte 3">
             <a:extLst>
               <a:ext uri="{FF2B5EF4-FFF2-40B4-BE49-F238E27FC236}">
-                <a16:creationId xmlns="" xmlns:a16="http://schemas.microsoft.com/office/drawing/2014/main" id="{0DD4A643-0CEC-431F-8A67-BC4D6ED279CA}"/>
+                <a16:creationId xmlns:a16="http://schemas.microsoft.com/office/drawing/2014/main" id="{0DD4A643-0CEC-431F-8A67-BC4D6ED279CA}"/>
               </a:ext>
             </a:extLst>
           </p:cNvPr>
@@ -8251,7 +8255,7 @@
           <p:cNvPr id="5" name="Espace réservé de la date 4">
             <a:extLst>
               <a:ext uri="{FF2B5EF4-FFF2-40B4-BE49-F238E27FC236}">
-                <a16:creationId xmlns="" xmlns:a16="http://schemas.microsoft.com/office/drawing/2014/main" id="{F965463D-7EB2-4EBB-A7BE-43902A57B7D5}"/>
+                <a16:creationId xmlns:a16="http://schemas.microsoft.com/office/drawing/2014/main" id="{F965463D-7EB2-4EBB-A7BE-43902A57B7D5}"/>
               </a:ext>
             </a:extLst>
           </p:cNvPr>
@@ -8280,7 +8284,7 @@
           <p:cNvPr id="6" name="Espace réservé du pied de page 5">
             <a:extLst>
               <a:ext uri="{FF2B5EF4-FFF2-40B4-BE49-F238E27FC236}">
-                <a16:creationId xmlns="" xmlns:a16="http://schemas.microsoft.com/office/drawing/2014/main" id="{71FA9793-ADA3-4BB9-9F96-4AF49541FEE5}"/>
+                <a16:creationId xmlns:a16="http://schemas.microsoft.com/office/drawing/2014/main" id="{71FA9793-ADA3-4BB9-9F96-4AF49541FEE5}"/>
               </a:ext>
             </a:extLst>
           </p:cNvPr>
@@ -8305,7 +8309,7 @@
           <p:cNvPr id="7" name="Espace réservé du numéro de diapositive 6">
             <a:extLst>
               <a:ext uri="{FF2B5EF4-FFF2-40B4-BE49-F238E27FC236}">
-                <a16:creationId xmlns="" xmlns:a16="http://schemas.microsoft.com/office/drawing/2014/main" id="{47FBAD76-A146-4281-8D70-BBEFC7925CD9}"/>
+                <a16:creationId xmlns:a16="http://schemas.microsoft.com/office/drawing/2014/main" id="{47FBAD76-A146-4281-8D70-BBEFC7925CD9}"/>
               </a:ext>
             </a:extLst>
           </p:cNvPr>
@@ -8323,7 +8327,7 @@
           <a:p>
             <a:fld id="{8E22735B-F056-4F69-A81A-854B4B999240}" type="slidenum">
               <a:rPr lang="fr-FR" smtClean="0"/>
-              <a:t>‹#›</a:t>
+              <a:t>‹N°›</a:t>
             </a:fld>
             <a:endParaRPr lang="fr-FR"/>
           </a:p>
@@ -8364,7 +8368,7 @@
           <p:cNvPr id="2" name="Titre 1">
             <a:extLst>
               <a:ext uri="{FF2B5EF4-FFF2-40B4-BE49-F238E27FC236}">
-                <a16:creationId xmlns="" xmlns:a16="http://schemas.microsoft.com/office/drawing/2014/main" id="{91C5EB34-0CA7-45E5-8BDE-89253BD97D37}"/>
+                <a16:creationId xmlns:a16="http://schemas.microsoft.com/office/drawing/2014/main" id="{91C5EB34-0CA7-45E5-8BDE-89253BD97D37}"/>
               </a:ext>
             </a:extLst>
           </p:cNvPr>
@@ -8401,7 +8405,7 @@
           <p:cNvPr id="3" name="Espace réservé pour une image  2">
             <a:extLst>
               <a:ext uri="{FF2B5EF4-FFF2-40B4-BE49-F238E27FC236}">
-                <a16:creationId xmlns="" xmlns:a16="http://schemas.microsoft.com/office/drawing/2014/main" id="{3E0EE67F-D334-4748-88B3-D8C99B79D9ED}"/>
+                <a16:creationId xmlns:a16="http://schemas.microsoft.com/office/drawing/2014/main" id="{3E0EE67F-D334-4748-88B3-D8C99B79D9ED}"/>
               </a:ext>
             </a:extLst>
           </p:cNvPr>
@@ -8468,7 +8472,7 @@
           <p:cNvPr id="4" name="Espace réservé du texte 3">
             <a:extLst>
               <a:ext uri="{FF2B5EF4-FFF2-40B4-BE49-F238E27FC236}">
-                <a16:creationId xmlns="" xmlns:a16="http://schemas.microsoft.com/office/drawing/2014/main" id="{EFA7740B-138C-4865-B890-815F3AA64C07}"/>
+                <a16:creationId xmlns:a16="http://schemas.microsoft.com/office/drawing/2014/main" id="{EFA7740B-138C-4865-B890-815F3AA64C07}"/>
               </a:ext>
             </a:extLst>
           </p:cNvPr>
@@ -8539,7 +8543,7 @@
           <p:cNvPr id="5" name="Espace réservé de la date 4">
             <a:extLst>
               <a:ext uri="{FF2B5EF4-FFF2-40B4-BE49-F238E27FC236}">
-                <a16:creationId xmlns="" xmlns:a16="http://schemas.microsoft.com/office/drawing/2014/main" id="{A9DC237F-29A3-46BF-A3A2-D1B7E9AC1408}"/>
+                <a16:creationId xmlns:a16="http://schemas.microsoft.com/office/drawing/2014/main" id="{A9DC237F-29A3-46BF-A3A2-D1B7E9AC1408}"/>
               </a:ext>
             </a:extLst>
           </p:cNvPr>
@@ -8568,7 +8572,7 @@
           <p:cNvPr id="6" name="Espace réservé du pied de page 5">
             <a:extLst>
               <a:ext uri="{FF2B5EF4-FFF2-40B4-BE49-F238E27FC236}">
-                <a16:creationId xmlns="" xmlns:a16="http://schemas.microsoft.com/office/drawing/2014/main" id="{C0687845-A291-4591-8279-7DCBDADD78B1}"/>
+                <a16:creationId xmlns:a16="http://schemas.microsoft.com/office/drawing/2014/main" id="{C0687845-A291-4591-8279-7DCBDADD78B1}"/>
               </a:ext>
             </a:extLst>
           </p:cNvPr>
@@ -8593,7 +8597,7 @@
           <p:cNvPr id="7" name="Espace réservé du numéro de diapositive 6">
             <a:extLst>
               <a:ext uri="{FF2B5EF4-FFF2-40B4-BE49-F238E27FC236}">
-                <a16:creationId xmlns="" xmlns:a16="http://schemas.microsoft.com/office/drawing/2014/main" id="{AFC8D309-B913-401C-A4A7-927702B6BA20}"/>
+                <a16:creationId xmlns:a16="http://schemas.microsoft.com/office/drawing/2014/main" id="{AFC8D309-B913-401C-A4A7-927702B6BA20}"/>
               </a:ext>
             </a:extLst>
           </p:cNvPr>
@@ -8611,7 +8615,7 @@
           <a:p>
             <a:fld id="{8E22735B-F056-4F69-A81A-854B4B999240}" type="slidenum">
               <a:rPr lang="fr-FR" smtClean="0"/>
-              <a:t>‹#›</a:t>
+              <a:t>‹N°›</a:t>
             </a:fld>
             <a:endParaRPr lang="fr-FR"/>
           </a:p>
@@ -8652,7 +8656,7 @@
           <p:cNvPr id="2" name="Titre 1">
             <a:extLst>
               <a:ext uri="{FF2B5EF4-FFF2-40B4-BE49-F238E27FC236}">
-                <a16:creationId xmlns="" xmlns:a16="http://schemas.microsoft.com/office/drawing/2014/main" id="{93457BE9-B02C-4409-B2BB-49500FD7D866}"/>
+                <a16:creationId xmlns:a16="http://schemas.microsoft.com/office/drawing/2014/main" id="{93457BE9-B02C-4409-B2BB-49500FD7D866}"/>
               </a:ext>
             </a:extLst>
           </p:cNvPr>
@@ -8680,7 +8684,7 @@
           <p:cNvPr id="3" name="Espace réservé du texte vertical 2">
             <a:extLst>
               <a:ext uri="{FF2B5EF4-FFF2-40B4-BE49-F238E27FC236}">
-                <a16:creationId xmlns="" xmlns:a16="http://schemas.microsoft.com/office/drawing/2014/main" id="{BA5B89A4-5C2F-4A5D-97D0-7224D919BD16}"/>
+                <a16:creationId xmlns:a16="http://schemas.microsoft.com/office/drawing/2014/main" id="{BA5B89A4-5C2F-4A5D-97D0-7224D919BD16}"/>
               </a:ext>
             </a:extLst>
           </p:cNvPr>
@@ -8737,7 +8741,7 @@
           <p:cNvPr id="4" name="Espace réservé de la date 3">
             <a:extLst>
               <a:ext uri="{FF2B5EF4-FFF2-40B4-BE49-F238E27FC236}">
-                <a16:creationId xmlns="" xmlns:a16="http://schemas.microsoft.com/office/drawing/2014/main" id="{6F667A99-A8D5-4662-9197-F3181006311F}"/>
+                <a16:creationId xmlns:a16="http://schemas.microsoft.com/office/drawing/2014/main" id="{6F667A99-A8D5-4662-9197-F3181006311F}"/>
               </a:ext>
             </a:extLst>
           </p:cNvPr>
@@ -8766,7 +8770,7 @@
           <p:cNvPr id="5" name="Espace réservé du pied de page 4">
             <a:extLst>
               <a:ext uri="{FF2B5EF4-FFF2-40B4-BE49-F238E27FC236}">
-                <a16:creationId xmlns="" xmlns:a16="http://schemas.microsoft.com/office/drawing/2014/main" id="{F5EA9A03-D359-4403-A003-51E15A4DD1AD}"/>
+                <a16:creationId xmlns:a16="http://schemas.microsoft.com/office/drawing/2014/main" id="{F5EA9A03-D359-4403-A003-51E15A4DD1AD}"/>
               </a:ext>
             </a:extLst>
           </p:cNvPr>
@@ -8791,7 +8795,7 @@
           <p:cNvPr id="6" name="Espace réservé du numéro de diapositive 5">
             <a:extLst>
               <a:ext uri="{FF2B5EF4-FFF2-40B4-BE49-F238E27FC236}">
-                <a16:creationId xmlns="" xmlns:a16="http://schemas.microsoft.com/office/drawing/2014/main" id="{035A4F48-A493-4E65-9258-02EE6868746B}"/>
+                <a16:creationId xmlns:a16="http://schemas.microsoft.com/office/drawing/2014/main" id="{035A4F48-A493-4E65-9258-02EE6868746B}"/>
               </a:ext>
             </a:extLst>
           </p:cNvPr>
@@ -8809,7 +8813,7 @@
           <a:p>
             <a:fld id="{8E22735B-F056-4F69-A81A-854B4B999240}" type="slidenum">
               <a:rPr lang="fr-FR" smtClean="0"/>
-              <a:t>‹#›</a:t>
+              <a:t>‹N°›</a:t>
             </a:fld>
             <a:endParaRPr lang="fr-FR"/>
           </a:p>
@@ -8850,7 +8854,7 @@
           <p:cNvPr id="2" name="Titre vertical 1">
             <a:extLst>
               <a:ext uri="{FF2B5EF4-FFF2-40B4-BE49-F238E27FC236}">
-                <a16:creationId xmlns="" xmlns:a16="http://schemas.microsoft.com/office/drawing/2014/main" id="{ED4ECE1B-93D1-4B6F-8586-15F8400E5392}"/>
+                <a16:creationId xmlns:a16="http://schemas.microsoft.com/office/drawing/2014/main" id="{ED4ECE1B-93D1-4B6F-8586-15F8400E5392}"/>
               </a:ext>
             </a:extLst>
           </p:cNvPr>
@@ -8883,7 +8887,7 @@
           <p:cNvPr id="3" name="Espace réservé du texte vertical 2">
             <a:extLst>
               <a:ext uri="{FF2B5EF4-FFF2-40B4-BE49-F238E27FC236}">
-                <a16:creationId xmlns="" xmlns:a16="http://schemas.microsoft.com/office/drawing/2014/main" id="{8C2BEFD5-FF10-4BF1-AD3E-86CA5D47B121}"/>
+                <a16:creationId xmlns:a16="http://schemas.microsoft.com/office/drawing/2014/main" id="{8C2BEFD5-FF10-4BF1-AD3E-86CA5D47B121}"/>
               </a:ext>
             </a:extLst>
           </p:cNvPr>
@@ -8945,7 +8949,7 @@
           <p:cNvPr id="4" name="Espace réservé de la date 3">
             <a:extLst>
               <a:ext uri="{FF2B5EF4-FFF2-40B4-BE49-F238E27FC236}">
-                <a16:creationId xmlns="" xmlns:a16="http://schemas.microsoft.com/office/drawing/2014/main" id="{833D104B-BE07-48C4-81D5-26B246B77ADD}"/>
+                <a16:creationId xmlns:a16="http://schemas.microsoft.com/office/drawing/2014/main" id="{833D104B-BE07-48C4-81D5-26B246B77ADD}"/>
               </a:ext>
             </a:extLst>
           </p:cNvPr>
@@ -8974,7 +8978,7 @@
           <p:cNvPr id="5" name="Espace réservé du pied de page 4">
             <a:extLst>
               <a:ext uri="{FF2B5EF4-FFF2-40B4-BE49-F238E27FC236}">
-                <a16:creationId xmlns="" xmlns:a16="http://schemas.microsoft.com/office/drawing/2014/main" id="{F23E2E6D-73A5-48CD-BF20-5270066A6BD8}"/>
+                <a16:creationId xmlns:a16="http://schemas.microsoft.com/office/drawing/2014/main" id="{F23E2E6D-73A5-48CD-BF20-5270066A6BD8}"/>
               </a:ext>
             </a:extLst>
           </p:cNvPr>
@@ -8999,7 +9003,7 @@
           <p:cNvPr id="6" name="Espace réservé du numéro de diapositive 5">
             <a:extLst>
               <a:ext uri="{FF2B5EF4-FFF2-40B4-BE49-F238E27FC236}">
-                <a16:creationId xmlns="" xmlns:a16="http://schemas.microsoft.com/office/drawing/2014/main" id="{793F5E30-BF6E-4F21-8BAB-42AA12FC1530}"/>
+                <a16:creationId xmlns:a16="http://schemas.microsoft.com/office/drawing/2014/main" id="{793F5E30-BF6E-4F21-8BAB-42AA12FC1530}"/>
               </a:ext>
             </a:extLst>
           </p:cNvPr>
@@ -9017,7 +9021,7 @@
           <a:p>
             <a:fld id="{8E22735B-F056-4F69-A81A-854B4B999240}" type="slidenum">
               <a:rPr lang="fr-FR" smtClean="0"/>
-              <a:t>‹#›</a:t>
+              <a:t>‹N°›</a:t>
             </a:fld>
             <a:endParaRPr lang="fr-FR"/>
           </a:p>
@@ -9309,7 +9313,7 @@
           <a:p>
             <a:fld id="{10489E0E-CC19-4746-AE3F-A20083D175C2}" type="slidenum">
               <a:rPr lang="fr-FR" smtClean="0"/>
-              <a:t>‹#›</a:t>
+              <a:t>‹N°›</a:t>
             </a:fld>
             <a:endParaRPr lang="fr-FR"/>
           </a:p>
@@ -9350,7 +9354,7 @@
           <p:cNvPr id="2" name="Titre 1">
             <a:extLst>
               <a:ext uri="{FF2B5EF4-FFF2-40B4-BE49-F238E27FC236}">
-                <a16:creationId xmlns="" xmlns:a16="http://schemas.microsoft.com/office/drawing/2014/main" id="{5226B72A-D265-47E2-836E-6347D55AA515}"/>
+                <a16:creationId xmlns:a16="http://schemas.microsoft.com/office/drawing/2014/main" id="{5226B72A-D265-47E2-836E-6347D55AA515}"/>
               </a:ext>
             </a:extLst>
           </p:cNvPr>
@@ -9387,7 +9391,7 @@
           <p:cNvPr id="3" name="Sous-titre 2">
             <a:extLst>
               <a:ext uri="{FF2B5EF4-FFF2-40B4-BE49-F238E27FC236}">
-                <a16:creationId xmlns="" xmlns:a16="http://schemas.microsoft.com/office/drawing/2014/main" id="{9EA6EFD5-3435-4B8B-A922-AD18A445B292}"/>
+                <a16:creationId xmlns:a16="http://schemas.microsoft.com/office/drawing/2014/main" id="{9EA6EFD5-3435-4B8B-A922-AD18A445B292}"/>
               </a:ext>
             </a:extLst>
           </p:cNvPr>
@@ -9457,7 +9461,7 @@
           <p:cNvPr id="4" name="Espace réservé de la date 3">
             <a:extLst>
               <a:ext uri="{FF2B5EF4-FFF2-40B4-BE49-F238E27FC236}">
-                <a16:creationId xmlns="" xmlns:a16="http://schemas.microsoft.com/office/drawing/2014/main" id="{9500DC13-DC07-4323-B13C-86525EBA0F30}"/>
+                <a16:creationId xmlns:a16="http://schemas.microsoft.com/office/drawing/2014/main" id="{9500DC13-DC07-4323-B13C-86525EBA0F30}"/>
               </a:ext>
             </a:extLst>
           </p:cNvPr>
@@ -9486,7 +9490,7 @@
           <p:cNvPr id="5" name="Espace réservé du pied de page 4">
             <a:extLst>
               <a:ext uri="{FF2B5EF4-FFF2-40B4-BE49-F238E27FC236}">
-                <a16:creationId xmlns="" xmlns:a16="http://schemas.microsoft.com/office/drawing/2014/main" id="{747EC664-594B-45A3-BE1F-4ACB9DB26B41}"/>
+                <a16:creationId xmlns:a16="http://schemas.microsoft.com/office/drawing/2014/main" id="{747EC664-594B-45A3-BE1F-4ACB9DB26B41}"/>
               </a:ext>
             </a:extLst>
           </p:cNvPr>
@@ -9511,7 +9515,7 @@
           <p:cNvPr id="6" name="Espace réservé du numéro de diapositive 5">
             <a:extLst>
               <a:ext uri="{FF2B5EF4-FFF2-40B4-BE49-F238E27FC236}">
-                <a16:creationId xmlns="" xmlns:a16="http://schemas.microsoft.com/office/drawing/2014/main" id="{EF61C11D-D1A8-45DB-AB63-3FBD9A0829EC}"/>
+                <a16:creationId xmlns:a16="http://schemas.microsoft.com/office/drawing/2014/main" id="{EF61C11D-D1A8-45DB-AB63-3FBD9A0829EC}"/>
               </a:ext>
             </a:extLst>
           </p:cNvPr>
@@ -9529,7 +9533,7 @@
           <a:p>
             <a:fld id="{A9956970-094A-43D6-B624-27A27B1BAE5D}" type="slidenum">
               <a:rPr lang="fr-FR" smtClean="0"/>
-              <a:t>‹#›</a:t>
+              <a:t>‹N°›</a:t>
             </a:fld>
             <a:endParaRPr lang="fr-FR"/>
           </a:p>
@@ -9570,7 +9574,7 @@
           <p:cNvPr id="2" name="Titre 1">
             <a:extLst>
               <a:ext uri="{FF2B5EF4-FFF2-40B4-BE49-F238E27FC236}">
-                <a16:creationId xmlns="" xmlns:a16="http://schemas.microsoft.com/office/drawing/2014/main" id="{3D9270AB-7C9E-4C1B-B093-478EC1902958}"/>
+                <a16:creationId xmlns:a16="http://schemas.microsoft.com/office/drawing/2014/main" id="{3D9270AB-7C9E-4C1B-B093-478EC1902958}"/>
               </a:ext>
             </a:extLst>
           </p:cNvPr>
@@ -9598,7 +9602,7 @@
           <p:cNvPr id="3" name="Espace réservé du contenu 2">
             <a:extLst>
               <a:ext uri="{FF2B5EF4-FFF2-40B4-BE49-F238E27FC236}">
-                <a16:creationId xmlns="" xmlns:a16="http://schemas.microsoft.com/office/drawing/2014/main" id="{A3C59913-D429-48EA-A855-756C0832AE0A}"/>
+                <a16:creationId xmlns:a16="http://schemas.microsoft.com/office/drawing/2014/main" id="{A3C59913-D429-48EA-A855-756C0832AE0A}"/>
               </a:ext>
             </a:extLst>
           </p:cNvPr>
@@ -9655,7 +9659,7 @@
           <p:cNvPr id="4" name="Espace réservé de la date 3">
             <a:extLst>
               <a:ext uri="{FF2B5EF4-FFF2-40B4-BE49-F238E27FC236}">
-                <a16:creationId xmlns="" xmlns:a16="http://schemas.microsoft.com/office/drawing/2014/main" id="{97916DC2-94C3-4BA6-8619-27B12C7402A5}"/>
+                <a16:creationId xmlns:a16="http://schemas.microsoft.com/office/drawing/2014/main" id="{97916DC2-94C3-4BA6-8619-27B12C7402A5}"/>
               </a:ext>
             </a:extLst>
           </p:cNvPr>
@@ -9684,7 +9688,7 @@
           <p:cNvPr id="5" name="Espace réservé du pied de page 4">
             <a:extLst>
               <a:ext uri="{FF2B5EF4-FFF2-40B4-BE49-F238E27FC236}">
-                <a16:creationId xmlns="" xmlns:a16="http://schemas.microsoft.com/office/drawing/2014/main" id="{DB00999C-8BC8-4183-A774-5A846784CDA4}"/>
+                <a16:creationId xmlns:a16="http://schemas.microsoft.com/office/drawing/2014/main" id="{DB00999C-8BC8-4183-A774-5A846784CDA4}"/>
               </a:ext>
             </a:extLst>
           </p:cNvPr>
@@ -9709,7 +9713,7 @@
           <p:cNvPr id="6" name="Espace réservé du numéro de diapositive 5">
             <a:extLst>
               <a:ext uri="{FF2B5EF4-FFF2-40B4-BE49-F238E27FC236}">
-                <a16:creationId xmlns="" xmlns:a16="http://schemas.microsoft.com/office/drawing/2014/main" id="{7645FE70-B728-4BB5-96C3-8DF13125C04E}"/>
+                <a16:creationId xmlns:a16="http://schemas.microsoft.com/office/drawing/2014/main" id="{7645FE70-B728-4BB5-96C3-8DF13125C04E}"/>
               </a:ext>
             </a:extLst>
           </p:cNvPr>
@@ -9727,7 +9731,7 @@
           <a:p>
             <a:fld id="{A9956970-094A-43D6-B624-27A27B1BAE5D}" type="slidenum">
               <a:rPr lang="fr-FR" smtClean="0"/>
-              <a:t>‹#›</a:t>
+              <a:t>‹N°›</a:t>
             </a:fld>
             <a:endParaRPr lang="fr-FR"/>
           </a:p>
@@ -9768,7 +9772,7 @@
           <p:cNvPr id="2" name="Titre 1">
             <a:extLst>
               <a:ext uri="{FF2B5EF4-FFF2-40B4-BE49-F238E27FC236}">
-                <a16:creationId xmlns="" xmlns:a16="http://schemas.microsoft.com/office/drawing/2014/main" id="{FF0D1E6B-2E04-4289-902B-07105222EA09}"/>
+                <a16:creationId xmlns:a16="http://schemas.microsoft.com/office/drawing/2014/main" id="{FF0D1E6B-2E04-4289-902B-07105222EA09}"/>
               </a:ext>
             </a:extLst>
           </p:cNvPr>
@@ -9805,7 +9809,7 @@
           <p:cNvPr id="3" name="Espace réservé du texte 2">
             <a:extLst>
               <a:ext uri="{FF2B5EF4-FFF2-40B4-BE49-F238E27FC236}">
-                <a16:creationId xmlns="" xmlns:a16="http://schemas.microsoft.com/office/drawing/2014/main" id="{478E4926-243A-48A6-8614-9B700908FA70}"/>
+                <a16:creationId xmlns:a16="http://schemas.microsoft.com/office/drawing/2014/main" id="{478E4926-243A-48A6-8614-9B700908FA70}"/>
               </a:ext>
             </a:extLst>
           </p:cNvPr>
@@ -9930,7 +9934,7 @@
           <p:cNvPr id="4" name="Espace réservé de la date 3">
             <a:extLst>
               <a:ext uri="{FF2B5EF4-FFF2-40B4-BE49-F238E27FC236}">
-                <a16:creationId xmlns="" xmlns:a16="http://schemas.microsoft.com/office/drawing/2014/main" id="{3F3AC763-BBC9-494F-B295-30CD22B9BBDC}"/>
+                <a16:creationId xmlns:a16="http://schemas.microsoft.com/office/drawing/2014/main" id="{3F3AC763-BBC9-494F-B295-30CD22B9BBDC}"/>
               </a:ext>
             </a:extLst>
           </p:cNvPr>
@@ -9959,7 +9963,7 @@
           <p:cNvPr id="5" name="Espace réservé du pied de page 4">
             <a:extLst>
               <a:ext uri="{FF2B5EF4-FFF2-40B4-BE49-F238E27FC236}">
-                <a16:creationId xmlns="" xmlns:a16="http://schemas.microsoft.com/office/drawing/2014/main" id="{5B752E23-E4C9-46A7-BE36-F76AC963B037}"/>
+                <a16:creationId xmlns:a16="http://schemas.microsoft.com/office/drawing/2014/main" id="{5B752E23-E4C9-46A7-BE36-F76AC963B037}"/>
               </a:ext>
             </a:extLst>
           </p:cNvPr>
@@ -9984,7 +9988,7 @@
           <p:cNvPr id="6" name="Espace réservé du numéro de diapositive 5">
             <a:extLst>
               <a:ext uri="{FF2B5EF4-FFF2-40B4-BE49-F238E27FC236}">
-                <a16:creationId xmlns="" xmlns:a16="http://schemas.microsoft.com/office/drawing/2014/main" id="{83BE34A6-49C6-4EBD-A270-95E19EEF2BB1}"/>
+                <a16:creationId xmlns:a16="http://schemas.microsoft.com/office/drawing/2014/main" id="{83BE34A6-49C6-4EBD-A270-95E19EEF2BB1}"/>
               </a:ext>
             </a:extLst>
           </p:cNvPr>
@@ -10002,7 +10006,7 @@
           <a:p>
             <a:fld id="{A9956970-094A-43D6-B624-27A27B1BAE5D}" type="slidenum">
               <a:rPr lang="fr-FR" smtClean="0"/>
-              <a:t>‹#›</a:t>
+              <a:t>‹N°›</a:t>
             </a:fld>
             <a:endParaRPr lang="fr-FR"/>
           </a:p>
@@ -10043,7 +10047,7 @@
           <p:cNvPr id="2" name="Titre 1">
             <a:extLst>
               <a:ext uri="{FF2B5EF4-FFF2-40B4-BE49-F238E27FC236}">
-                <a16:creationId xmlns="" xmlns:a16="http://schemas.microsoft.com/office/drawing/2014/main" id="{D465907A-FF79-464B-9779-1D76FE1D9F07}"/>
+                <a16:creationId xmlns:a16="http://schemas.microsoft.com/office/drawing/2014/main" id="{D465907A-FF79-464B-9779-1D76FE1D9F07}"/>
               </a:ext>
             </a:extLst>
           </p:cNvPr>
@@ -10071,7 +10075,7 @@
           <p:cNvPr id="3" name="Espace réservé du contenu 2">
             <a:extLst>
               <a:ext uri="{FF2B5EF4-FFF2-40B4-BE49-F238E27FC236}">
-                <a16:creationId xmlns="" xmlns:a16="http://schemas.microsoft.com/office/drawing/2014/main" id="{FAB00752-D955-4194-8365-BD6B4CAA266F}"/>
+                <a16:creationId xmlns:a16="http://schemas.microsoft.com/office/drawing/2014/main" id="{FAB00752-D955-4194-8365-BD6B4CAA266F}"/>
               </a:ext>
             </a:extLst>
           </p:cNvPr>
@@ -10133,7 +10137,7 @@
           <p:cNvPr id="4" name="Espace réservé du contenu 3">
             <a:extLst>
               <a:ext uri="{FF2B5EF4-FFF2-40B4-BE49-F238E27FC236}">
-                <a16:creationId xmlns="" xmlns:a16="http://schemas.microsoft.com/office/drawing/2014/main" id="{E59EB79C-85C9-4D09-98E5-A5165B3F93E8}"/>
+                <a16:creationId xmlns:a16="http://schemas.microsoft.com/office/drawing/2014/main" id="{E59EB79C-85C9-4D09-98E5-A5165B3F93E8}"/>
               </a:ext>
             </a:extLst>
           </p:cNvPr>
@@ -10195,7 +10199,7 @@
           <p:cNvPr id="5" name="Espace réservé de la date 4">
             <a:extLst>
               <a:ext uri="{FF2B5EF4-FFF2-40B4-BE49-F238E27FC236}">
-                <a16:creationId xmlns="" xmlns:a16="http://schemas.microsoft.com/office/drawing/2014/main" id="{AEC920E8-26D2-4C5F-AB20-0CA3A89ACBCD}"/>
+                <a16:creationId xmlns:a16="http://schemas.microsoft.com/office/drawing/2014/main" id="{AEC920E8-26D2-4C5F-AB20-0CA3A89ACBCD}"/>
               </a:ext>
             </a:extLst>
           </p:cNvPr>
@@ -10224,7 +10228,7 @@
           <p:cNvPr id="6" name="Espace réservé du pied de page 5">
             <a:extLst>
               <a:ext uri="{FF2B5EF4-FFF2-40B4-BE49-F238E27FC236}">
-                <a16:creationId xmlns="" xmlns:a16="http://schemas.microsoft.com/office/drawing/2014/main" id="{F8ECC64C-B544-4489-AB7B-9E9A2F3E33DC}"/>
+                <a16:creationId xmlns:a16="http://schemas.microsoft.com/office/drawing/2014/main" id="{F8ECC64C-B544-4489-AB7B-9E9A2F3E33DC}"/>
               </a:ext>
             </a:extLst>
           </p:cNvPr>
@@ -10249,7 +10253,7 @@
           <p:cNvPr id="7" name="Espace réservé du numéro de diapositive 6">
             <a:extLst>
               <a:ext uri="{FF2B5EF4-FFF2-40B4-BE49-F238E27FC236}">
-                <a16:creationId xmlns="" xmlns:a16="http://schemas.microsoft.com/office/drawing/2014/main" id="{1A8FB62B-0FC0-42E6-AF5F-89B92C085C13}"/>
+                <a16:creationId xmlns:a16="http://schemas.microsoft.com/office/drawing/2014/main" id="{1A8FB62B-0FC0-42E6-AF5F-89B92C085C13}"/>
               </a:ext>
             </a:extLst>
           </p:cNvPr>
@@ -10267,7 +10271,7 @@
           <a:p>
             <a:fld id="{A9956970-094A-43D6-B624-27A27B1BAE5D}" type="slidenum">
               <a:rPr lang="fr-FR" smtClean="0"/>
-              <a:t>‹#›</a:t>
+              <a:t>‹N°›</a:t>
             </a:fld>
             <a:endParaRPr lang="fr-FR"/>
           </a:p>
@@ -10308,7 +10312,7 @@
           <p:cNvPr id="2" name="Titre 1">
             <a:extLst>
               <a:ext uri="{FF2B5EF4-FFF2-40B4-BE49-F238E27FC236}">
-                <a16:creationId xmlns="" xmlns:a16="http://schemas.microsoft.com/office/drawing/2014/main" id="{357B92CC-1D22-468C-B55A-024756C3957A}"/>
+                <a16:creationId xmlns:a16="http://schemas.microsoft.com/office/drawing/2014/main" id="{357B92CC-1D22-468C-B55A-024756C3957A}"/>
               </a:ext>
             </a:extLst>
           </p:cNvPr>
@@ -10341,7 +10345,7 @@
           <p:cNvPr id="3" name="Espace réservé du texte 2">
             <a:extLst>
               <a:ext uri="{FF2B5EF4-FFF2-40B4-BE49-F238E27FC236}">
-                <a16:creationId xmlns="" xmlns:a16="http://schemas.microsoft.com/office/drawing/2014/main" id="{D4849EED-8837-48AD-955C-5F5AA90681ED}"/>
+                <a16:creationId xmlns:a16="http://schemas.microsoft.com/office/drawing/2014/main" id="{D4849EED-8837-48AD-955C-5F5AA90681ED}"/>
               </a:ext>
             </a:extLst>
           </p:cNvPr>
@@ -10412,7 +10416,7 @@
           <p:cNvPr id="4" name="Espace réservé du contenu 3">
             <a:extLst>
               <a:ext uri="{FF2B5EF4-FFF2-40B4-BE49-F238E27FC236}">
-                <a16:creationId xmlns="" xmlns:a16="http://schemas.microsoft.com/office/drawing/2014/main" id="{FAAC05FE-DD54-47DD-987C-613448028C1C}"/>
+                <a16:creationId xmlns:a16="http://schemas.microsoft.com/office/drawing/2014/main" id="{FAAC05FE-DD54-47DD-987C-613448028C1C}"/>
               </a:ext>
             </a:extLst>
           </p:cNvPr>
@@ -10474,7 +10478,7 @@
           <p:cNvPr id="5" name="Espace réservé du texte 4">
             <a:extLst>
               <a:ext uri="{FF2B5EF4-FFF2-40B4-BE49-F238E27FC236}">
-                <a16:creationId xmlns="" xmlns:a16="http://schemas.microsoft.com/office/drawing/2014/main" id="{4DC25AC3-90B0-42A5-8CB9-A09E4BA0C232}"/>
+                <a16:creationId xmlns:a16="http://schemas.microsoft.com/office/drawing/2014/main" id="{4DC25AC3-90B0-42A5-8CB9-A09E4BA0C232}"/>
               </a:ext>
             </a:extLst>
           </p:cNvPr>
@@ -10545,7 +10549,7 @@
           <p:cNvPr id="6" name="Espace réservé du contenu 5">
             <a:extLst>
               <a:ext uri="{FF2B5EF4-FFF2-40B4-BE49-F238E27FC236}">
-                <a16:creationId xmlns="" xmlns:a16="http://schemas.microsoft.com/office/drawing/2014/main" id="{511711FF-89F2-4290-B671-B3E568CB81B7}"/>
+                <a16:creationId xmlns:a16="http://schemas.microsoft.com/office/drawing/2014/main" id="{511711FF-89F2-4290-B671-B3E568CB81B7}"/>
               </a:ext>
             </a:extLst>
           </p:cNvPr>
@@ -10607,7 +10611,7 @@
           <p:cNvPr id="7" name="Espace réservé de la date 6">
             <a:extLst>
               <a:ext uri="{FF2B5EF4-FFF2-40B4-BE49-F238E27FC236}">
-                <a16:creationId xmlns="" xmlns:a16="http://schemas.microsoft.com/office/drawing/2014/main" id="{ABFF278D-23FD-410A-BB66-F4FEDD88B444}"/>
+                <a16:creationId xmlns:a16="http://schemas.microsoft.com/office/drawing/2014/main" id="{ABFF278D-23FD-410A-BB66-F4FEDD88B444}"/>
               </a:ext>
             </a:extLst>
           </p:cNvPr>
@@ -10636,7 +10640,7 @@
           <p:cNvPr id="8" name="Espace réservé du pied de page 7">
             <a:extLst>
               <a:ext uri="{FF2B5EF4-FFF2-40B4-BE49-F238E27FC236}">
-                <a16:creationId xmlns="" xmlns:a16="http://schemas.microsoft.com/office/drawing/2014/main" id="{DF34D466-232E-4D56-8091-6E88697A33FD}"/>
+                <a16:creationId xmlns:a16="http://schemas.microsoft.com/office/drawing/2014/main" id="{DF34D466-232E-4D56-8091-6E88697A33FD}"/>
               </a:ext>
             </a:extLst>
           </p:cNvPr>
@@ -10661,7 +10665,7 @@
           <p:cNvPr id="9" name="Espace réservé du numéro de diapositive 8">
             <a:extLst>
               <a:ext uri="{FF2B5EF4-FFF2-40B4-BE49-F238E27FC236}">
-                <a16:creationId xmlns="" xmlns:a16="http://schemas.microsoft.com/office/drawing/2014/main" id="{790CB276-9DB0-485E-8CAC-19D99631F6AA}"/>
+                <a16:creationId xmlns:a16="http://schemas.microsoft.com/office/drawing/2014/main" id="{790CB276-9DB0-485E-8CAC-19D99631F6AA}"/>
               </a:ext>
             </a:extLst>
           </p:cNvPr>
@@ -10679,7 +10683,7 @@
           <a:p>
             <a:fld id="{A9956970-094A-43D6-B624-27A27B1BAE5D}" type="slidenum">
               <a:rPr lang="fr-FR" smtClean="0"/>
-              <a:t>‹#›</a:t>
+              <a:t>‹N°›</a:t>
             </a:fld>
             <a:endParaRPr lang="fr-FR"/>
           </a:p>
@@ -10720,7 +10724,7 @@
           <p:cNvPr id="2" name="Titre 1">
             <a:extLst>
               <a:ext uri="{FF2B5EF4-FFF2-40B4-BE49-F238E27FC236}">
-                <a16:creationId xmlns="" xmlns:a16="http://schemas.microsoft.com/office/drawing/2014/main" id="{6CE3256B-CB40-44DB-8A86-E418AB0B0693}"/>
+                <a16:creationId xmlns:a16="http://schemas.microsoft.com/office/drawing/2014/main" id="{6CE3256B-CB40-44DB-8A86-E418AB0B0693}"/>
               </a:ext>
             </a:extLst>
           </p:cNvPr>
@@ -10748,7 +10752,7 @@
           <p:cNvPr id="3" name="Espace réservé de la date 2">
             <a:extLst>
               <a:ext uri="{FF2B5EF4-FFF2-40B4-BE49-F238E27FC236}">
-                <a16:creationId xmlns="" xmlns:a16="http://schemas.microsoft.com/office/drawing/2014/main" id="{D3D8CDEB-2C44-4B7B-A5E6-FE4DDC3FB051}"/>
+                <a16:creationId xmlns:a16="http://schemas.microsoft.com/office/drawing/2014/main" id="{D3D8CDEB-2C44-4B7B-A5E6-FE4DDC3FB051}"/>
               </a:ext>
             </a:extLst>
           </p:cNvPr>
@@ -10777,7 +10781,7 @@
           <p:cNvPr id="4" name="Espace réservé du pied de page 3">
             <a:extLst>
               <a:ext uri="{FF2B5EF4-FFF2-40B4-BE49-F238E27FC236}">
-                <a16:creationId xmlns="" xmlns:a16="http://schemas.microsoft.com/office/drawing/2014/main" id="{3485BFC1-C076-4CB8-B9A5-EC162428B0A9}"/>
+                <a16:creationId xmlns:a16="http://schemas.microsoft.com/office/drawing/2014/main" id="{3485BFC1-C076-4CB8-B9A5-EC162428B0A9}"/>
               </a:ext>
             </a:extLst>
           </p:cNvPr>
@@ -10802,7 +10806,7 @@
           <p:cNvPr id="5" name="Espace réservé du numéro de diapositive 4">
             <a:extLst>
               <a:ext uri="{FF2B5EF4-FFF2-40B4-BE49-F238E27FC236}">
-                <a16:creationId xmlns="" xmlns:a16="http://schemas.microsoft.com/office/drawing/2014/main" id="{97C6BF38-811D-4764-9933-80569745D6A5}"/>
+                <a16:creationId xmlns:a16="http://schemas.microsoft.com/office/drawing/2014/main" id="{97C6BF38-811D-4764-9933-80569745D6A5}"/>
               </a:ext>
             </a:extLst>
           </p:cNvPr>
@@ -10820,7 +10824,7 @@
           <a:p>
             <a:fld id="{A9956970-094A-43D6-B624-27A27B1BAE5D}" type="slidenum">
               <a:rPr lang="fr-FR" smtClean="0"/>
-              <a:t>‹#›</a:t>
+              <a:t>‹N°›</a:t>
             </a:fld>
             <a:endParaRPr lang="fr-FR"/>
           </a:p>
@@ -10861,7 +10865,7 @@
           <p:cNvPr id="2" name="Espace réservé de la date 1">
             <a:extLst>
               <a:ext uri="{FF2B5EF4-FFF2-40B4-BE49-F238E27FC236}">
-                <a16:creationId xmlns="" xmlns:a16="http://schemas.microsoft.com/office/drawing/2014/main" id="{427ACA64-6D29-4CBA-A857-DA9080997A7D}"/>
+                <a16:creationId xmlns:a16="http://schemas.microsoft.com/office/drawing/2014/main" id="{427ACA64-6D29-4CBA-A857-DA9080997A7D}"/>
               </a:ext>
             </a:extLst>
           </p:cNvPr>
@@ -10890,7 +10894,7 @@
           <p:cNvPr id="3" name="Espace réservé du pied de page 2">
             <a:extLst>
               <a:ext uri="{FF2B5EF4-FFF2-40B4-BE49-F238E27FC236}">
-                <a16:creationId xmlns="" xmlns:a16="http://schemas.microsoft.com/office/drawing/2014/main" id="{797159B9-EB2C-4B97-BC89-DDB907FA3A91}"/>
+                <a16:creationId xmlns:a16="http://schemas.microsoft.com/office/drawing/2014/main" id="{797159B9-EB2C-4B97-BC89-DDB907FA3A91}"/>
               </a:ext>
             </a:extLst>
           </p:cNvPr>
@@ -10915,7 +10919,7 @@
           <p:cNvPr id="4" name="Espace réservé du numéro de diapositive 3">
             <a:extLst>
               <a:ext uri="{FF2B5EF4-FFF2-40B4-BE49-F238E27FC236}">
-                <a16:creationId xmlns="" xmlns:a16="http://schemas.microsoft.com/office/drawing/2014/main" id="{9124F486-0CF1-4E08-B76E-56AD8BB5D2BE}"/>
+                <a16:creationId xmlns:a16="http://schemas.microsoft.com/office/drawing/2014/main" id="{9124F486-0CF1-4E08-B76E-56AD8BB5D2BE}"/>
               </a:ext>
             </a:extLst>
           </p:cNvPr>
@@ -10933,7 +10937,7 @@
           <a:p>
             <a:fld id="{A9956970-094A-43D6-B624-27A27B1BAE5D}" type="slidenum">
               <a:rPr lang="fr-FR" smtClean="0"/>
-              <a:t>‹#›</a:t>
+              <a:t>‹N°›</a:t>
             </a:fld>
             <a:endParaRPr lang="fr-FR"/>
           </a:p>
@@ -10974,7 +10978,7 @@
           <p:cNvPr id="2" name="Titre 1">
             <a:extLst>
               <a:ext uri="{FF2B5EF4-FFF2-40B4-BE49-F238E27FC236}">
-                <a16:creationId xmlns="" xmlns:a16="http://schemas.microsoft.com/office/drawing/2014/main" id="{A4D26B7B-897B-44FE-AFF2-5BA2FC381CF7}"/>
+                <a16:creationId xmlns:a16="http://schemas.microsoft.com/office/drawing/2014/main" id="{A4D26B7B-897B-44FE-AFF2-5BA2FC381CF7}"/>
               </a:ext>
             </a:extLst>
           </p:cNvPr>
@@ -11011,7 +11015,7 @@
           <p:cNvPr id="3" name="Espace réservé du contenu 2">
             <a:extLst>
               <a:ext uri="{FF2B5EF4-FFF2-40B4-BE49-F238E27FC236}">
-                <a16:creationId xmlns="" xmlns:a16="http://schemas.microsoft.com/office/drawing/2014/main" id="{CF2F4E07-762C-47F0-B06F-32E0E1F14CF8}"/>
+                <a16:creationId xmlns:a16="http://schemas.microsoft.com/office/drawing/2014/main" id="{CF2F4E07-762C-47F0-B06F-32E0E1F14CF8}"/>
               </a:ext>
             </a:extLst>
           </p:cNvPr>
@@ -11101,7 +11105,7 @@
           <p:cNvPr id="4" name="Espace réservé du texte 3">
             <a:extLst>
               <a:ext uri="{FF2B5EF4-FFF2-40B4-BE49-F238E27FC236}">
-                <a16:creationId xmlns="" xmlns:a16="http://schemas.microsoft.com/office/drawing/2014/main" id="{AC1870CD-4E18-46AE-91BE-4C62D319A234}"/>
+                <a16:creationId xmlns:a16="http://schemas.microsoft.com/office/drawing/2014/main" id="{AC1870CD-4E18-46AE-91BE-4C62D319A234}"/>
               </a:ext>
             </a:extLst>
           </p:cNvPr>
@@ -11172,7 +11176,7 @@
           <p:cNvPr id="5" name="Espace réservé de la date 4">
             <a:extLst>
               <a:ext uri="{FF2B5EF4-FFF2-40B4-BE49-F238E27FC236}">
-                <a16:creationId xmlns="" xmlns:a16="http://schemas.microsoft.com/office/drawing/2014/main" id="{21877A96-7D14-4070-AE4F-DC38BF0DE55F}"/>
+                <a16:creationId xmlns:a16="http://schemas.microsoft.com/office/drawing/2014/main" id="{21877A96-7D14-4070-AE4F-DC38BF0DE55F}"/>
               </a:ext>
             </a:extLst>
           </p:cNvPr>
@@ -11201,7 +11205,7 @@
           <p:cNvPr id="6" name="Espace réservé du pied de page 5">
             <a:extLst>
               <a:ext uri="{FF2B5EF4-FFF2-40B4-BE49-F238E27FC236}">
-                <a16:creationId xmlns="" xmlns:a16="http://schemas.microsoft.com/office/drawing/2014/main" id="{9AB2FCBC-223D-4B86-9820-4B3979B2A356}"/>
+                <a16:creationId xmlns:a16="http://schemas.microsoft.com/office/drawing/2014/main" id="{9AB2FCBC-223D-4B86-9820-4B3979B2A356}"/>
               </a:ext>
             </a:extLst>
           </p:cNvPr>
@@ -11226,7 +11230,7 @@
           <p:cNvPr id="7" name="Espace réservé du numéro de diapositive 6">
             <a:extLst>
               <a:ext uri="{FF2B5EF4-FFF2-40B4-BE49-F238E27FC236}">
-                <a16:creationId xmlns="" xmlns:a16="http://schemas.microsoft.com/office/drawing/2014/main" id="{06725BE5-AF8E-4A3D-9791-0107C15B5EC8}"/>
+                <a16:creationId xmlns:a16="http://schemas.microsoft.com/office/drawing/2014/main" id="{06725BE5-AF8E-4A3D-9791-0107C15B5EC8}"/>
               </a:ext>
             </a:extLst>
           </p:cNvPr>
@@ -11244,7 +11248,7 @@
           <a:p>
             <a:fld id="{A9956970-094A-43D6-B624-27A27B1BAE5D}" type="slidenum">
               <a:rPr lang="fr-FR" smtClean="0"/>
-              <a:t>‹#›</a:t>
+              <a:t>‹N°›</a:t>
             </a:fld>
             <a:endParaRPr lang="fr-FR"/>
           </a:p>
@@ -11285,7 +11289,7 @@
           <p:cNvPr id="2" name="Titre 1">
             <a:extLst>
               <a:ext uri="{FF2B5EF4-FFF2-40B4-BE49-F238E27FC236}">
-                <a16:creationId xmlns="" xmlns:a16="http://schemas.microsoft.com/office/drawing/2014/main" id="{ED749139-5564-4E22-BCE0-74331BA5AC45}"/>
+                <a16:creationId xmlns:a16="http://schemas.microsoft.com/office/drawing/2014/main" id="{ED749139-5564-4E22-BCE0-74331BA5AC45}"/>
               </a:ext>
             </a:extLst>
           </p:cNvPr>
@@ -11322,7 +11326,7 @@
           <p:cNvPr id="3" name="Espace réservé pour une image  2">
             <a:extLst>
               <a:ext uri="{FF2B5EF4-FFF2-40B4-BE49-F238E27FC236}">
-                <a16:creationId xmlns="" xmlns:a16="http://schemas.microsoft.com/office/drawing/2014/main" id="{F3EAD4D2-CCFD-4E67-A455-0B1A1572FDC1}"/>
+                <a16:creationId xmlns:a16="http://schemas.microsoft.com/office/drawing/2014/main" id="{F3EAD4D2-CCFD-4E67-A455-0B1A1572FDC1}"/>
               </a:ext>
             </a:extLst>
           </p:cNvPr>
@@ -11389,7 +11393,7 @@
           <p:cNvPr id="4" name="Espace réservé du texte 3">
             <a:extLst>
               <a:ext uri="{FF2B5EF4-FFF2-40B4-BE49-F238E27FC236}">
-                <a16:creationId xmlns="" xmlns:a16="http://schemas.microsoft.com/office/drawing/2014/main" id="{C8254837-C60A-403D-B5A4-ECC35A311A18}"/>
+                <a16:creationId xmlns:a16="http://schemas.microsoft.com/office/drawing/2014/main" id="{C8254837-C60A-403D-B5A4-ECC35A311A18}"/>
               </a:ext>
             </a:extLst>
           </p:cNvPr>
@@ -11460,7 +11464,7 @@
           <p:cNvPr id="5" name="Espace réservé de la date 4">
             <a:extLst>
               <a:ext uri="{FF2B5EF4-FFF2-40B4-BE49-F238E27FC236}">
-                <a16:creationId xmlns="" xmlns:a16="http://schemas.microsoft.com/office/drawing/2014/main" id="{9895A013-F98F-4057-A001-BDC85C0979EA}"/>
+                <a16:creationId xmlns:a16="http://schemas.microsoft.com/office/drawing/2014/main" id="{9895A013-F98F-4057-A001-BDC85C0979EA}"/>
               </a:ext>
             </a:extLst>
           </p:cNvPr>
@@ -11489,7 +11493,7 @@
           <p:cNvPr id="6" name="Espace réservé du pied de page 5">
             <a:extLst>
               <a:ext uri="{FF2B5EF4-FFF2-40B4-BE49-F238E27FC236}">
-                <a16:creationId xmlns="" xmlns:a16="http://schemas.microsoft.com/office/drawing/2014/main" id="{88FC136C-D6AF-4C39-8ECF-E674CA1397FA}"/>
+                <a16:creationId xmlns:a16="http://schemas.microsoft.com/office/drawing/2014/main" id="{88FC136C-D6AF-4C39-8ECF-E674CA1397FA}"/>
               </a:ext>
             </a:extLst>
           </p:cNvPr>
@@ -11514,7 +11518,7 @@
           <p:cNvPr id="7" name="Espace réservé du numéro de diapositive 6">
             <a:extLst>
               <a:ext uri="{FF2B5EF4-FFF2-40B4-BE49-F238E27FC236}">
-                <a16:creationId xmlns="" xmlns:a16="http://schemas.microsoft.com/office/drawing/2014/main" id="{4C1E74F2-235E-482D-96E1-639EA219EBF2}"/>
+                <a16:creationId xmlns:a16="http://schemas.microsoft.com/office/drawing/2014/main" id="{4C1E74F2-235E-482D-96E1-639EA219EBF2}"/>
               </a:ext>
             </a:extLst>
           </p:cNvPr>
@@ -11532,7 +11536,7 @@
           <a:p>
             <a:fld id="{A9956970-094A-43D6-B624-27A27B1BAE5D}" type="slidenum">
               <a:rPr lang="fr-FR" smtClean="0"/>
-              <a:t>‹#›</a:t>
+              <a:t>‹N°›</a:t>
             </a:fld>
             <a:endParaRPr lang="fr-FR"/>
           </a:p>
@@ -11573,7 +11577,7 @@
           <p:cNvPr id="2" name="Titre 1">
             <a:extLst>
               <a:ext uri="{FF2B5EF4-FFF2-40B4-BE49-F238E27FC236}">
-                <a16:creationId xmlns="" xmlns:a16="http://schemas.microsoft.com/office/drawing/2014/main" id="{A9E1F4BC-44B3-4F01-A722-72CE34384D07}"/>
+                <a16:creationId xmlns:a16="http://schemas.microsoft.com/office/drawing/2014/main" id="{A9E1F4BC-44B3-4F01-A722-72CE34384D07}"/>
               </a:ext>
             </a:extLst>
           </p:cNvPr>
@@ -11601,7 +11605,7 @@
           <p:cNvPr id="3" name="Espace réservé du texte vertical 2">
             <a:extLst>
               <a:ext uri="{FF2B5EF4-FFF2-40B4-BE49-F238E27FC236}">
-                <a16:creationId xmlns="" xmlns:a16="http://schemas.microsoft.com/office/drawing/2014/main" id="{E9BE3C7D-6DEA-466C-86D6-EE9C7030ADEB}"/>
+                <a16:creationId xmlns:a16="http://schemas.microsoft.com/office/drawing/2014/main" id="{E9BE3C7D-6DEA-466C-86D6-EE9C7030ADEB}"/>
               </a:ext>
             </a:extLst>
           </p:cNvPr>
@@ -11658,7 +11662,7 @@
           <p:cNvPr id="4" name="Espace réservé de la date 3">
             <a:extLst>
               <a:ext uri="{FF2B5EF4-FFF2-40B4-BE49-F238E27FC236}">
-                <a16:creationId xmlns="" xmlns:a16="http://schemas.microsoft.com/office/drawing/2014/main" id="{BB1E33FB-02B2-449E-B057-1B0BFF857C31}"/>
+                <a16:creationId xmlns:a16="http://schemas.microsoft.com/office/drawing/2014/main" id="{BB1E33FB-02B2-449E-B057-1B0BFF857C31}"/>
               </a:ext>
             </a:extLst>
           </p:cNvPr>
@@ -11687,7 +11691,7 @@
           <p:cNvPr id="5" name="Espace réservé du pied de page 4">
             <a:extLst>
               <a:ext uri="{FF2B5EF4-FFF2-40B4-BE49-F238E27FC236}">
-                <a16:creationId xmlns="" xmlns:a16="http://schemas.microsoft.com/office/drawing/2014/main" id="{3523FE3C-6E5B-4C29-A6C7-23AE68DA694E}"/>
+                <a16:creationId xmlns:a16="http://schemas.microsoft.com/office/drawing/2014/main" id="{3523FE3C-6E5B-4C29-A6C7-23AE68DA694E}"/>
               </a:ext>
             </a:extLst>
           </p:cNvPr>
@@ -11712,7 +11716,7 @@
           <p:cNvPr id="6" name="Espace réservé du numéro de diapositive 5">
             <a:extLst>
               <a:ext uri="{FF2B5EF4-FFF2-40B4-BE49-F238E27FC236}">
-                <a16:creationId xmlns="" xmlns:a16="http://schemas.microsoft.com/office/drawing/2014/main" id="{9F635305-5EBE-420A-A7EF-36AE5C6C4B2E}"/>
+                <a16:creationId xmlns:a16="http://schemas.microsoft.com/office/drawing/2014/main" id="{9F635305-5EBE-420A-A7EF-36AE5C6C4B2E}"/>
               </a:ext>
             </a:extLst>
           </p:cNvPr>
@@ -11730,7 +11734,7 @@
           <a:p>
             <a:fld id="{A9956970-094A-43D6-B624-27A27B1BAE5D}" type="slidenum">
               <a:rPr lang="fr-FR" smtClean="0"/>
-              <a:t>‹#›</a:t>
+              <a:t>‹N°›</a:t>
             </a:fld>
             <a:endParaRPr lang="fr-FR"/>
           </a:p>
@@ -12174,7 +12178,7 @@
           <a:p>
             <a:fld id="{10489E0E-CC19-4746-AE3F-A20083D175C2}" type="slidenum">
               <a:rPr lang="fr-FR" smtClean="0"/>
-              <a:t>‹#›</a:t>
+              <a:t>‹N°›</a:t>
             </a:fld>
             <a:endParaRPr lang="fr-FR"/>
           </a:p>
@@ -12215,7 +12219,7 @@
           <p:cNvPr id="2" name="Titre vertical 1">
             <a:extLst>
               <a:ext uri="{FF2B5EF4-FFF2-40B4-BE49-F238E27FC236}">
-                <a16:creationId xmlns="" xmlns:a16="http://schemas.microsoft.com/office/drawing/2014/main" id="{24807873-E2A6-4B88-BD65-FD63627B587D}"/>
+                <a16:creationId xmlns:a16="http://schemas.microsoft.com/office/drawing/2014/main" id="{24807873-E2A6-4B88-BD65-FD63627B587D}"/>
               </a:ext>
             </a:extLst>
           </p:cNvPr>
@@ -12248,7 +12252,7 @@
           <p:cNvPr id="3" name="Espace réservé du texte vertical 2">
             <a:extLst>
               <a:ext uri="{FF2B5EF4-FFF2-40B4-BE49-F238E27FC236}">
-                <a16:creationId xmlns="" xmlns:a16="http://schemas.microsoft.com/office/drawing/2014/main" id="{7B6EFB9C-D48F-458E-A628-089B7A9F398B}"/>
+                <a16:creationId xmlns:a16="http://schemas.microsoft.com/office/drawing/2014/main" id="{7B6EFB9C-D48F-458E-A628-089B7A9F398B}"/>
               </a:ext>
             </a:extLst>
           </p:cNvPr>
@@ -12310,7 +12314,7 @@
           <p:cNvPr id="4" name="Espace réservé de la date 3">
             <a:extLst>
               <a:ext uri="{FF2B5EF4-FFF2-40B4-BE49-F238E27FC236}">
-                <a16:creationId xmlns="" xmlns:a16="http://schemas.microsoft.com/office/drawing/2014/main" id="{7FC0894F-E2F8-4451-AEE7-F26B3779BCE4}"/>
+                <a16:creationId xmlns:a16="http://schemas.microsoft.com/office/drawing/2014/main" id="{7FC0894F-E2F8-4451-AEE7-F26B3779BCE4}"/>
               </a:ext>
             </a:extLst>
           </p:cNvPr>
@@ -12339,7 +12343,7 @@
           <p:cNvPr id="5" name="Espace réservé du pied de page 4">
             <a:extLst>
               <a:ext uri="{FF2B5EF4-FFF2-40B4-BE49-F238E27FC236}">
-                <a16:creationId xmlns="" xmlns:a16="http://schemas.microsoft.com/office/drawing/2014/main" id="{46801513-CE61-4FD9-954E-6960B1C89A84}"/>
+                <a16:creationId xmlns:a16="http://schemas.microsoft.com/office/drawing/2014/main" id="{46801513-CE61-4FD9-954E-6960B1C89A84}"/>
               </a:ext>
             </a:extLst>
           </p:cNvPr>
@@ -12364,7 +12368,7 @@
           <p:cNvPr id="6" name="Espace réservé du numéro de diapositive 5">
             <a:extLst>
               <a:ext uri="{FF2B5EF4-FFF2-40B4-BE49-F238E27FC236}">
-                <a16:creationId xmlns="" xmlns:a16="http://schemas.microsoft.com/office/drawing/2014/main" id="{43CE86C1-1A8F-4629-B623-16B192518D98}"/>
+                <a16:creationId xmlns:a16="http://schemas.microsoft.com/office/drawing/2014/main" id="{43CE86C1-1A8F-4629-B623-16B192518D98}"/>
               </a:ext>
             </a:extLst>
           </p:cNvPr>
@@ -12382,7 +12386,7 @@
           <a:p>
             <a:fld id="{A9956970-094A-43D6-B624-27A27B1BAE5D}" type="slidenum">
               <a:rPr lang="fr-FR" smtClean="0"/>
-              <a:t>‹#›</a:t>
+              <a:t>‹N°›</a:t>
             </a:fld>
             <a:endParaRPr lang="fr-FR"/>
           </a:p>
@@ -12423,7 +12427,7 @@
           <p:cNvPr id="2" name="Titre 1">
             <a:extLst>
               <a:ext uri="{FF2B5EF4-FFF2-40B4-BE49-F238E27FC236}">
-                <a16:creationId xmlns="" xmlns:a16="http://schemas.microsoft.com/office/drawing/2014/main" id="{64B66D1C-7DFA-495B-BD47-041699E20419}"/>
+                <a16:creationId xmlns:a16="http://schemas.microsoft.com/office/drawing/2014/main" id="{64B66D1C-7DFA-495B-BD47-041699E20419}"/>
               </a:ext>
             </a:extLst>
           </p:cNvPr>
@@ -12460,7 +12464,7 @@
           <p:cNvPr id="3" name="Sous-titre 2">
             <a:extLst>
               <a:ext uri="{FF2B5EF4-FFF2-40B4-BE49-F238E27FC236}">
-                <a16:creationId xmlns="" xmlns:a16="http://schemas.microsoft.com/office/drawing/2014/main" id="{74BE21A6-43E2-4604-8CA0-CCA45A41EF75}"/>
+                <a16:creationId xmlns:a16="http://schemas.microsoft.com/office/drawing/2014/main" id="{74BE21A6-43E2-4604-8CA0-CCA45A41EF75}"/>
               </a:ext>
             </a:extLst>
           </p:cNvPr>
@@ -12530,7 +12534,7 @@
           <p:cNvPr id="4" name="Espace réservé de la date 3">
             <a:extLst>
               <a:ext uri="{FF2B5EF4-FFF2-40B4-BE49-F238E27FC236}">
-                <a16:creationId xmlns="" xmlns:a16="http://schemas.microsoft.com/office/drawing/2014/main" id="{E2D308EC-FB42-439D-8EA6-DD28D243C858}"/>
+                <a16:creationId xmlns:a16="http://schemas.microsoft.com/office/drawing/2014/main" id="{E2D308EC-FB42-439D-8EA6-DD28D243C858}"/>
               </a:ext>
             </a:extLst>
           </p:cNvPr>
@@ -12559,7 +12563,7 @@
           <p:cNvPr id="5" name="Espace réservé du pied de page 4">
             <a:extLst>
               <a:ext uri="{FF2B5EF4-FFF2-40B4-BE49-F238E27FC236}">
-                <a16:creationId xmlns="" xmlns:a16="http://schemas.microsoft.com/office/drawing/2014/main" id="{428CE1FB-25CE-4F29-B374-6E2E6D491150}"/>
+                <a16:creationId xmlns:a16="http://schemas.microsoft.com/office/drawing/2014/main" id="{428CE1FB-25CE-4F29-B374-6E2E6D491150}"/>
               </a:ext>
             </a:extLst>
           </p:cNvPr>
@@ -12584,7 +12588,7 @@
           <p:cNvPr id="6" name="Espace réservé du numéro de diapositive 5">
             <a:extLst>
               <a:ext uri="{FF2B5EF4-FFF2-40B4-BE49-F238E27FC236}">
-                <a16:creationId xmlns="" xmlns:a16="http://schemas.microsoft.com/office/drawing/2014/main" id="{82E875B2-10FC-4C35-8FE8-D2E4236DFF43}"/>
+                <a16:creationId xmlns:a16="http://schemas.microsoft.com/office/drawing/2014/main" id="{82E875B2-10FC-4C35-8FE8-D2E4236DFF43}"/>
               </a:ext>
             </a:extLst>
           </p:cNvPr>
@@ -12602,7 +12606,7 @@
           <a:p>
             <a:fld id="{1B35A1AE-DECF-48A1-ACD6-B0CBAC7CBE3F}" type="slidenum">
               <a:rPr lang="fr-FR" smtClean="0"/>
-              <a:t>‹#›</a:t>
+              <a:t>‹N°›</a:t>
             </a:fld>
             <a:endParaRPr lang="fr-FR"/>
           </a:p>
@@ -12643,7 +12647,7 @@
           <p:cNvPr id="2" name="Titre 1">
             <a:extLst>
               <a:ext uri="{FF2B5EF4-FFF2-40B4-BE49-F238E27FC236}">
-                <a16:creationId xmlns="" xmlns:a16="http://schemas.microsoft.com/office/drawing/2014/main" id="{24FB208E-C10D-4C38-BA2B-1B149E1B5FB7}"/>
+                <a16:creationId xmlns:a16="http://schemas.microsoft.com/office/drawing/2014/main" id="{24FB208E-C10D-4C38-BA2B-1B149E1B5FB7}"/>
               </a:ext>
             </a:extLst>
           </p:cNvPr>
@@ -12671,7 +12675,7 @@
           <p:cNvPr id="3" name="Espace réservé du contenu 2">
             <a:extLst>
               <a:ext uri="{FF2B5EF4-FFF2-40B4-BE49-F238E27FC236}">
-                <a16:creationId xmlns="" xmlns:a16="http://schemas.microsoft.com/office/drawing/2014/main" id="{9BF8588E-B694-47F2-BED1-1C3DEB9096EC}"/>
+                <a16:creationId xmlns:a16="http://schemas.microsoft.com/office/drawing/2014/main" id="{9BF8588E-B694-47F2-BED1-1C3DEB9096EC}"/>
               </a:ext>
             </a:extLst>
           </p:cNvPr>
@@ -12728,7 +12732,7 @@
           <p:cNvPr id="4" name="Espace réservé de la date 3">
             <a:extLst>
               <a:ext uri="{FF2B5EF4-FFF2-40B4-BE49-F238E27FC236}">
-                <a16:creationId xmlns="" xmlns:a16="http://schemas.microsoft.com/office/drawing/2014/main" id="{5BBAAD54-8768-40DA-B553-FE22BC097E25}"/>
+                <a16:creationId xmlns:a16="http://schemas.microsoft.com/office/drawing/2014/main" id="{5BBAAD54-8768-40DA-B553-FE22BC097E25}"/>
               </a:ext>
             </a:extLst>
           </p:cNvPr>
@@ -12757,7 +12761,7 @@
           <p:cNvPr id="5" name="Espace réservé du pied de page 4">
             <a:extLst>
               <a:ext uri="{FF2B5EF4-FFF2-40B4-BE49-F238E27FC236}">
-                <a16:creationId xmlns="" xmlns:a16="http://schemas.microsoft.com/office/drawing/2014/main" id="{DEE289F1-2011-416B-B35C-4AA248F3A01B}"/>
+                <a16:creationId xmlns:a16="http://schemas.microsoft.com/office/drawing/2014/main" id="{DEE289F1-2011-416B-B35C-4AA248F3A01B}"/>
               </a:ext>
             </a:extLst>
           </p:cNvPr>
@@ -12782,7 +12786,7 @@
           <p:cNvPr id="6" name="Espace réservé du numéro de diapositive 5">
             <a:extLst>
               <a:ext uri="{FF2B5EF4-FFF2-40B4-BE49-F238E27FC236}">
-                <a16:creationId xmlns="" xmlns:a16="http://schemas.microsoft.com/office/drawing/2014/main" id="{0C454B2E-F614-4E70-9370-16B38824907B}"/>
+                <a16:creationId xmlns:a16="http://schemas.microsoft.com/office/drawing/2014/main" id="{0C454B2E-F614-4E70-9370-16B38824907B}"/>
               </a:ext>
             </a:extLst>
           </p:cNvPr>
@@ -12800,7 +12804,7 @@
           <a:p>
             <a:fld id="{1B35A1AE-DECF-48A1-ACD6-B0CBAC7CBE3F}" type="slidenum">
               <a:rPr lang="fr-FR" smtClean="0"/>
-              <a:t>‹#›</a:t>
+              <a:t>‹N°›</a:t>
             </a:fld>
             <a:endParaRPr lang="fr-FR"/>
           </a:p>
@@ -12841,7 +12845,7 @@
           <p:cNvPr id="2" name="Titre 1">
             <a:extLst>
               <a:ext uri="{FF2B5EF4-FFF2-40B4-BE49-F238E27FC236}">
-                <a16:creationId xmlns="" xmlns:a16="http://schemas.microsoft.com/office/drawing/2014/main" id="{AD30177A-211E-4E09-8910-E7AB96C6BFA9}"/>
+                <a16:creationId xmlns:a16="http://schemas.microsoft.com/office/drawing/2014/main" id="{AD30177A-211E-4E09-8910-E7AB96C6BFA9}"/>
               </a:ext>
             </a:extLst>
           </p:cNvPr>
@@ -12878,7 +12882,7 @@
           <p:cNvPr id="3" name="Espace réservé du texte 2">
             <a:extLst>
               <a:ext uri="{FF2B5EF4-FFF2-40B4-BE49-F238E27FC236}">
-                <a16:creationId xmlns="" xmlns:a16="http://schemas.microsoft.com/office/drawing/2014/main" id="{B3977F83-6E08-4088-A398-3D7CC6BD2646}"/>
+                <a16:creationId xmlns:a16="http://schemas.microsoft.com/office/drawing/2014/main" id="{B3977F83-6E08-4088-A398-3D7CC6BD2646}"/>
               </a:ext>
             </a:extLst>
           </p:cNvPr>
@@ -13003,7 +13007,7 @@
           <p:cNvPr id="4" name="Espace réservé de la date 3">
             <a:extLst>
               <a:ext uri="{FF2B5EF4-FFF2-40B4-BE49-F238E27FC236}">
-                <a16:creationId xmlns="" xmlns:a16="http://schemas.microsoft.com/office/drawing/2014/main" id="{74DFFC20-4F83-40A0-A895-E7C3DEA5955B}"/>
+                <a16:creationId xmlns:a16="http://schemas.microsoft.com/office/drawing/2014/main" id="{74DFFC20-4F83-40A0-A895-E7C3DEA5955B}"/>
               </a:ext>
             </a:extLst>
           </p:cNvPr>
@@ -13032,7 +13036,7 @@
           <p:cNvPr id="5" name="Espace réservé du pied de page 4">
             <a:extLst>
               <a:ext uri="{FF2B5EF4-FFF2-40B4-BE49-F238E27FC236}">
-                <a16:creationId xmlns="" xmlns:a16="http://schemas.microsoft.com/office/drawing/2014/main" id="{42C564DB-90E0-48CA-ADA7-A1D3F152AD12}"/>
+                <a16:creationId xmlns:a16="http://schemas.microsoft.com/office/drawing/2014/main" id="{42C564DB-90E0-48CA-ADA7-A1D3F152AD12}"/>
               </a:ext>
             </a:extLst>
           </p:cNvPr>
@@ -13057,7 +13061,7 @@
           <p:cNvPr id="6" name="Espace réservé du numéro de diapositive 5">
             <a:extLst>
               <a:ext uri="{FF2B5EF4-FFF2-40B4-BE49-F238E27FC236}">
-                <a16:creationId xmlns="" xmlns:a16="http://schemas.microsoft.com/office/drawing/2014/main" id="{3176FE9C-1734-4712-8587-789D9131AA58}"/>
+                <a16:creationId xmlns:a16="http://schemas.microsoft.com/office/drawing/2014/main" id="{3176FE9C-1734-4712-8587-789D9131AA58}"/>
               </a:ext>
             </a:extLst>
           </p:cNvPr>
@@ -13075,7 +13079,7 @@
           <a:p>
             <a:fld id="{1B35A1AE-DECF-48A1-ACD6-B0CBAC7CBE3F}" type="slidenum">
               <a:rPr lang="fr-FR" smtClean="0"/>
-              <a:t>‹#›</a:t>
+              <a:t>‹N°›</a:t>
             </a:fld>
             <a:endParaRPr lang="fr-FR"/>
           </a:p>
@@ -13116,7 +13120,7 @@
           <p:cNvPr id="2" name="Titre 1">
             <a:extLst>
               <a:ext uri="{FF2B5EF4-FFF2-40B4-BE49-F238E27FC236}">
-                <a16:creationId xmlns="" xmlns:a16="http://schemas.microsoft.com/office/drawing/2014/main" id="{DF72E85D-8054-486C-8343-92EE9E57A4F7}"/>
+                <a16:creationId xmlns:a16="http://schemas.microsoft.com/office/drawing/2014/main" id="{DF72E85D-8054-486C-8343-92EE9E57A4F7}"/>
               </a:ext>
             </a:extLst>
           </p:cNvPr>
@@ -13144,7 +13148,7 @@
           <p:cNvPr id="3" name="Espace réservé du contenu 2">
             <a:extLst>
               <a:ext uri="{FF2B5EF4-FFF2-40B4-BE49-F238E27FC236}">
-                <a16:creationId xmlns="" xmlns:a16="http://schemas.microsoft.com/office/drawing/2014/main" id="{4CD10C1B-65A3-43A6-A061-0B72608322C8}"/>
+                <a16:creationId xmlns:a16="http://schemas.microsoft.com/office/drawing/2014/main" id="{4CD10C1B-65A3-43A6-A061-0B72608322C8}"/>
               </a:ext>
             </a:extLst>
           </p:cNvPr>
@@ -13206,7 +13210,7 @@
           <p:cNvPr id="4" name="Espace réservé du contenu 3">
             <a:extLst>
               <a:ext uri="{FF2B5EF4-FFF2-40B4-BE49-F238E27FC236}">
-                <a16:creationId xmlns="" xmlns:a16="http://schemas.microsoft.com/office/drawing/2014/main" id="{E9014DC1-29EB-4311-AD7A-01988272B535}"/>
+                <a16:creationId xmlns:a16="http://schemas.microsoft.com/office/drawing/2014/main" id="{E9014DC1-29EB-4311-AD7A-01988272B535}"/>
               </a:ext>
             </a:extLst>
           </p:cNvPr>
@@ -13268,7 +13272,7 @@
           <p:cNvPr id="5" name="Espace réservé de la date 4">
             <a:extLst>
               <a:ext uri="{FF2B5EF4-FFF2-40B4-BE49-F238E27FC236}">
-                <a16:creationId xmlns="" xmlns:a16="http://schemas.microsoft.com/office/drawing/2014/main" id="{FCEB60C9-4C9D-4F69-955B-A9AE3FD4177B}"/>
+                <a16:creationId xmlns:a16="http://schemas.microsoft.com/office/drawing/2014/main" id="{FCEB60C9-4C9D-4F69-955B-A9AE3FD4177B}"/>
               </a:ext>
             </a:extLst>
           </p:cNvPr>
@@ -13297,7 +13301,7 @@
           <p:cNvPr id="6" name="Espace réservé du pied de page 5">
             <a:extLst>
               <a:ext uri="{FF2B5EF4-FFF2-40B4-BE49-F238E27FC236}">
-                <a16:creationId xmlns="" xmlns:a16="http://schemas.microsoft.com/office/drawing/2014/main" id="{5DE33320-370D-4754-99E5-F3A009DF5E1A}"/>
+                <a16:creationId xmlns:a16="http://schemas.microsoft.com/office/drawing/2014/main" id="{5DE33320-370D-4754-99E5-F3A009DF5E1A}"/>
               </a:ext>
             </a:extLst>
           </p:cNvPr>
@@ -13322,7 +13326,7 @@
           <p:cNvPr id="7" name="Espace réservé du numéro de diapositive 6">
             <a:extLst>
               <a:ext uri="{FF2B5EF4-FFF2-40B4-BE49-F238E27FC236}">
-                <a16:creationId xmlns="" xmlns:a16="http://schemas.microsoft.com/office/drawing/2014/main" id="{C1C804ED-204D-456A-B46F-EC9945C2C773}"/>
+                <a16:creationId xmlns:a16="http://schemas.microsoft.com/office/drawing/2014/main" id="{C1C804ED-204D-456A-B46F-EC9945C2C773}"/>
               </a:ext>
             </a:extLst>
           </p:cNvPr>
@@ -13340,7 +13344,7 @@
           <a:p>
             <a:fld id="{1B35A1AE-DECF-48A1-ACD6-B0CBAC7CBE3F}" type="slidenum">
               <a:rPr lang="fr-FR" smtClean="0"/>
-              <a:t>‹#›</a:t>
+              <a:t>‹N°›</a:t>
             </a:fld>
             <a:endParaRPr lang="fr-FR"/>
           </a:p>
@@ -13381,7 +13385,7 @@
           <p:cNvPr id="2" name="Titre 1">
             <a:extLst>
               <a:ext uri="{FF2B5EF4-FFF2-40B4-BE49-F238E27FC236}">
-                <a16:creationId xmlns="" xmlns:a16="http://schemas.microsoft.com/office/drawing/2014/main" id="{00072F92-0782-48C1-8CBC-05A1AE6AA5BB}"/>
+                <a16:creationId xmlns:a16="http://schemas.microsoft.com/office/drawing/2014/main" id="{00072F92-0782-48C1-8CBC-05A1AE6AA5BB}"/>
               </a:ext>
             </a:extLst>
           </p:cNvPr>
@@ -13414,7 +13418,7 @@
           <p:cNvPr id="3" name="Espace réservé du texte 2">
             <a:extLst>
               <a:ext uri="{FF2B5EF4-FFF2-40B4-BE49-F238E27FC236}">
-                <a16:creationId xmlns="" xmlns:a16="http://schemas.microsoft.com/office/drawing/2014/main" id="{3A16C386-55B6-4EB2-A32A-147A5C3C1425}"/>
+                <a16:creationId xmlns:a16="http://schemas.microsoft.com/office/drawing/2014/main" id="{3A16C386-55B6-4EB2-A32A-147A5C3C1425}"/>
               </a:ext>
             </a:extLst>
           </p:cNvPr>
@@ -13485,7 +13489,7 @@
           <p:cNvPr id="4" name="Espace réservé du contenu 3">
             <a:extLst>
               <a:ext uri="{FF2B5EF4-FFF2-40B4-BE49-F238E27FC236}">
-                <a16:creationId xmlns="" xmlns:a16="http://schemas.microsoft.com/office/drawing/2014/main" id="{75C124B2-ED03-49DB-9FFC-4D2081A0CA32}"/>
+                <a16:creationId xmlns:a16="http://schemas.microsoft.com/office/drawing/2014/main" id="{75C124B2-ED03-49DB-9FFC-4D2081A0CA32}"/>
               </a:ext>
             </a:extLst>
           </p:cNvPr>
@@ -13547,7 +13551,7 @@
           <p:cNvPr id="5" name="Espace réservé du texte 4">
             <a:extLst>
               <a:ext uri="{FF2B5EF4-FFF2-40B4-BE49-F238E27FC236}">
-                <a16:creationId xmlns="" xmlns:a16="http://schemas.microsoft.com/office/drawing/2014/main" id="{B7C3157A-5819-445E-8A04-3223624EA10E}"/>
+                <a16:creationId xmlns:a16="http://schemas.microsoft.com/office/drawing/2014/main" id="{B7C3157A-5819-445E-8A04-3223624EA10E}"/>
               </a:ext>
             </a:extLst>
           </p:cNvPr>
@@ -13618,7 +13622,7 @@
           <p:cNvPr id="6" name="Espace réservé du contenu 5">
             <a:extLst>
               <a:ext uri="{FF2B5EF4-FFF2-40B4-BE49-F238E27FC236}">
-                <a16:creationId xmlns="" xmlns:a16="http://schemas.microsoft.com/office/drawing/2014/main" id="{78783AC6-4FAB-40A6-8373-BD379A1D0369}"/>
+                <a16:creationId xmlns:a16="http://schemas.microsoft.com/office/drawing/2014/main" id="{78783AC6-4FAB-40A6-8373-BD379A1D0369}"/>
               </a:ext>
             </a:extLst>
           </p:cNvPr>
@@ -13680,7 +13684,7 @@
           <p:cNvPr id="7" name="Espace réservé de la date 6">
             <a:extLst>
               <a:ext uri="{FF2B5EF4-FFF2-40B4-BE49-F238E27FC236}">
-                <a16:creationId xmlns="" xmlns:a16="http://schemas.microsoft.com/office/drawing/2014/main" id="{D661A144-F690-4A58-B140-A278DD4A6461}"/>
+                <a16:creationId xmlns:a16="http://schemas.microsoft.com/office/drawing/2014/main" id="{D661A144-F690-4A58-B140-A278DD4A6461}"/>
               </a:ext>
             </a:extLst>
           </p:cNvPr>
@@ -13709,7 +13713,7 @@
           <p:cNvPr id="8" name="Espace réservé du pied de page 7">
             <a:extLst>
               <a:ext uri="{FF2B5EF4-FFF2-40B4-BE49-F238E27FC236}">
-                <a16:creationId xmlns="" xmlns:a16="http://schemas.microsoft.com/office/drawing/2014/main" id="{CA35B238-1753-4F1E-9F05-30C924327156}"/>
+                <a16:creationId xmlns:a16="http://schemas.microsoft.com/office/drawing/2014/main" id="{CA35B238-1753-4F1E-9F05-30C924327156}"/>
               </a:ext>
             </a:extLst>
           </p:cNvPr>
@@ -13734,7 +13738,7 @@
           <p:cNvPr id="9" name="Espace réservé du numéro de diapositive 8">
             <a:extLst>
               <a:ext uri="{FF2B5EF4-FFF2-40B4-BE49-F238E27FC236}">
-                <a16:creationId xmlns="" xmlns:a16="http://schemas.microsoft.com/office/drawing/2014/main" id="{E4BF56F4-2DA8-4086-8453-AD4E99724D7C}"/>
+                <a16:creationId xmlns:a16="http://schemas.microsoft.com/office/drawing/2014/main" id="{E4BF56F4-2DA8-4086-8453-AD4E99724D7C}"/>
               </a:ext>
             </a:extLst>
           </p:cNvPr>
@@ -13752,7 +13756,7 @@
           <a:p>
             <a:fld id="{1B35A1AE-DECF-48A1-ACD6-B0CBAC7CBE3F}" type="slidenum">
               <a:rPr lang="fr-FR" smtClean="0"/>
-              <a:t>‹#›</a:t>
+              <a:t>‹N°›</a:t>
             </a:fld>
             <a:endParaRPr lang="fr-FR"/>
           </a:p>
@@ -13793,7 +13797,7 @@
           <p:cNvPr id="2" name="Titre 1">
             <a:extLst>
               <a:ext uri="{FF2B5EF4-FFF2-40B4-BE49-F238E27FC236}">
-                <a16:creationId xmlns="" xmlns:a16="http://schemas.microsoft.com/office/drawing/2014/main" id="{5916B38D-825A-49BE-81E5-5F9E26523567}"/>
+                <a16:creationId xmlns:a16="http://schemas.microsoft.com/office/drawing/2014/main" id="{5916B38D-825A-49BE-81E5-5F9E26523567}"/>
               </a:ext>
             </a:extLst>
           </p:cNvPr>
@@ -13821,7 +13825,7 @@
           <p:cNvPr id="3" name="Espace réservé de la date 2">
             <a:extLst>
               <a:ext uri="{FF2B5EF4-FFF2-40B4-BE49-F238E27FC236}">
-                <a16:creationId xmlns="" xmlns:a16="http://schemas.microsoft.com/office/drawing/2014/main" id="{85668AF4-2690-43A8-BABE-BBECD1F5570A}"/>
+                <a16:creationId xmlns:a16="http://schemas.microsoft.com/office/drawing/2014/main" id="{85668AF4-2690-43A8-BABE-BBECD1F5570A}"/>
               </a:ext>
             </a:extLst>
           </p:cNvPr>
@@ -13850,7 +13854,7 @@
           <p:cNvPr id="4" name="Espace réservé du pied de page 3">
             <a:extLst>
               <a:ext uri="{FF2B5EF4-FFF2-40B4-BE49-F238E27FC236}">
-                <a16:creationId xmlns="" xmlns:a16="http://schemas.microsoft.com/office/drawing/2014/main" id="{EE3D424F-562C-41DF-A33E-A958FC8A05DE}"/>
+                <a16:creationId xmlns:a16="http://schemas.microsoft.com/office/drawing/2014/main" id="{EE3D424F-562C-41DF-A33E-A958FC8A05DE}"/>
               </a:ext>
             </a:extLst>
           </p:cNvPr>
@@ -13875,7 +13879,7 @@
           <p:cNvPr id="5" name="Espace réservé du numéro de diapositive 4">
             <a:extLst>
               <a:ext uri="{FF2B5EF4-FFF2-40B4-BE49-F238E27FC236}">
-                <a16:creationId xmlns="" xmlns:a16="http://schemas.microsoft.com/office/drawing/2014/main" id="{8E628ECD-3E54-407F-85E0-A0F181F4BD44}"/>
+                <a16:creationId xmlns:a16="http://schemas.microsoft.com/office/drawing/2014/main" id="{8E628ECD-3E54-407F-85E0-A0F181F4BD44}"/>
               </a:ext>
             </a:extLst>
           </p:cNvPr>
@@ -13893,7 +13897,7 @@
           <a:p>
             <a:fld id="{1B35A1AE-DECF-48A1-ACD6-B0CBAC7CBE3F}" type="slidenum">
               <a:rPr lang="fr-FR" smtClean="0"/>
-              <a:t>‹#›</a:t>
+              <a:t>‹N°›</a:t>
             </a:fld>
             <a:endParaRPr lang="fr-FR"/>
           </a:p>
@@ -13934,7 +13938,7 @@
           <p:cNvPr id="2" name="Espace réservé de la date 1">
             <a:extLst>
               <a:ext uri="{FF2B5EF4-FFF2-40B4-BE49-F238E27FC236}">
-                <a16:creationId xmlns="" xmlns:a16="http://schemas.microsoft.com/office/drawing/2014/main" id="{2C43E389-968C-4857-865B-37439202D854}"/>
+                <a16:creationId xmlns:a16="http://schemas.microsoft.com/office/drawing/2014/main" id="{2C43E389-968C-4857-865B-37439202D854}"/>
               </a:ext>
             </a:extLst>
           </p:cNvPr>
@@ -13963,7 +13967,7 @@
           <p:cNvPr id="3" name="Espace réservé du pied de page 2">
             <a:extLst>
               <a:ext uri="{FF2B5EF4-FFF2-40B4-BE49-F238E27FC236}">
-                <a16:creationId xmlns="" xmlns:a16="http://schemas.microsoft.com/office/drawing/2014/main" id="{EC4FD11D-AD89-40E8-8922-97891A54E5BA}"/>
+                <a16:creationId xmlns:a16="http://schemas.microsoft.com/office/drawing/2014/main" id="{EC4FD11D-AD89-40E8-8922-97891A54E5BA}"/>
               </a:ext>
             </a:extLst>
           </p:cNvPr>
@@ -13988,7 +13992,7 @@
           <p:cNvPr id="4" name="Espace réservé du numéro de diapositive 3">
             <a:extLst>
               <a:ext uri="{FF2B5EF4-FFF2-40B4-BE49-F238E27FC236}">
-                <a16:creationId xmlns="" xmlns:a16="http://schemas.microsoft.com/office/drawing/2014/main" id="{7D363BFD-78F6-408F-B2A3-7BADD4663463}"/>
+                <a16:creationId xmlns:a16="http://schemas.microsoft.com/office/drawing/2014/main" id="{7D363BFD-78F6-408F-B2A3-7BADD4663463}"/>
               </a:ext>
             </a:extLst>
           </p:cNvPr>
@@ -14006,7 +14010,7 @@
           <a:p>
             <a:fld id="{1B35A1AE-DECF-48A1-ACD6-B0CBAC7CBE3F}" type="slidenum">
               <a:rPr lang="fr-FR" smtClean="0"/>
-              <a:t>‹#›</a:t>
+              <a:t>‹N°›</a:t>
             </a:fld>
             <a:endParaRPr lang="fr-FR"/>
           </a:p>
@@ -14047,7 +14051,7 @@
           <p:cNvPr id="2" name="Titre 1">
             <a:extLst>
               <a:ext uri="{FF2B5EF4-FFF2-40B4-BE49-F238E27FC236}">
-                <a16:creationId xmlns="" xmlns:a16="http://schemas.microsoft.com/office/drawing/2014/main" id="{18CC642B-6B3A-436C-9443-C6ADC0999265}"/>
+                <a16:creationId xmlns:a16="http://schemas.microsoft.com/office/drawing/2014/main" id="{18CC642B-6B3A-436C-9443-C6ADC0999265}"/>
               </a:ext>
             </a:extLst>
           </p:cNvPr>
@@ -14084,7 +14088,7 @@
           <p:cNvPr id="3" name="Espace réservé du contenu 2">
             <a:extLst>
               <a:ext uri="{FF2B5EF4-FFF2-40B4-BE49-F238E27FC236}">
-                <a16:creationId xmlns="" xmlns:a16="http://schemas.microsoft.com/office/drawing/2014/main" id="{72C77635-D341-4AE5-AAD9-D8A299E82FAA}"/>
+                <a16:creationId xmlns:a16="http://schemas.microsoft.com/office/drawing/2014/main" id="{72C77635-D341-4AE5-AAD9-D8A299E82FAA}"/>
               </a:ext>
             </a:extLst>
           </p:cNvPr>
@@ -14174,7 +14178,7 @@
           <p:cNvPr id="4" name="Espace réservé du texte 3">
             <a:extLst>
               <a:ext uri="{FF2B5EF4-FFF2-40B4-BE49-F238E27FC236}">
-                <a16:creationId xmlns="" xmlns:a16="http://schemas.microsoft.com/office/drawing/2014/main" id="{A4C8F8A0-EF7A-4B93-914B-3E0BCB2CF611}"/>
+                <a16:creationId xmlns:a16="http://schemas.microsoft.com/office/drawing/2014/main" id="{A4C8F8A0-EF7A-4B93-914B-3E0BCB2CF611}"/>
               </a:ext>
             </a:extLst>
           </p:cNvPr>
@@ -14245,7 +14249,7 @@
           <p:cNvPr id="5" name="Espace réservé de la date 4">
             <a:extLst>
               <a:ext uri="{FF2B5EF4-FFF2-40B4-BE49-F238E27FC236}">
-                <a16:creationId xmlns="" xmlns:a16="http://schemas.microsoft.com/office/drawing/2014/main" id="{37723EDC-104E-45F0-B610-093611C3CC4D}"/>
+                <a16:creationId xmlns:a16="http://schemas.microsoft.com/office/drawing/2014/main" id="{37723EDC-104E-45F0-B610-093611C3CC4D}"/>
               </a:ext>
             </a:extLst>
           </p:cNvPr>
@@ -14274,7 +14278,7 @@
           <p:cNvPr id="6" name="Espace réservé du pied de page 5">
             <a:extLst>
               <a:ext uri="{FF2B5EF4-FFF2-40B4-BE49-F238E27FC236}">
-                <a16:creationId xmlns="" xmlns:a16="http://schemas.microsoft.com/office/drawing/2014/main" id="{CCDCC3BA-8200-4694-BF63-7E5D93C65EF8}"/>
+                <a16:creationId xmlns:a16="http://schemas.microsoft.com/office/drawing/2014/main" id="{CCDCC3BA-8200-4694-BF63-7E5D93C65EF8}"/>
               </a:ext>
             </a:extLst>
           </p:cNvPr>
@@ -14299,7 +14303,7 @@
           <p:cNvPr id="7" name="Espace réservé du numéro de diapositive 6">
             <a:extLst>
               <a:ext uri="{FF2B5EF4-FFF2-40B4-BE49-F238E27FC236}">
-                <a16:creationId xmlns="" xmlns:a16="http://schemas.microsoft.com/office/drawing/2014/main" id="{168C3E17-4504-44EB-BBE2-519E3BD38B35}"/>
+                <a16:creationId xmlns:a16="http://schemas.microsoft.com/office/drawing/2014/main" id="{168C3E17-4504-44EB-BBE2-519E3BD38B35}"/>
               </a:ext>
             </a:extLst>
           </p:cNvPr>
@@ -14317,7 +14321,7 @@
           <a:p>
             <a:fld id="{1B35A1AE-DECF-48A1-ACD6-B0CBAC7CBE3F}" type="slidenum">
               <a:rPr lang="fr-FR" smtClean="0"/>
-              <a:t>‹#›</a:t>
+              <a:t>‹N°›</a:t>
             </a:fld>
             <a:endParaRPr lang="fr-FR"/>
           </a:p>
@@ -14358,7 +14362,7 @@
           <p:cNvPr id="2" name="Titre 1">
             <a:extLst>
               <a:ext uri="{FF2B5EF4-FFF2-40B4-BE49-F238E27FC236}">
-                <a16:creationId xmlns="" xmlns:a16="http://schemas.microsoft.com/office/drawing/2014/main" id="{8AA9704E-8489-4DCF-BC00-B7E8260DF5C6}"/>
+                <a16:creationId xmlns:a16="http://schemas.microsoft.com/office/drawing/2014/main" id="{8AA9704E-8489-4DCF-BC00-B7E8260DF5C6}"/>
               </a:ext>
             </a:extLst>
           </p:cNvPr>
@@ -14395,7 +14399,7 @@
           <p:cNvPr id="3" name="Espace réservé pour une image  2">
             <a:extLst>
               <a:ext uri="{FF2B5EF4-FFF2-40B4-BE49-F238E27FC236}">
-                <a16:creationId xmlns="" xmlns:a16="http://schemas.microsoft.com/office/drawing/2014/main" id="{A224197C-56EC-4D83-9CE0-81D57FFAD552}"/>
+                <a16:creationId xmlns:a16="http://schemas.microsoft.com/office/drawing/2014/main" id="{A224197C-56EC-4D83-9CE0-81D57FFAD552}"/>
               </a:ext>
             </a:extLst>
           </p:cNvPr>
@@ -14462,7 +14466,7 @@
           <p:cNvPr id="4" name="Espace réservé du texte 3">
             <a:extLst>
               <a:ext uri="{FF2B5EF4-FFF2-40B4-BE49-F238E27FC236}">
-                <a16:creationId xmlns="" xmlns:a16="http://schemas.microsoft.com/office/drawing/2014/main" id="{55099B0B-E488-4F8E-8066-8C43D8D9668D}"/>
+                <a16:creationId xmlns:a16="http://schemas.microsoft.com/office/drawing/2014/main" id="{55099B0B-E488-4F8E-8066-8C43D8D9668D}"/>
               </a:ext>
             </a:extLst>
           </p:cNvPr>
@@ -14533,7 +14537,7 @@
           <p:cNvPr id="5" name="Espace réservé de la date 4">
             <a:extLst>
               <a:ext uri="{FF2B5EF4-FFF2-40B4-BE49-F238E27FC236}">
-                <a16:creationId xmlns="" xmlns:a16="http://schemas.microsoft.com/office/drawing/2014/main" id="{F7B80BB7-74EF-480A-A3E1-D8435997CAFC}"/>
+                <a16:creationId xmlns:a16="http://schemas.microsoft.com/office/drawing/2014/main" id="{F7B80BB7-74EF-480A-A3E1-D8435997CAFC}"/>
               </a:ext>
             </a:extLst>
           </p:cNvPr>
@@ -14562,7 +14566,7 @@
           <p:cNvPr id="6" name="Espace réservé du pied de page 5">
             <a:extLst>
               <a:ext uri="{FF2B5EF4-FFF2-40B4-BE49-F238E27FC236}">
-                <a16:creationId xmlns="" xmlns:a16="http://schemas.microsoft.com/office/drawing/2014/main" id="{7959C8C0-0A93-4BE1-B426-1B9E0A9E5BB7}"/>
+                <a16:creationId xmlns:a16="http://schemas.microsoft.com/office/drawing/2014/main" id="{7959C8C0-0A93-4BE1-B426-1B9E0A9E5BB7}"/>
               </a:ext>
             </a:extLst>
           </p:cNvPr>
@@ -14587,7 +14591,7 @@
           <p:cNvPr id="7" name="Espace réservé du numéro de diapositive 6">
             <a:extLst>
               <a:ext uri="{FF2B5EF4-FFF2-40B4-BE49-F238E27FC236}">
-                <a16:creationId xmlns="" xmlns:a16="http://schemas.microsoft.com/office/drawing/2014/main" id="{AAE1EEA0-B4A9-4949-99A1-88F2AC0F4A7C}"/>
+                <a16:creationId xmlns:a16="http://schemas.microsoft.com/office/drawing/2014/main" id="{AAE1EEA0-B4A9-4949-99A1-88F2AC0F4A7C}"/>
               </a:ext>
             </a:extLst>
           </p:cNvPr>
@@ -14605,7 +14609,7 @@
           <a:p>
             <a:fld id="{1B35A1AE-DECF-48A1-ACD6-B0CBAC7CBE3F}" type="slidenum">
               <a:rPr lang="fr-FR" smtClean="0"/>
-              <a:t>‹#›</a:t>
+              <a:t>‹N°›</a:t>
             </a:fld>
             <a:endParaRPr lang="fr-FR"/>
           </a:p>
@@ -14723,7 +14727,7 @@
           <a:p>
             <a:fld id="{10489E0E-CC19-4746-AE3F-A20083D175C2}" type="slidenum">
               <a:rPr lang="fr-FR" smtClean="0"/>
-              <a:t>‹#›</a:t>
+              <a:t>‹N°›</a:t>
             </a:fld>
             <a:endParaRPr lang="fr-FR"/>
           </a:p>
@@ -14764,7 +14768,7 @@
           <p:cNvPr id="2" name="Titre 1">
             <a:extLst>
               <a:ext uri="{FF2B5EF4-FFF2-40B4-BE49-F238E27FC236}">
-                <a16:creationId xmlns="" xmlns:a16="http://schemas.microsoft.com/office/drawing/2014/main" id="{3F4398EC-8782-4D57-ADC9-3089687A9AD5}"/>
+                <a16:creationId xmlns:a16="http://schemas.microsoft.com/office/drawing/2014/main" id="{3F4398EC-8782-4D57-ADC9-3089687A9AD5}"/>
               </a:ext>
             </a:extLst>
           </p:cNvPr>
@@ -14792,7 +14796,7 @@
           <p:cNvPr id="3" name="Espace réservé du texte vertical 2">
             <a:extLst>
               <a:ext uri="{FF2B5EF4-FFF2-40B4-BE49-F238E27FC236}">
-                <a16:creationId xmlns="" xmlns:a16="http://schemas.microsoft.com/office/drawing/2014/main" id="{4B56A725-F0E8-4162-BC5F-E79156DCF256}"/>
+                <a16:creationId xmlns:a16="http://schemas.microsoft.com/office/drawing/2014/main" id="{4B56A725-F0E8-4162-BC5F-E79156DCF256}"/>
               </a:ext>
             </a:extLst>
           </p:cNvPr>
@@ -14849,7 +14853,7 @@
           <p:cNvPr id="4" name="Espace réservé de la date 3">
             <a:extLst>
               <a:ext uri="{FF2B5EF4-FFF2-40B4-BE49-F238E27FC236}">
-                <a16:creationId xmlns="" xmlns:a16="http://schemas.microsoft.com/office/drawing/2014/main" id="{70D2D708-1A85-4397-AB9D-2E0DAEB8F03F}"/>
+                <a16:creationId xmlns:a16="http://schemas.microsoft.com/office/drawing/2014/main" id="{70D2D708-1A85-4397-AB9D-2E0DAEB8F03F}"/>
               </a:ext>
             </a:extLst>
           </p:cNvPr>
@@ -14878,7 +14882,7 @@
           <p:cNvPr id="5" name="Espace réservé du pied de page 4">
             <a:extLst>
               <a:ext uri="{FF2B5EF4-FFF2-40B4-BE49-F238E27FC236}">
-                <a16:creationId xmlns="" xmlns:a16="http://schemas.microsoft.com/office/drawing/2014/main" id="{EBCF327E-7CC0-4E4D-BE29-0E656EBB4E96}"/>
+                <a16:creationId xmlns:a16="http://schemas.microsoft.com/office/drawing/2014/main" id="{EBCF327E-7CC0-4E4D-BE29-0E656EBB4E96}"/>
               </a:ext>
             </a:extLst>
           </p:cNvPr>
@@ -14903,7 +14907,7 @@
           <p:cNvPr id="6" name="Espace réservé du numéro de diapositive 5">
             <a:extLst>
               <a:ext uri="{FF2B5EF4-FFF2-40B4-BE49-F238E27FC236}">
-                <a16:creationId xmlns="" xmlns:a16="http://schemas.microsoft.com/office/drawing/2014/main" id="{627A09E8-57AF-4AF5-AEF3-0807A2AF82A2}"/>
+                <a16:creationId xmlns:a16="http://schemas.microsoft.com/office/drawing/2014/main" id="{627A09E8-57AF-4AF5-AEF3-0807A2AF82A2}"/>
               </a:ext>
             </a:extLst>
           </p:cNvPr>
@@ -14921,7 +14925,7 @@
           <a:p>
             <a:fld id="{1B35A1AE-DECF-48A1-ACD6-B0CBAC7CBE3F}" type="slidenum">
               <a:rPr lang="fr-FR" smtClean="0"/>
-              <a:t>‹#›</a:t>
+              <a:t>‹N°›</a:t>
             </a:fld>
             <a:endParaRPr lang="fr-FR"/>
           </a:p>
@@ -14962,7 +14966,7 @@
           <p:cNvPr id="2" name="Titre vertical 1">
             <a:extLst>
               <a:ext uri="{FF2B5EF4-FFF2-40B4-BE49-F238E27FC236}">
-                <a16:creationId xmlns="" xmlns:a16="http://schemas.microsoft.com/office/drawing/2014/main" id="{E57B2A7E-E5EC-4746-BDF1-4C8C42DB1918}"/>
+                <a16:creationId xmlns:a16="http://schemas.microsoft.com/office/drawing/2014/main" id="{E57B2A7E-E5EC-4746-BDF1-4C8C42DB1918}"/>
               </a:ext>
             </a:extLst>
           </p:cNvPr>
@@ -14995,7 +14999,7 @@
           <p:cNvPr id="3" name="Espace réservé du texte vertical 2">
             <a:extLst>
               <a:ext uri="{FF2B5EF4-FFF2-40B4-BE49-F238E27FC236}">
-                <a16:creationId xmlns="" xmlns:a16="http://schemas.microsoft.com/office/drawing/2014/main" id="{9EEC7463-36CA-4929-9F29-7D52B0A30C10}"/>
+                <a16:creationId xmlns:a16="http://schemas.microsoft.com/office/drawing/2014/main" id="{9EEC7463-36CA-4929-9F29-7D52B0A30C10}"/>
               </a:ext>
             </a:extLst>
           </p:cNvPr>
@@ -15057,7 +15061,7 @@
           <p:cNvPr id="4" name="Espace réservé de la date 3">
             <a:extLst>
               <a:ext uri="{FF2B5EF4-FFF2-40B4-BE49-F238E27FC236}">
-                <a16:creationId xmlns="" xmlns:a16="http://schemas.microsoft.com/office/drawing/2014/main" id="{B184E05A-6412-47CB-8470-B4A5EEE42A49}"/>
+                <a16:creationId xmlns:a16="http://schemas.microsoft.com/office/drawing/2014/main" id="{B184E05A-6412-47CB-8470-B4A5EEE42A49}"/>
               </a:ext>
             </a:extLst>
           </p:cNvPr>
@@ -15086,7 +15090,7 @@
           <p:cNvPr id="5" name="Espace réservé du pied de page 4">
             <a:extLst>
               <a:ext uri="{FF2B5EF4-FFF2-40B4-BE49-F238E27FC236}">
-                <a16:creationId xmlns="" xmlns:a16="http://schemas.microsoft.com/office/drawing/2014/main" id="{EE9C4F30-332F-4EA6-A625-6002BBA68C04}"/>
+                <a16:creationId xmlns:a16="http://schemas.microsoft.com/office/drawing/2014/main" id="{EE9C4F30-332F-4EA6-A625-6002BBA68C04}"/>
               </a:ext>
             </a:extLst>
           </p:cNvPr>
@@ -15111,7 +15115,7 @@
           <p:cNvPr id="6" name="Espace réservé du numéro de diapositive 5">
             <a:extLst>
               <a:ext uri="{FF2B5EF4-FFF2-40B4-BE49-F238E27FC236}">
-                <a16:creationId xmlns="" xmlns:a16="http://schemas.microsoft.com/office/drawing/2014/main" id="{843F8469-8D0A-4299-8DB7-5ECE450F57D7}"/>
+                <a16:creationId xmlns:a16="http://schemas.microsoft.com/office/drawing/2014/main" id="{843F8469-8D0A-4299-8DB7-5ECE450F57D7}"/>
               </a:ext>
             </a:extLst>
           </p:cNvPr>
@@ -15129,7 +15133,7 @@
           <a:p>
             <a:fld id="{1B35A1AE-DECF-48A1-ACD6-B0CBAC7CBE3F}" type="slidenum">
               <a:rPr lang="fr-FR" smtClean="0"/>
-              <a:t>‹#›</a:t>
+              <a:t>‹N°›</a:t>
             </a:fld>
             <a:endParaRPr lang="fr-FR"/>
           </a:p>
@@ -15224,7 +15228,7 @@
           <a:p>
             <a:fld id="{10489E0E-CC19-4746-AE3F-A20083D175C2}" type="slidenum">
               <a:rPr lang="fr-FR" smtClean="0"/>
-              <a:t>‹#›</a:t>
+              <a:t>‹N°›</a:t>
             </a:fld>
             <a:endParaRPr lang="fr-FR"/>
           </a:p>
@@ -15503,7 +15507,7 @@
           <a:p>
             <a:fld id="{10489E0E-CC19-4746-AE3F-A20083D175C2}" type="slidenum">
               <a:rPr lang="fr-FR" smtClean="0"/>
-              <a:t>‹#›</a:t>
+              <a:t>‹N°›</a:t>
             </a:fld>
             <a:endParaRPr lang="fr-FR"/>
           </a:p>
@@ -15778,7 +15782,7 @@
           <a:p>
             <a:fld id="{10489E0E-CC19-4746-AE3F-A20083D175C2}" type="slidenum">
               <a:rPr lang="fr-FR" smtClean="0"/>
-              <a:t>‹#›</a:t>
+              <a:t>‹N°›</a:t>
             </a:fld>
             <a:endParaRPr lang="fr-FR"/>
           </a:p>
@@ -16244,7 +16248,7 @@
           <a:p>
             <a:fld id="{10489E0E-CC19-4746-AE3F-A20083D175C2}" type="slidenum">
               <a:rPr lang="fr-FR" smtClean="0"/>
-              <a:t>‹#›</a:t>
+              <a:t>‹N°›</a:t>
             </a:fld>
             <a:endParaRPr lang="fr-FR"/>
           </a:p>
@@ -16703,7 +16707,7 @@
           <p:cNvPr id="2" name="Espace réservé du titre 1">
             <a:extLst>
               <a:ext uri="{FF2B5EF4-FFF2-40B4-BE49-F238E27FC236}">
-                <a16:creationId xmlns="" xmlns:a16="http://schemas.microsoft.com/office/drawing/2014/main" id="{A62644BC-2AB3-4F68-9120-582F5E4C35FA}"/>
+                <a16:creationId xmlns:a16="http://schemas.microsoft.com/office/drawing/2014/main" id="{A62644BC-2AB3-4F68-9120-582F5E4C35FA}"/>
               </a:ext>
             </a:extLst>
           </p:cNvPr>
@@ -16741,7 +16745,7 @@
           <p:cNvPr id="3" name="Espace réservé du texte 2">
             <a:extLst>
               <a:ext uri="{FF2B5EF4-FFF2-40B4-BE49-F238E27FC236}">
-                <a16:creationId xmlns="" xmlns:a16="http://schemas.microsoft.com/office/drawing/2014/main" id="{C31DA899-61A0-48AE-8B7E-5CAB26E1C779}"/>
+                <a16:creationId xmlns:a16="http://schemas.microsoft.com/office/drawing/2014/main" id="{C31DA899-61A0-48AE-8B7E-5CAB26E1C779}"/>
               </a:ext>
             </a:extLst>
           </p:cNvPr>
@@ -16808,7 +16812,7 @@
           <p:cNvPr id="4" name="Espace réservé de la date 3">
             <a:extLst>
               <a:ext uri="{FF2B5EF4-FFF2-40B4-BE49-F238E27FC236}">
-                <a16:creationId xmlns="" xmlns:a16="http://schemas.microsoft.com/office/drawing/2014/main" id="{B92736C5-54EB-4FA4-95BB-4F01D2237CE6}"/>
+                <a16:creationId xmlns:a16="http://schemas.microsoft.com/office/drawing/2014/main" id="{B92736C5-54EB-4FA4-95BB-4F01D2237CE6}"/>
               </a:ext>
             </a:extLst>
           </p:cNvPr>
@@ -16855,7 +16859,7 @@
           <p:cNvPr id="5" name="Espace réservé du pied de page 4">
             <a:extLst>
               <a:ext uri="{FF2B5EF4-FFF2-40B4-BE49-F238E27FC236}">
-                <a16:creationId xmlns="" xmlns:a16="http://schemas.microsoft.com/office/drawing/2014/main" id="{F7AFB2D4-2FF9-4D60-81CD-BAE794E57884}"/>
+                <a16:creationId xmlns:a16="http://schemas.microsoft.com/office/drawing/2014/main" id="{F7AFB2D4-2FF9-4D60-81CD-BAE794E57884}"/>
               </a:ext>
             </a:extLst>
           </p:cNvPr>
@@ -16898,7 +16902,7 @@
           <p:cNvPr id="6" name="Espace réservé du numéro de diapositive 5">
             <a:extLst>
               <a:ext uri="{FF2B5EF4-FFF2-40B4-BE49-F238E27FC236}">
-                <a16:creationId xmlns="" xmlns:a16="http://schemas.microsoft.com/office/drawing/2014/main" id="{D237F7F9-523E-42F3-8C32-BEC183AE541F}"/>
+                <a16:creationId xmlns:a16="http://schemas.microsoft.com/office/drawing/2014/main" id="{D237F7F9-523E-42F3-8C32-BEC183AE541F}"/>
               </a:ext>
             </a:extLst>
           </p:cNvPr>
@@ -16934,7 +16938,7 @@
           <a:p>
             <a:fld id="{4E75FA5F-F235-4F54-B859-BB483DCF6E4D}" type="slidenum">
               <a:rPr lang="fr-FR" smtClean="0"/>
-              <a:t>‹#›</a:t>
+              <a:t>‹N°›</a:t>
             </a:fld>
             <a:endParaRPr lang="fr-FR"/>
           </a:p>
@@ -17271,7 +17275,7 @@
           <p:cNvPr id="2" name="Espace réservé du titre 1">
             <a:extLst>
               <a:ext uri="{FF2B5EF4-FFF2-40B4-BE49-F238E27FC236}">
-                <a16:creationId xmlns="" xmlns:a16="http://schemas.microsoft.com/office/drawing/2014/main" id="{05A77DA5-4E72-41D0-8D40-CE564BD1A494}"/>
+                <a16:creationId xmlns:a16="http://schemas.microsoft.com/office/drawing/2014/main" id="{05A77DA5-4E72-41D0-8D40-CE564BD1A494}"/>
               </a:ext>
             </a:extLst>
           </p:cNvPr>
@@ -17309,7 +17313,7 @@
           <p:cNvPr id="3" name="Espace réservé du texte 2">
             <a:extLst>
               <a:ext uri="{FF2B5EF4-FFF2-40B4-BE49-F238E27FC236}">
-                <a16:creationId xmlns="" xmlns:a16="http://schemas.microsoft.com/office/drawing/2014/main" id="{499DCDFC-4193-493A-85A1-1D4AE6D3BD5E}"/>
+                <a16:creationId xmlns:a16="http://schemas.microsoft.com/office/drawing/2014/main" id="{499DCDFC-4193-493A-85A1-1D4AE6D3BD5E}"/>
               </a:ext>
             </a:extLst>
           </p:cNvPr>
@@ -17376,7 +17380,7 @@
           <p:cNvPr id="4" name="Espace réservé de la date 3">
             <a:extLst>
               <a:ext uri="{FF2B5EF4-FFF2-40B4-BE49-F238E27FC236}">
-                <a16:creationId xmlns="" xmlns:a16="http://schemas.microsoft.com/office/drawing/2014/main" id="{CC81E24F-84EB-42A7-B1E1-CC53FBAB2E31}"/>
+                <a16:creationId xmlns:a16="http://schemas.microsoft.com/office/drawing/2014/main" id="{CC81E24F-84EB-42A7-B1E1-CC53FBAB2E31}"/>
               </a:ext>
             </a:extLst>
           </p:cNvPr>
@@ -17423,7 +17427,7 @@
           <p:cNvPr id="5" name="Espace réservé du pied de page 4">
             <a:extLst>
               <a:ext uri="{FF2B5EF4-FFF2-40B4-BE49-F238E27FC236}">
-                <a16:creationId xmlns="" xmlns:a16="http://schemas.microsoft.com/office/drawing/2014/main" id="{22A8E73B-1D8D-4B5B-AFBB-0648BB49D8FB}"/>
+                <a16:creationId xmlns:a16="http://schemas.microsoft.com/office/drawing/2014/main" id="{22A8E73B-1D8D-4B5B-AFBB-0648BB49D8FB}"/>
               </a:ext>
             </a:extLst>
           </p:cNvPr>
@@ -17466,7 +17470,7 @@
           <p:cNvPr id="6" name="Espace réservé du numéro de diapositive 5">
             <a:extLst>
               <a:ext uri="{FF2B5EF4-FFF2-40B4-BE49-F238E27FC236}">
-                <a16:creationId xmlns="" xmlns:a16="http://schemas.microsoft.com/office/drawing/2014/main" id="{606098B7-2C11-48D5-99EA-707E518E0D13}"/>
+                <a16:creationId xmlns:a16="http://schemas.microsoft.com/office/drawing/2014/main" id="{606098B7-2C11-48D5-99EA-707E518E0D13}"/>
               </a:ext>
             </a:extLst>
           </p:cNvPr>
@@ -17502,7 +17506,7 @@
           <a:p>
             <a:fld id="{8E22735B-F056-4F69-A81A-854B4B999240}" type="slidenum">
               <a:rPr lang="fr-FR" smtClean="0"/>
-              <a:t>‹#›</a:t>
+              <a:t>‹N°›</a:t>
             </a:fld>
             <a:endParaRPr lang="fr-FR"/>
           </a:p>
@@ -17839,7 +17843,7 @@
           <p:cNvPr id="2" name="Espace réservé du titre 1">
             <a:extLst>
               <a:ext uri="{FF2B5EF4-FFF2-40B4-BE49-F238E27FC236}">
-                <a16:creationId xmlns="" xmlns:a16="http://schemas.microsoft.com/office/drawing/2014/main" id="{E699EB15-EE50-4AE3-9A45-C6FCB5680554}"/>
+                <a16:creationId xmlns:a16="http://schemas.microsoft.com/office/drawing/2014/main" id="{E699EB15-EE50-4AE3-9A45-C6FCB5680554}"/>
               </a:ext>
             </a:extLst>
           </p:cNvPr>
@@ -17877,7 +17881,7 @@
           <p:cNvPr id="3" name="Espace réservé du texte 2">
             <a:extLst>
               <a:ext uri="{FF2B5EF4-FFF2-40B4-BE49-F238E27FC236}">
-                <a16:creationId xmlns="" xmlns:a16="http://schemas.microsoft.com/office/drawing/2014/main" id="{A3960205-A9CE-482A-8570-3DDA7DD373F4}"/>
+                <a16:creationId xmlns:a16="http://schemas.microsoft.com/office/drawing/2014/main" id="{A3960205-A9CE-482A-8570-3DDA7DD373F4}"/>
               </a:ext>
             </a:extLst>
           </p:cNvPr>
@@ -17944,7 +17948,7 @@
           <p:cNvPr id="4" name="Espace réservé de la date 3">
             <a:extLst>
               <a:ext uri="{FF2B5EF4-FFF2-40B4-BE49-F238E27FC236}">
-                <a16:creationId xmlns="" xmlns:a16="http://schemas.microsoft.com/office/drawing/2014/main" id="{9B4ACD21-B72B-47FE-ADED-41CA2AD9F4F0}"/>
+                <a16:creationId xmlns:a16="http://schemas.microsoft.com/office/drawing/2014/main" id="{9B4ACD21-B72B-47FE-ADED-41CA2AD9F4F0}"/>
               </a:ext>
             </a:extLst>
           </p:cNvPr>
@@ -17991,7 +17995,7 @@
           <p:cNvPr id="5" name="Espace réservé du pied de page 4">
             <a:extLst>
               <a:ext uri="{FF2B5EF4-FFF2-40B4-BE49-F238E27FC236}">
-                <a16:creationId xmlns="" xmlns:a16="http://schemas.microsoft.com/office/drawing/2014/main" id="{AE5DDFF3-2106-40B4-ABBF-4B51BF0F9C47}"/>
+                <a16:creationId xmlns:a16="http://schemas.microsoft.com/office/drawing/2014/main" id="{AE5DDFF3-2106-40B4-ABBF-4B51BF0F9C47}"/>
               </a:ext>
             </a:extLst>
           </p:cNvPr>
@@ -18034,7 +18038,7 @@
           <p:cNvPr id="6" name="Espace réservé du numéro de diapositive 5">
             <a:extLst>
               <a:ext uri="{FF2B5EF4-FFF2-40B4-BE49-F238E27FC236}">
-                <a16:creationId xmlns="" xmlns:a16="http://schemas.microsoft.com/office/drawing/2014/main" id="{A0F978E3-2F13-4348-B046-23B3DEB1CB8B}"/>
+                <a16:creationId xmlns:a16="http://schemas.microsoft.com/office/drawing/2014/main" id="{A0F978E3-2F13-4348-B046-23B3DEB1CB8B}"/>
               </a:ext>
             </a:extLst>
           </p:cNvPr>
@@ -18070,7 +18074,7 @@
           <a:p>
             <a:fld id="{A9956970-094A-43D6-B624-27A27B1BAE5D}" type="slidenum">
               <a:rPr lang="fr-FR" smtClean="0"/>
-              <a:t>‹#›</a:t>
+              <a:t>‹N°›</a:t>
             </a:fld>
             <a:endParaRPr lang="fr-FR"/>
           </a:p>
@@ -18407,7 +18411,7 @@
           <p:cNvPr id="2" name="Espace réservé du titre 1">
             <a:extLst>
               <a:ext uri="{FF2B5EF4-FFF2-40B4-BE49-F238E27FC236}">
-                <a16:creationId xmlns="" xmlns:a16="http://schemas.microsoft.com/office/drawing/2014/main" id="{BA178AF4-5166-473A-84E6-32214C82AD69}"/>
+                <a16:creationId xmlns:a16="http://schemas.microsoft.com/office/drawing/2014/main" id="{BA178AF4-5166-473A-84E6-32214C82AD69}"/>
               </a:ext>
             </a:extLst>
           </p:cNvPr>
@@ -18445,7 +18449,7 @@
           <p:cNvPr id="3" name="Espace réservé du texte 2">
             <a:extLst>
               <a:ext uri="{FF2B5EF4-FFF2-40B4-BE49-F238E27FC236}">
-                <a16:creationId xmlns="" xmlns:a16="http://schemas.microsoft.com/office/drawing/2014/main" id="{7F896BF6-9274-4F9D-BE5B-600E6D84A977}"/>
+                <a16:creationId xmlns:a16="http://schemas.microsoft.com/office/drawing/2014/main" id="{7F896BF6-9274-4F9D-BE5B-600E6D84A977}"/>
               </a:ext>
             </a:extLst>
           </p:cNvPr>
@@ -18512,7 +18516,7 @@
           <p:cNvPr id="4" name="Espace réservé de la date 3">
             <a:extLst>
               <a:ext uri="{FF2B5EF4-FFF2-40B4-BE49-F238E27FC236}">
-                <a16:creationId xmlns="" xmlns:a16="http://schemas.microsoft.com/office/drawing/2014/main" id="{0557DC36-A958-4016-9D96-F735EB89011C}"/>
+                <a16:creationId xmlns:a16="http://schemas.microsoft.com/office/drawing/2014/main" id="{0557DC36-A958-4016-9D96-F735EB89011C}"/>
               </a:ext>
             </a:extLst>
           </p:cNvPr>
@@ -18559,7 +18563,7 @@
           <p:cNvPr id="5" name="Espace réservé du pied de page 4">
             <a:extLst>
               <a:ext uri="{FF2B5EF4-FFF2-40B4-BE49-F238E27FC236}">
-                <a16:creationId xmlns="" xmlns:a16="http://schemas.microsoft.com/office/drawing/2014/main" id="{6B99DE09-93BD-4E09-B31B-11342A0B197F}"/>
+                <a16:creationId xmlns:a16="http://schemas.microsoft.com/office/drawing/2014/main" id="{6B99DE09-93BD-4E09-B31B-11342A0B197F}"/>
               </a:ext>
             </a:extLst>
           </p:cNvPr>
@@ -18602,7 +18606,7 @@
           <p:cNvPr id="6" name="Espace réservé du numéro de diapositive 5">
             <a:extLst>
               <a:ext uri="{FF2B5EF4-FFF2-40B4-BE49-F238E27FC236}">
-                <a16:creationId xmlns="" xmlns:a16="http://schemas.microsoft.com/office/drawing/2014/main" id="{A44E5175-1DC0-42C5-A943-6D6151D4BAF1}"/>
+                <a16:creationId xmlns:a16="http://schemas.microsoft.com/office/drawing/2014/main" id="{A44E5175-1DC0-42C5-A943-6D6151D4BAF1}"/>
               </a:ext>
             </a:extLst>
           </p:cNvPr>
@@ -18638,7 +18642,7 @@
           <a:p>
             <a:fld id="{1B35A1AE-DECF-48A1-ACD6-B0CBAC7CBE3F}" type="slidenum">
               <a:rPr lang="fr-FR" smtClean="0"/>
-              <a:t>‹#›</a:t>
+              <a:t>‹N°›</a:t>
             </a:fld>
             <a:endParaRPr lang="fr-FR"/>
           </a:p>
@@ -18970,7 +18974,7 @@
           <p:cNvPr id="2" name="Titre 1">
             <a:extLst>
               <a:ext uri="{FF2B5EF4-FFF2-40B4-BE49-F238E27FC236}">
-                <a16:creationId xmlns="" xmlns:a16="http://schemas.microsoft.com/office/drawing/2014/main" id="{FDCADFE2-8753-4937-8F01-AF2B70520236}"/>
+                <a16:creationId xmlns:a16="http://schemas.microsoft.com/office/drawing/2014/main" id="{FDCADFE2-8753-4937-8F01-AF2B70520236}"/>
               </a:ext>
             </a:extLst>
           </p:cNvPr>
@@ -19003,7 +19007,7 @@
           <p:cNvPr id="3" name="Sous-titre 2">
             <a:extLst>
               <a:ext uri="{FF2B5EF4-FFF2-40B4-BE49-F238E27FC236}">
-                <a16:creationId xmlns="" xmlns:a16="http://schemas.microsoft.com/office/drawing/2014/main" id="{388A955C-9163-4BE0-AB22-C467B1B5E3F5}"/>
+                <a16:creationId xmlns:a16="http://schemas.microsoft.com/office/drawing/2014/main" id="{388A955C-9163-4BE0-AB22-C467B1B5E3F5}"/>
               </a:ext>
             </a:extLst>
           </p:cNvPr>
@@ -19065,7 +19069,7 @@
           <p:cNvPr id="4" name="ZoneTexte 3">
             <a:extLst>
               <a:ext uri="{FF2B5EF4-FFF2-40B4-BE49-F238E27FC236}">
-                <a16:creationId xmlns="" xmlns:a16="http://schemas.microsoft.com/office/drawing/2014/main" id="{F8C2C9EB-5520-4133-B094-44DE8A7FC075}"/>
+                <a16:creationId xmlns:a16="http://schemas.microsoft.com/office/drawing/2014/main" id="{F8C2C9EB-5520-4133-B094-44DE8A7FC075}"/>
               </a:ext>
             </a:extLst>
           </p:cNvPr>
@@ -19130,7 +19134,7 @@
           <p:cNvPr id="2" name="Titre 1">
             <a:extLst>
               <a:ext uri="{FF2B5EF4-FFF2-40B4-BE49-F238E27FC236}">
-                <a16:creationId xmlns="" xmlns:a16="http://schemas.microsoft.com/office/drawing/2014/main" id="{9FE37EB2-BF12-46CA-969D-30BC4C0614BD}"/>
+                <a16:creationId xmlns:a16="http://schemas.microsoft.com/office/drawing/2014/main" id="{9FE37EB2-BF12-46CA-969D-30BC4C0614BD}"/>
               </a:ext>
             </a:extLst>
           </p:cNvPr>
@@ -19159,7 +19163,7 @@
           <p:cNvPr id="3" name="Espace réservé du contenu 2">
             <a:extLst>
               <a:ext uri="{FF2B5EF4-FFF2-40B4-BE49-F238E27FC236}">
-                <a16:creationId xmlns="" xmlns:a16="http://schemas.microsoft.com/office/drawing/2014/main" id="{020F91D5-A00D-4548-A12F-D25B1D259D08}"/>
+                <a16:creationId xmlns:a16="http://schemas.microsoft.com/office/drawing/2014/main" id="{020F91D5-A00D-4548-A12F-D25B1D259D08}"/>
               </a:ext>
             </a:extLst>
           </p:cNvPr>
@@ -19176,7 +19180,7 @@
           <a:lstStyle/>
           <a:p>
             <a:pPr algn="just"/>
-            <a:endParaRPr lang="fr-FR" dirty="0" smtClean="0"/>
+            <a:endParaRPr lang="fr-FR" dirty="0"/>
           </a:p>
           <a:p>
             <a:pPr algn="just"/>
@@ -19190,15 +19194,7 @@
             </a:r>
             <a:r>
               <a:rPr lang="fr-FR" dirty="0"/>
-              <a:t> </a:t>
-            </a:r>
-            <a:r>
-              <a:rPr lang="fr-FR" dirty="0" smtClean="0"/>
-              <a:t>permettant </a:t>
-            </a:r>
-            <a:r>
-              <a:rPr lang="fr-FR" dirty="0"/>
-              <a:t>d'administrer les droits dans un répertoire </a:t>
+              <a:t> permettant d'administrer les droits dans un répertoire </a:t>
             </a:r>
             <a:r>
               <a:rPr lang="fr-FR" dirty="0" err="1"/>
@@ -19206,11 +19202,7 @@
             </a:r>
             <a:r>
               <a:rPr lang="fr-FR" dirty="0"/>
-              <a:t> de façon, claire, précise, pratique, et massive</a:t>
-            </a:r>
-            <a:r>
-              <a:rPr lang="fr-FR" dirty="0" smtClean="0"/>
-              <a:t>.</a:t>
+              <a:t> de façon, claire, précise, pratique, et massive.</a:t>
             </a:r>
           </a:p>
           <a:p>
@@ -19220,14 +19212,13 @@
           <a:p>
             <a:pPr algn="just"/>
             <a:r>
-              <a:rPr lang="fr-FR" dirty="0" smtClean="0"/>
+              <a:rPr lang="fr-FR" dirty="0"/>
               <a:t>IHM PS</a:t>
             </a:r>
+          </a:p>
+          <a:p>
             <a:endParaRPr lang="fr-FR" dirty="0"/>
           </a:p>
-          <a:p>
-            <a:endParaRPr lang="fr-FR" dirty="0"/>
-          </a:p>
         </p:txBody>
       </p:sp>
       <p:sp>
@@ -19235,7 +19226,7 @@
           <p:cNvPr id="4" name="ZoneTexte 3">
             <a:extLst>
               <a:ext uri="{FF2B5EF4-FFF2-40B4-BE49-F238E27FC236}">
-                <a16:creationId xmlns="" xmlns:a16="http://schemas.microsoft.com/office/drawing/2014/main" id="{EEDBDD41-BCE1-4CA5-825D-2BC06C22590D}"/>
+                <a16:creationId xmlns:a16="http://schemas.microsoft.com/office/drawing/2014/main" id="{EEDBDD41-BCE1-4CA5-825D-2BC06C22590D}"/>
               </a:ext>
             </a:extLst>
           </p:cNvPr>
@@ -19312,10 +19303,9 @@
           <a:p>
             <a:pPr algn="ctr"/>
             <a:r>
-              <a:rPr lang="fr-FR" dirty="0" smtClean="0"/>
+              <a:rPr lang="fr-FR" dirty="0"/>
               <a:t>Déroulement du script</a:t>
             </a:r>
-            <a:endParaRPr lang="fr-FR" dirty="0"/>
           </a:p>
         </p:txBody>
       </p:sp>
@@ -19341,22 +19331,17 @@
               <a:buAutoNum type="arabicPeriod"/>
             </a:pPr>
             <a:r>
-              <a:rPr lang="fr-FR" dirty="0" smtClean="0"/>
-              <a:t>Récupérer le contenu de l’annuaire de permissions d’un domaine donné dans un fichier </a:t>
-            </a:r>
-            <a:r>
-              <a:rPr lang="fr-FR" dirty="0" smtClean="0"/>
-              <a:t>.</a:t>
-            </a:r>
-            <a:r>
-              <a:rPr lang="fr-FR" dirty="0" err="1" smtClean="0"/>
+              <a:rPr lang="fr-FR" dirty="0"/>
+              <a:t>Récupérer le contenu de l’annuaire de permissions d’un domaine donné dans un fichier .</a:t>
+            </a:r>
+            <a:r>
+              <a:rPr lang="fr-FR" dirty="0" err="1"/>
               <a:t>txt</a:t>
             </a:r>
             <a:r>
-              <a:rPr lang="fr-FR" dirty="0" smtClean="0"/>
+              <a:rPr lang="fr-FR" dirty="0"/>
               <a:t> ou .csv</a:t>
             </a:r>
-            <a:endParaRPr lang="fr-FR" dirty="0" smtClean="0"/>
           </a:p>
           <a:p>
             <a:pPr marL="457200" indent="-457200" algn="just">
@@ -19364,24 +19349,8 @@
               <a:buAutoNum type="arabicPeriod"/>
             </a:pPr>
             <a:r>
-              <a:rPr lang="fr-FR" dirty="0" smtClean="0"/>
-              <a:t>Création </a:t>
-            </a:r>
-            <a:r>
-              <a:rPr lang="fr-FR" dirty="0" smtClean="0"/>
-              <a:t>d’une sauvegarde de </a:t>
-            </a:r>
-            <a:r>
-              <a:rPr lang="fr-FR" dirty="0" smtClean="0"/>
-              <a:t>l’annuaire actuel </a:t>
-            </a:r>
-            <a:r>
-              <a:rPr lang="fr-FR" dirty="0" smtClean="0"/>
-              <a:t>si elle n’existe </a:t>
-            </a:r>
-            <a:r>
-              <a:rPr lang="fr-FR" dirty="0" smtClean="0"/>
-              <a:t>pas, et si elle existe alors donner la possibilité de revenir à celle-ci</a:t>
+              <a:rPr lang="fr-FR" dirty="0"/>
+              <a:t>Création d’une sauvegarde de l’annuaire actuel si elle n’existe pas, et si elle existe alors donner la possibilité de revenir à celle-ci</a:t>
             </a:r>
           </a:p>
           <a:p>
@@ -19391,13 +19360,8 @@
             </a:pPr>
             <a:r>
               <a:rPr lang="fr-FR" dirty="0"/>
-              <a:t>Affichage du fichier précédemment créé pour donner une vision d’ensemble à </a:t>
-            </a:r>
-            <a:r>
-              <a:rPr lang="fr-FR" dirty="0" smtClean="0"/>
-              <a:t>l’utilisateur</a:t>
-            </a:r>
-            <a:endParaRPr lang="fr-FR" dirty="0" smtClean="0"/>
+              <a:t>Affichage du fichier précédemment créé pour donner une vision d’ensemble à l’utilisateur</a:t>
+            </a:r>
           </a:p>
           <a:p>
             <a:pPr marL="457200" indent="-457200" algn="just">
@@ -19406,13 +19370,8 @@
             </a:pPr>
             <a:r>
               <a:rPr lang="fr-FR" dirty="0"/>
-              <a:t>Affichage des </a:t>
-            </a:r>
-            <a:r>
-              <a:rPr lang="fr-FR" dirty="0" smtClean="0"/>
-              <a:t>actions possible à l’utilisateur (Sauvegarde, modification et Export-Nouvelle backup)</a:t>
-            </a:r>
-            <a:endParaRPr lang="fr-FR" dirty="0" smtClean="0"/>
+              <a:t>Affichage des actions possible à l’utilisateur (Sauvegarde, modification et Export-Nouvelle backup)</a:t>
+            </a:r>
           </a:p>
           <a:p>
             <a:pPr marL="457200" indent="-457200" algn="just">
@@ -19420,16 +19379,8 @@
               <a:buAutoNum type="arabicPeriod"/>
             </a:pPr>
             <a:r>
-              <a:rPr lang="fr-FR" dirty="0" smtClean="0"/>
-              <a:t>Exécution des scripts en fonction du choix de l’utilisateur (ajout, modification et suppression</a:t>
-            </a:r>
-            <a:r>
               <a:rPr lang="fr-FR" dirty="0"/>
-              <a:t> des permissions</a:t>
-            </a:r>
-            <a:r>
-              <a:rPr lang="fr-FR" dirty="0" smtClean="0"/>
-              <a:t>)</a:t>
+              <a:t>Exécution des scripts en fonction du choix de l’utilisateur (ajout, modification et suppression des permissions)</a:t>
             </a:r>
           </a:p>
           <a:p>
@@ -19438,10 +19389,9 @@
               <a:buAutoNum type="arabicPeriod"/>
             </a:pPr>
             <a:r>
-              <a:rPr lang="fr-FR" dirty="0" smtClean="0"/>
+              <a:rPr lang="fr-FR" dirty="0"/>
               <a:t>Au moment de fermer le programme, sauvegarde des modifications ou conservation de la version initiale</a:t>
             </a:r>
-            <a:endParaRPr lang="fr-FR" dirty="0"/>
           </a:p>
         </p:txBody>
       </p:sp>
@@ -19450,7 +19400,7 @@
           <p:cNvPr id="4" name="ZoneTexte 3">
             <a:extLst>
               <a:ext uri="{FF2B5EF4-FFF2-40B4-BE49-F238E27FC236}">
-                <a16:creationId xmlns="" xmlns:a16="http://schemas.microsoft.com/office/drawing/2014/main" id="{EEDBDD41-BCE1-4CA5-825D-2BC06C22590D}"/>
+                <a16:creationId xmlns:a16="http://schemas.microsoft.com/office/drawing/2014/main" id="{EEDBDD41-BCE1-4CA5-825D-2BC06C22590D}"/>
               </a:ext>
             </a:extLst>
           </p:cNvPr>
@@ -19474,7 +19424,7 @@
           <a:lstStyle/>
           <a:p>
             <a:r>
-              <a:rPr lang="fr-FR" sz="4000" dirty="0" smtClean="0"/>
+              <a:rPr lang="fr-FR" sz="4000" dirty="0"/>
               <a:t>3</a:t>
             </a:r>
           </a:p>
@@ -19527,10 +19477,9 @@
           <a:p>
             <a:pPr algn="ctr"/>
             <a:r>
-              <a:rPr lang="fr-FR" dirty="0" smtClean="0"/>
+              <a:rPr lang="fr-FR" dirty="0"/>
               <a:t>Etapes</a:t>
             </a:r>
-            <a:endParaRPr lang="fr-FR" dirty="0"/>
           </a:p>
         </p:txBody>
       </p:sp>
@@ -19554,21 +19503,21 @@
               <a:buAutoNum type="arabicPeriod"/>
             </a:pPr>
             <a:r>
-              <a:rPr lang="fr-FR" dirty="0" smtClean="0"/>
+              <a:rPr lang="fr-FR" dirty="0"/>
               <a:t>Documentation script en </a:t>
             </a:r>
             <a:r>
-              <a:rPr lang="fr-FR" dirty="0" err="1" smtClean="0"/>
+              <a:rPr lang="fr-FR" dirty="0" err="1"/>
               <a:t>powershell</a:t>
             </a:r>
-            <a:endParaRPr lang="fr-FR" dirty="0" smtClean="0"/>
+            <a:endParaRPr lang="fr-FR" dirty="0"/>
           </a:p>
           <a:p>
             <a:pPr marL="457200" indent="-457200">
               <a:buFont typeface="+mj-lt"/>
               <a:buAutoNum type="arabicPeriod"/>
             </a:pPr>
-            <a:endParaRPr lang="fr-FR" dirty="0" smtClean="0"/>
+            <a:endParaRPr lang="fr-FR" dirty="0"/>
           </a:p>
           <a:p>
             <a:pPr marL="457200" indent="-457200">
@@ -19576,7 +19525,7 @@
               <a:buAutoNum type="arabicPeriod"/>
             </a:pPr>
             <a:r>
-              <a:rPr lang="fr-FR" dirty="0" smtClean="0"/>
+              <a:rPr lang="fr-FR" dirty="0"/>
               <a:t>Développement du script</a:t>
             </a:r>
           </a:p>
@@ -19585,7 +19534,7 @@
               <a:buFont typeface="+mj-lt"/>
               <a:buAutoNum type="arabicPeriod"/>
             </a:pPr>
-            <a:endParaRPr lang="fr-FR" dirty="0" smtClean="0"/>
+            <a:endParaRPr lang="fr-FR" dirty="0"/>
           </a:p>
           <a:p>
             <a:pPr marL="457200" indent="-457200">
@@ -19593,7 +19542,7 @@
               <a:buAutoNum type="arabicPeriod"/>
             </a:pPr>
             <a:r>
-              <a:rPr lang="fr-FR" dirty="0" smtClean="0"/>
+              <a:rPr lang="fr-FR" dirty="0"/>
               <a:t>Réalisation de la documentation technique</a:t>
             </a:r>
           </a:p>
@@ -19602,7 +19551,7 @@
               <a:buFont typeface="+mj-lt"/>
               <a:buAutoNum type="arabicPeriod"/>
             </a:pPr>
-            <a:endParaRPr lang="fr-FR" dirty="0" smtClean="0"/>
+            <a:endParaRPr lang="fr-FR" dirty="0"/>
           </a:p>
           <a:p>
             <a:pPr marL="457200" indent="-457200">
@@ -19659,10 +19608,9 @@
           <a:lstStyle/>
           <a:p>
             <a:r>
-              <a:rPr lang="fr-FR" dirty="0" smtClean="0"/>
+              <a:rPr lang="fr-FR" dirty="0"/>
               <a:t>Répartitions des taches</a:t>
             </a:r>
-            <a:endParaRPr lang="fr-FR" dirty="0"/>
           </a:p>
         </p:txBody>
       </p:sp>
@@ -19675,14 +19623,14 @@
           <p:nvPr>
             <p:extLst>
               <p:ext uri="{D42A27DB-BD31-4B8C-83A1-F6EECF244321}">
-                <p14:modId xmlns:p14="http://schemas.microsoft.com/office/powerpoint/2010/main" val="435936762"/>
+                <p14:modId xmlns:p14="http://schemas.microsoft.com/office/powerpoint/2010/main" val="3426611259"/>
               </p:ext>
             </p:extLst>
           </p:nvPr>
         </p:nvGraphicFramePr>
         <p:xfrm>
           <a:off x="326567" y="2410758"/>
-          <a:ext cx="11669488" cy="3164840"/>
+          <a:ext cx="11669488" cy="3906520"/>
         </p:xfrm>
         <a:graphic>
           <a:graphicData uri="http://schemas.openxmlformats.org/drawingml/2006/table">
@@ -19691,14 +19639,62 @@
                 <a:tableStyleId>{5C22544A-7EE6-4342-B048-85BDC9FD1C3A}</a:tableStyleId>
               </a:tblPr>
               <a:tblGrid>
-                <a:gridCol w="1328062"/>
-                <a:gridCol w="1589310"/>
-                <a:gridCol w="1458686"/>
-                <a:gridCol w="1458686"/>
-                <a:gridCol w="1458686"/>
-                <a:gridCol w="1458686"/>
-                <a:gridCol w="1458686"/>
-                <a:gridCol w="1458686"/>
+                <a:gridCol w="1328062">
+                  <a:extLst>
+                    <a:ext uri="{9D8B030D-6E8A-4147-A177-3AD203B41FA5}">
+                      <a16:colId xmlns:a16="http://schemas.microsoft.com/office/drawing/2014/main" val="20000"/>
+                    </a:ext>
+                  </a:extLst>
+                </a:gridCol>
+                <a:gridCol w="1589310">
+                  <a:extLst>
+                    <a:ext uri="{9D8B030D-6E8A-4147-A177-3AD203B41FA5}">
+                      <a16:colId xmlns:a16="http://schemas.microsoft.com/office/drawing/2014/main" val="20001"/>
+                    </a:ext>
+                  </a:extLst>
+                </a:gridCol>
+                <a:gridCol w="1458686">
+                  <a:extLst>
+                    <a:ext uri="{9D8B030D-6E8A-4147-A177-3AD203B41FA5}">
+                      <a16:colId xmlns:a16="http://schemas.microsoft.com/office/drawing/2014/main" val="20002"/>
+                    </a:ext>
+                  </a:extLst>
+                </a:gridCol>
+                <a:gridCol w="1458686">
+                  <a:extLst>
+                    <a:ext uri="{9D8B030D-6E8A-4147-A177-3AD203B41FA5}">
+                      <a16:colId xmlns:a16="http://schemas.microsoft.com/office/drawing/2014/main" val="20003"/>
+                    </a:ext>
+                  </a:extLst>
+                </a:gridCol>
+                <a:gridCol w="1458686">
+                  <a:extLst>
+                    <a:ext uri="{9D8B030D-6E8A-4147-A177-3AD203B41FA5}">
+                      <a16:colId xmlns:a16="http://schemas.microsoft.com/office/drawing/2014/main" val="20004"/>
+                    </a:ext>
+                  </a:extLst>
+                </a:gridCol>
+                <a:gridCol w="1458686">
+                  <a:extLst>
+                    <a:ext uri="{9D8B030D-6E8A-4147-A177-3AD203B41FA5}">
+                      <a16:colId xmlns:a16="http://schemas.microsoft.com/office/drawing/2014/main" val="20005"/>
+                    </a:ext>
+                  </a:extLst>
+                </a:gridCol>
+                <a:gridCol w="1458686">
+                  <a:extLst>
+                    <a:ext uri="{9D8B030D-6E8A-4147-A177-3AD203B41FA5}">
+                      <a16:colId xmlns:a16="http://schemas.microsoft.com/office/drawing/2014/main" val="20006"/>
+                    </a:ext>
+                  </a:extLst>
+                </a:gridCol>
+                <a:gridCol w="1458686">
+                  <a:extLst>
+                    <a:ext uri="{9D8B030D-6E8A-4147-A177-3AD203B41FA5}">
+                      <a16:colId xmlns:a16="http://schemas.microsoft.com/office/drawing/2014/main" val="20007"/>
+                    </a:ext>
+                  </a:extLst>
+                </a:gridCol>
               </a:tblGrid>
               <a:tr h="370840">
                 <a:tc>
@@ -19734,14 +19730,33 @@
                         <a:defRPr/>
                       </a:pPr>
                       <a:r>
-                        <a:rPr lang="fr-FR" sz="1600" dirty="0" smtClean="0"/>
+                        <a:rPr lang="fr-FR" sz="1600" dirty="0"/>
                         <a:t>Récupération des informations</a:t>
                       </a:r>
                       <a:r>
-                        <a:rPr lang="fr-FR" sz="1600" baseline="0" dirty="0" smtClean="0"/>
-                        <a:t> du domaine</a:t>
+                        <a:rPr lang="fr-FR" sz="1600" baseline="0" dirty="0"/>
+                        <a:t> du domaine </a:t>
                       </a:r>
-                      <a:endParaRPr lang="fr-FR" sz="1600" dirty="0" smtClean="0"/>
+                    </a:p>
+                    <a:p>
+                      <a:pPr marL="0" marR="0" indent="0" algn="l" defTabSz="457200" rtl="0" eaLnBrk="1" fontAlgn="auto" latinLnBrk="0" hangingPunct="1">
+                        <a:lnSpc>
+                          <a:spcPct val="100000"/>
+                        </a:lnSpc>
+                        <a:spcBef>
+                          <a:spcPts val="0"/>
+                        </a:spcBef>
+                        <a:spcAft>
+                          <a:spcPts val="0"/>
+                        </a:spcAft>
+                        <a:buClrTx/>
+                        <a:buSzTx/>
+                        <a:buFontTx/>
+                        <a:buNone/>
+                        <a:tabLst/>
+                        <a:defRPr/>
+                      </a:pPr>
+                      <a:endParaRPr lang="fr-FR" sz="1600" dirty="0"/>
                     </a:p>
                   </a:txBody>
                   <a:tcPr/>
@@ -19769,22 +19784,14 @@
                         <a:defRPr/>
                       </a:pPr>
                       <a:r>
-                        <a:rPr lang="fr-FR" sz="1600" dirty="0" smtClean="0"/>
-                        <a:t>Exportation </a:t>
+                        <a:rPr lang="fr-FR" sz="1600" dirty="0"/>
+                        <a:t>Exportation et organisation </a:t>
                       </a:r>
                       <a:r>
-                        <a:rPr lang="fr-FR" sz="1600" smtClean="0"/>
-                        <a:t>et organisation </a:t>
+                        <a:rPr lang="fr-FR" sz="1600" baseline="0" dirty="0"/>
+                        <a:t>dans un csv ou txt</a:t>
                       </a:r>
-                      <a:r>
-                        <a:rPr lang="fr-FR" sz="1600" baseline="0" dirty="0" smtClean="0"/>
-                        <a:t>dans un csv ou </a:t>
-                      </a:r>
-                      <a:r>
-                        <a:rPr lang="fr-FR" sz="1600" baseline="0" dirty="0" err="1" smtClean="0"/>
-                        <a:t>txt</a:t>
-                      </a:r>
-                      <a:endParaRPr lang="fr-FR" sz="1600" dirty="0" smtClean="0"/>
+                      <a:endParaRPr lang="fr-FR" sz="1600" dirty="0"/>
                     </a:p>
                   </a:txBody>
                   <a:tcPr/>
@@ -19812,18 +19819,18 @@
                         <a:defRPr/>
                       </a:pPr>
                       <a:r>
-                        <a:rPr lang="fr-FR" sz="1600" dirty="0" smtClean="0"/>
+                        <a:rPr lang="fr-FR" sz="1600" dirty="0"/>
                         <a:t>Restauration</a:t>
                       </a:r>
                       <a:r>
-                        <a:rPr lang="fr-FR" sz="1600" baseline="0" dirty="0" smtClean="0"/>
+                        <a:rPr lang="fr-FR" sz="1600" baseline="0" dirty="0"/>
                         <a:t> de toutes les </a:t>
                       </a:r>
                       <a:r>
-                        <a:rPr lang="fr-FR" sz="1600" baseline="0" dirty="0" err="1" smtClean="0"/>
+                        <a:rPr lang="fr-FR" sz="1600" baseline="0" dirty="0" err="1"/>
                         <a:t>ACEs</a:t>
                       </a:r>
-                      <a:endParaRPr lang="fr-FR" sz="1600" dirty="0" smtClean="0"/>
+                      <a:endParaRPr lang="fr-FR" sz="1600" dirty="0"/>
                     </a:p>
                   </a:txBody>
                   <a:tcPr/>
@@ -19851,18 +19858,18 @@
                         <a:defRPr/>
                       </a:pPr>
                       <a:r>
-                        <a:rPr lang="fr-FR" sz="1600" dirty="0" smtClean="0"/>
+                        <a:rPr lang="fr-FR" sz="1600" dirty="0"/>
                         <a:t>Restauration</a:t>
                       </a:r>
                       <a:r>
-                        <a:rPr lang="fr-FR" sz="1600" baseline="0" dirty="0" smtClean="0"/>
+                        <a:rPr lang="fr-FR" sz="1600" baseline="0" dirty="0"/>
                         <a:t> de certaines </a:t>
                       </a:r>
                       <a:r>
-                        <a:rPr lang="fr-FR" sz="1600" baseline="0" dirty="0" err="1" smtClean="0"/>
+                        <a:rPr lang="fr-FR" sz="1600" baseline="0" dirty="0" err="1"/>
                         <a:t>ACEs</a:t>
                       </a:r>
-                      <a:endParaRPr lang="fr-FR" sz="1600" dirty="0" smtClean="0"/>
+                      <a:endParaRPr lang="fr-FR" sz="1600" dirty="0"/>
                     </a:p>
                   </a:txBody>
                   <a:tcPr/>
@@ -19890,14 +19897,14 @@
                         <a:defRPr/>
                       </a:pPr>
                       <a:r>
-                        <a:rPr lang="fr-FR" sz="1600" dirty="0" smtClean="0"/>
+                        <a:rPr lang="fr-FR" sz="1600" dirty="0"/>
                         <a:t>Modification</a:t>
                       </a:r>
                       <a:r>
-                        <a:rPr lang="fr-FR" sz="1600" baseline="0" dirty="0" smtClean="0"/>
+                        <a:rPr lang="fr-FR" sz="1600" baseline="0" dirty="0"/>
                         <a:t> d’une ACE</a:t>
                       </a:r>
-                      <a:endParaRPr lang="fr-FR" sz="1600" dirty="0" smtClean="0"/>
+                      <a:endParaRPr lang="fr-FR" sz="1600" dirty="0"/>
                     </a:p>
                   </a:txBody>
                   <a:tcPr/>
@@ -19925,7 +19932,7 @@
                         <a:defRPr/>
                       </a:pPr>
                       <a:r>
-                        <a:rPr lang="fr-FR" sz="1600" dirty="0" smtClean="0"/>
+                        <a:rPr lang="fr-FR" sz="1600" dirty="0"/>
                         <a:t>Suppression d’une ACE</a:t>
                       </a:r>
                     </a:p>
@@ -19958,7 +19965,7 @@
                         <a:defRPr/>
                       </a:pPr>
                       <a:r>
-                        <a:rPr lang="fr-FR" sz="1600" dirty="0" smtClean="0"/>
+                        <a:rPr lang="fr-FR" sz="1600" dirty="0"/>
                         <a:t>Ajout d’une ACE</a:t>
                       </a:r>
                     </a:p>
@@ -19968,6 +19975,11 @@
                   </a:txBody>
                   <a:tcPr/>
                 </a:tc>
+                <a:extLst>
+                  <a:ext uri="{0D108BD9-81ED-4DB2-BD59-A6C34878D82A}">
+                    <a16:rowId xmlns:a16="http://schemas.microsoft.com/office/drawing/2014/main" val="10000"/>
+                  </a:ext>
+                </a:extLst>
               </a:tr>
               <a:tr h="370840">
                 <a:tc>
@@ -19976,7 +19988,7 @@
                     <a:lstStyle/>
                     <a:p>
                       <a:r>
-                        <a:rPr lang="fr-FR" dirty="0" smtClean="0"/>
+                        <a:rPr lang="fr-FR" dirty="0"/>
                         <a:t>Jérémy</a:t>
                       </a:r>
                     </a:p>
@@ -19990,10 +20002,9 @@
                     <a:p>
                       <a:pPr algn="ctr"/>
                       <a:r>
-                        <a:rPr lang="fr-FR" dirty="0" smtClean="0"/>
+                        <a:rPr lang="fr-FR" dirty="0"/>
                         <a:t>x</a:t>
                       </a:r>
-                      <a:endParaRPr lang="fr-FR" dirty="0"/>
                     </a:p>
                   </a:txBody>
                   <a:tcPr/>
@@ -20005,10 +20016,9 @@
                     <a:p>
                       <a:pPr algn="ctr"/>
                       <a:r>
-                        <a:rPr lang="fr-FR" dirty="0" smtClean="0"/>
+                        <a:rPr lang="fr-FR" dirty="0"/>
                         <a:t>x</a:t>
                       </a:r>
-                      <a:endParaRPr lang="fr-FR" dirty="0"/>
                     </a:p>
                   </a:txBody>
                   <a:tcPr/>
@@ -20020,10 +20030,9 @@
                     <a:p>
                       <a:pPr algn="ctr"/>
                       <a:r>
-                        <a:rPr lang="fr-FR" dirty="0" smtClean="0"/>
+                        <a:rPr lang="fr-FR" dirty="0"/>
                         <a:t>x</a:t>
                       </a:r>
-                      <a:endParaRPr lang="fr-FR" dirty="0"/>
                     </a:p>
                   </a:txBody>
                   <a:tcPr/>
@@ -20072,6 +20081,11 @@
                   </a:txBody>
                   <a:tcPr/>
                 </a:tc>
+                <a:extLst>
+                  <a:ext uri="{0D108BD9-81ED-4DB2-BD59-A6C34878D82A}">
+                    <a16:rowId xmlns:a16="http://schemas.microsoft.com/office/drawing/2014/main" val="10001"/>
+                  </a:ext>
+                </a:extLst>
               </a:tr>
               <a:tr h="370840">
                 <a:tc>
@@ -20080,10 +20094,9 @@
                     <a:lstStyle/>
                     <a:p>
                       <a:r>
-                        <a:rPr lang="fr-FR" dirty="0" smtClean="0"/>
+                        <a:rPr lang="fr-FR" dirty="0"/>
                         <a:t>Quentin</a:t>
                       </a:r>
-                      <a:endParaRPr lang="fr-FR" dirty="0"/>
                     </a:p>
                   </a:txBody>
                   <a:tcPr/>
@@ -20128,10 +20141,9 @@
                     <a:p>
                       <a:pPr algn="ctr"/>
                       <a:r>
-                        <a:rPr lang="fr-FR" dirty="0" smtClean="0"/>
+                        <a:rPr lang="fr-FR" dirty="0"/>
                         <a:t>x</a:t>
                       </a:r>
-                      <a:endParaRPr lang="fr-FR" dirty="0"/>
                     </a:p>
                   </a:txBody>
                   <a:tcPr/>
@@ -20143,10 +20155,9 @@
                     <a:p>
                       <a:pPr algn="ctr"/>
                       <a:r>
-                        <a:rPr lang="fr-FR" dirty="0" smtClean="0"/>
+                        <a:rPr lang="fr-FR" dirty="0"/>
                         <a:t>x</a:t>
                       </a:r>
-                      <a:endParaRPr lang="fr-FR" dirty="0"/>
                     </a:p>
                   </a:txBody>
                   <a:tcPr/>
@@ -20158,10 +20169,9 @@
                     <a:p>
                       <a:pPr algn="ctr"/>
                       <a:r>
-                        <a:rPr lang="fr-FR" dirty="0" smtClean="0"/>
+                        <a:rPr lang="fr-FR" dirty="0"/>
                         <a:t>x</a:t>
                       </a:r>
-                      <a:endParaRPr lang="fr-FR" dirty="0"/>
                     </a:p>
                   </a:txBody>
                   <a:tcPr/>
@@ -20173,14 +20183,18 @@
                     <a:p>
                       <a:pPr algn="ctr"/>
                       <a:r>
-                        <a:rPr lang="fr-FR" dirty="0" smtClean="0"/>
+                        <a:rPr lang="fr-FR" dirty="0"/>
                         <a:t>x</a:t>
                       </a:r>
-                      <a:endParaRPr lang="fr-FR" dirty="0"/>
                     </a:p>
                   </a:txBody>
                   <a:tcPr/>
                 </a:tc>
+                <a:extLst>
+                  <a:ext uri="{0D108BD9-81ED-4DB2-BD59-A6C34878D82A}">
+                    <a16:rowId xmlns:a16="http://schemas.microsoft.com/office/drawing/2014/main" val="10002"/>
+                  </a:ext>
+                </a:extLst>
               </a:tr>
               <a:tr h="370840">
                 <a:tc>
@@ -20189,7 +20203,7 @@
                     <a:lstStyle/>
                     <a:p>
                       <a:r>
-                        <a:rPr lang="fr-FR" dirty="0" err="1" smtClean="0"/>
+                        <a:rPr lang="fr-FR" dirty="0" err="1"/>
                         <a:t>Timothe</a:t>
                       </a:r>
                       <a:endParaRPr lang="fr-FR" dirty="0"/>
@@ -20237,10 +20251,9 @@
                     <a:p>
                       <a:pPr algn="ctr"/>
                       <a:r>
-                        <a:rPr lang="fr-FR" dirty="0" smtClean="0"/>
+                        <a:rPr lang="fr-FR" dirty="0"/>
                         <a:t>x</a:t>
                       </a:r>
-                      <a:endParaRPr lang="fr-FR" dirty="0"/>
                     </a:p>
                   </a:txBody>
                   <a:tcPr/>
@@ -20252,10 +20265,9 @@
                     <a:p>
                       <a:pPr algn="ctr"/>
                       <a:r>
-                        <a:rPr lang="fr-FR" dirty="0" smtClean="0"/>
+                        <a:rPr lang="fr-FR" dirty="0"/>
                         <a:t>x</a:t>
                       </a:r>
-                      <a:endParaRPr lang="fr-FR" dirty="0"/>
                     </a:p>
                   </a:txBody>
                   <a:tcPr/>
@@ -20267,10 +20279,9 @@
                     <a:p>
                       <a:pPr algn="ctr"/>
                       <a:r>
-                        <a:rPr lang="fr-FR" dirty="0" smtClean="0"/>
+                        <a:rPr lang="fr-FR" dirty="0"/>
                         <a:t>x</a:t>
                       </a:r>
-                      <a:endParaRPr lang="fr-FR" dirty="0"/>
                     </a:p>
                   </a:txBody>
                   <a:tcPr/>
@@ -20282,14 +20293,18 @@
                     <a:p>
                       <a:pPr algn="ctr"/>
                       <a:r>
-                        <a:rPr lang="fr-FR" dirty="0" smtClean="0"/>
+                        <a:rPr lang="fr-FR" dirty="0"/>
                         <a:t>x</a:t>
                       </a:r>
-                      <a:endParaRPr lang="fr-FR" dirty="0"/>
                     </a:p>
                   </a:txBody>
                   <a:tcPr/>
                 </a:tc>
+                <a:extLst>
+                  <a:ext uri="{0D108BD9-81ED-4DB2-BD59-A6C34878D82A}">
+                    <a16:rowId xmlns:a16="http://schemas.microsoft.com/office/drawing/2014/main" val="10003"/>
+                  </a:ext>
+                </a:extLst>
               </a:tr>
               <a:tr h="370840">
                 <a:tc>
@@ -20298,10 +20313,9 @@
                     <a:lstStyle/>
                     <a:p>
                       <a:r>
-                        <a:rPr lang="fr-FR" dirty="0" smtClean="0"/>
+                        <a:rPr lang="fr-FR" dirty="0"/>
                         <a:t>Stéphane</a:t>
                       </a:r>
-                      <a:endParaRPr lang="fr-FR" dirty="0"/>
                     </a:p>
                   </a:txBody>
                   <a:tcPr/>
@@ -20313,10 +20327,9 @@
                     <a:p>
                       <a:pPr algn="ctr"/>
                       <a:r>
-                        <a:rPr lang="fr-FR" dirty="0" smtClean="0"/>
+                        <a:rPr lang="fr-FR" dirty="0"/>
                         <a:t>x</a:t>
                       </a:r>
-                      <a:endParaRPr lang="fr-FR" dirty="0"/>
                     </a:p>
                   </a:txBody>
                   <a:tcPr/>
@@ -20328,10 +20341,9 @@
                     <a:p>
                       <a:pPr algn="ctr"/>
                       <a:r>
-                        <a:rPr lang="fr-FR" dirty="0" smtClean="0"/>
+                        <a:rPr lang="fr-FR" dirty="0"/>
                         <a:t>x</a:t>
                       </a:r>
-                      <a:endParaRPr lang="fr-FR" dirty="0"/>
                     </a:p>
                   </a:txBody>
                   <a:tcPr/>
@@ -20343,10 +20355,9 @@
                     <a:p>
                       <a:pPr algn="ctr"/>
                       <a:r>
-                        <a:rPr lang="fr-FR" dirty="0" smtClean="0"/>
+                        <a:rPr lang="fr-FR" dirty="0"/>
                         <a:t>x</a:t>
                       </a:r>
-                      <a:endParaRPr lang="fr-FR" dirty="0"/>
                     </a:p>
                   </a:txBody>
                   <a:tcPr/>
@@ -20395,6 +20406,11 @@
                   </a:txBody>
                   <a:tcPr/>
                 </a:tc>
+                <a:extLst>
+                  <a:ext uri="{0D108BD9-81ED-4DB2-BD59-A6C34878D82A}">
+                    <a16:rowId xmlns:a16="http://schemas.microsoft.com/office/drawing/2014/main" val="10004"/>
+                  </a:ext>
+                </a:extLst>
               </a:tr>
               <a:tr h="370840">
                 <a:tc>
@@ -20403,10 +20419,9 @@
                     <a:lstStyle/>
                     <a:p>
                       <a:r>
-                        <a:rPr lang="fr-FR" dirty="0" smtClean="0"/>
+                        <a:rPr lang="fr-FR" dirty="0"/>
                         <a:t>Benjamin</a:t>
                       </a:r>
-                      <a:endParaRPr lang="fr-FR" dirty="0"/>
                     </a:p>
                   </a:txBody>
                   <a:tcPr/>
@@ -20418,10 +20433,9 @@
                     <a:p>
                       <a:pPr algn="ctr"/>
                       <a:r>
-                        <a:rPr lang="fr-FR" dirty="0" smtClean="0"/>
+                        <a:rPr lang="fr-FR" dirty="0"/>
                         <a:t>x</a:t>
                       </a:r>
-                      <a:endParaRPr lang="fr-FR" dirty="0"/>
                     </a:p>
                   </a:txBody>
                   <a:tcPr/>
@@ -20433,10 +20447,9 @@
                     <a:p>
                       <a:pPr algn="ctr"/>
                       <a:r>
-                        <a:rPr lang="fr-FR" dirty="0" smtClean="0"/>
+                        <a:rPr lang="fr-FR" dirty="0"/>
                         <a:t>x</a:t>
                       </a:r>
-                      <a:endParaRPr lang="fr-FR" dirty="0"/>
                     </a:p>
                   </a:txBody>
                   <a:tcPr/>
@@ -20448,10 +20461,9 @@
                     <a:p>
                       <a:pPr algn="ctr"/>
                       <a:r>
-                        <a:rPr lang="fr-FR" dirty="0" smtClean="0"/>
+                        <a:rPr lang="fr-FR" dirty="0"/>
                         <a:t>x</a:t>
                       </a:r>
-                      <a:endParaRPr lang="fr-FR" dirty="0"/>
                     </a:p>
                   </a:txBody>
                   <a:tcPr/>
@@ -20500,6 +20512,245 @@
                   </a:txBody>
                   <a:tcPr/>
                 </a:tc>
+                <a:extLst>
+                  <a:ext uri="{0D108BD9-81ED-4DB2-BD59-A6C34878D82A}">
+                    <a16:rowId xmlns:a16="http://schemas.microsoft.com/office/drawing/2014/main" val="10005"/>
+                  </a:ext>
+                </a:extLst>
+              </a:tr>
+              <a:tr h="370840">
+                <a:tc>
+                  <a:txBody>
+                    <a:bodyPr/>
+                    <a:lstStyle/>
+                    <a:p>
+                      <a:endParaRPr lang="fr-FR" dirty="0"/>
+                    </a:p>
+                  </a:txBody>
+                  <a:tcPr/>
+                </a:tc>
+                <a:tc>
+                  <a:txBody>
+                    <a:bodyPr/>
+                    <a:lstStyle/>
+                    <a:p>
+                      <a:pPr algn="ctr"/>
+                      <a:r>
+                        <a:rPr lang="fr-FR" dirty="0"/>
+                        <a:t>14/12</a:t>
+                      </a:r>
+                    </a:p>
+                  </a:txBody>
+                  <a:tcPr/>
+                </a:tc>
+                <a:tc>
+                  <a:txBody>
+                    <a:bodyPr/>
+                    <a:lstStyle/>
+                    <a:p>
+                      <a:pPr algn="ctr"/>
+                      <a:r>
+                        <a:rPr lang="fr-FR" dirty="0"/>
+                        <a:t>20/12</a:t>
+                      </a:r>
+                    </a:p>
+                  </a:txBody>
+                  <a:tcPr/>
+                </a:tc>
+                <a:tc>
+                  <a:txBody>
+                    <a:bodyPr/>
+                    <a:lstStyle/>
+                    <a:p>
+                      <a:pPr algn="ctr"/>
+                      <a:r>
+                        <a:rPr lang="fr-FR" dirty="0"/>
+                        <a:t>24/12</a:t>
+                      </a:r>
+                    </a:p>
+                  </a:txBody>
+                  <a:tcPr/>
+                </a:tc>
+                <a:tc>
+                  <a:txBody>
+                    <a:bodyPr/>
+                    <a:lstStyle/>
+                    <a:p>
+                      <a:pPr algn="ctr"/>
+                      <a:r>
+                        <a:rPr lang="fr-FR" dirty="0"/>
+                        <a:t>17/12</a:t>
+                      </a:r>
+                    </a:p>
+                  </a:txBody>
+                  <a:tcPr/>
+                </a:tc>
+                <a:tc>
+                  <a:txBody>
+                    <a:bodyPr/>
+                    <a:lstStyle/>
+                    <a:p>
+                      <a:pPr algn="ctr"/>
+                      <a:r>
+                        <a:rPr lang="fr-FR" dirty="0"/>
+                        <a:t>24/12</a:t>
+                      </a:r>
+                    </a:p>
+                  </a:txBody>
+                  <a:tcPr/>
+                </a:tc>
+                <a:tc>
+                  <a:txBody>
+                    <a:bodyPr/>
+                    <a:lstStyle/>
+                    <a:p>
+                      <a:pPr algn="ctr"/>
+                      <a:r>
+                        <a:rPr lang="fr-FR" dirty="0"/>
+                        <a:t>26/12</a:t>
+                      </a:r>
+                    </a:p>
+                  </a:txBody>
+                  <a:tcPr/>
+                </a:tc>
+                <a:tc>
+                  <a:txBody>
+                    <a:bodyPr/>
+                    <a:lstStyle/>
+                    <a:p>
+                      <a:pPr algn="ctr"/>
+                      <a:r>
+                        <a:rPr lang="fr-FR" dirty="0"/>
+                        <a:t>28/12</a:t>
+                      </a:r>
+                    </a:p>
+                  </a:txBody>
+                  <a:tcPr/>
+                </a:tc>
+                <a:extLst>
+                  <a:ext uri="{0D108BD9-81ED-4DB2-BD59-A6C34878D82A}">
+                    <a16:rowId xmlns:a16="http://schemas.microsoft.com/office/drawing/2014/main" val="3892443465"/>
+                  </a:ext>
+                </a:extLst>
+              </a:tr>
+              <a:tr h="370840">
+                <a:tc>
+                  <a:txBody>
+                    <a:bodyPr/>
+                    <a:lstStyle/>
+                    <a:p>
+                      <a:r>
+                        <a:rPr lang="fr-FR" dirty="0"/>
+                        <a:t>Charge</a:t>
+                      </a:r>
+                    </a:p>
+                  </a:txBody>
+                  <a:tcPr/>
+                </a:tc>
+                <a:tc>
+                  <a:txBody>
+                    <a:bodyPr/>
+                    <a:lstStyle/>
+                    <a:p>
+                      <a:pPr algn="ctr"/>
+                      <a:r>
+                        <a:rPr lang="fr-FR" dirty="0"/>
+                        <a:t>5j</a:t>
+                      </a:r>
+                    </a:p>
+                  </a:txBody>
+                  <a:tcPr/>
+                </a:tc>
+                <a:tc>
+                  <a:txBody>
+                    <a:bodyPr/>
+                    <a:lstStyle/>
+                    <a:p>
+                      <a:pPr algn="ctr"/>
+                      <a:r>
+                        <a:rPr lang="fr-FR" dirty="0"/>
+                        <a:t>3j</a:t>
+                      </a:r>
+                    </a:p>
+                  </a:txBody>
+                  <a:tcPr/>
+                </a:tc>
+                <a:tc>
+                  <a:txBody>
+                    <a:bodyPr/>
+                    <a:lstStyle/>
+                    <a:p>
+                      <a:pPr algn="ctr"/>
+                      <a:r>
+                        <a:rPr lang="fr-FR" dirty="0"/>
+                        <a:t>4j</a:t>
+                      </a:r>
+                    </a:p>
+                  </a:txBody>
+                  <a:tcPr/>
+                </a:tc>
+                <a:tc>
+                  <a:txBody>
+                    <a:bodyPr/>
+                    <a:lstStyle/>
+                    <a:p>
+                      <a:pPr algn="ctr"/>
+                      <a:r>
+                        <a:rPr lang="fr-FR" dirty="0"/>
+                        <a:t>5j</a:t>
+                      </a:r>
+                    </a:p>
+                  </a:txBody>
+                  <a:tcPr/>
+                </a:tc>
+                <a:tc>
+                  <a:txBody>
+                    <a:bodyPr/>
+                    <a:lstStyle/>
+                    <a:p>
+                      <a:pPr algn="ctr"/>
+                      <a:r>
+                        <a:rPr lang="fr-FR" dirty="0"/>
+                        <a:t>3j</a:t>
+                      </a:r>
+                    </a:p>
+                  </a:txBody>
+                  <a:tcPr/>
+                </a:tc>
+                <a:tc>
+                  <a:txBody>
+                    <a:bodyPr/>
+                    <a:lstStyle/>
+                    <a:p>
+                      <a:pPr algn="ctr"/>
+                      <a:r>
+                        <a:rPr lang="fr-FR" dirty="0"/>
+                        <a:t>2j</a:t>
+                      </a:r>
+                    </a:p>
+                  </a:txBody>
+                  <a:tcPr/>
+                </a:tc>
+                <a:tc>
+                  <a:txBody>
+                    <a:bodyPr/>
+                    <a:lstStyle/>
+                    <a:p>
+                      <a:pPr algn="ctr"/>
+                      <a:r>
+                        <a:rPr lang="fr-FR"/>
+                        <a:t>2j</a:t>
+                      </a:r>
+                      <a:endParaRPr lang="fr-FR" dirty="0"/>
+                    </a:p>
+                  </a:txBody>
+                  <a:tcPr/>
+                </a:tc>
+                <a:extLst>
+                  <a:ext uri="{0D108BD9-81ED-4DB2-BD59-A6C34878D82A}">
+                    <a16:rowId xmlns:a16="http://schemas.microsoft.com/office/drawing/2014/main" val="1813881623"/>
+                  </a:ext>
+                </a:extLst>
               </a:tr>
             </a:tbl>
           </a:graphicData>

--- a/Projet_Windows_serveur.pptx
+++ b/Projet_Windows_serveur.pptx
@@ -19623,7 +19623,7 @@
           <p:nvPr>
             <p:extLst>
               <p:ext uri="{D42A27DB-BD31-4B8C-83A1-F6EECF244321}">
-                <p14:modId xmlns:p14="http://schemas.microsoft.com/office/powerpoint/2010/main" val="3426611259"/>
+                <p14:modId xmlns:p14="http://schemas.microsoft.com/office/powerpoint/2010/main" val="3414405982"/>
               </p:ext>
             </p:extLst>
           </p:nvPr>
@@ -20043,7 +20043,10 @@
                     <a:lstStyle/>
                     <a:p>
                       <a:pPr algn="ctr"/>
-                      <a:endParaRPr lang="fr-FR" dirty="0"/>
+                      <a:r>
+                        <a:rPr lang="fr-FR" dirty="0"/>
+                        <a:t>x</a:t>
+                      </a:r>
                     </a:p>
                   </a:txBody>
                   <a:tcPr/>
@@ -20140,10 +20143,7 @@
                     <a:lstStyle/>
                     <a:p>
                       <a:pPr algn="ctr"/>
-                      <a:r>
-                        <a:rPr lang="fr-FR" dirty="0"/>
-                        <a:t>x</a:t>
-                      </a:r>
+                      <a:endParaRPr lang="fr-FR" dirty="0"/>
                     </a:p>
                   </a:txBody>
                   <a:tcPr/>
@@ -20250,10 +20250,7 @@
                     <a:lstStyle/>
                     <a:p>
                       <a:pPr algn="ctr"/>
-                      <a:r>
-                        <a:rPr lang="fr-FR" dirty="0"/>
-                        <a:t>x</a:t>
-                      </a:r>
+                      <a:endParaRPr lang="fr-FR" dirty="0"/>
                     </a:p>
                   </a:txBody>
                   <a:tcPr/>
@@ -20368,7 +20365,10 @@
                     <a:lstStyle/>
                     <a:p>
                       <a:pPr algn="ctr"/>
-                      <a:endParaRPr lang="fr-FR" dirty="0"/>
+                      <a:r>
+                        <a:rPr lang="fr-FR" dirty="0"/>
+                        <a:t>x</a:t>
+                      </a:r>
                     </a:p>
                   </a:txBody>
                   <a:tcPr/>
@@ -20474,7 +20474,10 @@
                     <a:lstStyle/>
                     <a:p>
                       <a:pPr algn="ctr"/>
-                      <a:endParaRPr lang="fr-FR" dirty="0"/>
+                      <a:r>
+                        <a:rPr lang="fr-FR" dirty="0"/>
+                        <a:t>x</a:t>
+                      </a:r>
                     </a:p>
                   </a:txBody>
                   <a:tcPr/>
@@ -20579,7 +20582,7 @@
                       <a:pPr algn="ctr"/>
                       <a:r>
                         <a:rPr lang="fr-FR" dirty="0"/>
-                        <a:t>17/12</a:t>
+                        <a:t>30/12</a:t>
                       </a:r>
                     </a:p>
                   </a:txBody>
@@ -20669,7 +20672,7 @@
                       <a:pPr algn="ctr"/>
                       <a:r>
                         <a:rPr lang="fr-FR" dirty="0"/>
-                        <a:t>3j</a:t>
+                        <a:t>1j</a:t>
                       </a:r>
                     </a:p>
                   </a:txBody>
@@ -20738,10 +20741,9 @@
                     <a:p>
                       <a:pPr algn="ctr"/>
                       <a:r>
-                        <a:rPr lang="fr-FR"/>
+                        <a:rPr lang="fr-FR" dirty="0"/>
                         <a:t>2j</a:t>
                       </a:r>
-                      <a:endParaRPr lang="fr-FR" dirty="0"/>
                     </a:p>
                   </a:txBody>
                   <a:tcPr/>

--- a/Projet_Windows_serveur.pptx
+++ b/Projet_Windows_serveur.pptx
@@ -19186,7 +19186,7 @@
             <a:pPr algn="just"/>
             <a:r>
               <a:rPr lang="fr-FR" dirty="0"/>
-              <a:t>Mettre en place un application en </a:t>
+              <a:t>Mettre en place un script en </a:t>
             </a:r>
             <a:r>
               <a:rPr lang="fr-FR" dirty="0" err="1"/>
@@ -19194,30 +19194,8 @@
             </a:r>
             <a:r>
               <a:rPr lang="fr-FR" dirty="0"/>
-              <a:t> permettant d'administrer les droits dans un répertoire </a:t>
-            </a:r>
-            <a:r>
-              <a:rPr lang="fr-FR" dirty="0" err="1"/>
-              <a:t>windows</a:t>
-            </a:r>
-            <a:r>
-              <a:rPr lang="fr-FR" dirty="0"/>
-              <a:t> de façon, claire, précise, pratique, et massive.</a:t>
-            </a:r>
-          </a:p>
-          <a:p>
-            <a:pPr algn="just"/>
-            <a:endParaRPr lang="fr-FR" dirty="0"/>
-          </a:p>
-          <a:p>
-            <a:pPr algn="just"/>
-            <a:r>
-              <a:rPr lang="fr-FR" dirty="0"/>
-              <a:t>IHM PS</a:t>
-            </a:r>
-          </a:p>
-          <a:p>
-            <a:endParaRPr lang="fr-FR" dirty="0"/>
+              <a:t> permettant d'administrer les droits dans un annuaire AD de façon, claire, précise, pratique, et massive. ( faire une IHM d’administration de droits )</a:t>
+            </a:r>
           </a:p>
         </p:txBody>
       </p:sp>

--- a/Projet_Windows_serveur.pptx
+++ b/Projet_Windows_serveur.pptx
@@ -19540,6 +19540,41 @@
           </a:p>
         </p:txBody>
       </p:sp>
+      <p:sp>
+        <p:nvSpPr>
+          <p:cNvPr id="5" name="ZoneTexte 4">
+            <a:extLst>
+              <a:ext uri="{FF2B5EF4-FFF2-40B4-BE49-F238E27FC236}">
+                <a16:creationId xmlns:a16="http://schemas.microsoft.com/office/drawing/2014/main" id="{645F3CC3-9752-4DDE-9D8F-C3B8A4B136B3}"/>
+              </a:ext>
+            </a:extLst>
+          </p:cNvPr>
+          <p:cNvSpPr txBox="1"/>
+          <p:nvPr/>
+        </p:nvSpPr>
+        <p:spPr>
+          <a:xfrm>
+            <a:off x="10580914" y="352698"/>
+            <a:ext cx="574766" cy="707886"/>
+          </a:xfrm>
+          <a:prstGeom prst="rect">
+            <a:avLst/>
+          </a:prstGeom>
+          <a:noFill/>
+        </p:spPr>
+        <p:txBody>
+          <a:bodyPr wrap="square" rtlCol="0">
+            <a:spAutoFit/>
+          </a:bodyPr>
+          <a:lstStyle/>
+          <a:p>
+            <a:r>
+              <a:rPr lang="fr-FR" sz="4000" dirty="0"/>
+              <a:t>4</a:t>
+            </a:r>
+          </a:p>
+        </p:txBody>
+      </p:sp>
     </p:spTree>
     <p:extLst>
       <p:ext uri="{BB962C8B-B14F-4D97-AF65-F5344CB8AC3E}">
@@ -19601,7 +19636,7 @@
           <p:nvPr>
             <p:extLst>
               <p:ext uri="{D42A27DB-BD31-4B8C-83A1-F6EECF244321}">
-                <p14:modId xmlns:p14="http://schemas.microsoft.com/office/powerpoint/2010/main" val="3414405982"/>
+                <p14:modId xmlns:p14="http://schemas.microsoft.com/office/powerpoint/2010/main" val="2833442583"/>
               </p:ext>
             </p:extLst>
           </p:nvPr>
@@ -20505,7 +20540,10 @@
                     <a:bodyPr/>
                     <a:lstStyle/>
                     <a:p>
-                      <a:endParaRPr lang="fr-FR" dirty="0"/>
+                      <a:r>
+                        <a:rPr lang="fr-FR" dirty="0"/>
+                        <a:t>Dead line</a:t>
+                      </a:r>
                     </a:p>
                   </a:txBody>
                   <a:tcPr/>
@@ -20736,6 +20774,41 @@
           </a:graphicData>
         </a:graphic>
       </p:graphicFrame>
+      <p:sp>
+        <p:nvSpPr>
+          <p:cNvPr id="4" name="ZoneTexte 3">
+            <a:extLst>
+              <a:ext uri="{FF2B5EF4-FFF2-40B4-BE49-F238E27FC236}">
+                <a16:creationId xmlns:a16="http://schemas.microsoft.com/office/drawing/2014/main" id="{D43BA45B-0B61-48E8-AC23-FC1B0B300006}"/>
+              </a:ext>
+            </a:extLst>
+          </p:cNvPr>
+          <p:cNvSpPr txBox="1"/>
+          <p:nvPr/>
+        </p:nvSpPr>
+        <p:spPr>
+          <a:xfrm>
+            <a:off x="10580914" y="352698"/>
+            <a:ext cx="574766" cy="707886"/>
+          </a:xfrm>
+          <a:prstGeom prst="rect">
+            <a:avLst/>
+          </a:prstGeom>
+          <a:noFill/>
+        </p:spPr>
+        <p:txBody>
+          <a:bodyPr wrap="square" rtlCol="0">
+            <a:spAutoFit/>
+          </a:bodyPr>
+          <a:lstStyle/>
+          <a:p>
+            <a:r>
+              <a:rPr lang="fr-FR" sz="4000" dirty="0"/>
+              <a:t>5</a:t>
+            </a:r>
+          </a:p>
+        </p:txBody>
+      </p:sp>
     </p:spTree>
     <p:extLst>
       <p:ext uri="{BB962C8B-B14F-4D97-AF65-F5344CB8AC3E}">

--- a/Projet_Windows_serveur.pptx
+++ b/Projet_Windows_serveur.pptx
@@ -19194,7 +19194,7 @@
             </a:r>
             <a:r>
               <a:rPr lang="fr-FR" dirty="0"/>
-              <a:t> permettant d'administrer les droits dans un annuaire AD de façon, claire, précise, pratique, et massive. ( faire une IHM d’administration de droits )</a:t>
+              <a:t> permettant d'administrer les droits dans un annuaire AD de façon, claire, précise, pratique, et massive. </a:t>
             </a:r>
           </a:p>
         </p:txBody>
@@ -19491,6 +19491,27 @@
             <a:endParaRPr lang="fr-FR" dirty="0"/>
           </a:p>
           <a:p>
+            <a:pPr marL="857250" lvl="1" indent="-457200"/>
+            <a:r>
+              <a:rPr lang="fr-FR" dirty="0"/>
+              <a:t>Méthode de récupération de l’annuaire</a:t>
+            </a:r>
+          </a:p>
+          <a:p>
+            <a:pPr marL="857250" lvl="1" indent="-457200"/>
+            <a:r>
+              <a:rPr lang="fr-FR" dirty="0"/>
+              <a:t>Mise en place d’une sauvegarde de l’annuaire existant</a:t>
+            </a:r>
+          </a:p>
+          <a:p>
+            <a:pPr marL="857250" lvl="1" indent="-457200"/>
+            <a:r>
+              <a:rPr lang="fr-FR" dirty="0"/>
+              <a:t>Export de l’annuaire de permissions dans un fichier</a:t>
+            </a:r>
+          </a:p>
+          <a:p>
             <a:pPr marL="457200" indent="-457200">
               <a:buFont typeface="+mj-lt"/>
               <a:buAutoNum type="arabicPeriod"/>
@@ -19601,7 +19622,7 @@
           <p:nvPr>
             <p:extLst>
               <p:ext uri="{D42A27DB-BD31-4B8C-83A1-F6EECF244321}">
-                <p14:modId xmlns:p14="http://schemas.microsoft.com/office/powerpoint/2010/main" val="3414405982"/>
+                <p14:modId xmlns:p14="http://schemas.microsoft.com/office/powerpoint/2010/main" val="3213452251"/>
               </p:ext>
             </p:extLst>
           </p:nvPr>
@@ -20454,7 +20475,7 @@
                       <a:pPr algn="ctr"/>
                       <a:r>
                         <a:rPr lang="fr-FR" dirty="0"/>
-                        <a:t>x</a:t>
+                        <a:t>X</a:t>
                       </a:r>
                     </a:p>
                   </a:txBody>
@@ -20518,7 +20539,7 @@
                       <a:pPr algn="ctr"/>
                       <a:r>
                         <a:rPr lang="fr-FR" dirty="0"/>
-                        <a:t>14/12</a:t>
+                        <a:t>16/12</a:t>
                       </a:r>
                     </a:p>
                   </a:txBody>
@@ -20560,7 +20581,7 @@
                       <a:pPr algn="ctr"/>
                       <a:r>
                         <a:rPr lang="fr-FR" dirty="0"/>
-                        <a:t>30/12</a:t>
+                        <a:t>28/12</a:t>
                       </a:r>
                     </a:p>
                   </a:txBody>
@@ -20574,7 +20595,7 @@
                       <a:pPr algn="ctr"/>
                       <a:r>
                         <a:rPr lang="fr-FR" dirty="0"/>
-                        <a:t>24/12</a:t>
+                        <a:t>23/12</a:t>
                       </a:r>
                     </a:p>
                   </a:txBody>
@@ -20650,7 +20671,7 @@
                       <a:pPr algn="ctr"/>
                       <a:r>
                         <a:rPr lang="fr-FR" dirty="0"/>
-                        <a:t>1j</a:t>
+                        <a:t>3j</a:t>
                       </a:r>
                     </a:p>
                   </a:txBody>
@@ -20678,7 +20699,7 @@
                       <a:pPr algn="ctr"/>
                       <a:r>
                         <a:rPr lang="fr-FR" dirty="0"/>
-                        <a:t>5j</a:t>
+                        <a:t>2j</a:t>
                       </a:r>
                     </a:p>
                   </a:txBody>
